--- a/How I learned to stop worrying and love the zygohistomorphic prepromorphism.pptx
+++ b/How I learned to stop worrying and love the zygohistomorphic prepromorphism.pptx
@@ -12,41 +12,41 @@
     <p:sldId id="262" r:id="rId6"/>
     <p:sldId id="263" r:id="rId7"/>
     <p:sldId id="265" r:id="rId8"/>
-    <p:sldId id="266" r:id="rId9"/>
-    <p:sldId id="267" r:id="rId10"/>
-    <p:sldId id="268" r:id="rId11"/>
-    <p:sldId id="269" r:id="rId12"/>
-    <p:sldId id="270" r:id="rId13"/>
-    <p:sldId id="271" r:id="rId14"/>
-    <p:sldId id="272" r:id="rId15"/>
-    <p:sldId id="273" r:id="rId16"/>
-    <p:sldId id="274" r:id="rId17"/>
-    <p:sldId id="276" r:id="rId18"/>
-    <p:sldId id="277" r:id="rId19"/>
-    <p:sldId id="278" r:id="rId20"/>
-    <p:sldId id="280" r:id="rId21"/>
-    <p:sldId id="290" r:id="rId22"/>
-    <p:sldId id="279" r:id="rId23"/>
-    <p:sldId id="281" r:id="rId24"/>
-    <p:sldId id="282" r:id="rId25"/>
-    <p:sldId id="291" r:id="rId26"/>
-    <p:sldId id="283" r:id="rId27"/>
-    <p:sldId id="286" r:id="rId28"/>
-    <p:sldId id="289" r:id="rId29"/>
-    <p:sldId id="287" r:id="rId30"/>
-    <p:sldId id="288" r:id="rId31"/>
-    <p:sldId id="292" r:id="rId32"/>
-    <p:sldId id="293" r:id="rId33"/>
-    <p:sldId id="294" r:id="rId34"/>
-    <p:sldId id="295" r:id="rId35"/>
-    <p:sldId id="296" r:id="rId36"/>
-    <p:sldId id="297" r:id="rId37"/>
-    <p:sldId id="299" r:id="rId38"/>
-    <p:sldId id="300" r:id="rId39"/>
-    <p:sldId id="301" r:id="rId40"/>
-    <p:sldId id="302" r:id="rId41"/>
-    <p:sldId id="303" r:id="rId42"/>
-    <p:sldId id="259" r:id="rId43"/>
+    <p:sldId id="259" r:id="rId9"/>
+    <p:sldId id="266" r:id="rId10"/>
+    <p:sldId id="267" r:id="rId11"/>
+    <p:sldId id="268" r:id="rId12"/>
+    <p:sldId id="269" r:id="rId13"/>
+    <p:sldId id="270" r:id="rId14"/>
+    <p:sldId id="271" r:id="rId15"/>
+    <p:sldId id="272" r:id="rId16"/>
+    <p:sldId id="273" r:id="rId17"/>
+    <p:sldId id="274" r:id="rId18"/>
+    <p:sldId id="276" r:id="rId19"/>
+    <p:sldId id="277" r:id="rId20"/>
+    <p:sldId id="278" r:id="rId21"/>
+    <p:sldId id="280" r:id="rId22"/>
+    <p:sldId id="290" r:id="rId23"/>
+    <p:sldId id="279" r:id="rId24"/>
+    <p:sldId id="281" r:id="rId25"/>
+    <p:sldId id="282" r:id="rId26"/>
+    <p:sldId id="291" r:id="rId27"/>
+    <p:sldId id="283" r:id="rId28"/>
+    <p:sldId id="286" r:id="rId29"/>
+    <p:sldId id="289" r:id="rId30"/>
+    <p:sldId id="287" r:id="rId31"/>
+    <p:sldId id="288" r:id="rId32"/>
+    <p:sldId id="292" r:id="rId33"/>
+    <p:sldId id="293" r:id="rId34"/>
+    <p:sldId id="294" r:id="rId35"/>
+    <p:sldId id="295" r:id="rId36"/>
+    <p:sldId id="296" r:id="rId37"/>
+    <p:sldId id="297" r:id="rId38"/>
+    <p:sldId id="299" r:id="rId39"/>
+    <p:sldId id="300" r:id="rId40"/>
+    <p:sldId id="301" r:id="rId41"/>
+    <p:sldId id="302" r:id="rId42"/>
+    <p:sldId id="303" r:id="rId43"/>
     <p:sldId id="285" r:id="rId44"/>
     <p:sldId id="284" r:id="rId45"/>
   </p:sldIdLst>
@@ -331,7 +331,7 @@
           <a:p>
             <a:fld id="{337D748A-4C91-43BB-9A92-E9E332C1E440}" type="datetimeFigureOut">
               <a:rPr lang="en-NZ" smtClean="0"/>
-              <a:t>24/03/2016</a:t>
+              <a:t>30/03/2016</a:t>
             </a:fld>
             <a:endParaRPr lang="en-NZ"/>
           </a:p>
@@ -504,7 +504,7 @@
           <a:p>
             <a:fld id="{337D748A-4C91-43BB-9A92-E9E332C1E440}" type="datetimeFigureOut">
               <a:rPr lang="en-NZ" smtClean="0"/>
-              <a:t>24/03/2016</a:t>
+              <a:t>30/03/2016</a:t>
             </a:fld>
             <a:endParaRPr lang="en-NZ"/>
           </a:p>
@@ -687,7 +687,7 @@
           <a:p>
             <a:fld id="{337D748A-4C91-43BB-9A92-E9E332C1E440}" type="datetimeFigureOut">
               <a:rPr lang="en-NZ" smtClean="0"/>
-              <a:t>24/03/2016</a:t>
+              <a:t>30/03/2016</a:t>
             </a:fld>
             <a:endParaRPr lang="en-NZ"/>
           </a:p>
@@ -860,7 +860,7 @@
           <a:p>
             <a:fld id="{337D748A-4C91-43BB-9A92-E9E332C1E440}" type="datetimeFigureOut">
               <a:rPr lang="en-NZ" smtClean="0"/>
-              <a:t>24/03/2016</a:t>
+              <a:t>30/03/2016</a:t>
             </a:fld>
             <a:endParaRPr lang="en-NZ"/>
           </a:p>
@@ -1109,7 +1109,7 @@
           <a:p>
             <a:fld id="{337D748A-4C91-43BB-9A92-E9E332C1E440}" type="datetimeFigureOut">
               <a:rPr lang="en-NZ" smtClean="0"/>
-              <a:t>24/03/2016</a:t>
+              <a:t>30/03/2016</a:t>
             </a:fld>
             <a:endParaRPr lang="en-NZ"/>
           </a:p>
@@ -1400,7 +1400,7 @@
           <a:p>
             <a:fld id="{337D748A-4C91-43BB-9A92-E9E332C1E440}" type="datetimeFigureOut">
               <a:rPr lang="en-NZ" smtClean="0"/>
-              <a:t>24/03/2016</a:t>
+              <a:t>30/03/2016</a:t>
             </a:fld>
             <a:endParaRPr lang="en-NZ"/>
           </a:p>
@@ -1825,7 +1825,7 @@
           <a:p>
             <a:fld id="{337D748A-4C91-43BB-9A92-E9E332C1E440}" type="datetimeFigureOut">
               <a:rPr lang="en-NZ" smtClean="0"/>
-              <a:t>24/03/2016</a:t>
+              <a:t>30/03/2016</a:t>
             </a:fld>
             <a:endParaRPr lang="en-NZ"/>
           </a:p>
@@ -1946,7 +1946,7 @@
           <a:p>
             <a:fld id="{337D748A-4C91-43BB-9A92-E9E332C1E440}" type="datetimeFigureOut">
               <a:rPr lang="en-NZ" smtClean="0"/>
-              <a:t>24/03/2016</a:t>
+              <a:t>30/03/2016</a:t>
             </a:fld>
             <a:endParaRPr lang="en-NZ"/>
           </a:p>
@@ -2044,7 +2044,7 @@
           <a:p>
             <a:fld id="{337D748A-4C91-43BB-9A92-E9E332C1E440}" type="datetimeFigureOut">
               <a:rPr lang="en-NZ" smtClean="0"/>
-              <a:t>24/03/2016</a:t>
+              <a:t>30/03/2016</a:t>
             </a:fld>
             <a:endParaRPr lang="en-NZ"/>
           </a:p>
@@ -2324,7 +2324,7 @@
           <a:p>
             <a:fld id="{337D748A-4C91-43BB-9A92-E9E332C1E440}" type="datetimeFigureOut">
               <a:rPr lang="en-NZ" smtClean="0"/>
-              <a:t>24/03/2016</a:t>
+              <a:t>30/03/2016</a:t>
             </a:fld>
             <a:endParaRPr lang="en-NZ"/>
           </a:p>
@@ -2580,7 +2580,7 @@
           <a:p>
             <a:fld id="{337D748A-4C91-43BB-9A92-E9E332C1E440}" type="datetimeFigureOut">
               <a:rPr lang="en-NZ" smtClean="0"/>
-              <a:t>24/03/2016</a:t>
+              <a:t>30/03/2016</a:t>
             </a:fld>
             <a:endParaRPr lang="en-NZ"/>
           </a:p>
@@ -2796,7 +2796,7 @@
           <a:p>
             <a:fld id="{337D748A-4C91-43BB-9A92-E9E332C1E440}" type="datetimeFigureOut">
               <a:rPr lang="en-NZ" smtClean="0"/>
-              <a:t>24/03/2016</a:t>
+              <a:t>30/03/2016</a:t>
             </a:fld>
             <a:endParaRPr lang="en-NZ"/>
           </a:p>
@@ -3642,47 +3642,108 @@
           <a:chExt cx="0" cy="0"/>
         </a:xfrm>
       </p:grpSpPr>
-      <p:pic>
-        <p:nvPicPr>
-          <p:cNvPr id="5123" name="Picture 3" descr="C:\Users\ivan\Desktop\EdsgerDijkstra_wm.jpg"/>
-          <p:cNvPicPr>
-            <a:picLocks noChangeAspect="1" noChangeArrowheads="1"/>
-          </p:cNvPicPr>
-          <p:nvPr/>
-        </p:nvPicPr>
-        <p:blipFill>
-          <a:blip r:embed="rId2">
-            <a:extLst>
-              <a:ext uri="{28A0092B-C50C-407E-A947-70E740481C1C}">
-                <a14:useLocalDpi xmlns:a14="http://schemas.microsoft.com/office/drawing/2010/main" val="0"/>
-              </a:ext>
-            </a:extLst>
-          </a:blip>
-          <a:srcRect/>
-          <a:stretch>
-            <a:fillRect/>
-          </a:stretch>
-        </p:blipFill>
-        <p:spPr bwMode="auto">
-          <a:xfrm>
-            <a:off x="-66626" y="-2252786"/>
-            <a:ext cx="9210626" cy="12280360"/>
+      <p:sp>
+        <p:nvSpPr>
+          <p:cNvPr id="6" name="TextBox 5"/>
+          <p:cNvSpPr txBox="1"/>
+          <p:nvPr/>
+        </p:nvSpPr>
+        <p:spPr>
+          <a:xfrm>
+            <a:off x="683568" y="1478270"/>
+            <a:ext cx="7848872" cy="2677656"/>
           </a:xfrm>
           <a:prstGeom prst="rect">
             <a:avLst/>
           </a:prstGeom>
           <a:noFill/>
-          <a:extLst>
-            <a:ext uri="{909E8E84-426E-40DD-AFC4-6F175D3DCCD1}">
-              <a14:hiddenFill xmlns:a14="http://schemas.microsoft.com/office/drawing/2010/main">
-                <a:solidFill>
-                  <a:srgbClr val="FFFFFF"/>
-                </a:solidFill>
-              </a14:hiddenFill>
-            </a:ext>
-          </a:extLst>
-        </p:spPr>
-      </p:pic>
+        </p:spPr>
+        <p:txBody>
+          <a:bodyPr wrap="square" rtlCol="0" anchor="t" anchorCtr="0">
+            <a:spAutoFit/>
+          </a:bodyPr>
+          <a:lstStyle/>
+          <a:p>
+            <a:r>
+              <a:rPr lang="en-NZ" sz="2800" b="1" dirty="0" smtClean="0">
+                <a:latin typeface="Consolas" panose="020B0609020204030204" pitchFamily="49" charset="0"/>
+                <a:cs typeface="Consolas" panose="020B0609020204030204" pitchFamily="49" charset="0"/>
+              </a:rPr>
+              <a:t>10 DIM NEWPRICES(LEN(PRICES))</a:t>
+            </a:r>
+          </a:p>
+          <a:p>
+            <a:r>
+              <a:rPr lang="en-NZ" sz="2800" b="1" dirty="0" smtClean="0">
+                <a:latin typeface="Consolas" panose="020B0609020204030204" pitchFamily="49" charset="0"/>
+                <a:cs typeface="Consolas" panose="020B0609020204030204" pitchFamily="49" charset="0"/>
+              </a:rPr>
+              <a:t>20 I = 1</a:t>
+            </a:r>
+          </a:p>
+          <a:p>
+            <a:r>
+              <a:rPr lang="en-NZ" sz="2800" b="1" dirty="0" smtClean="0">
+                <a:latin typeface="Consolas" panose="020B0609020204030204" pitchFamily="49" charset="0"/>
+                <a:cs typeface="Consolas" panose="020B0609020204030204" pitchFamily="49" charset="0"/>
+              </a:rPr>
+              <a:t>30 NEWPRICES(I) = 2 * PRICES(I)</a:t>
+            </a:r>
+          </a:p>
+          <a:p>
+            <a:r>
+              <a:rPr lang="en-NZ" sz="2800" b="1" dirty="0">
+                <a:latin typeface="Consolas" panose="020B0609020204030204" pitchFamily="49" charset="0"/>
+                <a:cs typeface="Consolas" panose="020B0609020204030204" pitchFamily="49" charset="0"/>
+              </a:rPr>
+              <a:t>4</a:t>
+            </a:r>
+            <a:r>
+              <a:rPr lang="en-NZ" sz="2800" b="1" dirty="0" smtClean="0">
+                <a:latin typeface="Consolas" panose="020B0609020204030204" pitchFamily="49" charset="0"/>
+                <a:cs typeface="Consolas" panose="020B0609020204030204" pitchFamily="49" charset="0"/>
+              </a:rPr>
+              <a:t>0 I = I + 1</a:t>
+            </a:r>
+          </a:p>
+          <a:p>
+            <a:r>
+              <a:rPr lang="en-NZ" sz="2800" b="1" dirty="0">
+                <a:latin typeface="Consolas" panose="020B0609020204030204" pitchFamily="49" charset="0"/>
+                <a:cs typeface="Consolas" panose="020B0609020204030204" pitchFamily="49" charset="0"/>
+              </a:rPr>
+              <a:t>5</a:t>
+            </a:r>
+            <a:r>
+              <a:rPr lang="en-NZ" sz="2800" b="1" dirty="0" smtClean="0">
+                <a:latin typeface="Consolas" panose="020B0609020204030204" pitchFamily="49" charset="0"/>
+                <a:cs typeface="Consolas" panose="020B0609020204030204" pitchFamily="49" charset="0"/>
+              </a:rPr>
+              <a:t>0 IF I &lt;= LEN(PRICES) GOTO 30</a:t>
+            </a:r>
+          </a:p>
+          <a:p>
+            <a:r>
+              <a:rPr lang="en-NZ" sz="2800" b="1" dirty="0">
+                <a:latin typeface="Consolas" panose="020B0609020204030204" pitchFamily="49" charset="0"/>
+                <a:cs typeface="Consolas" panose="020B0609020204030204" pitchFamily="49" charset="0"/>
+              </a:rPr>
+              <a:t>6</a:t>
+            </a:r>
+            <a:r>
+              <a:rPr lang="en-NZ" sz="2800" b="1" dirty="0" smtClean="0">
+                <a:latin typeface="Consolas" panose="020B0609020204030204" pitchFamily="49" charset="0"/>
+                <a:cs typeface="Consolas" panose="020B0609020204030204" pitchFamily="49" charset="0"/>
+              </a:rPr>
+              <a:t>0 PRINT "PROFIT!!!"</a:t>
+            </a:r>
+            <a:endParaRPr lang="en-NZ" sz="2800" b="1" dirty="0">
+              <a:latin typeface="Consolas" panose="020B0609020204030204" pitchFamily="49" charset="0"/>
+              <a:cs typeface="Consolas" panose="020B0609020204030204" pitchFamily="49" charset="0"/>
+            </a:endParaRPr>
+          </a:p>
+        </p:txBody>
+      </p:sp>
       <p:sp>
         <p:nvSpPr>
           <p:cNvPr id="3" name="TextBox 2"/>
@@ -3707,7 +3768,7 @@
           <a:p>
             <a:r>
               <a:rPr lang="en-NZ" sz="3600" b="1" dirty="0" smtClean="0"/>
-              <a:t>A new hope</a:t>
+              <a:t>The dawn of history… 1964</a:t>
             </a:r>
             <a:endParaRPr lang="en-NZ" sz="3600" b="1" dirty="0"/>
           </a:p>
@@ -3721,8 +3782,8 @@
         </p:nvSpPr>
         <p:spPr>
           <a:xfrm>
-            <a:off x="1331640" y="4804578"/>
-            <a:ext cx="7632848" cy="215444"/>
+            <a:off x="3563888" y="4804578"/>
+            <a:ext cx="5400600" cy="215444"/>
           </a:xfrm>
           <a:prstGeom prst="rect">
             <a:avLst/>
@@ -3737,41 +3798,17 @@
           <a:p>
             <a:pPr algn="r"/>
             <a:r>
-              <a:rPr lang="en-NZ" sz="800" dirty="0" smtClean="0">
-                <a:solidFill>
-                  <a:schemeClr val="bg1"/>
-                </a:solidFill>
-              </a:rPr>
-              <a:t>By Hamilton Richards - manuscripts of </a:t>
-            </a:r>
-            <a:r>
-              <a:rPr lang="en-NZ" sz="800" dirty="0" err="1" smtClean="0">
-                <a:solidFill>
-                  <a:schemeClr val="bg1"/>
-                </a:solidFill>
-              </a:rPr>
-              <a:t>Edsger</a:t>
-            </a:r>
-            <a:r>
-              <a:rPr lang="en-NZ" sz="800" dirty="0" smtClean="0">
-                <a:solidFill>
-                  <a:schemeClr val="bg1"/>
-                </a:solidFill>
-              </a:rPr>
-              <a:t> W. Dijkstra, University Texas at Austin. (Mirrored), CC BY-SA 3.0, https://commons.wikimedia.org/w/index.php?curid=46866934</a:t>
-            </a:r>
-            <a:endParaRPr lang="en-NZ" sz="800" dirty="0">
-              <a:solidFill>
-                <a:schemeClr val="bg1"/>
-              </a:solidFill>
-            </a:endParaRPr>
+              <a:rPr lang="en-NZ" sz="800" dirty="0" smtClean="0"/>
+              <a:t>Disclaimer: Actual history may not have started with BASIC</a:t>
+            </a:r>
+            <a:endParaRPr lang="en-NZ" sz="800" dirty="0"/>
           </a:p>
         </p:txBody>
       </p:sp>
     </p:spTree>
     <p:extLst>
       <p:ext uri="{BB962C8B-B14F-4D97-AF65-F5344CB8AC3E}">
-        <p14:creationId xmlns:p14="http://schemas.microsoft.com/office/powerpoint/2010/main" val="826629396"/>
+        <p14:creationId xmlns:p14="http://schemas.microsoft.com/office/powerpoint/2010/main" val="2051440551"/>
       </p:ext>
     </p:extLst>
   </p:cSld>
@@ -3808,228 +3845,47 @@
           <a:chExt cx="0" cy="0"/>
         </a:xfrm>
       </p:grpSpPr>
-      <p:sp>
-        <p:nvSpPr>
-          <p:cNvPr id="6" name="TextBox 5"/>
-          <p:cNvSpPr txBox="1"/>
-          <p:nvPr/>
-        </p:nvSpPr>
-        <p:spPr>
-          <a:xfrm>
-            <a:off x="683568" y="1478270"/>
-            <a:ext cx="7848872" cy="1384995"/>
+      <p:pic>
+        <p:nvPicPr>
+          <p:cNvPr id="5123" name="Picture 3" descr="C:\Users\ivan\Desktop\EdsgerDijkstra_wm.jpg"/>
+          <p:cNvPicPr>
+            <a:picLocks noChangeAspect="1" noChangeArrowheads="1"/>
+          </p:cNvPicPr>
+          <p:nvPr/>
+        </p:nvPicPr>
+        <p:blipFill>
+          <a:blip r:embed="rId2">
+            <a:extLst>
+              <a:ext uri="{28A0092B-C50C-407E-A947-70E740481C1C}">
+                <a14:useLocalDpi xmlns:a14="http://schemas.microsoft.com/office/drawing/2010/main" val="0"/>
+              </a:ext>
+            </a:extLst>
+          </a:blip>
+          <a:srcRect/>
+          <a:stretch>
+            <a:fillRect/>
+          </a:stretch>
+        </p:blipFill>
+        <p:spPr bwMode="auto">
+          <a:xfrm>
+            <a:off x="-66626" y="-2252786"/>
+            <a:ext cx="9210626" cy="12280360"/>
           </a:xfrm>
           <a:prstGeom prst="rect">
             <a:avLst/>
           </a:prstGeom>
           <a:noFill/>
-        </p:spPr>
-        <p:txBody>
-          <a:bodyPr wrap="square" rtlCol="0" anchor="t" anchorCtr="0">
-            <a:spAutoFit/>
-          </a:bodyPr>
-          <a:lstStyle/>
-          <a:p>
-            <a:r>
-              <a:rPr lang="en-NZ" sz="2800" b="1" dirty="0" err="1" smtClean="0">
-                <a:latin typeface="Consolas" panose="020B0609020204030204" pitchFamily="49" charset="0"/>
-                <a:cs typeface="Consolas" panose="020B0609020204030204" pitchFamily="49" charset="0"/>
-              </a:rPr>
-              <a:t>int</a:t>
-            </a:r>
-            <a:r>
-              <a:rPr lang="en-NZ" sz="2800" b="1" dirty="0" smtClean="0">
-                <a:latin typeface="Consolas" panose="020B0609020204030204" pitchFamily="49" charset="0"/>
-                <a:cs typeface="Consolas" panose="020B0609020204030204" pitchFamily="49" charset="0"/>
-              </a:rPr>
-              <a:t>* </a:t>
-            </a:r>
-            <a:r>
-              <a:rPr lang="en-NZ" sz="2800" b="1" dirty="0" err="1" smtClean="0">
-                <a:latin typeface="Consolas" panose="020B0609020204030204" pitchFamily="49" charset="0"/>
-                <a:cs typeface="Consolas" panose="020B0609020204030204" pitchFamily="49" charset="0"/>
-              </a:rPr>
-              <a:t>newPrices</a:t>
-            </a:r>
-            <a:r>
-              <a:rPr lang="en-NZ" sz="2800" b="1" dirty="0" smtClean="0">
-                <a:latin typeface="Consolas" panose="020B0609020204030204" pitchFamily="49" charset="0"/>
-                <a:cs typeface="Consolas" panose="020B0609020204030204" pitchFamily="49" charset="0"/>
-              </a:rPr>
-              <a:t> = new </a:t>
-            </a:r>
-            <a:r>
-              <a:rPr lang="en-NZ" sz="2800" b="1" dirty="0" err="1" smtClean="0">
-                <a:latin typeface="Consolas" panose="020B0609020204030204" pitchFamily="49" charset="0"/>
-                <a:cs typeface="Consolas" panose="020B0609020204030204" pitchFamily="49" charset="0"/>
-              </a:rPr>
-              <a:t>int</a:t>
-            </a:r>
-            <a:r>
-              <a:rPr lang="en-NZ" sz="2800" b="1" dirty="0" smtClean="0">
-                <a:latin typeface="Consolas" panose="020B0609020204030204" pitchFamily="49" charset="0"/>
-                <a:cs typeface="Consolas" panose="020B0609020204030204" pitchFamily="49" charset="0"/>
-              </a:rPr>
-              <a:t>[</a:t>
-            </a:r>
-            <a:r>
-              <a:rPr lang="en-NZ" sz="2800" b="1" dirty="0" err="1" smtClean="0">
-                <a:latin typeface="Consolas" panose="020B0609020204030204" pitchFamily="49" charset="0"/>
-                <a:cs typeface="Consolas" panose="020B0609020204030204" pitchFamily="49" charset="0"/>
-              </a:rPr>
-              <a:t>numPrices</a:t>
-            </a:r>
-            <a:r>
-              <a:rPr lang="en-NZ" sz="2800" b="1" dirty="0" smtClean="0">
-                <a:latin typeface="Consolas" panose="020B0609020204030204" pitchFamily="49" charset="0"/>
-                <a:cs typeface="Consolas" panose="020B0609020204030204" pitchFamily="49" charset="0"/>
-              </a:rPr>
-              <a:t>];</a:t>
-            </a:r>
-          </a:p>
-          <a:p>
-            <a:r>
-              <a:rPr lang="en-NZ" sz="2800" b="1" dirty="0" smtClean="0">
-                <a:latin typeface="Consolas" panose="020B0609020204030204" pitchFamily="49" charset="0"/>
-                <a:cs typeface="Consolas" panose="020B0609020204030204" pitchFamily="49" charset="0"/>
-              </a:rPr>
-              <a:t>for (</a:t>
-            </a:r>
-            <a:r>
-              <a:rPr lang="en-NZ" sz="2800" b="1" dirty="0" err="1" smtClean="0">
-                <a:latin typeface="Consolas" panose="020B0609020204030204" pitchFamily="49" charset="0"/>
-                <a:cs typeface="Consolas" panose="020B0609020204030204" pitchFamily="49" charset="0"/>
-              </a:rPr>
-              <a:t>int</a:t>
-            </a:r>
-            <a:r>
-              <a:rPr lang="en-NZ" sz="2800" b="1" dirty="0" smtClean="0">
-                <a:latin typeface="Consolas" panose="020B0609020204030204" pitchFamily="49" charset="0"/>
-                <a:cs typeface="Consolas" panose="020B0609020204030204" pitchFamily="49" charset="0"/>
-              </a:rPr>
-              <a:t> </a:t>
-            </a:r>
-            <a:r>
-              <a:rPr lang="en-NZ" sz="2800" b="1" dirty="0" err="1" smtClean="0">
-                <a:latin typeface="Consolas" panose="020B0609020204030204" pitchFamily="49" charset="0"/>
-                <a:cs typeface="Consolas" panose="020B0609020204030204" pitchFamily="49" charset="0"/>
-              </a:rPr>
-              <a:t>i</a:t>
-            </a:r>
-            <a:r>
-              <a:rPr lang="en-NZ" sz="2800" b="1" dirty="0" smtClean="0">
-                <a:latin typeface="Consolas" panose="020B0609020204030204" pitchFamily="49" charset="0"/>
-                <a:cs typeface="Consolas" panose="020B0609020204030204" pitchFamily="49" charset="0"/>
-              </a:rPr>
-              <a:t> = 0; </a:t>
-            </a:r>
-            <a:r>
-              <a:rPr lang="en-NZ" sz="2800" b="1" dirty="0" err="1" smtClean="0">
-                <a:latin typeface="Consolas" panose="020B0609020204030204" pitchFamily="49" charset="0"/>
-                <a:cs typeface="Consolas" panose="020B0609020204030204" pitchFamily="49" charset="0"/>
-              </a:rPr>
-              <a:t>i</a:t>
-            </a:r>
-            <a:r>
-              <a:rPr lang="en-NZ" sz="2800" b="1" dirty="0" smtClean="0">
-                <a:latin typeface="Consolas" panose="020B0609020204030204" pitchFamily="49" charset="0"/>
-                <a:cs typeface="Consolas" panose="020B0609020204030204" pitchFamily="49" charset="0"/>
-              </a:rPr>
-              <a:t> &lt; </a:t>
-            </a:r>
-            <a:r>
-              <a:rPr lang="en-NZ" sz="2800" b="1" dirty="0" err="1" smtClean="0">
-                <a:latin typeface="Consolas" panose="020B0609020204030204" pitchFamily="49" charset="0"/>
-                <a:cs typeface="Consolas" panose="020B0609020204030204" pitchFamily="49" charset="0"/>
-              </a:rPr>
-              <a:t>numPrices</a:t>
-            </a:r>
-            <a:r>
-              <a:rPr lang="en-NZ" sz="2800" b="1" dirty="0" smtClean="0">
-                <a:latin typeface="Consolas" panose="020B0609020204030204" pitchFamily="49" charset="0"/>
-                <a:cs typeface="Consolas" panose="020B0609020204030204" pitchFamily="49" charset="0"/>
-              </a:rPr>
-              <a:t>; ++</a:t>
-            </a:r>
-            <a:r>
-              <a:rPr lang="en-NZ" sz="2800" b="1" dirty="0" err="1" smtClean="0">
-                <a:latin typeface="Consolas" panose="020B0609020204030204" pitchFamily="49" charset="0"/>
-                <a:cs typeface="Consolas" panose="020B0609020204030204" pitchFamily="49" charset="0"/>
-              </a:rPr>
-              <a:t>i</a:t>
-            </a:r>
-            <a:r>
-              <a:rPr lang="en-NZ" sz="2800" b="1" dirty="0" smtClean="0">
-                <a:latin typeface="Consolas" panose="020B0609020204030204" pitchFamily="49" charset="0"/>
-                <a:cs typeface="Consolas" panose="020B0609020204030204" pitchFamily="49" charset="0"/>
-              </a:rPr>
-              <a:t>)</a:t>
-            </a:r>
-          </a:p>
-          <a:p>
-            <a:r>
-              <a:rPr lang="en-NZ" sz="2800" b="1" dirty="0">
-                <a:latin typeface="Consolas" panose="020B0609020204030204" pitchFamily="49" charset="0"/>
-                <a:cs typeface="Consolas" panose="020B0609020204030204" pitchFamily="49" charset="0"/>
-              </a:rPr>
-              <a:t> </a:t>
-            </a:r>
-            <a:r>
-              <a:rPr lang="en-NZ" sz="2800" b="1" dirty="0" smtClean="0">
-                <a:latin typeface="Consolas" panose="020B0609020204030204" pitchFamily="49" charset="0"/>
-                <a:cs typeface="Consolas" panose="020B0609020204030204" pitchFamily="49" charset="0"/>
-              </a:rPr>
-              <a:t> </a:t>
-            </a:r>
-            <a:r>
-              <a:rPr lang="en-NZ" sz="2800" b="1" dirty="0" err="1" smtClean="0">
-                <a:latin typeface="Consolas" panose="020B0609020204030204" pitchFamily="49" charset="0"/>
-                <a:cs typeface="Consolas" panose="020B0609020204030204" pitchFamily="49" charset="0"/>
-              </a:rPr>
-              <a:t>newPrices</a:t>
-            </a:r>
-            <a:r>
-              <a:rPr lang="en-NZ" sz="2800" b="1" dirty="0" smtClean="0">
-                <a:latin typeface="Consolas" panose="020B0609020204030204" pitchFamily="49" charset="0"/>
-                <a:cs typeface="Consolas" panose="020B0609020204030204" pitchFamily="49" charset="0"/>
-              </a:rPr>
-              <a:t>[</a:t>
-            </a:r>
-            <a:r>
-              <a:rPr lang="en-NZ" sz="2800" b="1" dirty="0" err="1" smtClean="0">
-                <a:latin typeface="Consolas" panose="020B0609020204030204" pitchFamily="49" charset="0"/>
-                <a:cs typeface="Consolas" panose="020B0609020204030204" pitchFamily="49" charset="0"/>
-              </a:rPr>
-              <a:t>i</a:t>
-            </a:r>
-            <a:r>
-              <a:rPr lang="en-NZ" sz="2800" b="1" dirty="0" smtClean="0">
-                <a:latin typeface="Consolas" panose="020B0609020204030204" pitchFamily="49" charset="0"/>
-                <a:cs typeface="Consolas" panose="020B0609020204030204" pitchFamily="49" charset="0"/>
-              </a:rPr>
-              <a:t>] = 2 * prices[</a:t>
-            </a:r>
-            <a:r>
-              <a:rPr lang="en-NZ" sz="2800" b="1" dirty="0" err="1" smtClean="0">
-                <a:latin typeface="Consolas" panose="020B0609020204030204" pitchFamily="49" charset="0"/>
-                <a:cs typeface="Consolas" panose="020B0609020204030204" pitchFamily="49" charset="0"/>
-              </a:rPr>
-              <a:t>i</a:t>
-            </a:r>
-            <a:r>
-              <a:rPr lang="en-NZ" sz="2800" b="1" dirty="0" smtClean="0">
-                <a:latin typeface="Consolas" panose="020B0609020204030204" pitchFamily="49" charset="0"/>
-                <a:cs typeface="Consolas" panose="020B0609020204030204" pitchFamily="49" charset="0"/>
-              </a:rPr>
-              <a:t>];</a:t>
-            </a:r>
-            <a:endParaRPr lang="en-NZ" sz="2800" b="1" dirty="0">
-              <a:latin typeface="Consolas" panose="020B0609020204030204" pitchFamily="49" charset="0"/>
-              <a:cs typeface="Consolas" panose="020B0609020204030204" pitchFamily="49" charset="0"/>
-            </a:endParaRPr>
-          </a:p>
-        </p:txBody>
-      </p:sp>
+          <a:extLst>
+            <a:ext uri="{909E8E84-426E-40DD-AFC4-6F175D3DCCD1}">
+              <a14:hiddenFill xmlns:a14="http://schemas.microsoft.com/office/drawing/2010/main">
+                <a:solidFill>
+                  <a:srgbClr val="FFFFFF"/>
+                </a:solidFill>
+              </a14:hiddenFill>
+            </a:ext>
+          </a:extLst>
+        </p:spPr>
+      </p:pic>
       <p:sp>
         <p:nvSpPr>
           <p:cNvPr id="3" name="TextBox 2"/>
@@ -4060,10 +3916,65 @@
           </a:p>
         </p:txBody>
       </p:sp>
+      <p:sp>
+        <p:nvSpPr>
+          <p:cNvPr id="4" name="TextBox 3"/>
+          <p:cNvSpPr txBox="1"/>
+          <p:nvPr/>
+        </p:nvSpPr>
+        <p:spPr>
+          <a:xfrm>
+            <a:off x="1331640" y="4804578"/>
+            <a:ext cx="7632848" cy="215444"/>
+          </a:xfrm>
+          <a:prstGeom prst="rect">
+            <a:avLst/>
+          </a:prstGeom>
+          <a:noFill/>
+        </p:spPr>
+        <p:txBody>
+          <a:bodyPr wrap="square" rtlCol="0">
+            <a:spAutoFit/>
+          </a:bodyPr>
+          <a:lstStyle/>
+          <a:p>
+            <a:pPr algn="r"/>
+            <a:r>
+              <a:rPr lang="en-NZ" sz="800" dirty="0" smtClean="0">
+                <a:solidFill>
+                  <a:schemeClr val="bg1"/>
+                </a:solidFill>
+              </a:rPr>
+              <a:t>By Hamilton Richards - manuscripts of </a:t>
+            </a:r>
+            <a:r>
+              <a:rPr lang="en-NZ" sz="800" dirty="0" err="1" smtClean="0">
+                <a:solidFill>
+                  <a:schemeClr val="bg1"/>
+                </a:solidFill>
+              </a:rPr>
+              <a:t>Edsger</a:t>
+            </a:r>
+            <a:r>
+              <a:rPr lang="en-NZ" sz="800" dirty="0" smtClean="0">
+                <a:solidFill>
+                  <a:schemeClr val="bg1"/>
+                </a:solidFill>
+              </a:rPr>
+              <a:t> W. Dijkstra, University Texas at Austin. (Mirrored), CC BY-SA 3.0, https://commons.wikimedia.org/w/index.php?curid=46866934</a:t>
+            </a:r>
+            <a:endParaRPr lang="en-NZ" sz="800" dirty="0">
+              <a:solidFill>
+                <a:schemeClr val="bg1"/>
+              </a:solidFill>
+            </a:endParaRPr>
+          </a:p>
+        </p:txBody>
+      </p:sp>
     </p:spTree>
     <p:extLst>
       <p:ext uri="{BB962C8B-B14F-4D97-AF65-F5344CB8AC3E}">
-        <p14:creationId xmlns:p14="http://schemas.microsoft.com/office/powerpoint/2010/main" val="3845885369"/>
+        <p14:creationId xmlns:p14="http://schemas.microsoft.com/office/powerpoint/2010/main" val="826629396"/>
       </p:ext>
     </p:extLst>
   </p:cSld>
@@ -4123,17 +4034,38 @@
           <a:lstStyle/>
           <a:p>
             <a:r>
+              <a:rPr lang="en-NZ" sz="2800" b="1" dirty="0" err="1" smtClean="0">
+                <a:latin typeface="Consolas" panose="020B0609020204030204" pitchFamily="49" charset="0"/>
+                <a:cs typeface="Consolas" panose="020B0609020204030204" pitchFamily="49" charset="0"/>
+              </a:rPr>
+              <a:t>int</a:t>
+            </a:r>
+            <a:r>
               <a:rPr lang="en-NZ" sz="2800" b="1" dirty="0" smtClean="0">
                 <a:latin typeface="Consolas" panose="020B0609020204030204" pitchFamily="49" charset="0"/>
                 <a:cs typeface="Consolas" panose="020B0609020204030204" pitchFamily="49" charset="0"/>
               </a:rPr>
-              <a:t>List&lt;</a:t>
+              <a:t>* </a:t>
             </a:r>
             <a:r>
               <a:rPr lang="en-NZ" sz="2800" b="1" dirty="0" err="1" smtClean="0">
                 <a:latin typeface="Consolas" panose="020B0609020204030204" pitchFamily="49" charset="0"/>
                 <a:cs typeface="Consolas" panose="020B0609020204030204" pitchFamily="49" charset="0"/>
               </a:rPr>
+              <a:t>newPrices</a:t>
+            </a:r>
+            <a:r>
+              <a:rPr lang="en-NZ" sz="2800" b="1" dirty="0" smtClean="0">
+                <a:latin typeface="Consolas" panose="020B0609020204030204" pitchFamily="49" charset="0"/>
+                <a:cs typeface="Consolas" panose="020B0609020204030204" pitchFamily="49" charset="0"/>
+              </a:rPr>
+              <a:t> = new </a:t>
+            </a:r>
+            <a:r>
+              <a:rPr lang="en-NZ" sz="2800" b="1" dirty="0" err="1" smtClean="0">
+                <a:latin typeface="Consolas" panose="020B0609020204030204" pitchFamily="49" charset="0"/>
+                <a:cs typeface="Consolas" panose="020B0609020204030204" pitchFamily="49" charset="0"/>
+              </a:rPr>
               <a:t>int</a:t>
             </a:r>
             <a:r>
@@ -4141,13 +4073,122 @@
                 <a:latin typeface="Consolas" panose="020B0609020204030204" pitchFamily="49" charset="0"/>
                 <a:cs typeface="Consolas" panose="020B0609020204030204" pitchFamily="49" charset="0"/>
               </a:rPr>
-              <a:t>&gt; </a:t>
+              <a:t>[</a:t>
             </a:r>
             <a:r>
               <a:rPr lang="en-NZ" sz="2800" b="1" dirty="0" err="1" smtClean="0">
                 <a:latin typeface="Consolas" panose="020B0609020204030204" pitchFamily="49" charset="0"/>
                 <a:cs typeface="Consolas" panose="020B0609020204030204" pitchFamily="49" charset="0"/>
               </a:rPr>
+              <a:t>numPrices</a:t>
+            </a:r>
+            <a:r>
+              <a:rPr lang="en-NZ" sz="2800" b="1" dirty="0" smtClean="0">
+                <a:latin typeface="Consolas" panose="020B0609020204030204" pitchFamily="49" charset="0"/>
+                <a:cs typeface="Consolas" panose="020B0609020204030204" pitchFamily="49" charset="0"/>
+              </a:rPr>
+              <a:t>];</a:t>
+            </a:r>
+          </a:p>
+          <a:p>
+            <a:r>
+              <a:rPr lang="en-NZ" sz="2800" b="1" dirty="0" smtClean="0">
+                <a:latin typeface="Consolas" panose="020B0609020204030204" pitchFamily="49" charset="0"/>
+                <a:cs typeface="Consolas" panose="020B0609020204030204" pitchFamily="49" charset="0"/>
+              </a:rPr>
+              <a:t>for (</a:t>
+            </a:r>
+            <a:r>
+              <a:rPr lang="en-NZ" sz="2800" b="1" dirty="0" err="1" smtClean="0">
+                <a:latin typeface="Consolas" panose="020B0609020204030204" pitchFamily="49" charset="0"/>
+                <a:cs typeface="Consolas" panose="020B0609020204030204" pitchFamily="49" charset="0"/>
+              </a:rPr>
+              <a:t>int</a:t>
+            </a:r>
+            <a:r>
+              <a:rPr lang="en-NZ" sz="2800" b="1" dirty="0" smtClean="0">
+                <a:latin typeface="Consolas" panose="020B0609020204030204" pitchFamily="49" charset="0"/>
+                <a:cs typeface="Consolas" panose="020B0609020204030204" pitchFamily="49" charset="0"/>
+              </a:rPr>
+              <a:t> </a:t>
+            </a:r>
+            <a:r>
+              <a:rPr lang="en-NZ" sz="2800" b="1" dirty="0" err="1" smtClean="0">
+                <a:latin typeface="Consolas" panose="020B0609020204030204" pitchFamily="49" charset="0"/>
+                <a:cs typeface="Consolas" panose="020B0609020204030204" pitchFamily="49" charset="0"/>
+              </a:rPr>
+              <a:t>i</a:t>
+            </a:r>
+            <a:r>
+              <a:rPr lang="en-NZ" sz="2800" b="1" dirty="0" smtClean="0">
+                <a:latin typeface="Consolas" panose="020B0609020204030204" pitchFamily="49" charset="0"/>
+                <a:cs typeface="Consolas" panose="020B0609020204030204" pitchFamily="49" charset="0"/>
+              </a:rPr>
+              <a:t> = 0; </a:t>
+            </a:r>
+            <a:r>
+              <a:rPr lang="en-NZ" sz="2800" b="1" dirty="0" err="1" smtClean="0">
+                <a:latin typeface="Consolas" panose="020B0609020204030204" pitchFamily="49" charset="0"/>
+                <a:cs typeface="Consolas" panose="020B0609020204030204" pitchFamily="49" charset="0"/>
+              </a:rPr>
+              <a:t>i</a:t>
+            </a:r>
+            <a:r>
+              <a:rPr lang="en-NZ" sz="2800" b="1" dirty="0" smtClean="0">
+                <a:latin typeface="Consolas" panose="020B0609020204030204" pitchFamily="49" charset="0"/>
+                <a:cs typeface="Consolas" panose="020B0609020204030204" pitchFamily="49" charset="0"/>
+              </a:rPr>
+              <a:t> &lt; </a:t>
+            </a:r>
+            <a:r>
+              <a:rPr lang="en-NZ" sz="2800" b="1" dirty="0" err="1" smtClean="0">
+                <a:latin typeface="Consolas" panose="020B0609020204030204" pitchFamily="49" charset="0"/>
+                <a:cs typeface="Consolas" panose="020B0609020204030204" pitchFamily="49" charset="0"/>
+              </a:rPr>
+              <a:t>numPrices</a:t>
+            </a:r>
+            <a:r>
+              <a:rPr lang="en-NZ" sz="2800" b="1" dirty="0" smtClean="0">
+                <a:latin typeface="Consolas" panose="020B0609020204030204" pitchFamily="49" charset="0"/>
+                <a:cs typeface="Consolas" panose="020B0609020204030204" pitchFamily="49" charset="0"/>
+              </a:rPr>
+              <a:t>; ++</a:t>
+            </a:r>
+            <a:r>
+              <a:rPr lang="en-NZ" sz="2800" b="1" dirty="0" err="1" smtClean="0">
+                <a:latin typeface="Consolas" panose="020B0609020204030204" pitchFamily="49" charset="0"/>
+                <a:cs typeface="Consolas" panose="020B0609020204030204" pitchFamily="49" charset="0"/>
+              </a:rPr>
+              <a:t>i</a:t>
+            </a:r>
+            <a:r>
+              <a:rPr lang="en-NZ" sz="2800" b="1" dirty="0" smtClean="0">
+                <a:latin typeface="Consolas" panose="020B0609020204030204" pitchFamily="49" charset="0"/>
+                <a:cs typeface="Consolas" panose="020B0609020204030204" pitchFamily="49" charset="0"/>
+              </a:rPr>
+              <a:t>)</a:t>
+            </a:r>
+          </a:p>
+          <a:p>
+            <a:r>
+              <a:rPr lang="en-NZ" sz="2800" b="1" dirty="0">
+                <a:latin typeface="Consolas" panose="020B0609020204030204" pitchFamily="49" charset="0"/>
+                <a:cs typeface="Consolas" panose="020B0609020204030204" pitchFamily="49" charset="0"/>
+              </a:rPr>
+              <a:t> </a:t>
+            </a:r>
+            <a:r>
+              <a:rPr lang="en-NZ" sz="2800" b="1" dirty="0" smtClean="0">
+                <a:latin typeface="Consolas" panose="020B0609020204030204" pitchFamily="49" charset="0"/>
+                <a:cs typeface="Consolas" panose="020B0609020204030204" pitchFamily="49" charset="0"/>
+              </a:rPr>
+              <a:t> </a:t>
+            </a:r>
+            <a:r>
+              <a:rPr lang="en-NZ" sz="2800" b="1" dirty="0" err="1" smtClean="0">
+                <a:latin typeface="Consolas" panose="020B0609020204030204" pitchFamily="49" charset="0"/>
+                <a:cs typeface="Consolas" panose="020B0609020204030204" pitchFamily="49" charset="0"/>
+              </a:rPr>
               <a:t>newPrices</a:t>
             </a:r>
             <a:r>
@@ -4155,81 +4196,35 @@
                 <a:latin typeface="Consolas" panose="020B0609020204030204" pitchFamily="49" charset="0"/>
                 <a:cs typeface="Consolas" panose="020B0609020204030204" pitchFamily="49" charset="0"/>
               </a:rPr>
-              <a:t> = new List&lt;</a:t>
+              <a:t>[</a:t>
             </a:r>
             <a:r>
               <a:rPr lang="en-NZ" sz="2800" b="1" dirty="0" err="1" smtClean="0">
                 <a:latin typeface="Consolas" panose="020B0609020204030204" pitchFamily="49" charset="0"/>
                 <a:cs typeface="Consolas" panose="020B0609020204030204" pitchFamily="49" charset="0"/>
               </a:rPr>
-              <a:t>int</a:t>
+              <a:t>i</a:t>
             </a:r>
             <a:r>
               <a:rPr lang="en-NZ" sz="2800" b="1" dirty="0" smtClean="0">
                 <a:latin typeface="Consolas" panose="020B0609020204030204" pitchFamily="49" charset="0"/>
                 <a:cs typeface="Consolas" panose="020B0609020204030204" pitchFamily="49" charset="0"/>
               </a:rPr>
-              <a:t>&gt;;</a:t>
-            </a:r>
-          </a:p>
-          <a:p>
+              <a:t>] = 2 * prices[</a:t>
+            </a:r>
             <a:r>
               <a:rPr lang="en-NZ" sz="2800" b="1" dirty="0" err="1" smtClean="0">
                 <a:latin typeface="Consolas" panose="020B0609020204030204" pitchFamily="49" charset="0"/>
                 <a:cs typeface="Consolas" panose="020B0609020204030204" pitchFamily="49" charset="0"/>
               </a:rPr>
-              <a:t>foreach</a:t>
+              <a:t>i</a:t>
             </a:r>
             <a:r>
               <a:rPr lang="en-NZ" sz="2800" b="1" dirty="0" smtClean="0">
                 <a:latin typeface="Consolas" panose="020B0609020204030204" pitchFamily="49" charset="0"/>
                 <a:cs typeface="Consolas" panose="020B0609020204030204" pitchFamily="49" charset="0"/>
               </a:rPr>
-              <a:t> (</a:t>
-            </a:r>
-            <a:r>
-              <a:rPr lang="en-NZ" sz="2800" b="1" dirty="0" err="1" smtClean="0">
-                <a:latin typeface="Consolas" panose="020B0609020204030204" pitchFamily="49" charset="0"/>
-                <a:cs typeface="Consolas" panose="020B0609020204030204" pitchFamily="49" charset="0"/>
-              </a:rPr>
-              <a:t>int</a:t>
-            </a:r>
-            <a:r>
-              <a:rPr lang="en-NZ" sz="2800" b="1" dirty="0" smtClean="0">
-                <a:latin typeface="Consolas" panose="020B0609020204030204" pitchFamily="49" charset="0"/>
-                <a:cs typeface="Consolas" panose="020B0609020204030204" pitchFamily="49" charset="0"/>
-              </a:rPr>
-              <a:t> price in prices)</a:t>
-            </a:r>
-          </a:p>
-          <a:p>
-            <a:r>
-              <a:rPr lang="en-NZ" sz="2800" b="1" dirty="0">
-                <a:latin typeface="Consolas" panose="020B0609020204030204" pitchFamily="49" charset="0"/>
-                <a:cs typeface="Consolas" panose="020B0609020204030204" pitchFamily="49" charset="0"/>
-              </a:rPr>
-              <a:t> </a:t>
-            </a:r>
-            <a:r>
-              <a:rPr lang="en-NZ" sz="2800" b="1" dirty="0" smtClean="0">
-                <a:latin typeface="Consolas" panose="020B0609020204030204" pitchFamily="49" charset="0"/>
-                <a:cs typeface="Consolas" panose="020B0609020204030204" pitchFamily="49" charset="0"/>
-              </a:rPr>
-              <a:t> </a:t>
-            </a:r>
-            <a:r>
-              <a:rPr lang="en-NZ" sz="2800" b="1" dirty="0" err="1" smtClean="0">
-                <a:latin typeface="Consolas" panose="020B0609020204030204" pitchFamily="49" charset="0"/>
-                <a:cs typeface="Consolas" panose="020B0609020204030204" pitchFamily="49" charset="0"/>
-              </a:rPr>
-              <a:t>newPrices.Add</a:t>
-            </a:r>
-            <a:r>
-              <a:rPr lang="en-NZ" sz="2800" b="1" dirty="0" smtClean="0">
-                <a:latin typeface="Consolas" panose="020B0609020204030204" pitchFamily="49" charset="0"/>
-                <a:cs typeface="Consolas" panose="020B0609020204030204" pitchFamily="49" charset="0"/>
-              </a:rPr>
-              <a:t>(2 * price);</a:t>
+              <a:t>];</a:t>
             </a:r>
             <a:endParaRPr lang="en-NZ" sz="2800" b="1" dirty="0">
               <a:latin typeface="Consolas" panose="020B0609020204030204" pitchFamily="49" charset="0"/>
@@ -4271,7 +4266,7 @@
     </p:spTree>
     <p:extLst>
       <p:ext uri="{BB962C8B-B14F-4D97-AF65-F5344CB8AC3E}">
-        <p14:creationId xmlns:p14="http://schemas.microsoft.com/office/powerpoint/2010/main" val="526849970"/>
+        <p14:creationId xmlns:p14="http://schemas.microsoft.com/office/powerpoint/2010/main" val="3845885369"/>
       </p:ext>
     </p:extLst>
   </p:cSld>
@@ -4308,60 +4303,144 @@
           <a:chExt cx="0" cy="0"/>
         </a:xfrm>
       </p:grpSpPr>
-      <p:pic>
-        <p:nvPicPr>
-          <p:cNvPr id="6146" name="Picture 2"/>
-          <p:cNvPicPr>
-            <a:picLocks noChangeAspect="1" noChangeArrowheads="1"/>
-          </p:cNvPicPr>
-          <p:nvPr/>
-        </p:nvPicPr>
-        <p:blipFill>
-          <a:blip r:embed="rId2">
-            <a:extLst>
-              <a:ext uri="{28A0092B-C50C-407E-A947-70E740481C1C}">
-                <a14:useLocalDpi xmlns:a14="http://schemas.microsoft.com/office/drawing/2010/main" val="0"/>
-              </a:ext>
-            </a:extLst>
-          </a:blip>
-          <a:srcRect/>
-          <a:stretch>
-            <a:fillRect/>
-          </a:stretch>
-        </p:blipFill>
-        <p:spPr bwMode="auto">
-          <a:xfrm>
-            <a:off x="-910240" y="-1013"/>
-            <a:ext cx="10450792" cy="5180206"/>
+      <p:sp>
+        <p:nvSpPr>
+          <p:cNvPr id="6" name="TextBox 5"/>
+          <p:cNvSpPr txBox="1"/>
+          <p:nvPr/>
+        </p:nvSpPr>
+        <p:spPr>
+          <a:xfrm>
+            <a:off x="683568" y="1478270"/>
+            <a:ext cx="7848872" cy="1384995"/>
           </a:xfrm>
           <a:prstGeom prst="rect">
             <a:avLst/>
           </a:prstGeom>
           <a:noFill/>
-          <a:ln>
-            <a:noFill/>
-          </a:ln>
-          <a:extLst>
-            <a:ext uri="{909E8E84-426E-40DD-AFC4-6F175D3DCCD1}">
-              <a14:hiddenFill xmlns:a14="http://schemas.microsoft.com/office/drawing/2010/main">
-                <a:solidFill>
-                  <a:schemeClr val="accent1"/>
-                </a:solidFill>
-              </a14:hiddenFill>
-            </a:ext>
-            <a:ext uri="{91240B29-F687-4F45-9708-019B960494DF}">
-              <a14:hiddenLine xmlns:a14="http://schemas.microsoft.com/office/drawing/2010/main" w="9525">
-                <a:solidFill>
-                  <a:schemeClr val="tx1"/>
-                </a:solidFill>
-                <a:miter lim="800000"/>
-                <a:headEnd/>
-                <a:tailEnd/>
-              </a14:hiddenLine>
-            </a:ext>
-          </a:extLst>
-        </p:spPr>
-      </p:pic>
+        </p:spPr>
+        <p:txBody>
+          <a:bodyPr wrap="square" rtlCol="0" anchor="t" anchorCtr="0">
+            <a:spAutoFit/>
+          </a:bodyPr>
+          <a:lstStyle/>
+          <a:p>
+            <a:r>
+              <a:rPr lang="en-NZ" sz="2800" b="1" dirty="0" smtClean="0">
+                <a:latin typeface="Consolas" panose="020B0609020204030204" pitchFamily="49" charset="0"/>
+                <a:cs typeface="Consolas" panose="020B0609020204030204" pitchFamily="49" charset="0"/>
+              </a:rPr>
+              <a:t>List&lt;</a:t>
+            </a:r>
+            <a:r>
+              <a:rPr lang="en-NZ" sz="2800" b="1" dirty="0" err="1" smtClean="0">
+                <a:latin typeface="Consolas" panose="020B0609020204030204" pitchFamily="49" charset="0"/>
+                <a:cs typeface="Consolas" panose="020B0609020204030204" pitchFamily="49" charset="0"/>
+              </a:rPr>
+              <a:t>int</a:t>
+            </a:r>
+            <a:r>
+              <a:rPr lang="en-NZ" sz="2800" b="1" dirty="0" smtClean="0">
+                <a:latin typeface="Consolas" panose="020B0609020204030204" pitchFamily="49" charset="0"/>
+                <a:cs typeface="Consolas" panose="020B0609020204030204" pitchFamily="49" charset="0"/>
+              </a:rPr>
+              <a:t>&gt; </a:t>
+            </a:r>
+            <a:r>
+              <a:rPr lang="en-NZ" sz="2800" b="1" dirty="0" err="1" smtClean="0">
+                <a:latin typeface="Consolas" panose="020B0609020204030204" pitchFamily="49" charset="0"/>
+                <a:cs typeface="Consolas" panose="020B0609020204030204" pitchFamily="49" charset="0"/>
+              </a:rPr>
+              <a:t>newPrices</a:t>
+            </a:r>
+            <a:r>
+              <a:rPr lang="en-NZ" sz="2800" b="1" dirty="0" smtClean="0">
+                <a:latin typeface="Consolas" panose="020B0609020204030204" pitchFamily="49" charset="0"/>
+                <a:cs typeface="Consolas" panose="020B0609020204030204" pitchFamily="49" charset="0"/>
+              </a:rPr>
+              <a:t> = new List&lt;</a:t>
+            </a:r>
+            <a:r>
+              <a:rPr lang="en-NZ" sz="2800" b="1" dirty="0" err="1" smtClean="0">
+                <a:latin typeface="Consolas" panose="020B0609020204030204" pitchFamily="49" charset="0"/>
+                <a:cs typeface="Consolas" panose="020B0609020204030204" pitchFamily="49" charset="0"/>
+              </a:rPr>
+              <a:t>int</a:t>
+            </a:r>
+            <a:r>
+              <a:rPr lang="en-NZ" sz="2800" b="1" dirty="0" smtClean="0">
+                <a:latin typeface="Consolas" panose="020B0609020204030204" pitchFamily="49" charset="0"/>
+                <a:cs typeface="Consolas" panose="020B0609020204030204" pitchFamily="49" charset="0"/>
+              </a:rPr>
+              <a:t>&gt;;</a:t>
+            </a:r>
+          </a:p>
+          <a:p>
+            <a:r>
+              <a:rPr lang="en-NZ" sz="2800" b="1" dirty="0" err="1" smtClean="0">
+                <a:latin typeface="Consolas" panose="020B0609020204030204" pitchFamily="49" charset="0"/>
+                <a:cs typeface="Consolas" panose="020B0609020204030204" pitchFamily="49" charset="0"/>
+              </a:rPr>
+              <a:t>foreach</a:t>
+            </a:r>
+            <a:r>
+              <a:rPr lang="en-NZ" sz="2800" b="1" dirty="0" smtClean="0">
+                <a:latin typeface="Consolas" panose="020B0609020204030204" pitchFamily="49" charset="0"/>
+                <a:cs typeface="Consolas" panose="020B0609020204030204" pitchFamily="49" charset="0"/>
+              </a:rPr>
+              <a:t> (</a:t>
+            </a:r>
+            <a:r>
+              <a:rPr lang="en-NZ" sz="2800" b="1" dirty="0" err="1" smtClean="0">
+                <a:latin typeface="Consolas" panose="020B0609020204030204" pitchFamily="49" charset="0"/>
+                <a:cs typeface="Consolas" panose="020B0609020204030204" pitchFamily="49" charset="0"/>
+              </a:rPr>
+              <a:t>int</a:t>
+            </a:r>
+            <a:r>
+              <a:rPr lang="en-NZ" sz="2800" b="1" dirty="0" smtClean="0">
+                <a:latin typeface="Consolas" panose="020B0609020204030204" pitchFamily="49" charset="0"/>
+                <a:cs typeface="Consolas" panose="020B0609020204030204" pitchFamily="49" charset="0"/>
+              </a:rPr>
+              <a:t> price in prices)</a:t>
+            </a:r>
+          </a:p>
+          <a:p>
+            <a:r>
+              <a:rPr lang="en-NZ" sz="2800" b="1" dirty="0">
+                <a:latin typeface="Consolas" panose="020B0609020204030204" pitchFamily="49" charset="0"/>
+                <a:cs typeface="Consolas" panose="020B0609020204030204" pitchFamily="49" charset="0"/>
+              </a:rPr>
+              <a:t> </a:t>
+            </a:r>
+            <a:r>
+              <a:rPr lang="en-NZ" sz="2800" b="1" dirty="0" smtClean="0">
+                <a:latin typeface="Consolas" panose="020B0609020204030204" pitchFamily="49" charset="0"/>
+                <a:cs typeface="Consolas" panose="020B0609020204030204" pitchFamily="49" charset="0"/>
+              </a:rPr>
+              <a:t> </a:t>
+            </a:r>
+            <a:r>
+              <a:rPr lang="en-NZ" sz="2800" b="1" dirty="0" err="1" smtClean="0">
+                <a:latin typeface="Consolas" panose="020B0609020204030204" pitchFamily="49" charset="0"/>
+                <a:cs typeface="Consolas" panose="020B0609020204030204" pitchFamily="49" charset="0"/>
+              </a:rPr>
+              <a:t>newPrices.Add</a:t>
+            </a:r>
+            <a:r>
+              <a:rPr lang="en-NZ" sz="2800" b="1" dirty="0" smtClean="0">
+                <a:latin typeface="Consolas" panose="020B0609020204030204" pitchFamily="49" charset="0"/>
+                <a:cs typeface="Consolas" panose="020B0609020204030204" pitchFamily="49" charset="0"/>
+              </a:rPr>
+              <a:t>(2 * price);</a:t>
+            </a:r>
+            <a:endParaRPr lang="en-NZ" sz="2800" b="1" dirty="0">
+              <a:latin typeface="Consolas" panose="020B0609020204030204" pitchFamily="49" charset="0"/>
+              <a:cs typeface="Consolas" panose="020B0609020204030204" pitchFamily="49" charset="0"/>
+            </a:endParaRPr>
+          </a:p>
+        </p:txBody>
+      </p:sp>
       <p:sp>
         <p:nvSpPr>
           <p:cNvPr id="3" name="TextBox 2"/>
@@ -4386,55 +4465,16 @@
           <a:p>
             <a:r>
               <a:rPr lang="en-NZ" sz="3600" b="1" dirty="0" smtClean="0"/>
-              <a:t>The present day</a:t>
+              <a:t>A new hope</a:t>
             </a:r>
             <a:endParaRPr lang="en-NZ" sz="3600" b="1" dirty="0"/>
-          </a:p>
-        </p:txBody>
-      </p:sp>
-      <p:sp>
-        <p:nvSpPr>
-          <p:cNvPr id="4" name="TextBox 3"/>
-          <p:cNvSpPr txBox="1"/>
-          <p:nvPr/>
-        </p:nvSpPr>
-        <p:spPr>
-          <a:xfrm>
-            <a:off x="3563888" y="4804578"/>
-            <a:ext cx="5400600" cy="215444"/>
-          </a:xfrm>
-          <a:prstGeom prst="rect">
-            <a:avLst/>
-          </a:prstGeom>
-          <a:noFill/>
-        </p:spPr>
-        <p:txBody>
-          <a:bodyPr wrap="square" rtlCol="0">
-            <a:spAutoFit/>
-          </a:bodyPr>
-          <a:lstStyle/>
-          <a:p>
-            <a:pPr algn="r"/>
-            <a:r>
-              <a:rPr lang="en-NZ" sz="800" dirty="0" smtClean="0">
-                <a:solidFill>
-                  <a:schemeClr val="bg1"/>
-                </a:solidFill>
-              </a:rPr>
-              <a:t>https://www.microsoft.com/en-us/server-cloud/ms.datacenter.tour/datacenter/servers.html</a:t>
-            </a:r>
-            <a:endParaRPr lang="en-NZ" sz="800" dirty="0">
-              <a:solidFill>
-                <a:schemeClr val="bg1"/>
-              </a:solidFill>
-            </a:endParaRPr>
           </a:p>
         </p:txBody>
       </p:sp>
     </p:spTree>
     <p:extLst>
       <p:ext uri="{BB962C8B-B14F-4D97-AF65-F5344CB8AC3E}">
-        <p14:creationId xmlns:p14="http://schemas.microsoft.com/office/powerpoint/2010/main" val="1560249257"/>
+        <p14:creationId xmlns:p14="http://schemas.microsoft.com/office/powerpoint/2010/main" val="526849970"/>
       </p:ext>
     </p:extLst>
   </p:cSld>
@@ -4471,56 +4511,60 @@
           <a:chExt cx="0" cy="0"/>
         </a:xfrm>
       </p:grpSpPr>
-      <p:sp>
-        <p:nvSpPr>
-          <p:cNvPr id="6" name="TextBox 5"/>
-          <p:cNvSpPr txBox="1"/>
-          <p:nvPr/>
-        </p:nvSpPr>
-        <p:spPr>
-          <a:xfrm>
-            <a:off x="683568" y="1478270"/>
-            <a:ext cx="7848872" cy="523220"/>
+      <p:pic>
+        <p:nvPicPr>
+          <p:cNvPr id="6146" name="Picture 2"/>
+          <p:cNvPicPr>
+            <a:picLocks noChangeAspect="1" noChangeArrowheads="1"/>
+          </p:cNvPicPr>
+          <p:nvPr/>
+        </p:nvPicPr>
+        <p:blipFill>
+          <a:blip r:embed="rId2">
+            <a:extLst>
+              <a:ext uri="{28A0092B-C50C-407E-A947-70E740481C1C}">
+                <a14:useLocalDpi xmlns:a14="http://schemas.microsoft.com/office/drawing/2010/main" val="0"/>
+              </a:ext>
+            </a:extLst>
+          </a:blip>
+          <a:srcRect/>
+          <a:stretch>
+            <a:fillRect/>
+          </a:stretch>
+        </p:blipFill>
+        <p:spPr bwMode="auto">
+          <a:xfrm>
+            <a:off x="-910240" y="-1013"/>
+            <a:ext cx="10450792" cy="5180206"/>
           </a:xfrm>
           <a:prstGeom prst="rect">
             <a:avLst/>
           </a:prstGeom>
           <a:noFill/>
-        </p:spPr>
-        <p:txBody>
-          <a:bodyPr wrap="square" rtlCol="0" anchor="t" anchorCtr="0">
-            <a:spAutoFit/>
-          </a:bodyPr>
-          <a:lstStyle/>
-          <a:p>
-            <a:r>
-              <a:rPr lang="en-NZ" sz="2800" b="1" dirty="0" smtClean="0">
-                <a:latin typeface="Consolas" panose="020B0609020204030204" pitchFamily="49" charset="0"/>
-                <a:cs typeface="Consolas" panose="020B0609020204030204" pitchFamily="49" charset="0"/>
-              </a:rPr>
-              <a:t>(</a:t>
-            </a:r>
-            <a:r>
-              <a:rPr lang="en-NZ" sz="2800" b="1" dirty="0" err="1" smtClean="0">
-                <a:latin typeface="Consolas" panose="020B0609020204030204" pitchFamily="49" charset="0"/>
-                <a:cs typeface="Consolas" panose="020B0609020204030204" pitchFamily="49" charset="0"/>
-              </a:rPr>
-              <a:t>mapcar</a:t>
-            </a:r>
-            <a:r>
-              <a:rPr lang="en-NZ" sz="2800" b="1" dirty="0" smtClean="0">
-                <a:latin typeface="Consolas" panose="020B0609020204030204" pitchFamily="49" charset="0"/>
-                <a:cs typeface="Consolas" panose="020B0609020204030204" pitchFamily="49" charset="0"/>
-              </a:rPr>
-              <a:t> (lambda (x) (* x 2)) prices)</a:t>
-            </a:r>
-            <a:endParaRPr lang="en-NZ" sz="2800" b="1" dirty="0">
-              <a:latin typeface="Consolas" panose="020B0609020204030204" pitchFamily="49" charset="0"/>
-              <a:cs typeface="Consolas" panose="020B0609020204030204" pitchFamily="49" charset="0"/>
-            </a:endParaRPr>
-          </a:p>
-        </p:txBody>
-      </p:sp>
+          <a:ln>
+            <a:noFill/>
+          </a:ln>
+          <a:extLst>
+            <a:ext uri="{909E8E84-426E-40DD-AFC4-6F175D3DCCD1}">
+              <a14:hiddenFill xmlns:a14="http://schemas.microsoft.com/office/drawing/2010/main">
+                <a:solidFill>
+                  <a:schemeClr val="accent1"/>
+                </a:solidFill>
+              </a14:hiddenFill>
+            </a:ext>
+            <a:ext uri="{91240B29-F687-4F45-9708-019B960494DF}">
+              <a14:hiddenLine xmlns:a14="http://schemas.microsoft.com/office/drawing/2010/main" w="9525">
+                <a:solidFill>
+                  <a:schemeClr val="tx1"/>
+                </a:solidFill>
+                <a:miter lim="800000"/>
+                <a:headEnd/>
+                <a:tailEnd/>
+              </a14:hiddenLine>
+            </a:ext>
+          </a:extLst>
+        </p:spPr>
+      </p:pic>
       <p:sp>
         <p:nvSpPr>
           <p:cNvPr id="3" name="TextBox 2"/>
@@ -4545,16 +4589,55 @@
           <a:p>
             <a:r>
               <a:rPr lang="en-NZ" sz="3600" b="1" dirty="0" smtClean="0"/>
-              <a:t>The present day… 1958</a:t>
+              <a:t>The present day</a:t>
             </a:r>
             <a:endParaRPr lang="en-NZ" sz="3600" b="1" dirty="0"/>
+          </a:p>
+        </p:txBody>
+      </p:sp>
+      <p:sp>
+        <p:nvSpPr>
+          <p:cNvPr id="4" name="TextBox 3"/>
+          <p:cNvSpPr txBox="1"/>
+          <p:nvPr/>
+        </p:nvSpPr>
+        <p:spPr>
+          <a:xfrm>
+            <a:off x="3563888" y="4804578"/>
+            <a:ext cx="5400600" cy="215444"/>
+          </a:xfrm>
+          <a:prstGeom prst="rect">
+            <a:avLst/>
+          </a:prstGeom>
+          <a:noFill/>
+        </p:spPr>
+        <p:txBody>
+          <a:bodyPr wrap="square" rtlCol="0">
+            <a:spAutoFit/>
+          </a:bodyPr>
+          <a:lstStyle/>
+          <a:p>
+            <a:pPr algn="r"/>
+            <a:r>
+              <a:rPr lang="en-NZ" sz="800" dirty="0" smtClean="0">
+                <a:solidFill>
+                  <a:schemeClr val="bg1"/>
+                </a:solidFill>
+              </a:rPr>
+              <a:t>https://www.microsoft.com/en-us/server-cloud/ms.datacenter.tour/datacenter/servers.html</a:t>
+            </a:r>
+            <a:endParaRPr lang="en-NZ" sz="800" dirty="0">
+              <a:solidFill>
+                <a:schemeClr val="bg1"/>
+              </a:solidFill>
+            </a:endParaRPr>
           </a:p>
         </p:txBody>
       </p:sp>
     </p:spTree>
     <p:extLst>
       <p:ext uri="{BB962C8B-B14F-4D97-AF65-F5344CB8AC3E}">
-        <p14:creationId xmlns:p14="http://schemas.microsoft.com/office/powerpoint/2010/main" val="988102195"/>
+        <p14:creationId xmlns:p14="http://schemas.microsoft.com/office/powerpoint/2010/main" val="1560249257"/>
       </p:ext>
     </p:extLst>
   </p:cSld>
@@ -4614,18 +4697,25 @@
           <a:lstStyle/>
           <a:p>
             <a:r>
+              <a:rPr lang="en-NZ" sz="2800" b="1" dirty="0" smtClean="0">
+                <a:latin typeface="Consolas" panose="020B0609020204030204" pitchFamily="49" charset="0"/>
+                <a:cs typeface="Consolas" panose="020B0609020204030204" pitchFamily="49" charset="0"/>
+              </a:rPr>
+              <a:t>(</a:t>
+            </a:r>
+            <a:r>
               <a:rPr lang="en-NZ" sz="2800" b="1" dirty="0" err="1" smtClean="0">
                 <a:latin typeface="Consolas" panose="020B0609020204030204" pitchFamily="49" charset="0"/>
                 <a:cs typeface="Consolas" panose="020B0609020204030204" pitchFamily="49" charset="0"/>
               </a:rPr>
-              <a:t>prices.Select</a:t>
+              <a:t>mapcar</a:t>
             </a:r>
             <a:r>
               <a:rPr lang="en-NZ" sz="2800" b="1" dirty="0" smtClean="0">
                 <a:latin typeface="Consolas" panose="020B0609020204030204" pitchFamily="49" charset="0"/>
                 <a:cs typeface="Consolas" panose="020B0609020204030204" pitchFamily="49" charset="0"/>
               </a:rPr>
-              <a:t>(x =&gt; x * 2);</a:t>
+              <a:t> (lambda (x) (* x 2)) prices)</a:t>
             </a:r>
             <a:endParaRPr lang="en-NZ" sz="2800" b="1" dirty="0">
               <a:latin typeface="Consolas" panose="020B0609020204030204" pitchFamily="49" charset="0"/>
@@ -4658,7 +4748,7 @@
           <a:p>
             <a:r>
               <a:rPr lang="en-NZ" sz="3600" b="1" dirty="0" smtClean="0"/>
-              <a:t>The present day</a:t>
+              <a:t>The present day… 1958</a:t>
             </a:r>
             <a:endParaRPr lang="en-NZ" sz="3600" b="1" dirty="0"/>
           </a:p>
@@ -4667,7 +4757,7 @@
     </p:spTree>
     <p:extLst>
       <p:ext uri="{BB962C8B-B14F-4D97-AF65-F5344CB8AC3E}">
-        <p14:creationId xmlns:p14="http://schemas.microsoft.com/office/powerpoint/2010/main" val="1511294744"/>
+        <p14:creationId xmlns:p14="http://schemas.microsoft.com/office/powerpoint/2010/main" val="988102195"/>
       </p:ext>
     </p:extLst>
   </p:cSld>
@@ -4727,25 +4817,18 @@
           <a:lstStyle/>
           <a:p>
             <a:r>
+              <a:rPr lang="en-NZ" sz="2800" b="1" dirty="0" err="1" smtClean="0">
+                <a:latin typeface="Consolas" panose="020B0609020204030204" pitchFamily="49" charset="0"/>
+                <a:cs typeface="Consolas" panose="020B0609020204030204" pitchFamily="49" charset="0"/>
+              </a:rPr>
+              <a:t>prices.Select</a:t>
+            </a:r>
+            <a:r>
               <a:rPr lang="en-NZ" sz="2800" b="1" dirty="0" smtClean="0">
                 <a:latin typeface="Consolas" panose="020B0609020204030204" pitchFamily="49" charset="0"/>
                 <a:cs typeface="Consolas" panose="020B0609020204030204" pitchFamily="49" charset="0"/>
               </a:rPr>
-              <a:t>prices |&gt; </a:t>
-            </a:r>
-            <a:r>
-              <a:rPr lang="en-NZ" sz="2800" b="1" dirty="0" err="1" smtClean="0">
-                <a:latin typeface="Consolas" panose="020B0609020204030204" pitchFamily="49" charset="0"/>
-                <a:cs typeface="Consolas" panose="020B0609020204030204" pitchFamily="49" charset="0"/>
-              </a:rPr>
-              <a:t>List.map</a:t>
-            </a:r>
-            <a:r>
-              <a:rPr lang="en-NZ" sz="2800" b="1" dirty="0" smtClean="0">
-                <a:latin typeface="Consolas" panose="020B0609020204030204" pitchFamily="49" charset="0"/>
-                <a:cs typeface="Consolas" panose="020B0609020204030204" pitchFamily="49" charset="0"/>
-              </a:rPr>
-              <a:t> ((*) 2);</a:t>
+              <a:t>(x =&gt; x * 2);</a:t>
             </a:r>
             <a:endParaRPr lang="en-NZ" sz="2800" b="1" dirty="0">
               <a:latin typeface="Consolas" panose="020B0609020204030204" pitchFamily="49" charset="0"/>
@@ -4787,7 +4870,7 @@
     </p:spTree>
     <p:extLst>
       <p:ext uri="{BB962C8B-B14F-4D97-AF65-F5344CB8AC3E}">
-        <p14:creationId xmlns:p14="http://schemas.microsoft.com/office/powerpoint/2010/main" val="493736418"/>
+        <p14:creationId xmlns:p14="http://schemas.microsoft.com/office/powerpoint/2010/main" val="1511294744"/>
       </p:ext>
     </p:extLst>
   </p:cSld>
@@ -4833,7 +4916,7 @@
         <p:spPr>
           <a:xfrm>
             <a:off x="683568" y="1478270"/>
-            <a:ext cx="7848872" cy="2677656"/>
+            <a:ext cx="7848872" cy="523220"/>
           </a:xfrm>
           <a:prstGeom prst="rect">
             <a:avLst/>
@@ -4847,89 +4930,25 @@
           <a:lstStyle/>
           <a:p>
             <a:r>
+              <a:rPr lang="en-NZ" sz="2800" b="1" dirty="0" smtClean="0">
+                <a:latin typeface="Consolas" panose="020B0609020204030204" pitchFamily="49" charset="0"/>
+                <a:cs typeface="Consolas" panose="020B0609020204030204" pitchFamily="49" charset="0"/>
+              </a:rPr>
+              <a:t>prices |&gt; </a:t>
+            </a:r>
+            <a:r>
               <a:rPr lang="en-NZ" sz="2800" b="1" dirty="0" err="1" smtClean="0">
                 <a:latin typeface="Consolas" panose="020B0609020204030204" pitchFamily="49" charset="0"/>
                 <a:cs typeface="Consolas" panose="020B0609020204030204" pitchFamily="49" charset="0"/>
               </a:rPr>
-              <a:t>foreach</a:t>
+              <a:t>List.map</a:t>
             </a:r>
             <a:r>
               <a:rPr lang="en-NZ" sz="2800" b="1" dirty="0" smtClean="0">
                 <a:latin typeface="Consolas" panose="020B0609020204030204" pitchFamily="49" charset="0"/>
                 <a:cs typeface="Consolas" panose="020B0609020204030204" pitchFamily="49" charset="0"/>
               </a:rPr>
-              <a:t> (</a:t>
-            </a:r>
-            <a:r>
-              <a:rPr lang="en-NZ" sz="2800" b="1" dirty="0" err="1" smtClean="0">
-                <a:latin typeface="Consolas" panose="020B0609020204030204" pitchFamily="49" charset="0"/>
-                <a:cs typeface="Consolas" panose="020B0609020204030204" pitchFamily="49" charset="0"/>
-              </a:rPr>
-              <a:t>var</a:t>
-            </a:r>
-            <a:r>
-              <a:rPr lang="en-NZ" sz="2800" b="1" dirty="0" smtClean="0">
-                <a:latin typeface="Consolas" panose="020B0609020204030204" pitchFamily="49" charset="0"/>
-                <a:cs typeface="Consolas" panose="020B0609020204030204" pitchFamily="49" charset="0"/>
-              </a:rPr>
-              <a:t> p in prices)</a:t>
-            </a:r>
-          </a:p>
-          <a:p>
-            <a:r>
-              <a:rPr lang="en-NZ" sz="2800" b="1" dirty="0" smtClean="0">
-                <a:latin typeface="Consolas" panose="020B0609020204030204" pitchFamily="49" charset="0"/>
-                <a:cs typeface="Consolas" panose="020B0609020204030204" pitchFamily="49" charset="0"/>
-              </a:rPr>
-              <a:t>  </a:t>
-            </a:r>
-            <a:r>
-              <a:rPr lang="en-NZ" sz="2800" b="1" dirty="0" err="1" smtClean="0">
-                <a:latin typeface="Consolas" panose="020B0609020204030204" pitchFamily="49" charset="0"/>
-                <a:cs typeface="Consolas" panose="020B0609020204030204" pitchFamily="49" charset="0"/>
-              </a:rPr>
-              <a:t>newPrices.Add</a:t>
-            </a:r>
-            <a:r>
-              <a:rPr lang="en-NZ" sz="2800" b="1" dirty="0" smtClean="0">
-                <a:latin typeface="Consolas" panose="020B0609020204030204" pitchFamily="49" charset="0"/>
-                <a:cs typeface="Consolas" panose="020B0609020204030204" pitchFamily="49" charset="0"/>
-              </a:rPr>
-              <a:t>(p * 2);</a:t>
-            </a:r>
-          </a:p>
-          <a:p>
-            <a:endParaRPr lang="en-NZ" sz="2800" b="1" dirty="0" smtClean="0">
-              <a:latin typeface="Consolas" panose="020B0609020204030204" pitchFamily="49" charset="0"/>
-              <a:cs typeface="Consolas" panose="020B0609020204030204" pitchFamily="49" charset="0"/>
-            </a:endParaRPr>
-          </a:p>
-          <a:p>
-            <a:endParaRPr lang="en-NZ" sz="2800" b="1" dirty="0" smtClean="0">
-              <a:latin typeface="Consolas" panose="020B0609020204030204" pitchFamily="49" charset="0"/>
-              <a:cs typeface="Consolas" panose="020B0609020204030204" pitchFamily="49" charset="0"/>
-            </a:endParaRPr>
-          </a:p>
-          <a:p>
-            <a:endParaRPr lang="en-NZ" sz="2800" b="1" dirty="0" smtClean="0">
-              <a:latin typeface="Consolas" panose="020B0609020204030204" pitchFamily="49" charset="0"/>
-              <a:cs typeface="Consolas" panose="020B0609020204030204" pitchFamily="49" charset="0"/>
-            </a:endParaRPr>
-          </a:p>
-          <a:p>
-            <a:r>
-              <a:rPr lang="en-NZ" sz="2800" b="1" dirty="0" err="1" smtClean="0">
-                <a:latin typeface="Consolas" panose="020B0609020204030204" pitchFamily="49" charset="0"/>
-                <a:cs typeface="Consolas" panose="020B0609020204030204" pitchFamily="49" charset="0"/>
-              </a:rPr>
-              <a:t>prices.Select</a:t>
-            </a:r>
-            <a:r>
-              <a:rPr lang="en-NZ" sz="2800" b="1" dirty="0" smtClean="0">
-                <a:latin typeface="Consolas" panose="020B0609020204030204" pitchFamily="49" charset="0"/>
-                <a:cs typeface="Consolas" panose="020B0609020204030204" pitchFamily="49" charset="0"/>
-              </a:rPr>
-              <a:t>(p =&gt; p * 2);</a:t>
+              <a:t> ((*) 2);</a:t>
             </a:r>
             <a:endParaRPr lang="en-NZ" sz="2800" b="1" dirty="0">
               <a:latin typeface="Consolas" panose="020B0609020204030204" pitchFamily="49" charset="0"/>
@@ -4962,54 +4981,16 @@
           <a:p>
             <a:r>
               <a:rPr lang="en-NZ" sz="3600" b="1" dirty="0" smtClean="0"/>
-              <a:t>Abstractions</a:t>
+              <a:t>The present day</a:t>
             </a:r>
             <a:endParaRPr lang="en-NZ" sz="3600" b="1" dirty="0"/>
-          </a:p>
-        </p:txBody>
-      </p:sp>
-      <p:sp>
-        <p:nvSpPr>
-          <p:cNvPr id="2" name="Down Arrow 1"/>
-          <p:cNvSpPr/>
-          <p:nvPr/>
-        </p:nvSpPr>
-        <p:spPr>
-          <a:xfrm>
-            <a:off x="4283968" y="2715766"/>
-            <a:ext cx="576064" cy="648072"/>
-          </a:xfrm>
-          <a:prstGeom prst="downArrow">
-            <a:avLst/>
-          </a:prstGeom>
-        </p:spPr>
-        <p:style>
-          <a:lnRef idx="1">
-            <a:schemeClr val="accent1"/>
-          </a:lnRef>
-          <a:fillRef idx="2">
-            <a:schemeClr val="accent1"/>
-          </a:fillRef>
-          <a:effectRef idx="1">
-            <a:schemeClr val="accent1"/>
-          </a:effectRef>
-          <a:fontRef idx="minor">
-            <a:schemeClr val="dk1"/>
-          </a:fontRef>
-        </p:style>
-        <p:txBody>
-          <a:bodyPr rtlCol="0" anchor="ctr"/>
-          <a:lstStyle/>
-          <a:p>
-            <a:pPr algn="ctr"/>
-            <a:endParaRPr lang="en-NZ"/>
           </a:p>
         </p:txBody>
       </p:sp>
     </p:spTree>
     <p:extLst>
       <p:ext uri="{BB962C8B-B14F-4D97-AF65-F5344CB8AC3E}">
-        <p14:creationId xmlns:p14="http://schemas.microsoft.com/office/powerpoint/2010/main" val="2354467334"/>
+        <p14:creationId xmlns:p14="http://schemas.microsoft.com/office/powerpoint/2010/main" val="493736418"/>
       </p:ext>
     </p:extLst>
   </p:cSld>
@@ -5055,7 +5036,7 @@
         <p:spPr>
           <a:xfrm>
             <a:off x="683568" y="1478270"/>
-            <a:ext cx="7848872" cy="3108543"/>
+            <a:ext cx="7848872" cy="2677656"/>
           </a:xfrm>
           <a:prstGeom prst="rect">
             <a:avLst/>
@@ -5094,60 +5075,30 @@
                 <a:latin typeface="Consolas" panose="020B0609020204030204" pitchFamily="49" charset="0"/>
                 <a:cs typeface="Consolas" panose="020B0609020204030204" pitchFamily="49" charset="0"/>
               </a:rPr>
-              <a:t> c in customers)</a:t>
-            </a:r>
-          </a:p>
-          <a:p>
-            <a:r>
-              <a:rPr lang="en-NZ" sz="2800" b="1" dirty="0">
-                <a:latin typeface="Consolas" panose="020B0609020204030204" pitchFamily="49" charset="0"/>
-                <a:cs typeface="Consolas" panose="020B0609020204030204" pitchFamily="49" charset="0"/>
-              </a:rPr>
-              <a:t> </a:t>
-            </a:r>
+              <a:t> p in prices)</a:t>
+            </a:r>
+          </a:p>
+          <a:p>
             <a:r>
               <a:rPr lang="en-NZ" sz="2800" b="1" dirty="0" smtClean="0">
                 <a:latin typeface="Consolas" panose="020B0609020204030204" pitchFamily="49" charset="0"/>
                 <a:cs typeface="Consolas" panose="020B0609020204030204" pitchFamily="49" charset="0"/>
               </a:rPr>
-              <a:t> if (</a:t>
+              <a:t>  </a:t>
             </a:r>
             <a:r>
               <a:rPr lang="en-NZ" sz="2800" b="1" dirty="0" err="1" smtClean="0">
                 <a:latin typeface="Consolas" panose="020B0609020204030204" pitchFamily="49" charset="0"/>
                 <a:cs typeface="Consolas" panose="020B0609020204030204" pitchFamily="49" charset="0"/>
               </a:rPr>
-              <a:t>c.Balance</a:t>
+              <a:t>newPrices.Add</a:t>
             </a:r>
             <a:r>
               <a:rPr lang="en-NZ" sz="2800" b="1" dirty="0" smtClean="0">
                 <a:latin typeface="Consolas" panose="020B0609020204030204" pitchFamily="49" charset="0"/>
                 <a:cs typeface="Consolas" panose="020B0609020204030204" pitchFamily="49" charset="0"/>
               </a:rPr>
-              <a:t> &lt; 0)</a:t>
-            </a:r>
-          </a:p>
-          <a:p>
-            <a:r>
-              <a:rPr lang="en-NZ" sz="2800" b="1" dirty="0" smtClean="0">
-                <a:latin typeface="Consolas" panose="020B0609020204030204" pitchFamily="49" charset="0"/>
-                <a:cs typeface="Consolas" panose="020B0609020204030204" pitchFamily="49" charset="0"/>
-              </a:rPr>
-              <a:t>    </a:t>
-            </a:r>
-            <a:r>
-              <a:rPr lang="en-NZ" sz="2800" b="1" dirty="0" err="1" smtClean="0">
-                <a:latin typeface="Consolas" panose="020B0609020204030204" pitchFamily="49" charset="0"/>
-                <a:cs typeface="Consolas" panose="020B0609020204030204" pitchFamily="49" charset="0"/>
-              </a:rPr>
-              <a:t>deadbeats.Add</a:t>
-            </a:r>
-            <a:r>
-              <a:rPr lang="en-NZ" sz="2800" b="1" dirty="0" smtClean="0">
-                <a:latin typeface="Consolas" panose="020B0609020204030204" pitchFamily="49" charset="0"/>
-                <a:cs typeface="Consolas" panose="020B0609020204030204" pitchFamily="49" charset="0"/>
-              </a:rPr>
-              <a:t>(c);</a:t>
+              <a:t>(p * 2);</a:t>
             </a:r>
           </a:p>
           <a:p>
@@ -5174,28 +5125,14 @@
                 <a:latin typeface="Consolas" panose="020B0609020204030204" pitchFamily="49" charset="0"/>
                 <a:cs typeface="Consolas" panose="020B0609020204030204" pitchFamily="49" charset="0"/>
               </a:rPr>
-              <a:t>customers.Where</a:t>
+              <a:t>prices.Select</a:t>
             </a:r>
             <a:r>
               <a:rPr lang="en-NZ" sz="2800" b="1" dirty="0" smtClean="0">
                 <a:latin typeface="Consolas" panose="020B0609020204030204" pitchFamily="49" charset="0"/>
                 <a:cs typeface="Consolas" panose="020B0609020204030204" pitchFamily="49" charset="0"/>
               </a:rPr>
-              <a:t>(c =&gt; </a:t>
-            </a:r>
-            <a:r>
-              <a:rPr lang="en-NZ" sz="2800" b="1" dirty="0" err="1" smtClean="0">
-                <a:latin typeface="Consolas" panose="020B0609020204030204" pitchFamily="49" charset="0"/>
-                <a:cs typeface="Consolas" panose="020B0609020204030204" pitchFamily="49" charset="0"/>
-              </a:rPr>
-              <a:t>c.Balance</a:t>
-            </a:r>
-            <a:r>
-              <a:rPr lang="en-NZ" sz="2800" b="1" dirty="0" smtClean="0">
-                <a:latin typeface="Consolas" panose="020B0609020204030204" pitchFamily="49" charset="0"/>
-                <a:cs typeface="Consolas" panose="020B0609020204030204" pitchFamily="49" charset="0"/>
-              </a:rPr>
-              <a:t> &lt; 0);</a:t>
+              <a:t>(p =&gt; p * 2);</a:t>
             </a:r>
             <a:endParaRPr lang="en-NZ" sz="2800" b="1" dirty="0">
               <a:latin typeface="Consolas" panose="020B0609020204030204" pitchFamily="49" charset="0"/>
@@ -5242,7 +5179,7 @@
         </p:nvSpPr>
         <p:spPr>
           <a:xfrm>
-            <a:off x="4283968" y="3219822"/>
+            <a:off x="4283968" y="2715766"/>
             <a:ext cx="576064" cy="648072"/>
           </a:xfrm>
           <a:prstGeom prst="downArrow">
@@ -5275,7 +5212,7 @@
     </p:spTree>
     <p:extLst>
       <p:ext uri="{BB962C8B-B14F-4D97-AF65-F5344CB8AC3E}">
-        <p14:creationId xmlns:p14="http://schemas.microsoft.com/office/powerpoint/2010/main" val="408323508"/>
+        <p14:creationId xmlns:p14="http://schemas.microsoft.com/office/powerpoint/2010/main" val="2354467334"/>
       </p:ext>
     </p:extLst>
   </p:cSld>
@@ -5321,7 +5258,7 @@
         <p:spPr>
           <a:xfrm>
             <a:off x="683568" y="1478270"/>
-            <a:ext cx="7848872" cy="2677656"/>
+            <a:ext cx="7848872" cy="3108543"/>
           </a:xfrm>
           <a:prstGeom prst="rect">
             <a:avLst/>
@@ -5360,51 +5297,60 @@
                 <a:latin typeface="Consolas" panose="020B0609020204030204" pitchFamily="49" charset="0"/>
                 <a:cs typeface="Consolas" panose="020B0609020204030204" pitchFamily="49" charset="0"/>
               </a:rPr>
-              <a:t> o in </a:t>
+              <a:t> c in customers)</a:t>
+            </a:r>
+          </a:p>
+          <a:p>
+            <a:r>
+              <a:rPr lang="en-NZ" sz="2800" b="1" dirty="0">
+                <a:latin typeface="Consolas" panose="020B0609020204030204" pitchFamily="49" charset="0"/>
+                <a:cs typeface="Consolas" panose="020B0609020204030204" pitchFamily="49" charset="0"/>
+              </a:rPr>
+              <a:t> </a:t>
+            </a:r>
+            <a:r>
+              <a:rPr lang="en-NZ" sz="2800" b="1" dirty="0" smtClean="0">
+                <a:latin typeface="Consolas" panose="020B0609020204030204" pitchFamily="49" charset="0"/>
+                <a:cs typeface="Consolas" panose="020B0609020204030204" pitchFamily="49" charset="0"/>
+              </a:rPr>
+              <a:t> if (</a:t>
             </a:r>
             <a:r>
               <a:rPr lang="en-NZ" sz="2800" b="1" dirty="0" err="1" smtClean="0">
                 <a:latin typeface="Consolas" panose="020B0609020204030204" pitchFamily="49" charset="0"/>
                 <a:cs typeface="Consolas" panose="020B0609020204030204" pitchFamily="49" charset="0"/>
               </a:rPr>
-              <a:t>pendingOrders</a:t>
+              <a:t>c.Balance</a:t>
             </a:r>
             <a:r>
               <a:rPr lang="en-NZ" sz="2800" b="1" dirty="0" smtClean="0">
                 <a:latin typeface="Consolas" panose="020B0609020204030204" pitchFamily="49" charset="0"/>
                 <a:cs typeface="Consolas" panose="020B0609020204030204" pitchFamily="49" charset="0"/>
               </a:rPr>
-              <a:t>)</a:t>
-            </a:r>
-          </a:p>
-          <a:p>
-            <a:r>
-              <a:rPr lang="en-NZ" sz="2800" b="1" dirty="0">
-                <a:latin typeface="Consolas" panose="020B0609020204030204" pitchFamily="49" charset="0"/>
-                <a:cs typeface="Consolas" panose="020B0609020204030204" pitchFamily="49" charset="0"/>
-              </a:rPr>
-              <a:t> </a:t>
-            </a:r>
+              <a:t> &lt; 0)</a:t>
+            </a:r>
+          </a:p>
+          <a:p>
             <a:r>
               <a:rPr lang="en-NZ" sz="2800" b="1" dirty="0" smtClean="0">
                 <a:latin typeface="Consolas" panose="020B0609020204030204" pitchFamily="49" charset="0"/>
                 <a:cs typeface="Consolas" panose="020B0609020204030204" pitchFamily="49" charset="0"/>
               </a:rPr>
-              <a:t> outstanding += </a:t>
+              <a:t>    </a:t>
             </a:r>
             <a:r>
               <a:rPr lang="en-NZ" sz="2800" b="1" dirty="0" err="1" smtClean="0">
                 <a:latin typeface="Consolas" panose="020B0609020204030204" pitchFamily="49" charset="0"/>
                 <a:cs typeface="Consolas" panose="020B0609020204030204" pitchFamily="49" charset="0"/>
               </a:rPr>
-              <a:t>o.TotalValue</a:t>
+              <a:t>deadbeats.Add</a:t>
             </a:r>
             <a:r>
               <a:rPr lang="en-NZ" sz="2800" b="1" dirty="0" smtClean="0">
                 <a:latin typeface="Consolas" panose="020B0609020204030204" pitchFamily="49" charset="0"/>
                 <a:cs typeface="Consolas" panose="020B0609020204030204" pitchFamily="49" charset="0"/>
               </a:rPr>
-              <a:t>;</a:t>
+              <a:t>(c);</a:t>
             </a:r>
           </a:p>
           <a:p>
@@ -5431,28 +5377,28 @@
                 <a:latin typeface="Consolas" panose="020B0609020204030204" pitchFamily="49" charset="0"/>
                 <a:cs typeface="Consolas" panose="020B0609020204030204" pitchFamily="49" charset="0"/>
               </a:rPr>
-              <a:t>pendingOrders.Sum</a:t>
+              <a:t>customers.Where</a:t>
             </a:r>
             <a:r>
               <a:rPr lang="en-NZ" sz="2800" b="1" dirty="0" smtClean="0">
                 <a:latin typeface="Consolas" panose="020B0609020204030204" pitchFamily="49" charset="0"/>
                 <a:cs typeface="Consolas" panose="020B0609020204030204" pitchFamily="49" charset="0"/>
               </a:rPr>
-              <a:t>(o =&gt; </a:t>
+              <a:t>(c =&gt; </a:t>
             </a:r>
             <a:r>
               <a:rPr lang="en-NZ" sz="2800" b="1" dirty="0" err="1" smtClean="0">
                 <a:latin typeface="Consolas" panose="020B0609020204030204" pitchFamily="49" charset="0"/>
                 <a:cs typeface="Consolas" panose="020B0609020204030204" pitchFamily="49" charset="0"/>
               </a:rPr>
-              <a:t>o.TotalValue</a:t>
+              <a:t>c.Balance</a:t>
             </a:r>
             <a:r>
               <a:rPr lang="en-NZ" sz="2800" b="1" dirty="0" smtClean="0">
                 <a:latin typeface="Consolas" panose="020B0609020204030204" pitchFamily="49" charset="0"/>
                 <a:cs typeface="Consolas" panose="020B0609020204030204" pitchFamily="49" charset="0"/>
               </a:rPr>
-              <a:t>);</a:t>
+              <a:t> &lt; 0);</a:t>
             </a:r>
             <a:endParaRPr lang="en-NZ" sz="2800" b="1" dirty="0">
               <a:latin typeface="Consolas" panose="020B0609020204030204" pitchFamily="49" charset="0"/>
@@ -5499,7 +5445,7 @@
         </p:nvSpPr>
         <p:spPr>
           <a:xfrm>
-            <a:off x="4283968" y="2715766"/>
+            <a:off x="4283968" y="3219822"/>
             <a:ext cx="576064" cy="648072"/>
           </a:xfrm>
           <a:prstGeom prst="downArrow">
@@ -5532,7 +5478,7 @@
     </p:spTree>
     <p:extLst>
       <p:ext uri="{BB962C8B-B14F-4D97-AF65-F5344CB8AC3E}">
-        <p14:creationId xmlns:p14="http://schemas.microsoft.com/office/powerpoint/2010/main" val="958825350"/>
+        <p14:creationId xmlns:p14="http://schemas.microsoft.com/office/powerpoint/2010/main" val="408323508"/>
       </p:ext>
     </p:extLst>
   </p:cSld>
@@ -6036,7 +5982,21 @@
                 <a:latin typeface="Consolas" panose="020B0609020204030204" pitchFamily="49" charset="0"/>
                 <a:cs typeface="Consolas" panose="020B0609020204030204" pitchFamily="49" charset="0"/>
               </a:rPr>
-              <a:t> y in years)</a:t>
+              <a:t> o in </a:t>
+            </a:r>
+            <a:r>
+              <a:rPr lang="en-NZ" sz="2800" b="1" dirty="0" err="1" smtClean="0">
+                <a:latin typeface="Consolas" panose="020B0609020204030204" pitchFamily="49" charset="0"/>
+                <a:cs typeface="Consolas" panose="020B0609020204030204" pitchFamily="49" charset="0"/>
+              </a:rPr>
+              <a:t>pendingOrders</a:t>
+            </a:r>
+            <a:r>
+              <a:rPr lang="en-NZ" sz="2800" b="1" dirty="0" smtClean="0">
+                <a:latin typeface="Consolas" panose="020B0609020204030204" pitchFamily="49" charset="0"/>
+                <a:cs typeface="Consolas" panose="020B0609020204030204" pitchFamily="49" charset="0"/>
+              </a:rPr>
+              <a:t>)</a:t>
             </a:r>
           </a:p>
           <a:p>
@@ -6052,28 +6012,14 @@
                 <a:latin typeface="Consolas" panose="020B0609020204030204" pitchFamily="49" charset="0"/>
                 <a:cs typeface="Consolas" panose="020B0609020204030204" pitchFamily="49" charset="0"/>
               </a:rPr>
-              <a:t> </a:t>
+              <a:t> outstanding += </a:t>
             </a:r>
             <a:r>
               <a:rPr lang="en-NZ" sz="2800" b="1" dirty="0" err="1" smtClean="0">
                 <a:latin typeface="Consolas" panose="020B0609020204030204" pitchFamily="49" charset="0"/>
                 <a:cs typeface="Consolas" panose="020B0609020204030204" pitchFamily="49" charset="0"/>
               </a:rPr>
-              <a:t>totalInflation</a:t>
-            </a:r>
-            <a:r>
-              <a:rPr lang="en-NZ" sz="2800" b="1" dirty="0" smtClean="0">
-                <a:latin typeface="Consolas" panose="020B0609020204030204" pitchFamily="49" charset="0"/>
-                <a:cs typeface="Consolas" panose="020B0609020204030204" pitchFamily="49" charset="0"/>
-              </a:rPr>
-              <a:t> *= </a:t>
-            </a:r>
-            <a:r>
-              <a:rPr lang="en-NZ" sz="2800" b="1" dirty="0" err="1" smtClean="0">
-                <a:latin typeface="Consolas" panose="020B0609020204030204" pitchFamily="49" charset="0"/>
-                <a:cs typeface="Consolas" panose="020B0609020204030204" pitchFamily="49" charset="0"/>
-              </a:rPr>
-              <a:t>y.AnnualInflation</a:t>
+              <a:t>o.TotalValue</a:t>
             </a:r>
             <a:r>
               <a:rPr lang="en-NZ" sz="2800" b="1" dirty="0" smtClean="0">
@@ -6107,21 +6053,21 @@
                 <a:latin typeface="Consolas" panose="020B0609020204030204" pitchFamily="49" charset="0"/>
                 <a:cs typeface="Consolas" panose="020B0609020204030204" pitchFamily="49" charset="0"/>
               </a:rPr>
-              <a:t>years.Product</a:t>
+              <a:t>pendingOrders.Sum</a:t>
             </a:r>
             <a:r>
               <a:rPr lang="en-NZ" sz="2800" b="1" dirty="0" smtClean="0">
                 <a:latin typeface="Consolas" panose="020B0609020204030204" pitchFamily="49" charset="0"/>
                 <a:cs typeface="Consolas" panose="020B0609020204030204" pitchFamily="49" charset="0"/>
               </a:rPr>
-              <a:t>(y =&gt; </a:t>
+              <a:t>(o =&gt; </a:t>
             </a:r>
             <a:r>
               <a:rPr lang="en-NZ" sz="2800" b="1" dirty="0" err="1" smtClean="0">
                 <a:latin typeface="Consolas" panose="020B0609020204030204" pitchFamily="49" charset="0"/>
                 <a:cs typeface="Consolas" panose="020B0609020204030204" pitchFamily="49" charset="0"/>
               </a:rPr>
-              <a:t>y.AnnualInflation</a:t>
+              <a:t>o.TotalValue</a:t>
             </a:r>
             <a:r>
               <a:rPr lang="en-NZ" sz="2800" b="1" dirty="0" smtClean="0">
@@ -6208,7 +6154,7 @@
     </p:spTree>
     <p:extLst>
       <p:ext uri="{BB962C8B-B14F-4D97-AF65-F5344CB8AC3E}">
-        <p14:creationId xmlns:p14="http://schemas.microsoft.com/office/powerpoint/2010/main" val="2189813925"/>
+        <p14:creationId xmlns:p14="http://schemas.microsoft.com/office/powerpoint/2010/main" val="958825350"/>
       </p:ext>
     </p:extLst>
   </p:cSld>
@@ -6293,6 +6239,15 @@
                 <a:latin typeface="Consolas" panose="020B0609020204030204" pitchFamily="49" charset="0"/>
                 <a:cs typeface="Consolas" panose="020B0609020204030204" pitchFamily="49" charset="0"/>
               </a:rPr>
+              <a:t> y in years)</a:t>
+            </a:r>
+          </a:p>
+          <a:p>
+            <a:r>
+              <a:rPr lang="en-NZ" sz="2800" b="1" dirty="0">
+                <a:latin typeface="Consolas" panose="020B0609020204030204" pitchFamily="49" charset="0"/>
+                <a:cs typeface="Consolas" panose="020B0609020204030204" pitchFamily="49" charset="0"/>
+              </a:rPr>
               <a:t> </a:t>
             </a:r>
             <a:r>
@@ -6300,52 +6255,38 @@
                 <a:latin typeface="Consolas" panose="020B0609020204030204" pitchFamily="49" charset="0"/>
                 <a:cs typeface="Consolas" panose="020B0609020204030204" pitchFamily="49" charset="0"/>
               </a:rPr>
-              <a:t>s </a:t>
+              <a:t> </a:t>
+            </a:r>
+            <a:r>
+              <a:rPr lang="en-NZ" sz="2800" b="1" dirty="0" err="1" smtClean="0">
+                <a:latin typeface="Consolas" panose="020B0609020204030204" pitchFamily="49" charset="0"/>
+                <a:cs typeface="Consolas" panose="020B0609020204030204" pitchFamily="49" charset="0"/>
+              </a:rPr>
+              <a:t>totalInflation</a:t>
             </a:r>
             <a:r>
               <a:rPr lang="en-NZ" sz="2800" b="1" dirty="0" smtClean="0">
                 <a:latin typeface="Consolas" panose="020B0609020204030204" pitchFamily="49" charset="0"/>
                 <a:cs typeface="Consolas" panose="020B0609020204030204" pitchFamily="49" charset="0"/>
               </a:rPr>
-              <a:t>in </a:t>
+              <a:t> *= </a:t>
+            </a:r>
+            <a:r>
+              <a:rPr lang="en-NZ" sz="2800" b="1" dirty="0" err="1" smtClean="0">
+                <a:latin typeface="Consolas" panose="020B0609020204030204" pitchFamily="49" charset="0"/>
+                <a:cs typeface="Consolas" panose="020B0609020204030204" pitchFamily="49" charset="0"/>
+              </a:rPr>
+              <a:t>y.AnnualInflation</a:t>
             </a:r>
             <a:r>
               <a:rPr lang="en-NZ" sz="2800" b="1" dirty="0" smtClean="0">
                 <a:latin typeface="Consolas" panose="020B0609020204030204" pitchFamily="49" charset="0"/>
                 <a:cs typeface="Consolas" panose="020B0609020204030204" pitchFamily="49" charset="0"/>
               </a:rPr>
-              <a:t>scores</a:t>
-            </a:r>
-            <a:r>
-              <a:rPr lang="en-NZ" sz="2800" b="1" dirty="0" smtClean="0">
-                <a:latin typeface="Consolas" panose="020B0609020204030204" pitchFamily="49" charset="0"/>
-                <a:cs typeface="Consolas" panose="020B0609020204030204" pitchFamily="49" charset="0"/>
-              </a:rPr>
-              <a:t>)</a:t>
-            </a:r>
-          </a:p>
-          <a:p>
-            <a:r>
-              <a:rPr lang="en-NZ" sz="2800" b="1" dirty="0">
-                <a:latin typeface="Consolas" panose="020B0609020204030204" pitchFamily="49" charset="0"/>
-                <a:cs typeface="Consolas" panose="020B0609020204030204" pitchFamily="49" charset="0"/>
-              </a:rPr>
-              <a:t> </a:t>
-            </a:r>
-            <a:r>
-              <a:rPr lang="en-NZ" sz="2800" b="1" dirty="0" smtClean="0">
-                <a:latin typeface="Consolas" panose="020B0609020204030204" pitchFamily="49" charset="0"/>
-                <a:cs typeface="Consolas" panose="020B0609020204030204" pitchFamily="49" charset="0"/>
-              </a:rPr>
-              <a:t> </a:t>
-            </a:r>
-            <a:r>
-              <a:rPr lang="en-NZ" sz="2800" b="1" dirty="0" smtClean="0">
-                <a:latin typeface="Consolas" panose="020B0609020204030204" pitchFamily="49" charset="0"/>
-                <a:cs typeface="Consolas" panose="020B0609020204030204" pitchFamily="49" charset="0"/>
-              </a:rPr>
-              <a:t>best = Max(s, best);</a:t>
-            </a:r>
+              <a:t>;</a:t>
+            </a:r>
+          </a:p>
+          <a:p>
             <a:endParaRPr lang="en-NZ" sz="2800" b="1" dirty="0" smtClean="0">
               <a:latin typeface="Consolas" panose="020B0609020204030204" pitchFamily="49" charset="0"/>
               <a:cs typeface="Consolas" panose="020B0609020204030204" pitchFamily="49" charset="0"/>
@@ -6364,25 +6305,33 @@
             </a:endParaRPr>
           </a:p>
           <a:p>
-            <a:endParaRPr lang="en-NZ" sz="2800" b="1" dirty="0" smtClean="0">
-              <a:latin typeface="Consolas" panose="020B0609020204030204" pitchFamily="49" charset="0"/>
-              <a:cs typeface="Consolas" panose="020B0609020204030204" pitchFamily="49" charset="0"/>
-            </a:endParaRPr>
-          </a:p>
-          <a:p>
             <a:r>
               <a:rPr lang="en-NZ" sz="2800" b="1" dirty="0" err="1" smtClean="0">
                 <a:latin typeface="Consolas" panose="020B0609020204030204" pitchFamily="49" charset="0"/>
                 <a:cs typeface="Consolas" panose="020B0609020204030204" pitchFamily="49" charset="0"/>
               </a:rPr>
-              <a:t>scores.Max</a:t>
+              <a:t>years.Product</a:t>
             </a:r>
             <a:r>
               <a:rPr lang="en-NZ" sz="2800" b="1" dirty="0" smtClean="0">
                 <a:latin typeface="Consolas" panose="020B0609020204030204" pitchFamily="49" charset="0"/>
                 <a:cs typeface="Consolas" panose="020B0609020204030204" pitchFamily="49" charset="0"/>
               </a:rPr>
-              <a:t>();</a:t>
+              <a:t>(y =&gt; </a:t>
+            </a:r>
+            <a:r>
+              <a:rPr lang="en-NZ" sz="2800" b="1" dirty="0" err="1" smtClean="0">
+                <a:latin typeface="Consolas" panose="020B0609020204030204" pitchFamily="49" charset="0"/>
+                <a:cs typeface="Consolas" panose="020B0609020204030204" pitchFamily="49" charset="0"/>
+              </a:rPr>
+              <a:t>y.AnnualInflation</a:t>
+            </a:r>
+            <a:r>
+              <a:rPr lang="en-NZ" sz="2800" b="1" dirty="0" smtClean="0">
+                <a:latin typeface="Consolas" panose="020B0609020204030204" pitchFamily="49" charset="0"/>
+                <a:cs typeface="Consolas" panose="020B0609020204030204" pitchFamily="49" charset="0"/>
+              </a:rPr>
+              <a:t>);</a:t>
             </a:r>
             <a:endParaRPr lang="en-NZ" sz="2800" b="1" dirty="0">
               <a:latin typeface="Consolas" panose="020B0609020204030204" pitchFamily="49" charset="0"/>
@@ -6462,7 +6411,7 @@
     </p:spTree>
     <p:extLst>
       <p:ext uri="{BB962C8B-B14F-4D97-AF65-F5344CB8AC3E}">
-        <p14:creationId xmlns:p14="http://schemas.microsoft.com/office/powerpoint/2010/main" val="3562382343"/>
+        <p14:creationId xmlns:p14="http://schemas.microsoft.com/office/powerpoint/2010/main" val="2189813925"/>
       </p:ext>
     </p:extLst>
   </p:cSld>
@@ -6547,7 +6496,7 @@
                 <a:latin typeface="Consolas" panose="020B0609020204030204" pitchFamily="49" charset="0"/>
                 <a:cs typeface="Consolas" panose="020B0609020204030204" pitchFamily="49" charset="0"/>
               </a:rPr>
-              <a:t> w in words)</a:t>
+              <a:t> s in scores)</a:t>
             </a:r>
           </a:p>
           <a:p>
@@ -6563,21 +6512,7 @@
                 <a:latin typeface="Consolas" panose="020B0609020204030204" pitchFamily="49" charset="0"/>
                 <a:cs typeface="Consolas" panose="020B0609020204030204" pitchFamily="49" charset="0"/>
               </a:rPr>
-              <a:t> </a:t>
-            </a:r>
-            <a:r>
-              <a:rPr lang="en-NZ" sz="2800" b="1" dirty="0" err="1" smtClean="0">
-                <a:latin typeface="Consolas" panose="020B0609020204030204" pitchFamily="49" charset="0"/>
-                <a:cs typeface="Consolas" panose="020B0609020204030204" pitchFamily="49" charset="0"/>
-              </a:rPr>
-              <a:t>endlessBabble</a:t>
-            </a:r>
-            <a:r>
-              <a:rPr lang="en-NZ" sz="2800" b="1" dirty="0" smtClean="0">
-                <a:latin typeface="Consolas" panose="020B0609020204030204" pitchFamily="49" charset="0"/>
-                <a:cs typeface="Consolas" panose="020B0609020204030204" pitchFamily="49" charset="0"/>
-              </a:rPr>
-              <a:t> += w + " ";</a:t>
+              <a:t> best = Max(s, best);</a:t>
             </a:r>
           </a:p>
           <a:p>
@@ -6604,7 +6539,7 @@
                 <a:latin typeface="Consolas" panose="020B0609020204030204" pitchFamily="49" charset="0"/>
                 <a:cs typeface="Consolas" panose="020B0609020204030204" pitchFamily="49" charset="0"/>
               </a:rPr>
-              <a:t>words.CursesSumDoesntWork</a:t>
+              <a:t>scores.Max</a:t>
             </a:r>
             <a:r>
               <a:rPr lang="en-NZ" sz="2800" b="1" dirty="0" smtClean="0">
@@ -6691,7 +6626,7 @@
     </p:spTree>
     <p:extLst>
       <p:ext uri="{BB962C8B-B14F-4D97-AF65-F5344CB8AC3E}">
-        <p14:creationId xmlns:p14="http://schemas.microsoft.com/office/powerpoint/2010/main" val="3758076256"/>
+        <p14:creationId xmlns:p14="http://schemas.microsoft.com/office/powerpoint/2010/main" val="3562382343"/>
       </p:ext>
     </p:extLst>
   </p:cSld>
@@ -6755,28 +6690,58 @@
                 <a:latin typeface="Consolas" panose="020B0609020204030204" pitchFamily="49" charset="0"/>
                 <a:cs typeface="Consolas" panose="020B0609020204030204" pitchFamily="49" charset="0"/>
               </a:rPr>
-              <a:t>pendingOrders.Sum</a:t>
+              <a:t>foreach</a:t>
             </a:r>
             <a:r>
               <a:rPr lang="en-NZ" sz="2800" b="1" dirty="0" smtClean="0">
                 <a:latin typeface="Consolas" panose="020B0609020204030204" pitchFamily="49" charset="0"/>
                 <a:cs typeface="Consolas" panose="020B0609020204030204" pitchFamily="49" charset="0"/>
               </a:rPr>
-              <a:t>(o =&gt; </a:t>
+              <a:t> (</a:t>
             </a:r>
             <a:r>
               <a:rPr lang="en-NZ" sz="2800" b="1" dirty="0" err="1" smtClean="0">
                 <a:latin typeface="Consolas" panose="020B0609020204030204" pitchFamily="49" charset="0"/>
                 <a:cs typeface="Consolas" panose="020B0609020204030204" pitchFamily="49" charset="0"/>
               </a:rPr>
-              <a:t>o.TotalValue</a:t>
+              <a:t>var</a:t>
             </a:r>
             <a:r>
               <a:rPr lang="en-NZ" sz="2800" b="1" dirty="0" smtClean="0">
                 <a:latin typeface="Consolas" panose="020B0609020204030204" pitchFamily="49" charset="0"/>
                 <a:cs typeface="Consolas" panose="020B0609020204030204" pitchFamily="49" charset="0"/>
               </a:rPr>
-              <a:t>);</a:t>
+              <a:t> w in words)</a:t>
+            </a:r>
+          </a:p>
+          <a:p>
+            <a:r>
+              <a:rPr lang="en-NZ" sz="2800" b="1" dirty="0">
+                <a:latin typeface="Consolas" panose="020B0609020204030204" pitchFamily="49" charset="0"/>
+                <a:cs typeface="Consolas" panose="020B0609020204030204" pitchFamily="49" charset="0"/>
+              </a:rPr>
+              <a:t> </a:t>
+            </a:r>
+            <a:r>
+              <a:rPr lang="en-NZ" sz="2800" b="1" dirty="0" smtClean="0">
+                <a:latin typeface="Consolas" panose="020B0609020204030204" pitchFamily="49" charset="0"/>
+                <a:cs typeface="Consolas" panose="020B0609020204030204" pitchFamily="49" charset="0"/>
+              </a:rPr>
+              <a:t> </a:t>
+            </a:r>
+            <a:r>
+              <a:rPr lang="en-NZ" sz="2800" b="1" dirty="0" err="1" smtClean="0">
+                <a:latin typeface="Consolas" panose="020B0609020204030204" pitchFamily="49" charset="0"/>
+                <a:cs typeface="Consolas" panose="020B0609020204030204" pitchFamily="49" charset="0"/>
+              </a:rPr>
+              <a:t>endlessBabble</a:t>
+            </a:r>
+            <a:r>
+              <a:rPr lang="en-NZ" sz="2800" b="1" dirty="0" smtClean="0">
+                <a:latin typeface="Consolas" panose="020B0609020204030204" pitchFamily="49" charset="0"/>
+                <a:cs typeface="Consolas" panose="020B0609020204030204" pitchFamily="49" charset="0"/>
+              </a:rPr>
+              <a:t> += w + " ";</a:t>
             </a:r>
           </a:p>
           <a:p>
@@ -6803,66 +6768,19 @@
                 <a:latin typeface="Consolas" panose="020B0609020204030204" pitchFamily="49" charset="0"/>
                 <a:cs typeface="Consolas" panose="020B0609020204030204" pitchFamily="49" charset="0"/>
               </a:rPr>
-              <a:t>pendingOrders.Aggregate</a:t>
+              <a:t>words.CursesSumDoesntWork</a:t>
             </a:r>
             <a:r>
               <a:rPr lang="en-NZ" sz="2800" b="1" dirty="0" smtClean="0">
                 <a:latin typeface="Consolas" panose="020B0609020204030204" pitchFamily="49" charset="0"/>
                 <a:cs typeface="Consolas" panose="020B0609020204030204" pitchFamily="49" charset="0"/>
               </a:rPr>
-              <a:t>((</a:t>
-            </a:r>
-            <a:r>
-              <a:rPr lang="en-NZ" sz="2800" b="1" dirty="0" err="1" smtClean="0">
-                <a:latin typeface="Consolas" panose="020B0609020204030204" pitchFamily="49" charset="0"/>
-                <a:cs typeface="Consolas" panose="020B0609020204030204" pitchFamily="49" charset="0"/>
-              </a:rPr>
-              <a:t>acc</a:t>
-            </a:r>
-            <a:r>
-              <a:rPr lang="en-NZ" sz="2800" b="1" dirty="0" smtClean="0">
-                <a:latin typeface="Consolas" panose="020B0609020204030204" pitchFamily="49" charset="0"/>
-                <a:cs typeface="Consolas" panose="020B0609020204030204" pitchFamily="49" charset="0"/>
-              </a:rPr>
-              <a:t>, o) =&gt;</a:t>
-            </a:r>
-          </a:p>
-          <a:p>
-            <a:r>
-              <a:rPr lang="en-NZ" sz="2800" b="1" dirty="0" smtClean="0">
-                <a:latin typeface="Consolas" panose="020B0609020204030204" pitchFamily="49" charset="0"/>
-                <a:cs typeface="Consolas" panose="020B0609020204030204" pitchFamily="49" charset="0"/>
-              </a:rPr>
-              <a:t>  </a:t>
-            </a:r>
-            <a:r>
-              <a:rPr lang="en-NZ" sz="2800" b="1" dirty="0" err="1" smtClean="0">
-                <a:latin typeface="Consolas" panose="020B0609020204030204" pitchFamily="49" charset="0"/>
-                <a:cs typeface="Consolas" panose="020B0609020204030204" pitchFamily="49" charset="0"/>
-              </a:rPr>
-              <a:t>acc</a:t>
-            </a:r>
-            <a:r>
-              <a:rPr lang="en-NZ" sz="2800" b="1" dirty="0" smtClean="0">
-                <a:latin typeface="Consolas" panose="020B0609020204030204" pitchFamily="49" charset="0"/>
-                <a:cs typeface="Consolas" panose="020B0609020204030204" pitchFamily="49" charset="0"/>
-              </a:rPr>
-              <a:t> + </a:t>
-            </a:r>
-            <a:r>
-              <a:rPr lang="en-NZ" sz="2800" b="1" dirty="0" err="1" smtClean="0">
-                <a:latin typeface="Consolas" panose="020B0609020204030204" pitchFamily="49" charset="0"/>
-                <a:cs typeface="Consolas" panose="020B0609020204030204" pitchFamily="49" charset="0"/>
-              </a:rPr>
-              <a:t>o.TotalValue</a:t>
-            </a:r>
-            <a:r>
-              <a:rPr lang="en-NZ" sz="2800" b="1" dirty="0" smtClean="0">
-                <a:latin typeface="Consolas" panose="020B0609020204030204" pitchFamily="49" charset="0"/>
-                <a:cs typeface="Consolas" panose="020B0609020204030204" pitchFamily="49" charset="0"/>
-              </a:rPr>
-              <a:t>);</a:t>
-            </a:r>
+              <a:t>();</a:t>
+            </a:r>
+            <a:endParaRPr lang="en-NZ" sz="2800" b="1" dirty="0">
+              <a:latin typeface="Consolas" panose="020B0609020204030204" pitchFamily="49" charset="0"/>
+              <a:cs typeface="Consolas" panose="020B0609020204030204" pitchFamily="49" charset="0"/>
+            </a:endParaRPr>
           </a:p>
         </p:txBody>
       </p:sp>
@@ -6890,7 +6808,7 @@
           <a:p>
             <a:r>
               <a:rPr lang="en-NZ" sz="3600" b="1" dirty="0" smtClean="0"/>
-              <a:t>Abstractions… of abstractions</a:t>
+              <a:t>Abstractions</a:t>
             </a:r>
             <a:endParaRPr lang="en-NZ" sz="3600" b="1" dirty="0"/>
           </a:p>
@@ -6904,7 +6822,7 @@
         </p:nvSpPr>
         <p:spPr>
           <a:xfrm>
-            <a:off x="4283968" y="2283718"/>
+            <a:off x="4283968" y="2715766"/>
             <a:ext cx="576064" cy="648072"/>
           </a:xfrm>
           <a:prstGeom prst="downArrow">
@@ -6937,7 +6855,7 @@
     </p:spTree>
     <p:extLst>
       <p:ext uri="{BB962C8B-B14F-4D97-AF65-F5344CB8AC3E}">
-        <p14:creationId xmlns:p14="http://schemas.microsoft.com/office/powerpoint/2010/main" val="3964876540"/>
+        <p14:creationId xmlns:p14="http://schemas.microsoft.com/office/powerpoint/2010/main" val="3758076256"/>
       </p:ext>
     </p:extLst>
   </p:cSld>
@@ -7001,21 +6919,21 @@
                 <a:latin typeface="Consolas" panose="020B0609020204030204" pitchFamily="49" charset="0"/>
                 <a:cs typeface="Consolas" panose="020B0609020204030204" pitchFamily="49" charset="0"/>
               </a:rPr>
-              <a:t>years.Product</a:t>
+              <a:t>pendingOrders.Sum</a:t>
             </a:r>
             <a:r>
               <a:rPr lang="en-NZ" sz="2800" b="1" dirty="0" smtClean="0">
                 <a:latin typeface="Consolas" panose="020B0609020204030204" pitchFamily="49" charset="0"/>
                 <a:cs typeface="Consolas" panose="020B0609020204030204" pitchFamily="49" charset="0"/>
               </a:rPr>
-              <a:t>(y =&gt; </a:t>
+              <a:t>(o =&gt; </a:t>
             </a:r>
             <a:r>
               <a:rPr lang="en-NZ" sz="2800" b="1" dirty="0" err="1" smtClean="0">
                 <a:latin typeface="Consolas" panose="020B0609020204030204" pitchFamily="49" charset="0"/>
                 <a:cs typeface="Consolas" panose="020B0609020204030204" pitchFamily="49" charset="0"/>
               </a:rPr>
-              <a:t>y.AnnualInflation</a:t>
+              <a:t>o.TotalValue</a:t>
             </a:r>
             <a:r>
               <a:rPr lang="en-NZ" sz="2800" b="1" dirty="0" smtClean="0">
@@ -7049,7 +6967,7 @@
                 <a:latin typeface="Consolas" panose="020B0609020204030204" pitchFamily="49" charset="0"/>
                 <a:cs typeface="Consolas" panose="020B0609020204030204" pitchFamily="49" charset="0"/>
               </a:rPr>
-              <a:t>years.Aggregate</a:t>
+              <a:t>pendingOrders.Aggregate</a:t>
             </a:r>
             <a:r>
               <a:rPr lang="en-NZ" sz="2800" b="1" dirty="0" smtClean="0">
@@ -7070,7 +6988,7 @@
                 <a:latin typeface="Consolas" panose="020B0609020204030204" pitchFamily="49" charset="0"/>
                 <a:cs typeface="Consolas" panose="020B0609020204030204" pitchFamily="49" charset="0"/>
               </a:rPr>
-              <a:t>, y) =&gt;</a:t>
+              <a:t>, o) =&gt;</a:t>
             </a:r>
           </a:p>
           <a:p>
@@ -7093,14 +7011,14 @@
                 <a:latin typeface="Consolas" panose="020B0609020204030204" pitchFamily="49" charset="0"/>
                 <a:cs typeface="Consolas" panose="020B0609020204030204" pitchFamily="49" charset="0"/>
               </a:rPr>
-              <a:t> * </a:t>
+              <a:t> + </a:t>
             </a:r>
             <a:r>
               <a:rPr lang="en-NZ" sz="2800" b="1" dirty="0" err="1" smtClean="0">
                 <a:latin typeface="Consolas" panose="020B0609020204030204" pitchFamily="49" charset="0"/>
                 <a:cs typeface="Consolas" panose="020B0609020204030204" pitchFamily="49" charset="0"/>
               </a:rPr>
-              <a:t>y.AnnualInflation</a:t>
+              <a:t>o.TotalValue</a:t>
             </a:r>
             <a:r>
               <a:rPr lang="en-NZ" sz="2800" b="1" dirty="0" smtClean="0">
@@ -7183,7 +7101,7 @@
     </p:spTree>
     <p:extLst>
       <p:ext uri="{BB962C8B-B14F-4D97-AF65-F5344CB8AC3E}">
-        <p14:creationId xmlns:p14="http://schemas.microsoft.com/office/powerpoint/2010/main" val="431260941"/>
+        <p14:creationId xmlns:p14="http://schemas.microsoft.com/office/powerpoint/2010/main" val="3964876540"/>
       </p:ext>
     </p:extLst>
   </p:cSld>
@@ -7247,15 +7165,31 @@
                 <a:latin typeface="Consolas" panose="020B0609020204030204" pitchFamily="49" charset="0"/>
                 <a:cs typeface="Consolas" panose="020B0609020204030204" pitchFamily="49" charset="0"/>
               </a:rPr>
-              <a:t>scores.Max</a:t>
+              <a:t>years.Product</a:t>
             </a:r>
             <a:r>
               <a:rPr lang="en-NZ" sz="2800" b="1" dirty="0" smtClean="0">
                 <a:latin typeface="Consolas" panose="020B0609020204030204" pitchFamily="49" charset="0"/>
                 <a:cs typeface="Consolas" panose="020B0609020204030204" pitchFamily="49" charset="0"/>
               </a:rPr>
-              <a:t>();</a:t>
-            </a:r>
+              <a:t>(y =&gt; </a:t>
+            </a:r>
+            <a:r>
+              <a:rPr lang="en-NZ" sz="2800" b="1" dirty="0" err="1" smtClean="0">
+                <a:latin typeface="Consolas" panose="020B0609020204030204" pitchFamily="49" charset="0"/>
+                <a:cs typeface="Consolas" panose="020B0609020204030204" pitchFamily="49" charset="0"/>
+              </a:rPr>
+              <a:t>y.AnnualInflation</a:t>
+            </a:r>
+            <a:r>
+              <a:rPr lang="en-NZ" sz="2800" b="1" dirty="0" smtClean="0">
+                <a:latin typeface="Consolas" panose="020B0609020204030204" pitchFamily="49" charset="0"/>
+                <a:cs typeface="Consolas" panose="020B0609020204030204" pitchFamily="49" charset="0"/>
+              </a:rPr>
+              <a:t>);</a:t>
+            </a:r>
+          </a:p>
+          <a:p>
             <a:endParaRPr lang="en-NZ" sz="2800" b="1" dirty="0" smtClean="0">
               <a:latin typeface="Consolas" panose="020B0609020204030204" pitchFamily="49" charset="0"/>
               <a:cs typeface="Consolas" panose="020B0609020204030204" pitchFamily="49" charset="0"/>
@@ -7274,18 +7208,12 @@
             </a:endParaRPr>
           </a:p>
           <a:p>
-            <a:endParaRPr lang="en-NZ" sz="2800" b="1" dirty="0" smtClean="0">
-              <a:latin typeface="Consolas" panose="020B0609020204030204" pitchFamily="49" charset="0"/>
-              <a:cs typeface="Consolas" panose="020B0609020204030204" pitchFamily="49" charset="0"/>
-            </a:endParaRPr>
-          </a:p>
-          <a:p>
             <a:r>
               <a:rPr lang="en-NZ" sz="2800" b="1" dirty="0" err="1" smtClean="0">
                 <a:latin typeface="Consolas" panose="020B0609020204030204" pitchFamily="49" charset="0"/>
                 <a:cs typeface="Consolas" panose="020B0609020204030204" pitchFamily="49" charset="0"/>
               </a:rPr>
-              <a:t>scores.Aggregate</a:t>
+              <a:t>years.Aggregate</a:t>
             </a:r>
             <a:r>
               <a:rPr lang="en-NZ" sz="2800" b="1" dirty="0" smtClean="0">
@@ -7306,56 +7234,45 @@
                 <a:latin typeface="Consolas" panose="020B0609020204030204" pitchFamily="49" charset="0"/>
                 <a:cs typeface="Consolas" panose="020B0609020204030204" pitchFamily="49" charset="0"/>
               </a:rPr>
-              <a:t>, </a:t>
-            </a:r>
+              <a:t>, y) =&gt;</a:t>
+            </a:r>
+          </a:p>
+          <a:p>
             <a:r>
               <a:rPr lang="en-NZ" sz="2800" b="1" dirty="0" smtClean="0">
                 <a:latin typeface="Consolas" panose="020B0609020204030204" pitchFamily="49" charset="0"/>
                 <a:cs typeface="Consolas" panose="020B0609020204030204" pitchFamily="49" charset="0"/>
               </a:rPr>
-              <a:t>s) </a:t>
+              <a:t>  </a:t>
+            </a:r>
+            <a:r>
+              <a:rPr lang="en-NZ" sz="2800" b="1" dirty="0" err="1" smtClean="0">
+                <a:latin typeface="Consolas" panose="020B0609020204030204" pitchFamily="49" charset="0"/>
+                <a:cs typeface="Consolas" panose="020B0609020204030204" pitchFamily="49" charset="0"/>
+              </a:rPr>
+              <a:t>acc</a:t>
             </a:r>
             <a:r>
               <a:rPr lang="en-NZ" sz="2800" b="1" dirty="0" smtClean="0">
                 <a:latin typeface="Consolas" panose="020B0609020204030204" pitchFamily="49" charset="0"/>
                 <a:cs typeface="Consolas" panose="020B0609020204030204" pitchFamily="49" charset="0"/>
               </a:rPr>
-              <a:t>=&gt;</a:t>
-            </a:r>
-          </a:p>
-          <a:p>
+              <a:t> * </a:t>
+            </a:r>
+            <a:r>
+              <a:rPr lang="en-NZ" sz="2800" b="1" dirty="0" err="1" smtClean="0">
+                <a:latin typeface="Consolas" panose="020B0609020204030204" pitchFamily="49" charset="0"/>
+                <a:cs typeface="Consolas" panose="020B0609020204030204" pitchFamily="49" charset="0"/>
+              </a:rPr>
+              <a:t>y.AnnualInflation</a:t>
+            </a:r>
             <a:r>
               <a:rPr lang="en-NZ" sz="2800" b="1" dirty="0" smtClean="0">
                 <a:latin typeface="Consolas" panose="020B0609020204030204" pitchFamily="49" charset="0"/>
                 <a:cs typeface="Consolas" panose="020B0609020204030204" pitchFamily="49" charset="0"/>
               </a:rPr>
-              <a:t>  </a:t>
-            </a:r>
-            <a:r>
-              <a:rPr lang="en-NZ" sz="2800" b="1" dirty="0" smtClean="0">
-                <a:latin typeface="Consolas" panose="020B0609020204030204" pitchFamily="49" charset="0"/>
-                <a:cs typeface="Consolas" panose="020B0609020204030204" pitchFamily="49" charset="0"/>
-              </a:rPr>
-              <a:t>Max(</a:t>
-            </a:r>
-            <a:r>
-              <a:rPr lang="en-NZ" sz="2800" b="1" dirty="0" err="1" smtClean="0">
-                <a:latin typeface="Consolas" panose="020B0609020204030204" pitchFamily="49" charset="0"/>
-                <a:cs typeface="Consolas" panose="020B0609020204030204" pitchFamily="49" charset="0"/>
-              </a:rPr>
-              <a:t>acc</a:t>
-            </a:r>
-            <a:r>
-              <a:rPr lang="en-NZ" sz="2800" b="1" dirty="0" smtClean="0">
-                <a:latin typeface="Consolas" panose="020B0609020204030204" pitchFamily="49" charset="0"/>
-                <a:cs typeface="Consolas" panose="020B0609020204030204" pitchFamily="49" charset="0"/>
-              </a:rPr>
-              <a:t>, s));</a:t>
-            </a:r>
-            <a:endParaRPr lang="en-NZ" sz="2800" b="1" dirty="0" smtClean="0">
-              <a:latin typeface="Consolas" panose="020B0609020204030204" pitchFamily="49" charset="0"/>
-              <a:cs typeface="Consolas" panose="020B0609020204030204" pitchFamily="49" charset="0"/>
-            </a:endParaRPr>
+              <a:t>);</a:t>
+            </a:r>
           </a:p>
         </p:txBody>
       </p:sp>
@@ -7430,7 +7347,7 @@
     </p:spTree>
     <p:extLst>
       <p:ext uri="{BB962C8B-B14F-4D97-AF65-F5344CB8AC3E}">
-        <p14:creationId xmlns:p14="http://schemas.microsoft.com/office/powerpoint/2010/main" val="3379158450"/>
+        <p14:creationId xmlns:p14="http://schemas.microsoft.com/office/powerpoint/2010/main" val="431260941"/>
       </p:ext>
     </p:extLst>
   </p:cSld>
@@ -7469,44 +7386,14 @@
       </p:grpSpPr>
       <p:sp>
         <p:nvSpPr>
-          <p:cNvPr id="3" name="TextBox 2"/>
+          <p:cNvPr id="6" name="TextBox 5"/>
           <p:cNvSpPr txBox="1"/>
           <p:nvPr/>
         </p:nvSpPr>
         <p:spPr>
           <a:xfrm>
-            <a:off x="683568" y="555526"/>
-            <a:ext cx="7848872" cy="646331"/>
-          </a:xfrm>
-          <a:prstGeom prst="rect">
-            <a:avLst/>
-          </a:prstGeom>
-          <a:noFill/>
-        </p:spPr>
-        <p:txBody>
-          <a:bodyPr wrap="square" rtlCol="0">
-            <a:spAutoFit/>
-          </a:bodyPr>
-          <a:lstStyle/>
-          <a:p>
-            <a:r>
-              <a:rPr lang="en-NZ" sz="3600" b="1" dirty="0" smtClean="0"/>
-              <a:t>Abstractions… of abstractions</a:t>
-            </a:r>
-            <a:endParaRPr lang="en-NZ" sz="3600" b="1" dirty="0"/>
-          </a:p>
-        </p:txBody>
-      </p:sp>
-      <p:sp>
-        <p:nvSpPr>
-          <p:cNvPr id="5" name="TextBox 4"/>
-          <p:cNvSpPr txBox="1"/>
-          <p:nvPr/>
-        </p:nvSpPr>
-        <p:spPr>
-          <a:xfrm>
             <a:off x="683568" y="1478270"/>
-            <a:ext cx="7848872" cy="3108543"/>
+            <a:ext cx="7848872" cy="2677656"/>
           </a:xfrm>
           <a:prstGeom prst="rect">
             <a:avLst/>
@@ -7524,58 +7411,14 @@
                 <a:latin typeface="Consolas" panose="020B0609020204030204" pitchFamily="49" charset="0"/>
                 <a:cs typeface="Consolas" panose="020B0609020204030204" pitchFamily="49" charset="0"/>
               </a:rPr>
-              <a:t>foreach</a:t>
+              <a:t>scores.Max</a:t>
             </a:r>
             <a:r>
               <a:rPr lang="en-NZ" sz="2800" b="1" dirty="0" smtClean="0">
                 <a:latin typeface="Consolas" panose="020B0609020204030204" pitchFamily="49" charset="0"/>
                 <a:cs typeface="Consolas" panose="020B0609020204030204" pitchFamily="49" charset="0"/>
               </a:rPr>
-              <a:t> (</a:t>
-            </a:r>
-            <a:r>
-              <a:rPr lang="en-NZ" sz="2800" b="1" dirty="0" err="1" smtClean="0">
-                <a:latin typeface="Consolas" panose="020B0609020204030204" pitchFamily="49" charset="0"/>
-                <a:cs typeface="Consolas" panose="020B0609020204030204" pitchFamily="49" charset="0"/>
-              </a:rPr>
-              <a:t>var</a:t>
-            </a:r>
-            <a:r>
-              <a:rPr lang="en-NZ" sz="2800" b="1" dirty="0" smtClean="0">
-                <a:latin typeface="Consolas" panose="020B0609020204030204" pitchFamily="49" charset="0"/>
-                <a:cs typeface="Consolas" panose="020B0609020204030204" pitchFamily="49" charset="0"/>
-              </a:rPr>
-              <a:t> w in words)</a:t>
-            </a:r>
-          </a:p>
-          <a:p>
-            <a:r>
-              <a:rPr lang="en-NZ" sz="2800" b="1" dirty="0">
-                <a:latin typeface="Consolas" panose="020B0609020204030204" pitchFamily="49" charset="0"/>
-                <a:cs typeface="Consolas" panose="020B0609020204030204" pitchFamily="49" charset="0"/>
-              </a:rPr>
-              <a:t> </a:t>
-            </a:r>
-            <a:r>
-              <a:rPr lang="en-NZ" sz="2800" b="1" dirty="0" smtClean="0">
-                <a:latin typeface="Consolas" panose="020B0609020204030204" pitchFamily="49" charset="0"/>
-                <a:cs typeface="Consolas" panose="020B0609020204030204" pitchFamily="49" charset="0"/>
-              </a:rPr>
-              <a:t> </a:t>
-            </a:r>
-            <a:r>
-              <a:rPr lang="en-NZ" sz="2800" b="1" dirty="0" err="1" smtClean="0">
-                <a:latin typeface="Consolas" panose="020B0609020204030204" pitchFamily="49" charset="0"/>
-                <a:cs typeface="Consolas" panose="020B0609020204030204" pitchFamily="49" charset="0"/>
-              </a:rPr>
-              <a:t>endlessBabble</a:t>
-            </a:r>
-            <a:r>
-              <a:rPr lang="en-NZ" sz="2800" b="1" dirty="0" smtClean="0">
-                <a:latin typeface="Consolas" panose="020B0609020204030204" pitchFamily="49" charset="0"/>
-                <a:cs typeface="Consolas" panose="020B0609020204030204" pitchFamily="49" charset="0"/>
-              </a:rPr>
-              <a:t> += w + " ";</a:t>
+              <a:t>();</a:t>
             </a:r>
           </a:p>
           <a:p>
@@ -7602,7 +7445,7 @@
                 <a:latin typeface="Consolas" panose="020B0609020204030204" pitchFamily="49" charset="0"/>
                 <a:cs typeface="Consolas" panose="020B0609020204030204" pitchFamily="49" charset="0"/>
               </a:rPr>
-              <a:t>words.Aggregate</a:t>
+              <a:t>scores.Aggregate</a:t>
             </a:r>
             <a:r>
               <a:rPr lang="en-NZ" sz="2800" b="1" dirty="0" smtClean="0">
@@ -7623,23 +7466,16 @@
                 <a:latin typeface="Consolas" panose="020B0609020204030204" pitchFamily="49" charset="0"/>
                 <a:cs typeface="Consolas" panose="020B0609020204030204" pitchFamily="49" charset="0"/>
               </a:rPr>
-              <a:t>, w) =&gt;</a:t>
-            </a:r>
-          </a:p>
-          <a:p>
-            <a:r>
-              <a:rPr lang="en-NZ" sz="2800" b="1" dirty="0">
-                <a:latin typeface="Consolas" panose="020B0609020204030204" pitchFamily="49" charset="0"/>
-                <a:cs typeface="Consolas" panose="020B0609020204030204" pitchFamily="49" charset="0"/>
-              </a:rPr>
-              <a:t> </a:t>
-            </a:r>
+              <a:t>, s) =&gt;</a:t>
+            </a:r>
+          </a:p>
+          <a:p>
             <a:r>
               <a:rPr lang="en-NZ" sz="2800" b="1" dirty="0" smtClean="0">
                 <a:latin typeface="Consolas" panose="020B0609020204030204" pitchFamily="49" charset="0"/>
                 <a:cs typeface="Consolas" panose="020B0609020204030204" pitchFamily="49" charset="0"/>
               </a:rPr>
-              <a:t> </a:t>
+              <a:t>  Max(</a:t>
             </a:r>
             <a:r>
               <a:rPr lang="en-NZ" sz="2800" b="1" dirty="0" err="1" smtClean="0">
@@ -7653,24 +7489,50 @@
                 <a:latin typeface="Consolas" panose="020B0609020204030204" pitchFamily="49" charset="0"/>
                 <a:cs typeface="Consolas" panose="020B0609020204030204" pitchFamily="49" charset="0"/>
               </a:rPr>
-              <a:t> + w + " ");</a:t>
-            </a:r>
-            <a:endParaRPr lang="en-NZ" sz="2800" b="1" dirty="0">
-              <a:latin typeface="Consolas" panose="020B0609020204030204" pitchFamily="49" charset="0"/>
-              <a:cs typeface="Consolas" panose="020B0609020204030204" pitchFamily="49" charset="0"/>
-            </a:endParaRPr>
-          </a:p>
-        </p:txBody>
-      </p:sp>
-      <p:sp>
-        <p:nvSpPr>
-          <p:cNvPr id="7" name="Down Arrow 6"/>
+              <a:t>, s));</a:t>
+            </a:r>
+          </a:p>
+        </p:txBody>
+      </p:sp>
+      <p:sp>
+        <p:nvSpPr>
+          <p:cNvPr id="3" name="TextBox 2"/>
+          <p:cNvSpPr txBox="1"/>
+          <p:nvPr/>
+        </p:nvSpPr>
+        <p:spPr>
+          <a:xfrm>
+            <a:off x="683568" y="555526"/>
+            <a:ext cx="7848872" cy="646331"/>
+          </a:xfrm>
+          <a:prstGeom prst="rect">
+            <a:avLst/>
+          </a:prstGeom>
+          <a:noFill/>
+        </p:spPr>
+        <p:txBody>
+          <a:bodyPr wrap="square" rtlCol="0">
+            <a:spAutoFit/>
+          </a:bodyPr>
+          <a:lstStyle/>
+          <a:p>
+            <a:r>
+              <a:rPr lang="en-NZ" sz="3600" b="1" dirty="0" smtClean="0"/>
+              <a:t>Abstractions… of abstractions</a:t>
+            </a:r>
+            <a:endParaRPr lang="en-NZ" sz="3600" b="1" dirty="0"/>
+          </a:p>
+        </p:txBody>
+      </p:sp>
+      <p:sp>
+        <p:nvSpPr>
+          <p:cNvPr id="2" name="Down Arrow 1"/>
           <p:cNvSpPr/>
           <p:nvPr/>
         </p:nvSpPr>
         <p:spPr>
           <a:xfrm>
-            <a:off x="4283968" y="2715766"/>
+            <a:off x="4283968" y="2283718"/>
             <a:ext cx="576064" cy="648072"/>
           </a:xfrm>
           <a:prstGeom prst="downArrow">
@@ -7703,7 +7565,7 @@
     </p:spTree>
     <p:extLst>
       <p:ext uri="{BB962C8B-B14F-4D97-AF65-F5344CB8AC3E}">
-        <p14:creationId xmlns:p14="http://schemas.microsoft.com/office/powerpoint/2010/main" val="2914714035"/>
+        <p14:creationId xmlns:p14="http://schemas.microsoft.com/office/powerpoint/2010/main" val="3379158450"/>
       </p:ext>
     </p:extLst>
   </p:cSld>
@@ -7742,14 +7604,14 @@
       </p:grpSpPr>
       <p:sp>
         <p:nvSpPr>
-          <p:cNvPr id="6" name="TextBox 5"/>
+          <p:cNvPr id="3" name="TextBox 2"/>
           <p:cNvSpPr txBox="1"/>
           <p:nvPr/>
         </p:nvSpPr>
         <p:spPr>
           <a:xfrm>
-            <a:off x="0" y="1545636"/>
-            <a:ext cx="9144000" cy="707886"/>
+            <a:off x="683568" y="555526"/>
+            <a:ext cx="7848872" cy="646331"/>
           </a:xfrm>
           <a:prstGeom prst="rect">
             <a:avLst/>
@@ -7757,24 +7619,226 @@
           <a:noFill/>
         </p:spPr>
         <p:txBody>
-          <a:bodyPr wrap="square" rtlCol="0" anchor="t">
+          <a:bodyPr wrap="square" rtlCol="0">
             <a:spAutoFit/>
           </a:bodyPr>
           <a:lstStyle/>
           <a:p>
+            <a:r>
+              <a:rPr lang="en-NZ" sz="3600" b="1" dirty="0" smtClean="0"/>
+              <a:t>Abstractions… of abstractions</a:t>
+            </a:r>
+            <a:endParaRPr lang="en-NZ" sz="3600" b="1" dirty="0"/>
+          </a:p>
+        </p:txBody>
+      </p:sp>
+      <p:sp>
+        <p:nvSpPr>
+          <p:cNvPr id="5" name="TextBox 4"/>
+          <p:cNvSpPr txBox="1"/>
+          <p:nvPr/>
+        </p:nvSpPr>
+        <p:spPr>
+          <a:xfrm>
+            <a:off x="683568" y="1478270"/>
+            <a:ext cx="7848872" cy="3108543"/>
+          </a:xfrm>
+          <a:prstGeom prst="rect">
+            <a:avLst/>
+          </a:prstGeom>
+          <a:noFill/>
+        </p:spPr>
+        <p:txBody>
+          <a:bodyPr wrap="square" rtlCol="0" anchor="t" anchorCtr="0">
+            <a:spAutoFit/>
+          </a:bodyPr>
+          <a:lstStyle/>
+          <a:p>
+            <a:r>
+              <a:rPr lang="en-NZ" sz="2800" b="1" dirty="0" err="1" smtClean="0">
+                <a:latin typeface="Consolas" panose="020B0609020204030204" pitchFamily="49" charset="0"/>
+                <a:cs typeface="Consolas" panose="020B0609020204030204" pitchFamily="49" charset="0"/>
+              </a:rPr>
+              <a:t>foreach</a:t>
+            </a:r>
+            <a:r>
+              <a:rPr lang="en-NZ" sz="2800" b="1" dirty="0" smtClean="0">
+                <a:latin typeface="Consolas" panose="020B0609020204030204" pitchFamily="49" charset="0"/>
+                <a:cs typeface="Consolas" panose="020B0609020204030204" pitchFamily="49" charset="0"/>
+              </a:rPr>
+              <a:t> (</a:t>
+            </a:r>
+            <a:r>
+              <a:rPr lang="en-NZ" sz="2800" b="1" dirty="0" err="1" smtClean="0">
+                <a:latin typeface="Consolas" panose="020B0609020204030204" pitchFamily="49" charset="0"/>
+                <a:cs typeface="Consolas" panose="020B0609020204030204" pitchFamily="49" charset="0"/>
+              </a:rPr>
+              <a:t>var</a:t>
+            </a:r>
+            <a:r>
+              <a:rPr lang="en-NZ" sz="2800" b="1" dirty="0" smtClean="0">
+                <a:latin typeface="Consolas" panose="020B0609020204030204" pitchFamily="49" charset="0"/>
+                <a:cs typeface="Consolas" panose="020B0609020204030204" pitchFamily="49" charset="0"/>
+              </a:rPr>
+              <a:t> w in words)</a:t>
+            </a:r>
+          </a:p>
+          <a:p>
+            <a:r>
+              <a:rPr lang="en-NZ" sz="2800" b="1" dirty="0">
+                <a:latin typeface="Consolas" panose="020B0609020204030204" pitchFamily="49" charset="0"/>
+                <a:cs typeface="Consolas" panose="020B0609020204030204" pitchFamily="49" charset="0"/>
+              </a:rPr>
+              <a:t> </a:t>
+            </a:r>
+            <a:r>
+              <a:rPr lang="en-NZ" sz="2800" b="1" dirty="0" smtClean="0">
+                <a:latin typeface="Consolas" panose="020B0609020204030204" pitchFamily="49" charset="0"/>
+                <a:cs typeface="Consolas" panose="020B0609020204030204" pitchFamily="49" charset="0"/>
+              </a:rPr>
+              <a:t> </a:t>
+            </a:r>
+            <a:r>
+              <a:rPr lang="en-NZ" sz="2800" b="1" dirty="0" err="1" smtClean="0">
+                <a:latin typeface="Consolas" panose="020B0609020204030204" pitchFamily="49" charset="0"/>
+                <a:cs typeface="Consolas" panose="020B0609020204030204" pitchFamily="49" charset="0"/>
+              </a:rPr>
+              <a:t>endlessBabble</a:t>
+            </a:r>
+            <a:r>
+              <a:rPr lang="en-NZ" sz="2800" b="1" dirty="0" smtClean="0">
+                <a:latin typeface="Consolas" panose="020B0609020204030204" pitchFamily="49" charset="0"/>
+                <a:cs typeface="Consolas" panose="020B0609020204030204" pitchFamily="49" charset="0"/>
+              </a:rPr>
+              <a:t> += w + " ";</a:t>
+            </a:r>
+          </a:p>
+          <a:p>
+            <a:endParaRPr lang="en-NZ" sz="2800" b="1" dirty="0" smtClean="0">
+              <a:latin typeface="Consolas" panose="020B0609020204030204" pitchFamily="49" charset="0"/>
+              <a:cs typeface="Consolas" panose="020B0609020204030204" pitchFamily="49" charset="0"/>
+            </a:endParaRPr>
+          </a:p>
+          <a:p>
+            <a:endParaRPr lang="en-NZ" sz="2800" b="1" dirty="0" smtClean="0">
+              <a:latin typeface="Consolas" panose="020B0609020204030204" pitchFamily="49" charset="0"/>
+              <a:cs typeface="Consolas" panose="020B0609020204030204" pitchFamily="49" charset="0"/>
+            </a:endParaRPr>
+          </a:p>
+          <a:p>
+            <a:endParaRPr lang="en-NZ" sz="2800" b="1" dirty="0" smtClean="0">
+              <a:latin typeface="Consolas" panose="020B0609020204030204" pitchFamily="49" charset="0"/>
+              <a:cs typeface="Consolas" panose="020B0609020204030204" pitchFamily="49" charset="0"/>
+            </a:endParaRPr>
+          </a:p>
+          <a:p>
+            <a:r>
+              <a:rPr lang="en-NZ" sz="2800" b="1" dirty="0" err="1" smtClean="0">
+                <a:latin typeface="Consolas" panose="020B0609020204030204" pitchFamily="49" charset="0"/>
+                <a:cs typeface="Consolas" panose="020B0609020204030204" pitchFamily="49" charset="0"/>
+              </a:rPr>
+              <a:t>words.Aggregate</a:t>
+            </a:r>
+            <a:r>
+              <a:rPr lang="en-NZ" sz="2800" b="1" dirty="0" smtClean="0">
+                <a:latin typeface="Consolas" panose="020B0609020204030204" pitchFamily="49" charset="0"/>
+                <a:cs typeface="Consolas" panose="020B0609020204030204" pitchFamily="49" charset="0"/>
+              </a:rPr>
+              <a:t>((</a:t>
+            </a:r>
+            <a:r>
+              <a:rPr lang="en-NZ" sz="2800" b="1" dirty="0" err="1" smtClean="0">
+                <a:latin typeface="Consolas" panose="020B0609020204030204" pitchFamily="49" charset="0"/>
+                <a:cs typeface="Consolas" panose="020B0609020204030204" pitchFamily="49" charset="0"/>
+              </a:rPr>
+              <a:t>acc</a:t>
+            </a:r>
+            <a:r>
+              <a:rPr lang="en-NZ" sz="2800" b="1" dirty="0" smtClean="0">
+                <a:latin typeface="Consolas" panose="020B0609020204030204" pitchFamily="49" charset="0"/>
+                <a:cs typeface="Consolas" panose="020B0609020204030204" pitchFamily="49" charset="0"/>
+              </a:rPr>
+              <a:t>, w) =&gt;</a:t>
+            </a:r>
+          </a:p>
+          <a:p>
+            <a:r>
+              <a:rPr lang="en-NZ" sz="2800" b="1" dirty="0">
+                <a:latin typeface="Consolas" panose="020B0609020204030204" pitchFamily="49" charset="0"/>
+                <a:cs typeface="Consolas" panose="020B0609020204030204" pitchFamily="49" charset="0"/>
+              </a:rPr>
+              <a:t> </a:t>
+            </a:r>
+            <a:r>
+              <a:rPr lang="en-NZ" sz="2800" b="1" dirty="0" smtClean="0">
+                <a:latin typeface="Consolas" panose="020B0609020204030204" pitchFamily="49" charset="0"/>
+                <a:cs typeface="Consolas" panose="020B0609020204030204" pitchFamily="49" charset="0"/>
+              </a:rPr>
+              <a:t> </a:t>
+            </a:r>
+            <a:r>
+              <a:rPr lang="en-NZ" sz="2800" b="1" dirty="0" err="1" smtClean="0">
+                <a:latin typeface="Consolas" panose="020B0609020204030204" pitchFamily="49" charset="0"/>
+                <a:cs typeface="Consolas" panose="020B0609020204030204" pitchFamily="49" charset="0"/>
+              </a:rPr>
+              <a:t>acc</a:t>
+            </a:r>
+            <a:r>
+              <a:rPr lang="en-NZ" sz="2800" b="1" dirty="0" smtClean="0">
+                <a:latin typeface="Consolas" panose="020B0609020204030204" pitchFamily="49" charset="0"/>
+                <a:cs typeface="Consolas" panose="020B0609020204030204" pitchFamily="49" charset="0"/>
+              </a:rPr>
+              <a:t> + w + " ");</a:t>
+            </a:r>
+            <a:endParaRPr lang="en-NZ" sz="2800" b="1" dirty="0">
+              <a:latin typeface="Consolas" panose="020B0609020204030204" pitchFamily="49" charset="0"/>
+              <a:cs typeface="Consolas" panose="020B0609020204030204" pitchFamily="49" charset="0"/>
+            </a:endParaRPr>
+          </a:p>
+        </p:txBody>
+      </p:sp>
+      <p:sp>
+        <p:nvSpPr>
+          <p:cNvPr id="7" name="Down Arrow 6"/>
+          <p:cNvSpPr/>
+          <p:nvPr/>
+        </p:nvSpPr>
+        <p:spPr>
+          <a:xfrm>
+            <a:off x="4283968" y="2715766"/>
+            <a:ext cx="576064" cy="648072"/>
+          </a:xfrm>
+          <a:prstGeom prst="downArrow">
+            <a:avLst/>
+          </a:prstGeom>
+        </p:spPr>
+        <p:style>
+          <a:lnRef idx="1">
+            <a:schemeClr val="accent1"/>
+          </a:lnRef>
+          <a:fillRef idx="2">
+            <a:schemeClr val="accent1"/>
+          </a:fillRef>
+          <a:effectRef idx="1">
+            <a:schemeClr val="accent1"/>
+          </a:effectRef>
+          <a:fontRef idx="minor">
+            <a:schemeClr val="dk1"/>
+          </a:fontRef>
+        </p:style>
+        <p:txBody>
+          <a:bodyPr rtlCol="0" anchor="ctr"/>
+          <a:lstStyle/>
+          <a:p>
             <a:pPr algn="ctr"/>
-            <a:r>
-              <a:rPr lang="en-NZ" sz="4000" b="1" dirty="0" smtClean="0"/>
-              <a:t>Sum | Product | Max | Min | …</a:t>
-            </a:r>
-            <a:endParaRPr lang="en-NZ" sz="4000" b="1" dirty="0"/>
+            <a:endParaRPr lang="en-NZ"/>
           </a:p>
         </p:txBody>
       </p:sp>
     </p:spTree>
     <p:extLst>
       <p:ext uri="{BB962C8B-B14F-4D97-AF65-F5344CB8AC3E}">
-        <p14:creationId xmlns:p14="http://schemas.microsoft.com/office/powerpoint/2010/main" val="1670828571"/>
+        <p14:creationId xmlns:p14="http://schemas.microsoft.com/office/powerpoint/2010/main" val="2914714035"/>
       </p:ext>
     </p:extLst>
   </p:cSld>
@@ -7836,7 +7900,7 @@
             <a:pPr algn="ctr"/>
             <a:r>
               <a:rPr lang="en-NZ" sz="4000" b="1" dirty="0" smtClean="0"/>
-              <a:t>Aggregate</a:t>
+              <a:t>Sum | Product | Max | Min | …</a:t>
             </a:r>
             <a:endParaRPr lang="en-NZ" sz="4000" b="1" dirty="0"/>
           </a:p>
@@ -7845,7 +7909,7 @@
     </p:spTree>
     <p:extLst>
       <p:ext uri="{BB962C8B-B14F-4D97-AF65-F5344CB8AC3E}">
-        <p14:creationId xmlns:p14="http://schemas.microsoft.com/office/powerpoint/2010/main" val="2813233317"/>
+        <p14:creationId xmlns:p14="http://schemas.microsoft.com/office/powerpoint/2010/main" val="1670828571"/>
       </p:ext>
     </p:extLst>
   </p:cSld>
@@ -7907,7 +7971,7 @@
             <a:pPr algn="ctr"/>
             <a:r>
               <a:rPr lang="en-NZ" sz="4000" b="1" dirty="0" smtClean="0"/>
-              <a:t>fold</a:t>
+              <a:t>Aggregate</a:t>
             </a:r>
             <a:endParaRPr lang="en-NZ" sz="4000" b="1" dirty="0"/>
           </a:p>
@@ -7916,7 +7980,7 @@
     </p:spTree>
     <p:extLst>
       <p:ext uri="{BB962C8B-B14F-4D97-AF65-F5344CB8AC3E}">
-        <p14:creationId xmlns:p14="http://schemas.microsoft.com/office/powerpoint/2010/main" val="544874114"/>
+        <p14:creationId xmlns:p14="http://schemas.microsoft.com/office/powerpoint/2010/main" val="2813233317"/>
       </p:ext>
     </p:extLst>
   </p:cSld>
@@ -8402,7 +8466,7 @@
         <p:spPr>
           <a:xfrm>
             <a:off x="0" y="1545636"/>
-            <a:ext cx="9144000" cy="1077218"/>
+            <a:ext cx="9144000" cy="707886"/>
           </a:xfrm>
           <a:prstGeom prst="rect">
             <a:avLst/>
@@ -8420,62 +8484,14 @@
               <a:rPr lang="en-NZ" sz="4000" b="1" dirty="0" smtClean="0"/>
               <a:t>fold</a:t>
             </a:r>
-          </a:p>
-          <a:p>
-            <a:pPr algn="ctr"/>
-            <a:r>
-              <a:rPr lang="en-NZ" sz="2400" b="1" dirty="0" smtClean="0">
-                <a:latin typeface="Consolas" panose="020B0609020204030204" pitchFamily="49" charset="0"/>
-                <a:cs typeface="Consolas" panose="020B0609020204030204" pitchFamily="49" charset="0"/>
-              </a:rPr>
-              <a:t>fold : (</a:t>
-            </a:r>
-            <a:r>
-              <a:rPr lang="en-NZ" sz="2400" b="1" dirty="0" err="1" smtClean="0">
-                <a:latin typeface="Consolas" panose="020B0609020204030204" pitchFamily="49" charset="0"/>
-                <a:cs typeface="Consolas" panose="020B0609020204030204" pitchFamily="49" charset="0"/>
-              </a:rPr>
-              <a:t>accumulator_fn</a:t>
-            </a:r>
-            <a:r>
-              <a:rPr lang="en-NZ" sz="2400" b="1" dirty="0" smtClean="0">
-                <a:latin typeface="Consolas" panose="020B0609020204030204" pitchFamily="49" charset="0"/>
-                <a:cs typeface="Consolas" panose="020B0609020204030204" pitchFamily="49" charset="0"/>
-              </a:rPr>
-              <a:t>, seed, </a:t>
-            </a:r>
-            <a:r>
-              <a:rPr lang="en-NZ" sz="2400" b="1" dirty="0" err="1" smtClean="0">
-                <a:latin typeface="Consolas" panose="020B0609020204030204" pitchFamily="49" charset="0"/>
-                <a:cs typeface="Consolas" panose="020B0609020204030204" pitchFamily="49" charset="0"/>
-              </a:rPr>
-              <a:t>seq</a:t>
-            </a:r>
-            <a:r>
-              <a:rPr lang="en-NZ" sz="2400" b="1" dirty="0" smtClean="0">
-                <a:latin typeface="Consolas" panose="020B0609020204030204" pitchFamily="49" charset="0"/>
-                <a:cs typeface="Consolas" panose="020B0609020204030204" pitchFamily="49" charset="0"/>
-              </a:rPr>
-              <a:t>) -&gt; </a:t>
-            </a:r>
-            <a:r>
-              <a:rPr lang="en-NZ" sz="2400" b="1" dirty="0" err="1" smtClean="0">
-                <a:latin typeface="Consolas" panose="020B0609020204030204" pitchFamily="49" charset="0"/>
-                <a:cs typeface="Consolas" panose="020B0609020204030204" pitchFamily="49" charset="0"/>
-              </a:rPr>
-              <a:t>val</a:t>
-            </a:r>
-            <a:endParaRPr lang="en-NZ" sz="2400" b="1" dirty="0">
-              <a:latin typeface="Consolas" panose="020B0609020204030204" pitchFamily="49" charset="0"/>
-              <a:cs typeface="Consolas" panose="020B0609020204030204" pitchFamily="49" charset="0"/>
-            </a:endParaRPr>
+            <a:endParaRPr lang="en-NZ" sz="4000" b="1" dirty="0"/>
           </a:p>
         </p:txBody>
       </p:sp>
     </p:spTree>
     <p:extLst>
       <p:ext uri="{BB962C8B-B14F-4D97-AF65-F5344CB8AC3E}">
-        <p14:creationId xmlns:p14="http://schemas.microsoft.com/office/powerpoint/2010/main" val="3898602790"/>
+        <p14:creationId xmlns:p14="http://schemas.microsoft.com/office/powerpoint/2010/main" val="544874114"/>
       </p:ext>
     </p:extLst>
   </p:cSld>
@@ -8514,52 +8530,14 @@
       </p:grpSpPr>
       <p:sp>
         <p:nvSpPr>
-          <p:cNvPr id="2" name="Isosceles Triangle 1"/>
-          <p:cNvSpPr/>
-          <p:nvPr/>
-        </p:nvSpPr>
-        <p:spPr>
-          <a:xfrm>
-            <a:off x="1547664" y="1437624"/>
-            <a:ext cx="720080" cy="486054"/>
-          </a:xfrm>
-          <a:prstGeom prst="triangle">
-            <a:avLst/>
-          </a:prstGeom>
-        </p:spPr>
-        <p:style>
-          <a:lnRef idx="0">
-            <a:schemeClr val="accent5"/>
-          </a:lnRef>
-          <a:fillRef idx="3">
-            <a:schemeClr val="accent5"/>
-          </a:fillRef>
-          <a:effectRef idx="3">
-            <a:schemeClr val="accent5"/>
-          </a:effectRef>
-          <a:fontRef idx="minor">
-            <a:schemeClr val="lt1"/>
-          </a:fontRef>
-        </p:style>
-        <p:txBody>
-          <a:bodyPr rtlCol="0" anchor="ctr"/>
-          <a:lstStyle/>
-          <a:p>
-            <a:pPr algn="ctr"/>
-            <a:endParaRPr lang="en-NZ"/>
-          </a:p>
-        </p:txBody>
-      </p:sp>
-      <p:sp>
-        <p:nvSpPr>
-          <p:cNvPr id="3" name="TextBox 2"/>
+          <p:cNvPr id="6" name="TextBox 5"/>
           <p:cNvSpPr txBox="1"/>
           <p:nvPr/>
         </p:nvSpPr>
         <p:spPr>
           <a:xfrm>
-            <a:off x="3563888" y="1995686"/>
-            <a:ext cx="2088232" cy="1323439"/>
+            <a:off x="0" y="1545636"/>
+            <a:ext cx="9144000" cy="1077218"/>
           </a:xfrm>
           <a:prstGeom prst="rect">
             <a:avLst/>
@@ -8567,532 +8545,72 @@
           <a:noFill/>
         </p:spPr>
         <p:txBody>
-          <a:bodyPr wrap="square" rtlCol="0">
+          <a:bodyPr wrap="square" rtlCol="0" anchor="t">
             <a:spAutoFit/>
           </a:bodyPr>
           <a:lstStyle/>
           <a:p>
             <a:pPr algn="ctr"/>
             <a:r>
-              <a:rPr lang="en-NZ" sz="4000" b="1" dirty="0" smtClean="0">
-                <a:latin typeface="Consolas" panose="020B0609020204030204" pitchFamily="49" charset="0"/>
-                <a:cs typeface="Consolas" panose="020B0609020204030204" pitchFamily="49" charset="0"/>
-              </a:rPr>
-              <a:t>map</a:t>
+              <a:rPr lang="en-NZ" sz="4000" b="1" dirty="0" smtClean="0"/>
+              <a:t>fold</a:t>
             </a:r>
           </a:p>
           <a:p>
             <a:pPr algn="ctr"/>
             <a:r>
-              <a:rPr lang="en-NZ" sz="4000" b="1" dirty="0" smtClean="0">
-                <a:latin typeface="Consolas" panose="020B0609020204030204" pitchFamily="49" charset="0"/>
-                <a:cs typeface="Consolas" panose="020B0609020204030204" pitchFamily="49" charset="0"/>
-              </a:rPr>
-              <a:t>=&gt;</a:t>
-            </a:r>
-            <a:endParaRPr lang="en-NZ" sz="4000" b="1" dirty="0">
+              <a:rPr lang="en-NZ" sz="2400" b="1" dirty="0" smtClean="0">
+                <a:latin typeface="Consolas" panose="020B0609020204030204" pitchFamily="49" charset="0"/>
+                <a:cs typeface="Consolas" panose="020B0609020204030204" pitchFamily="49" charset="0"/>
+              </a:rPr>
+              <a:t>fold : (</a:t>
+            </a:r>
+            <a:r>
+              <a:rPr lang="en-NZ" sz="2400" b="1" dirty="0" err="1" smtClean="0">
+                <a:latin typeface="Consolas" panose="020B0609020204030204" pitchFamily="49" charset="0"/>
+                <a:cs typeface="Consolas" panose="020B0609020204030204" pitchFamily="49" charset="0"/>
+              </a:rPr>
+              <a:t>accumulator_fn</a:t>
+            </a:r>
+            <a:r>
+              <a:rPr lang="en-NZ" sz="2400" b="1" dirty="0" smtClean="0">
+                <a:latin typeface="Consolas" panose="020B0609020204030204" pitchFamily="49" charset="0"/>
+                <a:cs typeface="Consolas" panose="020B0609020204030204" pitchFamily="49" charset="0"/>
+              </a:rPr>
+              <a:t>, seed, </a:t>
+            </a:r>
+            <a:r>
+              <a:rPr lang="en-NZ" sz="2400" b="1" dirty="0" err="1" smtClean="0">
+                <a:latin typeface="Consolas" panose="020B0609020204030204" pitchFamily="49" charset="0"/>
+                <a:cs typeface="Consolas" panose="020B0609020204030204" pitchFamily="49" charset="0"/>
+              </a:rPr>
+              <a:t>seq</a:t>
+            </a:r>
+            <a:r>
+              <a:rPr lang="en-NZ" sz="2400" b="1" dirty="0" smtClean="0">
+                <a:latin typeface="Consolas" panose="020B0609020204030204" pitchFamily="49" charset="0"/>
+                <a:cs typeface="Consolas" panose="020B0609020204030204" pitchFamily="49" charset="0"/>
+              </a:rPr>
+              <a:t>) -&gt; </a:t>
+            </a:r>
+            <a:r>
+              <a:rPr lang="en-NZ" sz="2400" b="1" dirty="0" err="1" smtClean="0">
+                <a:latin typeface="Consolas" panose="020B0609020204030204" pitchFamily="49" charset="0"/>
+                <a:cs typeface="Consolas" panose="020B0609020204030204" pitchFamily="49" charset="0"/>
+              </a:rPr>
+              <a:t>val</a:t>
+            </a:r>
+            <a:endParaRPr lang="en-NZ" sz="2400" b="1" dirty="0">
               <a:latin typeface="Consolas" panose="020B0609020204030204" pitchFamily="49" charset="0"/>
               <a:cs typeface="Consolas" panose="020B0609020204030204" pitchFamily="49" charset="0"/>
             </a:endParaRPr>
           </a:p>
         </p:txBody>
       </p:sp>
-      <p:sp>
-        <p:nvSpPr>
-          <p:cNvPr id="11" name="TextBox 10"/>
-          <p:cNvSpPr txBox="1"/>
-          <p:nvPr/>
-        </p:nvSpPr>
-        <p:spPr>
-          <a:xfrm>
-            <a:off x="863588" y="627534"/>
-            <a:ext cx="2088232" cy="707886"/>
-          </a:xfrm>
-          <a:prstGeom prst="rect">
-            <a:avLst/>
-          </a:prstGeom>
-          <a:noFill/>
-        </p:spPr>
-        <p:txBody>
-          <a:bodyPr wrap="square" rtlCol="0">
-            <a:spAutoFit/>
-          </a:bodyPr>
-          <a:lstStyle/>
-          <a:p>
-            <a:pPr algn="ctr"/>
-            <a:r>
-              <a:rPr lang="en-NZ" sz="4000" b="1" dirty="0" err="1" smtClean="0">
-                <a:latin typeface="Consolas" panose="020B0609020204030204" pitchFamily="49" charset="0"/>
-                <a:cs typeface="Consolas" panose="020B0609020204030204" pitchFamily="49" charset="0"/>
-              </a:rPr>
-              <a:t>seq</a:t>
-            </a:r>
-            <a:endParaRPr lang="en-NZ" sz="4000" b="1" dirty="0">
-              <a:latin typeface="Consolas" panose="020B0609020204030204" pitchFamily="49" charset="0"/>
-              <a:cs typeface="Consolas" panose="020B0609020204030204" pitchFamily="49" charset="0"/>
-            </a:endParaRPr>
-          </a:p>
-        </p:txBody>
-      </p:sp>
-      <p:sp>
-        <p:nvSpPr>
-          <p:cNvPr id="12" name="Isosceles Triangle 11"/>
-          <p:cNvSpPr/>
-          <p:nvPr/>
-        </p:nvSpPr>
-        <p:spPr>
-          <a:xfrm>
-            <a:off x="1547664" y="2037978"/>
-            <a:ext cx="720080" cy="486054"/>
-          </a:xfrm>
-          <a:prstGeom prst="triangle">
-            <a:avLst/>
-          </a:prstGeom>
-        </p:spPr>
-        <p:style>
-          <a:lnRef idx="0">
-            <a:schemeClr val="accent5"/>
-          </a:lnRef>
-          <a:fillRef idx="3">
-            <a:schemeClr val="accent5"/>
-          </a:fillRef>
-          <a:effectRef idx="3">
-            <a:schemeClr val="accent5"/>
-          </a:effectRef>
-          <a:fontRef idx="minor">
-            <a:schemeClr val="lt1"/>
-          </a:fontRef>
-        </p:style>
-        <p:txBody>
-          <a:bodyPr rtlCol="0" anchor="ctr"/>
-          <a:lstStyle/>
-          <a:p>
-            <a:pPr algn="ctr"/>
-            <a:endParaRPr lang="en-NZ"/>
-          </a:p>
-        </p:txBody>
-      </p:sp>
-      <p:sp>
-        <p:nvSpPr>
-          <p:cNvPr id="13" name="Isosceles Triangle 12"/>
-          <p:cNvSpPr/>
-          <p:nvPr/>
-        </p:nvSpPr>
-        <p:spPr>
-          <a:xfrm>
-            <a:off x="1547664" y="2638332"/>
-            <a:ext cx="720080" cy="486054"/>
-          </a:xfrm>
-          <a:prstGeom prst="triangle">
-            <a:avLst/>
-          </a:prstGeom>
-        </p:spPr>
-        <p:style>
-          <a:lnRef idx="0">
-            <a:schemeClr val="accent5"/>
-          </a:lnRef>
-          <a:fillRef idx="3">
-            <a:schemeClr val="accent5"/>
-          </a:fillRef>
-          <a:effectRef idx="3">
-            <a:schemeClr val="accent5"/>
-          </a:effectRef>
-          <a:fontRef idx="minor">
-            <a:schemeClr val="lt1"/>
-          </a:fontRef>
-        </p:style>
-        <p:txBody>
-          <a:bodyPr rtlCol="0" anchor="ctr"/>
-          <a:lstStyle/>
-          <a:p>
-            <a:pPr algn="ctr"/>
-            <a:endParaRPr lang="en-NZ"/>
-          </a:p>
-        </p:txBody>
-      </p:sp>
-      <p:sp>
-        <p:nvSpPr>
-          <p:cNvPr id="14" name="Isosceles Triangle 13"/>
-          <p:cNvSpPr/>
-          <p:nvPr/>
-        </p:nvSpPr>
-        <p:spPr>
-          <a:xfrm>
-            <a:off x="1547664" y="3238686"/>
-            <a:ext cx="720080" cy="486054"/>
-          </a:xfrm>
-          <a:prstGeom prst="triangle">
-            <a:avLst/>
-          </a:prstGeom>
-        </p:spPr>
-        <p:style>
-          <a:lnRef idx="0">
-            <a:schemeClr val="accent5"/>
-          </a:lnRef>
-          <a:fillRef idx="3">
-            <a:schemeClr val="accent5"/>
-          </a:fillRef>
-          <a:effectRef idx="3">
-            <a:schemeClr val="accent5"/>
-          </a:effectRef>
-          <a:fontRef idx="minor">
-            <a:schemeClr val="lt1"/>
-          </a:fontRef>
-        </p:style>
-        <p:txBody>
-          <a:bodyPr rtlCol="0" anchor="ctr"/>
-          <a:lstStyle/>
-          <a:p>
-            <a:pPr algn="ctr"/>
-            <a:endParaRPr lang="en-NZ"/>
-          </a:p>
-        </p:txBody>
-      </p:sp>
-      <p:sp>
-        <p:nvSpPr>
-          <p:cNvPr id="15" name="Isosceles Triangle 14"/>
-          <p:cNvSpPr/>
-          <p:nvPr/>
-        </p:nvSpPr>
-        <p:spPr>
-          <a:xfrm>
-            <a:off x="1547664" y="3839040"/>
-            <a:ext cx="720080" cy="486054"/>
-          </a:xfrm>
-          <a:prstGeom prst="triangle">
-            <a:avLst/>
-          </a:prstGeom>
-        </p:spPr>
-        <p:style>
-          <a:lnRef idx="0">
-            <a:schemeClr val="accent5"/>
-          </a:lnRef>
-          <a:fillRef idx="3">
-            <a:schemeClr val="accent5"/>
-          </a:fillRef>
-          <a:effectRef idx="3">
-            <a:schemeClr val="accent5"/>
-          </a:effectRef>
-          <a:fontRef idx="minor">
-            <a:schemeClr val="lt1"/>
-          </a:fontRef>
-        </p:style>
-        <p:txBody>
-          <a:bodyPr rtlCol="0" anchor="ctr"/>
-          <a:lstStyle/>
-          <a:p>
-            <a:pPr algn="ctr"/>
-            <a:endParaRPr lang="en-NZ"/>
-          </a:p>
-        </p:txBody>
-      </p:sp>
-      <p:sp>
-        <p:nvSpPr>
-          <p:cNvPr id="16" name="Oval 15"/>
-          <p:cNvSpPr/>
-          <p:nvPr/>
-        </p:nvSpPr>
-        <p:spPr>
-          <a:xfrm>
-            <a:off x="6624228" y="1437624"/>
-            <a:ext cx="720080" cy="486054"/>
-          </a:xfrm>
-          <a:prstGeom prst="ellipse">
-            <a:avLst/>
-          </a:prstGeom>
-        </p:spPr>
-        <p:style>
-          <a:lnRef idx="0">
-            <a:schemeClr val="accent6"/>
-          </a:lnRef>
-          <a:fillRef idx="3">
-            <a:schemeClr val="accent6"/>
-          </a:fillRef>
-          <a:effectRef idx="3">
-            <a:schemeClr val="accent6"/>
-          </a:effectRef>
-          <a:fontRef idx="minor">
-            <a:schemeClr val="lt1"/>
-          </a:fontRef>
-        </p:style>
-        <p:txBody>
-          <a:bodyPr rtlCol="0" anchor="ctr"/>
-          <a:lstStyle/>
-          <a:p>
-            <a:pPr algn="ctr"/>
-            <a:endParaRPr lang="en-NZ"/>
-          </a:p>
-        </p:txBody>
-      </p:sp>
-      <p:sp>
-        <p:nvSpPr>
-          <p:cNvPr id="17" name="TextBox 16"/>
-          <p:cNvSpPr txBox="1"/>
-          <p:nvPr/>
-        </p:nvSpPr>
-        <p:spPr>
-          <a:xfrm>
-            <a:off x="5940152" y="627534"/>
-            <a:ext cx="2088232" cy="707886"/>
-          </a:xfrm>
-          <a:prstGeom prst="rect">
-            <a:avLst/>
-          </a:prstGeom>
-          <a:noFill/>
-        </p:spPr>
-        <p:txBody>
-          <a:bodyPr wrap="square" rtlCol="0">
-            <a:spAutoFit/>
-          </a:bodyPr>
-          <a:lstStyle/>
-          <a:p>
-            <a:pPr algn="ctr"/>
-            <a:r>
-              <a:rPr lang="en-NZ" sz="4000" b="1" dirty="0" err="1" smtClean="0">
-                <a:latin typeface="Consolas" panose="020B0609020204030204" pitchFamily="49" charset="0"/>
-                <a:cs typeface="Consolas" panose="020B0609020204030204" pitchFamily="49" charset="0"/>
-              </a:rPr>
-              <a:t>seq</a:t>
-            </a:r>
-            <a:endParaRPr lang="en-NZ" sz="4000" b="1" dirty="0">
-              <a:latin typeface="Consolas" panose="020B0609020204030204" pitchFamily="49" charset="0"/>
-              <a:cs typeface="Consolas" panose="020B0609020204030204" pitchFamily="49" charset="0"/>
-            </a:endParaRPr>
-          </a:p>
-        </p:txBody>
-      </p:sp>
-      <p:sp>
-        <p:nvSpPr>
-          <p:cNvPr id="18" name="Oval 17"/>
-          <p:cNvSpPr/>
-          <p:nvPr/>
-        </p:nvSpPr>
-        <p:spPr>
-          <a:xfrm>
-            <a:off x="6624228" y="2037978"/>
-            <a:ext cx="720080" cy="486054"/>
-          </a:xfrm>
-          <a:prstGeom prst="ellipse">
-            <a:avLst/>
-          </a:prstGeom>
-        </p:spPr>
-        <p:style>
-          <a:lnRef idx="0">
-            <a:schemeClr val="accent6"/>
-          </a:lnRef>
-          <a:fillRef idx="3">
-            <a:schemeClr val="accent6"/>
-          </a:fillRef>
-          <a:effectRef idx="3">
-            <a:schemeClr val="accent6"/>
-          </a:effectRef>
-          <a:fontRef idx="minor">
-            <a:schemeClr val="lt1"/>
-          </a:fontRef>
-        </p:style>
-        <p:txBody>
-          <a:bodyPr rtlCol="0" anchor="ctr"/>
-          <a:lstStyle/>
-          <a:p>
-            <a:pPr algn="ctr"/>
-            <a:endParaRPr lang="en-NZ"/>
-          </a:p>
-        </p:txBody>
-      </p:sp>
-      <p:sp>
-        <p:nvSpPr>
-          <p:cNvPr id="19" name="Oval 18"/>
-          <p:cNvSpPr/>
-          <p:nvPr/>
-        </p:nvSpPr>
-        <p:spPr>
-          <a:xfrm>
-            <a:off x="6624228" y="2638332"/>
-            <a:ext cx="720080" cy="486054"/>
-          </a:xfrm>
-          <a:prstGeom prst="ellipse">
-            <a:avLst/>
-          </a:prstGeom>
-        </p:spPr>
-        <p:style>
-          <a:lnRef idx="0">
-            <a:schemeClr val="accent6"/>
-          </a:lnRef>
-          <a:fillRef idx="3">
-            <a:schemeClr val="accent6"/>
-          </a:fillRef>
-          <a:effectRef idx="3">
-            <a:schemeClr val="accent6"/>
-          </a:effectRef>
-          <a:fontRef idx="minor">
-            <a:schemeClr val="lt1"/>
-          </a:fontRef>
-        </p:style>
-        <p:txBody>
-          <a:bodyPr rtlCol="0" anchor="ctr"/>
-          <a:lstStyle/>
-          <a:p>
-            <a:pPr algn="ctr"/>
-            <a:endParaRPr lang="en-NZ"/>
-          </a:p>
-        </p:txBody>
-      </p:sp>
-      <p:sp>
-        <p:nvSpPr>
-          <p:cNvPr id="20" name="Oval 19"/>
-          <p:cNvSpPr/>
-          <p:nvPr/>
-        </p:nvSpPr>
-        <p:spPr>
-          <a:xfrm>
-            <a:off x="6624228" y="3238686"/>
-            <a:ext cx="720080" cy="486054"/>
-          </a:xfrm>
-          <a:prstGeom prst="ellipse">
-            <a:avLst/>
-          </a:prstGeom>
-        </p:spPr>
-        <p:style>
-          <a:lnRef idx="0">
-            <a:schemeClr val="accent6"/>
-          </a:lnRef>
-          <a:fillRef idx="3">
-            <a:schemeClr val="accent6"/>
-          </a:fillRef>
-          <a:effectRef idx="3">
-            <a:schemeClr val="accent6"/>
-          </a:effectRef>
-          <a:fontRef idx="minor">
-            <a:schemeClr val="lt1"/>
-          </a:fontRef>
-        </p:style>
-        <p:txBody>
-          <a:bodyPr rtlCol="0" anchor="ctr"/>
-          <a:lstStyle/>
-          <a:p>
-            <a:pPr algn="ctr"/>
-            <a:endParaRPr lang="en-NZ"/>
-          </a:p>
-        </p:txBody>
-      </p:sp>
-      <p:sp>
-        <p:nvSpPr>
-          <p:cNvPr id="21" name="Oval 20"/>
-          <p:cNvSpPr/>
-          <p:nvPr/>
-        </p:nvSpPr>
-        <p:spPr>
-          <a:xfrm>
-            <a:off x="6624228" y="3839040"/>
-            <a:ext cx="720080" cy="486054"/>
-          </a:xfrm>
-          <a:prstGeom prst="ellipse">
-            <a:avLst/>
-          </a:prstGeom>
-        </p:spPr>
-        <p:style>
-          <a:lnRef idx="0">
-            <a:schemeClr val="accent6"/>
-          </a:lnRef>
-          <a:fillRef idx="3">
-            <a:schemeClr val="accent6"/>
-          </a:fillRef>
-          <a:effectRef idx="3">
-            <a:schemeClr val="accent6"/>
-          </a:effectRef>
-          <a:fontRef idx="minor">
-            <a:schemeClr val="lt1"/>
-          </a:fontRef>
-        </p:style>
-        <p:txBody>
-          <a:bodyPr rtlCol="0" anchor="ctr"/>
-          <a:lstStyle/>
-          <a:p>
-            <a:pPr algn="ctr"/>
-            <a:endParaRPr lang="en-NZ"/>
-          </a:p>
-        </p:txBody>
-      </p:sp>
-      <p:sp>
-        <p:nvSpPr>
-          <p:cNvPr id="22" name="Isosceles Triangle 21"/>
-          <p:cNvSpPr/>
-          <p:nvPr/>
-        </p:nvSpPr>
-        <p:spPr>
-          <a:xfrm>
-            <a:off x="3779912" y="2820059"/>
-            <a:ext cx="432048" cy="305694"/>
-          </a:xfrm>
-          <a:prstGeom prst="triangle">
-            <a:avLst/>
-          </a:prstGeom>
-        </p:spPr>
-        <p:style>
-          <a:lnRef idx="0">
-            <a:schemeClr val="accent5"/>
-          </a:lnRef>
-          <a:fillRef idx="3">
-            <a:schemeClr val="accent5"/>
-          </a:fillRef>
-          <a:effectRef idx="3">
-            <a:schemeClr val="accent5"/>
-          </a:effectRef>
-          <a:fontRef idx="minor">
-            <a:schemeClr val="lt1"/>
-          </a:fontRef>
-        </p:style>
-        <p:txBody>
-          <a:bodyPr rtlCol="0" anchor="ctr"/>
-          <a:lstStyle/>
-          <a:p>
-            <a:pPr algn="ctr"/>
-            <a:endParaRPr lang="en-NZ"/>
-          </a:p>
-        </p:txBody>
-      </p:sp>
-      <p:sp>
-        <p:nvSpPr>
-          <p:cNvPr id="23" name="Oval 22"/>
-          <p:cNvSpPr/>
-          <p:nvPr/>
-        </p:nvSpPr>
-        <p:spPr>
-          <a:xfrm>
-            <a:off x="4932040" y="2820059"/>
-            <a:ext cx="432048" cy="305694"/>
-          </a:xfrm>
-          <a:prstGeom prst="ellipse">
-            <a:avLst/>
-          </a:prstGeom>
-        </p:spPr>
-        <p:style>
-          <a:lnRef idx="0">
-            <a:schemeClr val="accent6"/>
-          </a:lnRef>
-          <a:fillRef idx="3">
-            <a:schemeClr val="accent6"/>
-          </a:fillRef>
-          <a:effectRef idx="3">
-            <a:schemeClr val="accent6"/>
-          </a:effectRef>
-          <a:fontRef idx="minor">
-            <a:schemeClr val="lt1"/>
-          </a:fontRef>
-        </p:style>
-        <p:txBody>
-          <a:bodyPr rtlCol="0" anchor="ctr"/>
-          <a:lstStyle/>
-          <a:p>
-            <a:pPr algn="ctr"/>
-            <a:endParaRPr lang="en-NZ"/>
-          </a:p>
-        </p:txBody>
-      </p:sp>
     </p:spTree>
     <p:extLst>
       <p:ext uri="{BB962C8B-B14F-4D97-AF65-F5344CB8AC3E}">
-        <p14:creationId xmlns:p14="http://schemas.microsoft.com/office/powerpoint/2010/main" val="599736632"/>
+        <p14:creationId xmlns:p14="http://schemas.microsoft.com/office/powerpoint/2010/main" val="3898602790"/>
       </p:ext>
     </p:extLst>
   </p:cSld>
@@ -9129,130 +8647,6 @@
           <a:chExt cx="0" cy="0"/>
         </a:xfrm>
       </p:grpSpPr>
-      <p:cxnSp>
-        <p:nvCxnSpPr>
-          <p:cNvPr id="27" name="Straight Connector 26"/>
-          <p:cNvCxnSpPr/>
-          <p:nvPr/>
-        </p:nvCxnSpPr>
-        <p:spPr>
-          <a:xfrm>
-            <a:off x="2601267" y="2953098"/>
-            <a:ext cx="720080" cy="1220759"/>
-          </a:xfrm>
-          <a:prstGeom prst="line">
-            <a:avLst/>
-          </a:prstGeom>
-          <a:ln w="28575"/>
-        </p:spPr>
-        <p:style>
-          <a:lnRef idx="1">
-            <a:schemeClr val="accent1"/>
-          </a:lnRef>
-          <a:fillRef idx="0">
-            <a:schemeClr val="accent1"/>
-          </a:fillRef>
-          <a:effectRef idx="0">
-            <a:schemeClr val="accent1"/>
-          </a:effectRef>
-          <a:fontRef idx="minor">
-            <a:schemeClr val="tx1"/>
-          </a:fontRef>
-        </p:style>
-      </p:cxnSp>
-      <p:cxnSp>
-        <p:nvCxnSpPr>
-          <p:cNvPr id="28" name="Straight Connector 27"/>
-          <p:cNvCxnSpPr/>
-          <p:nvPr/>
-        </p:nvCxnSpPr>
-        <p:spPr>
-          <a:xfrm flipH="1">
-            <a:off x="1953195" y="2953098"/>
-            <a:ext cx="648072" cy="1211246"/>
-          </a:xfrm>
-          <a:prstGeom prst="line">
-            <a:avLst/>
-          </a:prstGeom>
-          <a:ln w="28575"/>
-        </p:spPr>
-        <p:style>
-          <a:lnRef idx="1">
-            <a:schemeClr val="accent1"/>
-          </a:lnRef>
-          <a:fillRef idx="0">
-            <a:schemeClr val="accent1"/>
-          </a:fillRef>
-          <a:effectRef idx="0">
-            <a:schemeClr val="accent1"/>
-          </a:effectRef>
-          <a:fontRef idx="minor">
-            <a:schemeClr val="tx1"/>
-          </a:fontRef>
-        </p:style>
-      </p:cxnSp>
-      <p:cxnSp>
-        <p:nvCxnSpPr>
-          <p:cNvPr id="26" name="Straight Connector 25"/>
-          <p:cNvCxnSpPr/>
-          <p:nvPr/>
-        </p:nvCxnSpPr>
-        <p:spPr>
-          <a:xfrm>
-            <a:off x="1907704" y="1761660"/>
-            <a:ext cx="720080" cy="1220759"/>
-          </a:xfrm>
-          <a:prstGeom prst="line">
-            <a:avLst/>
-          </a:prstGeom>
-          <a:ln w="28575"/>
-        </p:spPr>
-        <p:style>
-          <a:lnRef idx="1">
-            <a:schemeClr val="accent1"/>
-          </a:lnRef>
-          <a:fillRef idx="0">
-            <a:schemeClr val="accent1"/>
-          </a:fillRef>
-          <a:effectRef idx="0">
-            <a:schemeClr val="accent1"/>
-          </a:effectRef>
-          <a:fontRef idx="minor">
-            <a:schemeClr val="tx1"/>
-          </a:fontRef>
-        </p:style>
-      </p:cxnSp>
-      <p:cxnSp>
-        <p:nvCxnSpPr>
-          <p:cNvPr id="5" name="Straight Connector 4"/>
-          <p:cNvCxnSpPr/>
-          <p:nvPr/>
-        </p:nvCxnSpPr>
-        <p:spPr>
-          <a:xfrm flipH="1">
-            <a:off x="1259632" y="1761660"/>
-            <a:ext cx="648072" cy="1211246"/>
-          </a:xfrm>
-          <a:prstGeom prst="line">
-            <a:avLst/>
-          </a:prstGeom>
-          <a:ln w="28575"/>
-        </p:spPr>
-        <p:style>
-          <a:lnRef idx="1">
-            <a:schemeClr val="accent1"/>
-          </a:lnRef>
-          <a:fillRef idx="0">
-            <a:schemeClr val="accent1"/>
-          </a:fillRef>
-          <a:effectRef idx="0">
-            <a:schemeClr val="accent1"/>
-          </a:effectRef>
-          <a:fontRef idx="minor">
-            <a:schemeClr val="tx1"/>
-          </a:fontRef>
-        </p:style>
-      </p:cxnSp>
       <p:sp>
         <p:nvSpPr>
           <p:cNvPr id="2" name="Isosceles Triangle 1"/>
@@ -9362,11 +8756,11 @@
           <a:p>
             <a:pPr algn="ctr"/>
             <a:r>
-              <a:rPr lang="en-NZ" sz="4000" b="1" dirty="0" smtClean="0">
-                <a:latin typeface="Consolas" panose="020B0609020204030204" pitchFamily="49" charset="0"/>
-                <a:cs typeface="Consolas" panose="020B0609020204030204" pitchFamily="49" charset="0"/>
-              </a:rPr>
-              <a:t>tree</a:t>
+              <a:rPr lang="en-NZ" sz="4000" b="1" dirty="0" err="1" smtClean="0">
+                <a:latin typeface="Consolas" panose="020B0609020204030204" pitchFamily="49" charset="0"/>
+                <a:cs typeface="Consolas" panose="020B0609020204030204" pitchFamily="49" charset="0"/>
+              </a:rPr>
+              <a:t>seq</a:t>
             </a:r>
             <a:endParaRPr lang="en-NZ" sz="4000" b="1" dirty="0">
               <a:latin typeface="Consolas" panose="020B0609020204030204" pitchFamily="49" charset="0"/>
@@ -9377,13 +8771,13 @@
       </p:sp>
       <p:sp>
         <p:nvSpPr>
-          <p:cNvPr id="13" name="Isosceles Triangle 12"/>
+          <p:cNvPr id="12" name="Isosceles Triangle 11"/>
           <p:cNvSpPr/>
           <p:nvPr/>
         </p:nvSpPr>
         <p:spPr>
           <a:xfrm>
-            <a:off x="899592" y="2638332"/>
+            <a:off x="1547664" y="2037978"/>
             <a:ext cx="720080" cy="486054"/>
           </a:xfrm>
           <a:prstGeom prst="triangle">
@@ -9415,13 +8809,13 @@
       </p:sp>
       <p:sp>
         <p:nvSpPr>
-          <p:cNvPr id="15" name="Isosceles Triangle 14"/>
+          <p:cNvPr id="13" name="Isosceles Triangle 12"/>
           <p:cNvSpPr/>
           <p:nvPr/>
         </p:nvSpPr>
         <p:spPr>
           <a:xfrm>
-            <a:off x="1547664" y="3839040"/>
+            <a:off x="1547664" y="2638332"/>
             <a:ext cx="720080" cy="486054"/>
           </a:xfrm>
           <a:prstGeom prst="triangle">
@@ -9453,51 +8847,14 @@
       </p:sp>
       <p:sp>
         <p:nvSpPr>
-          <p:cNvPr id="17" name="TextBox 16"/>
-          <p:cNvSpPr txBox="1"/>
-          <p:nvPr/>
-        </p:nvSpPr>
-        <p:spPr>
-          <a:xfrm>
-            <a:off x="5940152" y="627534"/>
-            <a:ext cx="2088232" cy="707886"/>
-          </a:xfrm>
-          <a:prstGeom prst="rect">
-            <a:avLst/>
-          </a:prstGeom>
-          <a:noFill/>
-        </p:spPr>
-        <p:txBody>
-          <a:bodyPr wrap="square" rtlCol="0">
-            <a:spAutoFit/>
-          </a:bodyPr>
-          <a:lstStyle/>
-          <a:p>
-            <a:pPr algn="ctr"/>
-            <a:r>
-              <a:rPr lang="en-NZ" sz="4000" b="1" dirty="0" smtClean="0">
-                <a:latin typeface="Consolas" panose="020B0609020204030204" pitchFamily="49" charset="0"/>
-                <a:cs typeface="Consolas" panose="020B0609020204030204" pitchFamily="49" charset="0"/>
-              </a:rPr>
-              <a:t>tree</a:t>
-            </a:r>
-            <a:endParaRPr lang="en-NZ" sz="4000" b="1" dirty="0">
-              <a:latin typeface="Consolas" panose="020B0609020204030204" pitchFamily="49" charset="0"/>
-              <a:cs typeface="Consolas" panose="020B0609020204030204" pitchFamily="49" charset="0"/>
-            </a:endParaRPr>
-          </a:p>
-        </p:txBody>
-      </p:sp>
-      <p:sp>
-        <p:nvSpPr>
-          <p:cNvPr id="22" name="Isosceles Triangle 21"/>
+          <p:cNvPr id="14" name="Isosceles Triangle 13"/>
           <p:cNvSpPr/>
           <p:nvPr/>
         </p:nvSpPr>
         <p:spPr>
           <a:xfrm>
-            <a:off x="3779912" y="2820059"/>
-            <a:ext cx="432048" cy="305694"/>
+            <a:off x="1547664" y="3238686"/>
+            <a:ext cx="720080" cy="486054"/>
           </a:xfrm>
           <a:prstGeom prst="triangle">
             <a:avLst/>
@@ -9528,14 +8885,52 @@
       </p:sp>
       <p:sp>
         <p:nvSpPr>
-          <p:cNvPr id="23" name="Oval 22"/>
+          <p:cNvPr id="15" name="Isosceles Triangle 14"/>
           <p:cNvSpPr/>
           <p:nvPr/>
         </p:nvSpPr>
         <p:spPr>
           <a:xfrm>
-            <a:off x="4932040" y="2820059"/>
-            <a:ext cx="432048" cy="305694"/>
+            <a:off x="1547664" y="3839040"/>
+            <a:ext cx="720080" cy="486054"/>
+          </a:xfrm>
+          <a:prstGeom prst="triangle">
+            <a:avLst/>
+          </a:prstGeom>
+        </p:spPr>
+        <p:style>
+          <a:lnRef idx="0">
+            <a:schemeClr val="accent5"/>
+          </a:lnRef>
+          <a:fillRef idx="3">
+            <a:schemeClr val="accent5"/>
+          </a:fillRef>
+          <a:effectRef idx="3">
+            <a:schemeClr val="accent5"/>
+          </a:effectRef>
+          <a:fontRef idx="minor">
+            <a:schemeClr val="lt1"/>
+          </a:fontRef>
+        </p:style>
+        <p:txBody>
+          <a:bodyPr rtlCol="0" anchor="ctr"/>
+          <a:lstStyle/>
+          <a:p>
+            <a:pPr algn="ctr"/>
+            <a:endParaRPr lang="en-NZ"/>
+          </a:p>
+        </p:txBody>
+      </p:sp>
+      <p:sp>
+        <p:nvSpPr>
+          <p:cNvPr id="16" name="Oval 15"/>
+          <p:cNvSpPr/>
+          <p:nvPr/>
+        </p:nvSpPr>
+        <p:spPr>
+          <a:xfrm>
+            <a:off x="6624228" y="1437624"/>
+            <a:ext cx="720080" cy="486054"/>
           </a:xfrm>
           <a:prstGeom prst="ellipse">
             <a:avLst/>
@@ -9566,14 +8961,203 @@
       </p:sp>
       <p:sp>
         <p:nvSpPr>
-          <p:cNvPr id="24" name="Isosceles Triangle 23"/>
+          <p:cNvPr id="17" name="TextBox 16"/>
+          <p:cNvSpPr txBox="1"/>
+          <p:nvPr/>
+        </p:nvSpPr>
+        <p:spPr>
+          <a:xfrm>
+            <a:off x="5940152" y="627534"/>
+            <a:ext cx="2088232" cy="707886"/>
+          </a:xfrm>
+          <a:prstGeom prst="rect">
+            <a:avLst/>
+          </a:prstGeom>
+          <a:noFill/>
+        </p:spPr>
+        <p:txBody>
+          <a:bodyPr wrap="square" rtlCol="0">
+            <a:spAutoFit/>
+          </a:bodyPr>
+          <a:lstStyle/>
+          <a:p>
+            <a:pPr algn="ctr"/>
+            <a:r>
+              <a:rPr lang="en-NZ" sz="4000" b="1" dirty="0" err="1" smtClean="0">
+                <a:latin typeface="Consolas" panose="020B0609020204030204" pitchFamily="49" charset="0"/>
+                <a:cs typeface="Consolas" panose="020B0609020204030204" pitchFamily="49" charset="0"/>
+              </a:rPr>
+              <a:t>seq</a:t>
+            </a:r>
+            <a:endParaRPr lang="en-NZ" sz="4000" b="1" dirty="0">
+              <a:latin typeface="Consolas" panose="020B0609020204030204" pitchFamily="49" charset="0"/>
+              <a:cs typeface="Consolas" panose="020B0609020204030204" pitchFamily="49" charset="0"/>
+            </a:endParaRPr>
+          </a:p>
+        </p:txBody>
+      </p:sp>
+      <p:sp>
+        <p:nvSpPr>
+          <p:cNvPr id="18" name="Oval 17"/>
           <p:cNvSpPr/>
           <p:nvPr/>
         </p:nvSpPr>
         <p:spPr>
           <a:xfrm>
-            <a:off x="2267744" y="2639699"/>
+            <a:off x="6624228" y="2037978"/>
             <a:ext cx="720080" cy="486054"/>
+          </a:xfrm>
+          <a:prstGeom prst="ellipse">
+            <a:avLst/>
+          </a:prstGeom>
+        </p:spPr>
+        <p:style>
+          <a:lnRef idx="0">
+            <a:schemeClr val="accent6"/>
+          </a:lnRef>
+          <a:fillRef idx="3">
+            <a:schemeClr val="accent6"/>
+          </a:fillRef>
+          <a:effectRef idx="3">
+            <a:schemeClr val="accent6"/>
+          </a:effectRef>
+          <a:fontRef idx="minor">
+            <a:schemeClr val="lt1"/>
+          </a:fontRef>
+        </p:style>
+        <p:txBody>
+          <a:bodyPr rtlCol="0" anchor="ctr"/>
+          <a:lstStyle/>
+          <a:p>
+            <a:pPr algn="ctr"/>
+            <a:endParaRPr lang="en-NZ"/>
+          </a:p>
+        </p:txBody>
+      </p:sp>
+      <p:sp>
+        <p:nvSpPr>
+          <p:cNvPr id="19" name="Oval 18"/>
+          <p:cNvSpPr/>
+          <p:nvPr/>
+        </p:nvSpPr>
+        <p:spPr>
+          <a:xfrm>
+            <a:off x="6624228" y="2638332"/>
+            <a:ext cx="720080" cy="486054"/>
+          </a:xfrm>
+          <a:prstGeom prst="ellipse">
+            <a:avLst/>
+          </a:prstGeom>
+        </p:spPr>
+        <p:style>
+          <a:lnRef idx="0">
+            <a:schemeClr val="accent6"/>
+          </a:lnRef>
+          <a:fillRef idx="3">
+            <a:schemeClr val="accent6"/>
+          </a:fillRef>
+          <a:effectRef idx="3">
+            <a:schemeClr val="accent6"/>
+          </a:effectRef>
+          <a:fontRef idx="minor">
+            <a:schemeClr val="lt1"/>
+          </a:fontRef>
+        </p:style>
+        <p:txBody>
+          <a:bodyPr rtlCol="0" anchor="ctr"/>
+          <a:lstStyle/>
+          <a:p>
+            <a:pPr algn="ctr"/>
+            <a:endParaRPr lang="en-NZ"/>
+          </a:p>
+        </p:txBody>
+      </p:sp>
+      <p:sp>
+        <p:nvSpPr>
+          <p:cNvPr id="20" name="Oval 19"/>
+          <p:cNvSpPr/>
+          <p:nvPr/>
+        </p:nvSpPr>
+        <p:spPr>
+          <a:xfrm>
+            <a:off x="6624228" y="3238686"/>
+            <a:ext cx="720080" cy="486054"/>
+          </a:xfrm>
+          <a:prstGeom prst="ellipse">
+            <a:avLst/>
+          </a:prstGeom>
+        </p:spPr>
+        <p:style>
+          <a:lnRef idx="0">
+            <a:schemeClr val="accent6"/>
+          </a:lnRef>
+          <a:fillRef idx="3">
+            <a:schemeClr val="accent6"/>
+          </a:fillRef>
+          <a:effectRef idx="3">
+            <a:schemeClr val="accent6"/>
+          </a:effectRef>
+          <a:fontRef idx="minor">
+            <a:schemeClr val="lt1"/>
+          </a:fontRef>
+        </p:style>
+        <p:txBody>
+          <a:bodyPr rtlCol="0" anchor="ctr"/>
+          <a:lstStyle/>
+          <a:p>
+            <a:pPr algn="ctr"/>
+            <a:endParaRPr lang="en-NZ"/>
+          </a:p>
+        </p:txBody>
+      </p:sp>
+      <p:sp>
+        <p:nvSpPr>
+          <p:cNvPr id="21" name="Oval 20"/>
+          <p:cNvSpPr/>
+          <p:nvPr/>
+        </p:nvSpPr>
+        <p:spPr>
+          <a:xfrm>
+            <a:off x="6624228" y="3839040"/>
+            <a:ext cx="720080" cy="486054"/>
+          </a:xfrm>
+          <a:prstGeom prst="ellipse">
+            <a:avLst/>
+          </a:prstGeom>
+        </p:spPr>
+        <p:style>
+          <a:lnRef idx="0">
+            <a:schemeClr val="accent6"/>
+          </a:lnRef>
+          <a:fillRef idx="3">
+            <a:schemeClr val="accent6"/>
+          </a:fillRef>
+          <a:effectRef idx="3">
+            <a:schemeClr val="accent6"/>
+          </a:effectRef>
+          <a:fontRef idx="minor">
+            <a:schemeClr val="lt1"/>
+          </a:fontRef>
+        </p:style>
+        <p:txBody>
+          <a:bodyPr rtlCol="0" anchor="ctr"/>
+          <a:lstStyle/>
+          <a:p>
+            <a:pPr algn="ctr"/>
+            <a:endParaRPr lang="en-NZ"/>
+          </a:p>
+        </p:txBody>
+      </p:sp>
+      <p:sp>
+        <p:nvSpPr>
+          <p:cNvPr id="22" name="Isosceles Triangle 21"/>
+          <p:cNvSpPr/>
+          <p:nvPr/>
+        </p:nvSpPr>
+        <p:spPr>
+          <a:xfrm>
+            <a:off x="3779912" y="2820059"/>
+            <a:ext cx="432048" cy="305694"/>
           </a:xfrm>
           <a:prstGeom prst="triangle">
             <a:avLst/>
@@ -9604,176 +9188,14 @@
       </p:sp>
       <p:sp>
         <p:nvSpPr>
-          <p:cNvPr id="25" name="Isosceles Triangle 24"/>
+          <p:cNvPr id="23" name="Oval 22"/>
           <p:cNvSpPr/>
           <p:nvPr/>
         </p:nvSpPr>
         <p:spPr>
           <a:xfrm>
-            <a:off x="2915816" y="3848837"/>
-            <a:ext cx="720080" cy="486054"/>
-          </a:xfrm>
-          <a:prstGeom prst="triangle">
-            <a:avLst/>
-          </a:prstGeom>
-        </p:spPr>
-        <p:style>
-          <a:lnRef idx="0">
-            <a:schemeClr val="accent5"/>
-          </a:lnRef>
-          <a:fillRef idx="3">
-            <a:schemeClr val="accent5"/>
-          </a:fillRef>
-          <a:effectRef idx="3">
-            <a:schemeClr val="accent5"/>
-          </a:effectRef>
-          <a:fontRef idx="minor">
-            <a:schemeClr val="lt1"/>
-          </a:fontRef>
-        </p:style>
-        <p:txBody>
-          <a:bodyPr rtlCol="0" anchor="ctr"/>
-          <a:lstStyle/>
-          <a:p>
-            <a:pPr algn="ctr"/>
-            <a:endParaRPr lang="en-NZ"/>
-          </a:p>
-        </p:txBody>
-      </p:sp>
-      <p:cxnSp>
-        <p:nvCxnSpPr>
-          <p:cNvPr id="29" name="Straight Connector 28"/>
-          <p:cNvCxnSpPr/>
-          <p:nvPr/>
-        </p:nvCxnSpPr>
-        <p:spPr>
-          <a:xfrm>
-            <a:off x="7713835" y="2954464"/>
-            <a:ext cx="720080" cy="1220759"/>
-          </a:xfrm>
-          <a:prstGeom prst="line">
-            <a:avLst/>
-          </a:prstGeom>
-          <a:ln w="28575"/>
-        </p:spPr>
-        <p:style>
-          <a:lnRef idx="1">
-            <a:schemeClr val="accent1"/>
-          </a:lnRef>
-          <a:fillRef idx="0">
-            <a:schemeClr val="accent1"/>
-          </a:fillRef>
-          <a:effectRef idx="0">
-            <a:schemeClr val="accent1"/>
-          </a:effectRef>
-          <a:fontRef idx="minor">
-            <a:schemeClr val="tx1"/>
-          </a:fontRef>
-        </p:style>
-      </p:cxnSp>
-      <p:cxnSp>
-        <p:nvCxnSpPr>
-          <p:cNvPr id="30" name="Straight Connector 29"/>
-          <p:cNvCxnSpPr/>
-          <p:nvPr/>
-        </p:nvCxnSpPr>
-        <p:spPr>
-          <a:xfrm flipH="1">
-            <a:off x="7065763" y="2954464"/>
-            <a:ext cx="648072" cy="1211246"/>
-          </a:xfrm>
-          <a:prstGeom prst="line">
-            <a:avLst/>
-          </a:prstGeom>
-          <a:ln w="28575"/>
-        </p:spPr>
-        <p:style>
-          <a:lnRef idx="1">
-            <a:schemeClr val="accent1"/>
-          </a:lnRef>
-          <a:fillRef idx="0">
-            <a:schemeClr val="accent1"/>
-          </a:fillRef>
-          <a:effectRef idx="0">
-            <a:schemeClr val="accent1"/>
-          </a:effectRef>
-          <a:fontRef idx="minor">
-            <a:schemeClr val="tx1"/>
-          </a:fontRef>
-        </p:style>
-      </p:cxnSp>
-      <p:cxnSp>
-        <p:nvCxnSpPr>
-          <p:cNvPr id="31" name="Straight Connector 30"/>
-          <p:cNvCxnSpPr/>
-          <p:nvPr/>
-        </p:nvCxnSpPr>
-        <p:spPr>
-          <a:xfrm>
-            <a:off x="7020272" y="1763026"/>
-            <a:ext cx="720080" cy="1220759"/>
-          </a:xfrm>
-          <a:prstGeom prst="line">
-            <a:avLst/>
-          </a:prstGeom>
-          <a:ln w="28575"/>
-        </p:spPr>
-        <p:style>
-          <a:lnRef idx="1">
-            <a:schemeClr val="accent1"/>
-          </a:lnRef>
-          <a:fillRef idx="0">
-            <a:schemeClr val="accent1"/>
-          </a:fillRef>
-          <a:effectRef idx="0">
-            <a:schemeClr val="accent1"/>
-          </a:effectRef>
-          <a:fontRef idx="minor">
-            <a:schemeClr val="tx1"/>
-          </a:fontRef>
-        </p:style>
-      </p:cxnSp>
-      <p:cxnSp>
-        <p:nvCxnSpPr>
-          <p:cNvPr id="32" name="Straight Connector 31"/>
-          <p:cNvCxnSpPr/>
-          <p:nvPr/>
-        </p:nvCxnSpPr>
-        <p:spPr>
-          <a:xfrm flipH="1">
-            <a:off x="6372200" y="1763026"/>
-            <a:ext cx="648072" cy="1211246"/>
-          </a:xfrm>
-          <a:prstGeom prst="line">
-            <a:avLst/>
-          </a:prstGeom>
-          <a:ln w="28575"/>
-        </p:spPr>
-        <p:style>
-          <a:lnRef idx="1">
-            <a:schemeClr val="accent1"/>
-          </a:lnRef>
-          <a:fillRef idx="0">
-            <a:schemeClr val="accent1"/>
-          </a:fillRef>
-          <a:effectRef idx="0">
-            <a:schemeClr val="accent1"/>
-          </a:effectRef>
-          <a:fontRef idx="minor">
-            <a:schemeClr val="tx1"/>
-          </a:fontRef>
-        </p:style>
-      </p:cxnSp>
-      <p:sp>
-        <p:nvSpPr>
-          <p:cNvPr id="33" name="Oval 32"/>
-          <p:cNvSpPr/>
-          <p:nvPr/>
-        </p:nvSpPr>
-        <p:spPr>
-          <a:xfrm>
-            <a:off x="6660232" y="1438991"/>
-            <a:ext cx="720080" cy="486054"/>
+            <a:off x="4932040" y="2820059"/>
+            <a:ext cx="432048" cy="305694"/>
           </a:xfrm>
           <a:prstGeom prst="ellipse">
             <a:avLst/>
@@ -9802,162 +9224,10 @@
           </a:p>
         </p:txBody>
       </p:sp>
-      <p:sp>
-        <p:nvSpPr>
-          <p:cNvPr id="34" name="Oval 33"/>
-          <p:cNvSpPr/>
-          <p:nvPr/>
-        </p:nvSpPr>
-        <p:spPr>
-          <a:xfrm>
-            <a:off x="6012160" y="2639699"/>
-            <a:ext cx="720080" cy="486054"/>
-          </a:xfrm>
-          <a:prstGeom prst="ellipse">
-            <a:avLst/>
-          </a:prstGeom>
-        </p:spPr>
-        <p:style>
-          <a:lnRef idx="0">
-            <a:schemeClr val="accent6"/>
-          </a:lnRef>
-          <a:fillRef idx="3">
-            <a:schemeClr val="accent6"/>
-          </a:fillRef>
-          <a:effectRef idx="3">
-            <a:schemeClr val="accent6"/>
-          </a:effectRef>
-          <a:fontRef idx="minor">
-            <a:schemeClr val="lt1"/>
-          </a:fontRef>
-        </p:style>
-        <p:txBody>
-          <a:bodyPr rtlCol="0" anchor="ctr"/>
-          <a:lstStyle/>
-          <a:p>
-            <a:pPr algn="ctr"/>
-            <a:endParaRPr lang="en-NZ"/>
-          </a:p>
-        </p:txBody>
-      </p:sp>
-      <p:sp>
-        <p:nvSpPr>
-          <p:cNvPr id="35" name="Oval 34"/>
-          <p:cNvSpPr/>
-          <p:nvPr/>
-        </p:nvSpPr>
-        <p:spPr>
-          <a:xfrm>
-            <a:off x="6660232" y="3840407"/>
-            <a:ext cx="720080" cy="486054"/>
-          </a:xfrm>
-          <a:prstGeom prst="ellipse">
-            <a:avLst/>
-          </a:prstGeom>
-        </p:spPr>
-        <p:style>
-          <a:lnRef idx="0">
-            <a:schemeClr val="accent6"/>
-          </a:lnRef>
-          <a:fillRef idx="3">
-            <a:schemeClr val="accent6"/>
-          </a:fillRef>
-          <a:effectRef idx="3">
-            <a:schemeClr val="accent6"/>
-          </a:effectRef>
-          <a:fontRef idx="minor">
-            <a:schemeClr val="lt1"/>
-          </a:fontRef>
-        </p:style>
-        <p:txBody>
-          <a:bodyPr rtlCol="0" anchor="ctr"/>
-          <a:lstStyle/>
-          <a:p>
-            <a:pPr algn="ctr"/>
-            <a:endParaRPr lang="en-NZ"/>
-          </a:p>
-        </p:txBody>
-      </p:sp>
-      <p:sp>
-        <p:nvSpPr>
-          <p:cNvPr id="36" name="Oval 35"/>
-          <p:cNvSpPr/>
-          <p:nvPr/>
-        </p:nvSpPr>
-        <p:spPr>
-          <a:xfrm>
-            <a:off x="7380312" y="2641065"/>
-            <a:ext cx="720080" cy="486054"/>
-          </a:xfrm>
-          <a:prstGeom prst="ellipse">
-            <a:avLst/>
-          </a:prstGeom>
-        </p:spPr>
-        <p:style>
-          <a:lnRef idx="0">
-            <a:schemeClr val="accent6"/>
-          </a:lnRef>
-          <a:fillRef idx="3">
-            <a:schemeClr val="accent6"/>
-          </a:fillRef>
-          <a:effectRef idx="3">
-            <a:schemeClr val="accent6"/>
-          </a:effectRef>
-          <a:fontRef idx="minor">
-            <a:schemeClr val="lt1"/>
-          </a:fontRef>
-        </p:style>
-        <p:txBody>
-          <a:bodyPr rtlCol="0" anchor="ctr"/>
-          <a:lstStyle/>
-          <a:p>
-            <a:pPr algn="ctr"/>
-            <a:endParaRPr lang="en-NZ"/>
-          </a:p>
-        </p:txBody>
-      </p:sp>
-      <p:sp>
-        <p:nvSpPr>
-          <p:cNvPr id="37" name="Oval 36"/>
-          <p:cNvSpPr/>
-          <p:nvPr/>
-        </p:nvSpPr>
-        <p:spPr>
-          <a:xfrm>
-            <a:off x="8028384" y="3850204"/>
-            <a:ext cx="720080" cy="486054"/>
-          </a:xfrm>
-          <a:prstGeom prst="ellipse">
-            <a:avLst/>
-          </a:prstGeom>
-        </p:spPr>
-        <p:style>
-          <a:lnRef idx="0">
-            <a:schemeClr val="accent6"/>
-          </a:lnRef>
-          <a:fillRef idx="3">
-            <a:schemeClr val="accent6"/>
-          </a:fillRef>
-          <a:effectRef idx="3">
-            <a:schemeClr val="accent6"/>
-          </a:effectRef>
-          <a:fontRef idx="minor">
-            <a:schemeClr val="lt1"/>
-          </a:fontRef>
-        </p:style>
-        <p:txBody>
-          <a:bodyPr rtlCol="0" anchor="ctr"/>
-          <a:lstStyle/>
-          <a:p>
-            <a:pPr algn="ctr"/>
-            <a:endParaRPr lang="en-NZ"/>
-          </a:p>
-        </p:txBody>
-      </p:sp>
     </p:spTree>
     <p:extLst>
       <p:ext uri="{BB962C8B-B14F-4D97-AF65-F5344CB8AC3E}">
-        <p14:creationId xmlns:p14="http://schemas.microsoft.com/office/powerpoint/2010/main" val="1037849471"/>
+        <p14:creationId xmlns:p14="http://schemas.microsoft.com/office/powerpoint/2010/main" val="599736632"/>
       </p:ext>
     </p:extLst>
   </p:cSld>
@@ -9994,99 +9264,139 @@
           <a:chExt cx="0" cy="0"/>
         </a:xfrm>
       </p:grpSpPr>
-      <p:sp>
-        <p:nvSpPr>
-          <p:cNvPr id="3" name="TextBox 2"/>
-          <p:cNvSpPr txBox="1"/>
-          <p:nvPr/>
-        </p:nvSpPr>
-        <p:spPr>
-          <a:xfrm>
-            <a:off x="3563888" y="1995686"/>
-            <a:ext cx="2088232" cy="1323439"/>
-          </a:xfrm>
-          <a:prstGeom prst="rect">
-            <a:avLst/>
-          </a:prstGeom>
-          <a:noFill/>
-        </p:spPr>
-        <p:txBody>
-          <a:bodyPr wrap="square" rtlCol="0">
-            <a:spAutoFit/>
-          </a:bodyPr>
-          <a:lstStyle/>
-          <a:p>
-            <a:pPr algn="ctr"/>
-            <a:r>
-              <a:rPr lang="en-NZ" sz="4000" b="1" dirty="0" smtClean="0">
-                <a:latin typeface="Consolas" panose="020B0609020204030204" pitchFamily="49" charset="0"/>
-                <a:cs typeface="Consolas" panose="020B0609020204030204" pitchFamily="49" charset="0"/>
-              </a:rPr>
-              <a:t>map</a:t>
-            </a:r>
-          </a:p>
-          <a:p>
-            <a:pPr algn="ctr"/>
-            <a:r>
-              <a:rPr lang="en-NZ" sz="4000" b="1" dirty="0" smtClean="0">
-                <a:latin typeface="Consolas" panose="020B0609020204030204" pitchFamily="49" charset="0"/>
-                <a:cs typeface="Consolas" panose="020B0609020204030204" pitchFamily="49" charset="0"/>
-              </a:rPr>
-              <a:t>=&gt;</a:t>
-            </a:r>
-            <a:endParaRPr lang="en-NZ" sz="4000" b="1" dirty="0">
-              <a:latin typeface="Consolas" panose="020B0609020204030204" pitchFamily="49" charset="0"/>
-              <a:cs typeface="Consolas" panose="020B0609020204030204" pitchFamily="49" charset="0"/>
-            </a:endParaRPr>
-          </a:p>
-        </p:txBody>
-      </p:sp>
-      <p:sp>
-        <p:nvSpPr>
-          <p:cNvPr id="11" name="TextBox 10"/>
-          <p:cNvSpPr txBox="1"/>
-          <p:nvPr/>
-        </p:nvSpPr>
-        <p:spPr>
-          <a:xfrm>
-            <a:off x="863588" y="627534"/>
-            <a:ext cx="2088232" cy="707886"/>
-          </a:xfrm>
-          <a:prstGeom prst="rect">
-            <a:avLst/>
-          </a:prstGeom>
-          <a:noFill/>
-        </p:spPr>
-        <p:txBody>
-          <a:bodyPr wrap="square" rtlCol="0">
-            <a:spAutoFit/>
-          </a:bodyPr>
-          <a:lstStyle/>
-          <a:p>
-            <a:pPr algn="ctr"/>
-            <a:r>
-              <a:rPr lang="en-NZ" sz="4000" b="1" dirty="0" smtClean="0">
-                <a:latin typeface="Consolas" panose="020B0609020204030204" pitchFamily="49" charset="0"/>
-                <a:cs typeface="Consolas" panose="020B0609020204030204" pitchFamily="49" charset="0"/>
-              </a:rPr>
-              <a:t>maybe</a:t>
-            </a:r>
-            <a:endParaRPr lang="en-NZ" sz="4000" b="1" dirty="0">
-              <a:latin typeface="Consolas" panose="020B0609020204030204" pitchFamily="49" charset="0"/>
-              <a:cs typeface="Consolas" panose="020B0609020204030204" pitchFamily="49" charset="0"/>
-            </a:endParaRPr>
-          </a:p>
-        </p:txBody>
-      </p:sp>
-      <p:sp>
-        <p:nvSpPr>
-          <p:cNvPr id="12" name="Isosceles Triangle 11"/>
+      <p:cxnSp>
+        <p:nvCxnSpPr>
+          <p:cNvPr id="27" name="Straight Connector 26"/>
+          <p:cNvCxnSpPr/>
+          <p:nvPr/>
+        </p:nvCxnSpPr>
+        <p:spPr>
+          <a:xfrm>
+            <a:off x="2601267" y="2953098"/>
+            <a:ext cx="720080" cy="1220759"/>
+          </a:xfrm>
+          <a:prstGeom prst="line">
+            <a:avLst/>
+          </a:prstGeom>
+          <a:ln w="28575"/>
+        </p:spPr>
+        <p:style>
+          <a:lnRef idx="1">
+            <a:schemeClr val="accent1"/>
+          </a:lnRef>
+          <a:fillRef idx="0">
+            <a:schemeClr val="accent1"/>
+          </a:fillRef>
+          <a:effectRef idx="0">
+            <a:schemeClr val="accent1"/>
+          </a:effectRef>
+          <a:fontRef idx="minor">
+            <a:schemeClr val="tx1"/>
+          </a:fontRef>
+        </p:style>
+      </p:cxnSp>
+      <p:cxnSp>
+        <p:nvCxnSpPr>
+          <p:cNvPr id="28" name="Straight Connector 27"/>
+          <p:cNvCxnSpPr/>
+          <p:nvPr/>
+        </p:nvCxnSpPr>
+        <p:spPr>
+          <a:xfrm flipH="1">
+            <a:off x="1953195" y="2953098"/>
+            <a:ext cx="648072" cy="1211246"/>
+          </a:xfrm>
+          <a:prstGeom prst="line">
+            <a:avLst/>
+          </a:prstGeom>
+          <a:ln w="28575"/>
+        </p:spPr>
+        <p:style>
+          <a:lnRef idx="1">
+            <a:schemeClr val="accent1"/>
+          </a:lnRef>
+          <a:fillRef idx="0">
+            <a:schemeClr val="accent1"/>
+          </a:fillRef>
+          <a:effectRef idx="0">
+            <a:schemeClr val="accent1"/>
+          </a:effectRef>
+          <a:fontRef idx="minor">
+            <a:schemeClr val="tx1"/>
+          </a:fontRef>
+        </p:style>
+      </p:cxnSp>
+      <p:cxnSp>
+        <p:nvCxnSpPr>
+          <p:cNvPr id="26" name="Straight Connector 25"/>
+          <p:cNvCxnSpPr/>
+          <p:nvPr/>
+        </p:nvCxnSpPr>
+        <p:spPr>
+          <a:xfrm>
+            <a:off x="1907704" y="1761660"/>
+            <a:ext cx="720080" cy="1220759"/>
+          </a:xfrm>
+          <a:prstGeom prst="line">
+            <a:avLst/>
+          </a:prstGeom>
+          <a:ln w="28575"/>
+        </p:spPr>
+        <p:style>
+          <a:lnRef idx="1">
+            <a:schemeClr val="accent1"/>
+          </a:lnRef>
+          <a:fillRef idx="0">
+            <a:schemeClr val="accent1"/>
+          </a:fillRef>
+          <a:effectRef idx="0">
+            <a:schemeClr val="accent1"/>
+          </a:effectRef>
+          <a:fontRef idx="minor">
+            <a:schemeClr val="tx1"/>
+          </a:fontRef>
+        </p:style>
+      </p:cxnSp>
+      <p:cxnSp>
+        <p:nvCxnSpPr>
+          <p:cNvPr id="5" name="Straight Connector 4"/>
+          <p:cNvCxnSpPr/>
+          <p:nvPr/>
+        </p:nvCxnSpPr>
+        <p:spPr>
+          <a:xfrm flipH="1">
+            <a:off x="1259632" y="1761660"/>
+            <a:ext cx="648072" cy="1211246"/>
+          </a:xfrm>
+          <a:prstGeom prst="line">
+            <a:avLst/>
+          </a:prstGeom>
+          <a:ln w="28575"/>
+        </p:spPr>
+        <p:style>
+          <a:lnRef idx="1">
+            <a:schemeClr val="accent1"/>
+          </a:lnRef>
+          <a:fillRef idx="0">
+            <a:schemeClr val="accent1"/>
+          </a:fillRef>
+          <a:effectRef idx="0">
+            <a:schemeClr val="accent1"/>
+          </a:effectRef>
+          <a:fontRef idx="minor">
+            <a:schemeClr val="tx1"/>
+          </a:fontRef>
+        </p:style>
+      </p:cxnSp>
+      <p:sp>
+        <p:nvSpPr>
+          <p:cNvPr id="2" name="Isosceles Triangle 1"/>
           <p:cNvSpPr/>
           <p:nvPr/>
         </p:nvSpPr>
         <p:spPr>
           <a:xfrm>
-            <a:off x="1547664" y="2037978"/>
+            <a:off x="1547664" y="1437624"/>
             <a:ext cx="720080" cy="486054"/>
           </a:xfrm>
           <a:prstGeom prst="triangle">
@@ -10118,24 +9428,102 @@
       </p:sp>
       <p:sp>
         <p:nvSpPr>
-          <p:cNvPr id="14" name="Isosceles Triangle 13"/>
+          <p:cNvPr id="3" name="TextBox 2"/>
+          <p:cNvSpPr txBox="1"/>
+          <p:nvPr/>
+        </p:nvSpPr>
+        <p:spPr>
+          <a:xfrm>
+            <a:off x="3563888" y="1995686"/>
+            <a:ext cx="2088232" cy="1323439"/>
+          </a:xfrm>
+          <a:prstGeom prst="rect">
+            <a:avLst/>
+          </a:prstGeom>
+          <a:noFill/>
+        </p:spPr>
+        <p:txBody>
+          <a:bodyPr wrap="square" rtlCol="0">
+            <a:spAutoFit/>
+          </a:bodyPr>
+          <a:lstStyle/>
+          <a:p>
+            <a:pPr algn="ctr"/>
+            <a:r>
+              <a:rPr lang="en-NZ" sz="4000" b="1" dirty="0" smtClean="0">
+                <a:latin typeface="Consolas" panose="020B0609020204030204" pitchFamily="49" charset="0"/>
+                <a:cs typeface="Consolas" panose="020B0609020204030204" pitchFamily="49" charset="0"/>
+              </a:rPr>
+              <a:t>map</a:t>
+            </a:r>
+          </a:p>
+          <a:p>
+            <a:pPr algn="ctr"/>
+            <a:r>
+              <a:rPr lang="en-NZ" sz="4000" b="1" dirty="0" smtClean="0">
+                <a:latin typeface="Consolas" panose="020B0609020204030204" pitchFamily="49" charset="0"/>
+                <a:cs typeface="Consolas" panose="020B0609020204030204" pitchFamily="49" charset="0"/>
+              </a:rPr>
+              <a:t>=&gt;</a:t>
+            </a:r>
+            <a:endParaRPr lang="en-NZ" sz="4000" b="1" dirty="0">
+              <a:latin typeface="Consolas" panose="020B0609020204030204" pitchFamily="49" charset="0"/>
+              <a:cs typeface="Consolas" panose="020B0609020204030204" pitchFamily="49" charset="0"/>
+            </a:endParaRPr>
+          </a:p>
+        </p:txBody>
+      </p:sp>
+      <p:sp>
+        <p:nvSpPr>
+          <p:cNvPr id="11" name="TextBox 10"/>
+          <p:cNvSpPr txBox="1"/>
+          <p:nvPr/>
+        </p:nvSpPr>
+        <p:spPr>
+          <a:xfrm>
+            <a:off x="863588" y="627534"/>
+            <a:ext cx="2088232" cy="707886"/>
+          </a:xfrm>
+          <a:prstGeom prst="rect">
+            <a:avLst/>
+          </a:prstGeom>
+          <a:noFill/>
+        </p:spPr>
+        <p:txBody>
+          <a:bodyPr wrap="square" rtlCol="0">
+            <a:spAutoFit/>
+          </a:bodyPr>
+          <a:lstStyle/>
+          <a:p>
+            <a:pPr algn="ctr"/>
+            <a:r>
+              <a:rPr lang="en-NZ" sz="4000" b="1" dirty="0" smtClean="0">
+                <a:latin typeface="Consolas" panose="020B0609020204030204" pitchFamily="49" charset="0"/>
+                <a:cs typeface="Consolas" panose="020B0609020204030204" pitchFamily="49" charset="0"/>
+              </a:rPr>
+              <a:t>tree</a:t>
+            </a:r>
+            <a:endParaRPr lang="en-NZ" sz="4000" b="1" dirty="0">
+              <a:latin typeface="Consolas" panose="020B0609020204030204" pitchFamily="49" charset="0"/>
+              <a:cs typeface="Consolas" panose="020B0609020204030204" pitchFamily="49" charset="0"/>
+            </a:endParaRPr>
+          </a:p>
+        </p:txBody>
+      </p:sp>
+      <p:sp>
+        <p:nvSpPr>
+          <p:cNvPr id="13" name="Isosceles Triangle 12"/>
           <p:cNvSpPr/>
           <p:nvPr/>
         </p:nvSpPr>
         <p:spPr>
           <a:xfrm>
-            <a:off x="1547664" y="3238686"/>
+            <a:off x="899592" y="2638332"/>
             <a:ext cx="720080" cy="486054"/>
           </a:xfrm>
           <a:prstGeom prst="triangle">
             <a:avLst/>
           </a:prstGeom>
-          <a:noFill/>
-          <a:ln>
-            <a:solidFill>
-              <a:schemeClr val="tx1"/>
-            </a:solidFill>
-          </a:ln>
         </p:spPr>
         <p:style>
           <a:lnRef idx="0">
@@ -10162,6 +9550,44 @@
       </p:sp>
       <p:sp>
         <p:nvSpPr>
+          <p:cNvPr id="15" name="Isosceles Triangle 14"/>
+          <p:cNvSpPr/>
+          <p:nvPr/>
+        </p:nvSpPr>
+        <p:spPr>
+          <a:xfrm>
+            <a:off x="1547664" y="3839040"/>
+            <a:ext cx="720080" cy="486054"/>
+          </a:xfrm>
+          <a:prstGeom prst="triangle">
+            <a:avLst/>
+          </a:prstGeom>
+        </p:spPr>
+        <p:style>
+          <a:lnRef idx="0">
+            <a:schemeClr val="accent5"/>
+          </a:lnRef>
+          <a:fillRef idx="3">
+            <a:schemeClr val="accent5"/>
+          </a:fillRef>
+          <a:effectRef idx="3">
+            <a:schemeClr val="accent5"/>
+          </a:effectRef>
+          <a:fontRef idx="minor">
+            <a:schemeClr val="lt1"/>
+          </a:fontRef>
+        </p:style>
+        <p:txBody>
+          <a:bodyPr rtlCol="0" anchor="ctr"/>
+          <a:lstStyle/>
+          <a:p>
+            <a:pPr algn="ctr"/>
+            <a:endParaRPr lang="en-NZ"/>
+          </a:p>
+        </p:txBody>
+      </p:sp>
+      <p:sp>
+        <p:nvSpPr>
           <p:cNvPr id="17" name="TextBox 16"/>
           <p:cNvSpPr txBox="1"/>
           <p:nvPr/>
@@ -10188,7 +9614,7 @@
                 <a:latin typeface="Consolas" panose="020B0609020204030204" pitchFamily="49" charset="0"/>
                 <a:cs typeface="Consolas" panose="020B0609020204030204" pitchFamily="49" charset="0"/>
               </a:rPr>
-              <a:t>maybe</a:t>
+              <a:t>tree</a:t>
             </a:r>
             <a:endParaRPr lang="en-NZ" sz="4000" b="1" dirty="0">
               <a:latin typeface="Consolas" panose="020B0609020204030204" pitchFamily="49" charset="0"/>
@@ -10199,14 +9625,52 @@
       </p:sp>
       <p:sp>
         <p:nvSpPr>
-          <p:cNvPr id="18" name="Oval 17"/>
+          <p:cNvPr id="22" name="Isosceles Triangle 21"/>
           <p:cNvSpPr/>
           <p:nvPr/>
         </p:nvSpPr>
         <p:spPr>
           <a:xfrm>
-            <a:off x="6624228" y="2037978"/>
-            <a:ext cx="720080" cy="486054"/>
+            <a:off x="3779912" y="2820059"/>
+            <a:ext cx="432048" cy="305694"/>
+          </a:xfrm>
+          <a:prstGeom prst="triangle">
+            <a:avLst/>
+          </a:prstGeom>
+        </p:spPr>
+        <p:style>
+          <a:lnRef idx="0">
+            <a:schemeClr val="accent5"/>
+          </a:lnRef>
+          <a:fillRef idx="3">
+            <a:schemeClr val="accent5"/>
+          </a:fillRef>
+          <a:effectRef idx="3">
+            <a:schemeClr val="accent5"/>
+          </a:effectRef>
+          <a:fontRef idx="minor">
+            <a:schemeClr val="lt1"/>
+          </a:fontRef>
+        </p:style>
+        <p:txBody>
+          <a:bodyPr rtlCol="0" anchor="ctr"/>
+          <a:lstStyle/>
+          <a:p>
+            <a:pPr algn="ctr"/>
+            <a:endParaRPr lang="en-NZ"/>
+          </a:p>
+        </p:txBody>
+      </p:sp>
+      <p:sp>
+        <p:nvSpPr>
+          <p:cNvPr id="23" name="Oval 22"/>
+          <p:cNvSpPr/>
+          <p:nvPr/>
+        </p:nvSpPr>
+        <p:spPr>
+          <a:xfrm>
+            <a:off x="4932040" y="2820059"/>
+            <a:ext cx="432048" cy="305694"/>
           </a:xfrm>
           <a:prstGeom prst="ellipse">
             <a:avLst/>
@@ -10237,24 +9701,218 @@
       </p:sp>
       <p:sp>
         <p:nvSpPr>
-          <p:cNvPr id="20" name="Oval 19"/>
+          <p:cNvPr id="24" name="Isosceles Triangle 23"/>
           <p:cNvSpPr/>
           <p:nvPr/>
         </p:nvSpPr>
         <p:spPr>
           <a:xfrm>
-            <a:off x="6624228" y="3238686"/>
+            <a:off x="2267744" y="2639699"/>
             <a:ext cx="720080" cy="486054"/>
           </a:xfrm>
+          <a:prstGeom prst="triangle">
+            <a:avLst/>
+          </a:prstGeom>
+        </p:spPr>
+        <p:style>
+          <a:lnRef idx="0">
+            <a:schemeClr val="accent5"/>
+          </a:lnRef>
+          <a:fillRef idx="3">
+            <a:schemeClr val="accent5"/>
+          </a:fillRef>
+          <a:effectRef idx="3">
+            <a:schemeClr val="accent5"/>
+          </a:effectRef>
+          <a:fontRef idx="minor">
+            <a:schemeClr val="lt1"/>
+          </a:fontRef>
+        </p:style>
+        <p:txBody>
+          <a:bodyPr rtlCol="0" anchor="ctr"/>
+          <a:lstStyle/>
+          <a:p>
+            <a:pPr algn="ctr"/>
+            <a:endParaRPr lang="en-NZ"/>
+          </a:p>
+        </p:txBody>
+      </p:sp>
+      <p:sp>
+        <p:nvSpPr>
+          <p:cNvPr id="25" name="Isosceles Triangle 24"/>
+          <p:cNvSpPr/>
+          <p:nvPr/>
+        </p:nvSpPr>
+        <p:spPr>
+          <a:xfrm>
+            <a:off x="2915816" y="3848837"/>
+            <a:ext cx="720080" cy="486054"/>
+          </a:xfrm>
+          <a:prstGeom prst="triangle">
+            <a:avLst/>
+          </a:prstGeom>
+        </p:spPr>
+        <p:style>
+          <a:lnRef idx="0">
+            <a:schemeClr val="accent5"/>
+          </a:lnRef>
+          <a:fillRef idx="3">
+            <a:schemeClr val="accent5"/>
+          </a:fillRef>
+          <a:effectRef idx="3">
+            <a:schemeClr val="accent5"/>
+          </a:effectRef>
+          <a:fontRef idx="minor">
+            <a:schemeClr val="lt1"/>
+          </a:fontRef>
+        </p:style>
+        <p:txBody>
+          <a:bodyPr rtlCol="0" anchor="ctr"/>
+          <a:lstStyle/>
+          <a:p>
+            <a:pPr algn="ctr"/>
+            <a:endParaRPr lang="en-NZ"/>
+          </a:p>
+        </p:txBody>
+      </p:sp>
+      <p:cxnSp>
+        <p:nvCxnSpPr>
+          <p:cNvPr id="29" name="Straight Connector 28"/>
+          <p:cNvCxnSpPr/>
+          <p:nvPr/>
+        </p:nvCxnSpPr>
+        <p:spPr>
+          <a:xfrm>
+            <a:off x="7713835" y="2954464"/>
+            <a:ext cx="720080" cy="1220759"/>
+          </a:xfrm>
+          <a:prstGeom prst="line">
+            <a:avLst/>
+          </a:prstGeom>
+          <a:ln w="28575"/>
+        </p:spPr>
+        <p:style>
+          <a:lnRef idx="1">
+            <a:schemeClr val="accent1"/>
+          </a:lnRef>
+          <a:fillRef idx="0">
+            <a:schemeClr val="accent1"/>
+          </a:fillRef>
+          <a:effectRef idx="0">
+            <a:schemeClr val="accent1"/>
+          </a:effectRef>
+          <a:fontRef idx="minor">
+            <a:schemeClr val="tx1"/>
+          </a:fontRef>
+        </p:style>
+      </p:cxnSp>
+      <p:cxnSp>
+        <p:nvCxnSpPr>
+          <p:cNvPr id="30" name="Straight Connector 29"/>
+          <p:cNvCxnSpPr/>
+          <p:nvPr/>
+        </p:nvCxnSpPr>
+        <p:spPr>
+          <a:xfrm flipH="1">
+            <a:off x="7065763" y="2954464"/>
+            <a:ext cx="648072" cy="1211246"/>
+          </a:xfrm>
+          <a:prstGeom prst="line">
+            <a:avLst/>
+          </a:prstGeom>
+          <a:ln w="28575"/>
+        </p:spPr>
+        <p:style>
+          <a:lnRef idx="1">
+            <a:schemeClr val="accent1"/>
+          </a:lnRef>
+          <a:fillRef idx="0">
+            <a:schemeClr val="accent1"/>
+          </a:fillRef>
+          <a:effectRef idx="0">
+            <a:schemeClr val="accent1"/>
+          </a:effectRef>
+          <a:fontRef idx="minor">
+            <a:schemeClr val="tx1"/>
+          </a:fontRef>
+        </p:style>
+      </p:cxnSp>
+      <p:cxnSp>
+        <p:nvCxnSpPr>
+          <p:cNvPr id="31" name="Straight Connector 30"/>
+          <p:cNvCxnSpPr/>
+          <p:nvPr/>
+        </p:nvCxnSpPr>
+        <p:spPr>
+          <a:xfrm>
+            <a:off x="7020272" y="1763026"/>
+            <a:ext cx="720080" cy="1220759"/>
+          </a:xfrm>
+          <a:prstGeom prst="line">
+            <a:avLst/>
+          </a:prstGeom>
+          <a:ln w="28575"/>
+        </p:spPr>
+        <p:style>
+          <a:lnRef idx="1">
+            <a:schemeClr val="accent1"/>
+          </a:lnRef>
+          <a:fillRef idx="0">
+            <a:schemeClr val="accent1"/>
+          </a:fillRef>
+          <a:effectRef idx="0">
+            <a:schemeClr val="accent1"/>
+          </a:effectRef>
+          <a:fontRef idx="minor">
+            <a:schemeClr val="tx1"/>
+          </a:fontRef>
+        </p:style>
+      </p:cxnSp>
+      <p:cxnSp>
+        <p:nvCxnSpPr>
+          <p:cNvPr id="32" name="Straight Connector 31"/>
+          <p:cNvCxnSpPr/>
+          <p:nvPr/>
+        </p:nvCxnSpPr>
+        <p:spPr>
+          <a:xfrm flipH="1">
+            <a:off x="6372200" y="1763026"/>
+            <a:ext cx="648072" cy="1211246"/>
+          </a:xfrm>
+          <a:prstGeom prst="line">
+            <a:avLst/>
+          </a:prstGeom>
+          <a:ln w="28575"/>
+        </p:spPr>
+        <p:style>
+          <a:lnRef idx="1">
+            <a:schemeClr val="accent1"/>
+          </a:lnRef>
+          <a:fillRef idx="0">
+            <a:schemeClr val="accent1"/>
+          </a:fillRef>
+          <a:effectRef idx="0">
+            <a:schemeClr val="accent1"/>
+          </a:effectRef>
+          <a:fontRef idx="minor">
+            <a:schemeClr val="tx1"/>
+          </a:fontRef>
+        </p:style>
+      </p:cxnSp>
+      <p:sp>
+        <p:nvSpPr>
+          <p:cNvPr id="33" name="Oval 32"/>
+          <p:cNvSpPr/>
+          <p:nvPr/>
+        </p:nvSpPr>
+        <p:spPr>
+          <a:xfrm>
+            <a:off x="6660232" y="1438991"/>
+            <a:ext cx="720080" cy="486054"/>
+          </a:xfrm>
           <a:prstGeom prst="ellipse">
             <a:avLst/>
           </a:prstGeom>
-          <a:noFill/>
-          <a:ln>
-            <a:solidFill>
-              <a:schemeClr val="tx1"/>
-            </a:solidFill>
-          </a:ln>
         </p:spPr>
         <p:style>
           <a:lnRef idx="0">
@@ -10281,52 +9939,14 @@
       </p:sp>
       <p:sp>
         <p:nvSpPr>
-          <p:cNvPr id="22" name="Isosceles Triangle 21"/>
+          <p:cNvPr id="34" name="Oval 33"/>
           <p:cNvSpPr/>
           <p:nvPr/>
         </p:nvSpPr>
         <p:spPr>
           <a:xfrm>
-            <a:off x="3779912" y="2820059"/>
-            <a:ext cx="432048" cy="305694"/>
-          </a:xfrm>
-          <a:prstGeom prst="triangle">
-            <a:avLst/>
-          </a:prstGeom>
-        </p:spPr>
-        <p:style>
-          <a:lnRef idx="0">
-            <a:schemeClr val="accent5"/>
-          </a:lnRef>
-          <a:fillRef idx="3">
-            <a:schemeClr val="accent5"/>
-          </a:fillRef>
-          <a:effectRef idx="3">
-            <a:schemeClr val="accent5"/>
-          </a:effectRef>
-          <a:fontRef idx="minor">
-            <a:schemeClr val="lt1"/>
-          </a:fontRef>
-        </p:style>
-        <p:txBody>
-          <a:bodyPr rtlCol="0" anchor="ctr"/>
-          <a:lstStyle/>
-          <a:p>
-            <a:pPr algn="ctr"/>
-            <a:endParaRPr lang="en-NZ"/>
-          </a:p>
-        </p:txBody>
-      </p:sp>
-      <p:sp>
-        <p:nvSpPr>
-          <p:cNvPr id="23" name="Oval 22"/>
-          <p:cNvSpPr/>
-          <p:nvPr/>
-        </p:nvSpPr>
-        <p:spPr>
-          <a:xfrm>
-            <a:off x="4932040" y="2820059"/>
-            <a:ext cx="432048" cy="305694"/>
+            <a:off x="6012160" y="2639699"/>
+            <a:ext cx="720080" cy="486054"/>
           </a:xfrm>
           <a:prstGeom prst="ellipse">
             <a:avLst/>
@@ -10357,70 +9977,122 @@
       </p:sp>
       <p:sp>
         <p:nvSpPr>
-          <p:cNvPr id="4" name="TextBox 3"/>
-          <p:cNvSpPr txBox="1"/>
-          <p:nvPr/>
-        </p:nvSpPr>
-        <p:spPr>
-          <a:xfrm>
-            <a:off x="1547664" y="2744003"/>
-            <a:ext cx="720080" cy="369332"/>
-          </a:xfrm>
-          <a:prstGeom prst="rect">
-            <a:avLst/>
-          </a:prstGeom>
-          <a:noFill/>
-        </p:spPr>
-        <p:txBody>
-          <a:bodyPr wrap="square" rtlCol="0">
-            <a:spAutoFit/>
-          </a:bodyPr>
+          <p:cNvPr id="35" name="Oval 34"/>
+          <p:cNvSpPr/>
+          <p:nvPr/>
+        </p:nvSpPr>
+        <p:spPr>
+          <a:xfrm>
+            <a:off x="6660232" y="3840407"/>
+            <a:ext cx="720080" cy="486054"/>
+          </a:xfrm>
+          <a:prstGeom prst="ellipse">
+            <a:avLst/>
+          </a:prstGeom>
+        </p:spPr>
+        <p:style>
+          <a:lnRef idx="0">
+            <a:schemeClr val="accent6"/>
+          </a:lnRef>
+          <a:fillRef idx="3">
+            <a:schemeClr val="accent6"/>
+          </a:fillRef>
+          <a:effectRef idx="3">
+            <a:schemeClr val="accent6"/>
+          </a:effectRef>
+          <a:fontRef idx="minor">
+            <a:schemeClr val="lt1"/>
+          </a:fontRef>
+        </p:style>
+        <p:txBody>
+          <a:bodyPr rtlCol="0" anchor="ctr"/>
           <a:lstStyle/>
           <a:p>
             <a:pPr algn="ctr"/>
-            <a:r>
-              <a:rPr lang="en-NZ" dirty="0" smtClean="0"/>
-              <a:t>or</a:t>
-            </a:r>
-            <a:endParaRPr lang="en-NZ" dirty="0"/>
-          </a:p>
-        </p:txBody>
-      </p:sp>
-      <p:sp>
-        <p:nvSpPr>
-          <p:cNvPr id="24" name="TextBox 23"/>
-          <p:cNvSpPr txBox="1"/>
-          <p:nvPr/>
-        </p:nvSpPr>
-        <p:spPr>
-          <a:xfrm>
-            <a:off x="6588224" y="2744003"/>
-            <a:ext cx="720080" cy="369332"/>
-          </a:xfrm>
-          <a:prstGeom prst="rect">
-            <a:avLst/>
-          </a:prstGeom>
-          <a:noFill/>
-        </p:spPr>
-        <p:txBody>
-          <a:bodyPr wrap="square" rtlCol="0">
-            <a:spAutoFit/>
-          </a:bodyPr>
+            <a:endParaRPr lang="en-NZ"/>
+          </a:p>
+        </p:txBody>
+      </p:sp>
+      <p:sp>
+        <p:nvSpPr>
+          <p:cNvPr id="36" name="Oval 35"/>
+          <p:cNvSpPr/>
+          <p:nvPr/>
+        </p:nvSpPr>
+        <p:spPr>
+          <a:xfrm>
+            <a:off x="7380312" y="2641065"/>
+            <a:ext cx="720080" cy="486054"/>
+          </a:xfrm>
+          <a:prstGeom prst="ellipse">
+            <a:avLst/>
+          </a:prstGeom>
+        </p:spPr>
+        <p:style>
+          <a:lnRef idx="0">
+            <a:schemeClr val="accent6"/>
+          </a:lnRef>
+          <a:fillRef idx="3">
+            <a:schemeClr val="accent6"/>
+          </a:fillRef>
+          <a:effectRef idx="3">
+            <a:schemeClr val="accent6"/>
+          </a:effectRef>
+          <a:fontRef idx="minor">
+            <a:schemeClr val="lt1"/>
+          </a:fontRef>
+        </p:style>
+        <p:txBody>
+          <a:bodyPr rtlCol="0" anchor="ctr"/>
           <a:lstStyle/>
           <a:p>
             <a:pPr algn="ctr"/>
-            <a:r>
-              <a:rPr lang="en-NZ" dirty="0" smtClean="0"/>
-              <a:t>or</a:t>
-            </a:r>
-            <a:endParaRPr lang="en-NZ" dirty="0"/>
+            <a:endParaRPr lang="en-NZ"/>
+          </a:p>
+        </p:txBody>
+      </p:sp>
+      <p:sp>
+        <p:nvSpPr>
+          <p:cNvPr id="37" name="Oval 36"/>
+          <p:cNvSpPr/>
+          <p:nvPr/>
+        </p:nvSpPr>
+        <p:spPr>
+          <a:xfrm>
+            <a:off x="8028384" y="3850204"/>
+            <a:ext cx="720080" cy="486054"/>
+          </a:xfrm>
+          <a:prstGeom prst="ellipse">
+            <a:avLst/>
+          </a:prstGeom>
+        </p:spPr>
+        <p:style>
+          <a:lnRef idx="0">
+            <a:schemeClr val="accent6"/>
+          </a:lnRef>
+          <a:fillRef idx="3">
+            <a:schemeClr val="accent6"/>
+          </a:fillRef>
+          <a:effectRef idx="3">
+            <a:schemeClr val="accent6"/>
+          </a:effectRef>
+          <a:fontRef idx="minor">
+            <a:schemeClr val="lt1"/>
+          </a:fontRef>
+        </p:style>
+        <p:txBody>
+          <a:bodyPr rtlCol="0" anchor="ctr"/>
+          <a:lstStyle/>
+          <a:p>
+            <a:pPr algn="ctr"/>
+            <a:endParaRPr lang="en-NZ"/>
           </a:p>
         </p:txBody>
       </p:sp>
     </p:spTree>
     <p:extLst>
       <p:ext uri="{BB962C8B-B14F-4D97-AF65-F5344CB8AC3E}">
-        <p14:creationId xmlns:p14="http://schemas.microsoft.com/office/powerpoint/2010/main" val="233040642"/>
+        <p14:creationId xmlns:p14="http://schemas.microsoft.com/office/powerpoint/2010/main" val="1037849471"/>
       </p:ext>
     </p:extLst>
   </p:cSld>
@@ -10459,14 +10131,14 @@
       </p:grpSpPr>
       <p:sp>
         <p:nvSpPr>
-          <p:cNvPr id="6" name="TextBox 5"/>
+          <p:cNvPr id="3" name="TextBox 2"/>
           <p:cNvSpPr txBox="1"/>
           <p:nvPr/>
         </p:nvSpPr>
         <p:spPr>
           <a:xfrm>
-            <a:off x="395536" y="1084407"/>
-            <a:ext cx="3240360" cy="830997"/>
+            <a:off x="3563888" y="1995686"/>
+            <a:ext cx="2088232" cy="1323439"/>
           </a:xfrm>
           <a:prstGeom prst="rect">
             <a:avLst/>
@@ -10479,69 +10151,92 @@
           </a:bodyPr>
           <a:lstStyle/>
           <a:p>
-            <a:r>
-              <a:rPr lang="en-NZ" sz="4800" i="1" dirty="0" smtClean="0">
-                <a:latin typeface="Calibri" panose="020F0502020204030204" pitchFamily="34" charset="0"/>
-              </a:rPr>
-              <a:t>(</a:t>
-            </a:r>
-            <a:r>
-              <a:rPr lang="en-NZ" sz="4800" i="1" dirty="0" err="1" smtClean="0">
-                <a:solidFill>
-                  <a:schemeClr val="accent1"/>
-                </a:solidFill>
-                <a:latin typeface="Calibri" panose="020F0502020204030204" pitchFamily="34" charset="0"/>
-              </a:rPr>
-              <a:t>seq</a:t>
-            </a:r>
-            <a:r>
-              <a:rPr lang="en-NZ" sz="4800" i="1" dirty="0" smtClean="0">
-                <a:latin typeface="Calibri" panose="020F0502020204030204" pitchFamily="34" charset="0"/>
-              </a:rPr>
-              <a:t>, </a:t>
-            </a:r>
-            <a:r>
-              <a:rPr lang="en-NZ" sz="4800" i="1" dirty="0" err="1" smtClean="0">
-                <a:latin typeface="Calibri" panose="020F0502020204030204" pitchFamily="34" charset="0"/>
-              </a:rPr>
-              <a:t>func</a:t>
-            </a:r>
-            <a:r>
-              <a:rPr lang="en-NZ" sz="4800" i="1" dirty="0" smtClean="0">
-                <a:latin typeface="Calibri" panose="020F0502020204030204" pitchFamily="34" charset="0"/>
-              </a:rPr>
-              <a:t>)</a:t>
-            </a:r>
-            <a:endParaRPr lang="en-NZ" sz="4800" i="1" dirty="0">
-              <a:latin typeface="Calibri" panose="020F0502020204030204" pitchFamily="34" charset="0"/>
+            <a:pPr algn="ctr"/>
+            <a:r>
+              <a:rPr lang="en-NZ" sz="4000" b="1" dirty="0" smtClean="0">
+                <a:latin typeface="Consolas" panose="020B0609020204030204" pitchFamily="49" charset="0"/>
+                <a:cs typeface="Consolas" panose="020B0609020204030204" pitchFamily="49" charset="0"/>
+              </a:rPr>
+              <a:t>map</a:t>
+            </a:r>
+          </a:p>
+          <a:p>
+            <a:pPr algn="ctr"/>
+            <a:r>
+              <a:rPr lang="en-NZ" sz="4000" b="1" dirty="0" smtClean="0">
+                <a:latin typeface="Consolas" panose="020B0609020204030204" pitchFamily="49" charset="0"/>
+                <a:cs typeface="Consolas" panose="020B0609020204030204" pitchFamily="49" charset="0"/>
+              </a:rPr>
+              <a:t>=&gt;</a:t>
+            </a:r>
+            <a:endParaRPr lang="en-NZ" sz="4000" b="1" dirty="0">
+              <a:latin typeface="Consolas" panose="020B0609020204030204" pitchFamily="49" charset="0"/>
+              <a:cs typeface="Consolas" panose="020B0609020204030204" pitchFamily="49" charset="0"/>
             </a:endParaRPr>
           </a:p>
         </p:txBody>
       </p:sp>
       <p:sp>
         <p:nvSpPr>
-          <p:cNvPr id="18" name="Right Arrow 17"/>
+          <p:cNvPr id="11" name="TextBox 10"/>
+          <p:cNvSpPr txBox="1"/>
+          <p:nvPr/>
+        </p:nvSpPr>
+        <p:spPr>
+          <a:xfrm>
+            <a:off x="863588" y="627534"/>
+            <a:ext cx="2088232" cy="707886"/>
+          </a:xfrm>
+          <a:prstGeom prst="rect">
+            <a:avLst/>
+          </a:prstGeom>
+          <a:noFill/>
+        </p:spPr>
+        <p:txBody>
+          <a:bodyPr wrap="square" rtlCol="0">
+            <a:spAutoFit/>
+          </a:bodyPr>
+          <a:lstStyle/>
+          <a:p>
+            <a:pPr algn="ctr"/>
+            <a:r>
+              <a:rPr lang="en-NZ" sz="4000" b="1" dirty="0" smtClean="0">
+                <a:latin typeface="Consolas" panose="020B0609020204030204" pitchFamily="49" charset="0"/>
+                <a:cs typeface="Consolas" panose="020B0609020204030204" pitchFamily="49" charset="0"/>
+              </a:rPr>
+              <a:t>maybe</a:t>
+            </a:r>
+            <a:endParaRPr lang="en-NZ" sz="4000" b="1" dirty="0">
+              <a:latin typeface="Consolas" panose="020B0609020204030204" pitchFamily="49" charset="0"/>
+              <a:cs typeface="Consolas" panose="020B0609020204030204" pitchFamily="49" charset="0"/>
+            </a:endParaRPr>
+          </a:p>
+        </p:txBody>
+      </p:sp>
+      <p:sp>
+        <p:nvSpPr>
+          <p:cNvPr id="12" name="Isosceles Triangle 11"/>
           <p:cNvSpPr/>
           <p:nvPr/>
         </p:nvSpPr>
         <p:spPr>
           <a:xfrm>
-            <a:off x="4499992" y="1040637"/>
-            <a:ext cx="2016224" cy="972108"/>
-          </a:xfrm>
-          <a:prstGeom prst="rightArrow">
+            <a:off x="1547664" y="2037978"/>
+            <a:ext cx="720080" cy="486054"/>
+          </a:xfrm>
+          <a:prstGeom prst="triangle">
             <a:avLst/>
           </a:prstGeom>
         </p:spPr>
         <p:style>
           <a:lnRef idx="0">
-            <a:schemeClr val="accent1"/>
+            <a:schemeClr val="accent5"/>
           </a:lnRef>
           <a:fillRef idx="3">
-            <a:schemeClr val="accent1"/>
+            <a:schemeClr val="accent5"/>
           </a:fillRef>
           <a:effectRef idx="3">
-            <a:schemeClr val="accent1"/>
+            <a:schemeClr val="accent5"/>
           </a:effectRef>
           <a:fontRef idx="minor">
             <a:schemeClr val="lt1"/>
@@ -10558,163 +10253,34 @@
       </p:sp>
       <p:sp>
         <p:nvSpPr>
-          <p:cNvPr id="19" name="TextBox 18"/>
-          <p:cNvSpPr txBox="1"/>
-          <p:nvPr/>
-        </p:nvSpPr>
-        <p:spPr>
-          <a:xfrm>
-            <a:off x="4644008" y="1215067"/>
-            <a:ext cx="1584176" cy="584775"/>
-          </a:xfrm>
-          <a:prstGeom prst="rect">
+          <p:cNvPr id="14" name="Isosceles Triangle 13"/>
+          <p:cNvSpPr/>
+          <p:nvPr/>
+        </p:nvSpPr>
+        <p:spPr>
+          <a:xfrm>
+            <a:off x="1547664" y="3238686"/>
+            <a:ext cx="720080" cy="486054"/>
+          </a:xfrm>
+          <a:prstGeom prst="triangle">
             <a:avLst/>
           </a:prstGeom>
           <a:noFill/>
-        </p:spPr>
-        <p:txBody>
-          <a:bodyPr wrap="square" rtlCol="0">
-            <a:spAutoFit/>
-          </a:bodyPr>
-          <a:lstStyle/>
-          <a:p>
-            <a:r>
-              <a:rPr lang="en-NZ" sz="3200" i="1" dirty="0" smtClean="0">
-                <a:latin typeface="Calibri" panose="020F0502020204030204" pitchFamily="34" charset="0"/>
-              </a:rPr>
-              <a:t>map</a:t>
-            </a:r>
-            <a:endParaRPr lang="en-NZ" sz="3200" i="1" dirty="0">
-              <a:latin typeface="Calibri" panose="020F0502020204030204" pitchFamily="34" charset="0"/>
-            </a:endParaRPr>
-          </a:p>
-        </p:txBody>
-      </p:sp>
-      <p:sp>
-        <p:nvSpPr>
-          <p:cNvPr id="26" name="TextBox 25"/>
-          <p:cNvSpPr txBox="1"/>
-          <p:nvPr/>
-        </p:nvSpPr>
-        <p:spPr>
-          <a:xfrm>
-            <a:off x="6660232" y="1084407"/>
-            <a:ext cx="2088232" cy="830997"/>
-          </a:xfrm>
-          <a:prstGeom prst="rect">
-            <a:avLst/>
-          </a:prstGeom>
-          <a:noFill/>
-        </p:spPr>
-        <p:txBody>
-          <a:bodyPr wrap="square" rtlCol="0">
-            <a:spAutoFit/>
-          </a:bodyPr>
-          <a:lstStyle/>
-          <a:p>
-            <a:r>
-              <a:rPr lang="en-NZ" sz="4800" i="1" dirty="0" err="1" smtClean="0">
-                <a:solidFill>
-                  <a:schemeClr val="accent1"/>
-                </a:solidFill>
-                <a:latin typeface="Calibri" panose="020F0502020204030204" pitchFamily="34" charset="0"/>
-              </a:rPr>
-              <a:t>seq</a:t>
-            </a:r>
-            <a:endParaRPr lang="en-NZ" sz="4800" i="1" dirty="0">
-              <a:solidFill>
-                <a:schemeClr val="accent1"/>
-              </a:solidFill>
-              <a:latin typeface="Calibri" panose="020F0502020204030204" pitchFamily="34" charset="0"/>
-            </a:endParaRPr>
-          </a:p>
-        </p:txBody>
-      </p:sp>
-      <p:sp>
-        <p:nvSpPr>
-          <p:cNvPr id="27" name="TextBox 26"/>
-          <p:cNvSpPr txBox="1"/>
-          <p:nvPr/>
-        </p:nvSpPr>
-        <p:spPr>
-          <a:xfrm>
-            <a:off x="395536" y="2213630"/>
-            <a:ext cx="3240360" cy="830997"/>
-          </a:xfrm>
-          <a:prstGeom prst="rect">
-            <a:avLst/>
-          </a:prstGeom>
-          <a:noFill/>
-        </p:spPr>
-        <p:txBody>
-          <a:bodyPr wrap="square" rtlCol="0">
-            <a:spAutoFit/>
-          </a:bodyPr>
-          <a:lstStyle/>
-          <a:p>
-            <a:r>
-              <a:rPr lang="en-NZ" sz="4800" i="1" dirty="0" smtClean="0">
-                <a:latin typeface="Calibri" panose="020F0502020204030204" pitchFamily="34" charset="0"/>
-              </a:rPr>
-              <a:t>(</a:t>
-            </a:r>
-            <a:r>
-              <a:rPr lang="en-NZ" sz="4800" i="1" dirty="0" smtClean="0">
-                <a:solidFill>
-                  <a:schemeClr val="accent2"/>
-                </a:solidFill>
-                <a:latin typeface="Calibri" panose="020F0502020204030204" pitchFamily="34" charset="0"/>
-              </a:rPr>
-              <a:t>tree</a:t>
-            </a:r>
-            <a:r>
-              <a:rPr lang="en-NZ" sz="4800" i="1" dirty="0" smtClean="0">
-                <a:latin typeface="Calibri" panose="020F0502020204030204" pitchFamily="34" charset="0"/>
-              </a:rPr>
-              <a:t>, </a:t>
-            </a:r>
-            <a:r>
-              <a:rPr lang="en-NZ" sz="4800" i="1" dirty="0" err="1" smtClean="0">
-                <a:latin typeface="Calibri" panose="020F0502020204030204" pitchFamily="34" charset="0"/>
-              </a:rPr>
-              <a:t>func</a:t>
-            </a:r>
-            <a:r>
-              <a:rPr lang="en-NZ" sz="4800" i="1" dirty="0" smtClean="0">
-                <a:latin typeface="Calibri" panose="020F0502020204030204" pitchFamily="34" charset="0"/>
-              </a:rPr>
-              <a:t>)</a:t>
-            </a:r>
-            <a:endParaRPr lang="en-NZ" sz="4800" i="1" dirty="0">
-              <a:latin typeface="Calibri" panose="020F0502020204030204" pitchFamily="34" charset="0"/>
-            </a:endParaRPr>
-          </a:p>
-        </p:txBody>
-      </p:sp>
-      <p:sp>
-        <p:nvSpPr>
-          <p:cNvPr id="28" name="Right Arrow 27"/>
-          <p:cNvSpPr/>
-          <p:nvPr/>
-        </p:nvSpPr>
-        <p:spPr>
-          <a:xfrm>
-            <a:off x="4499992" y="2169860"/>
-            <a:ext cx="2016224" cy="972108"/>
-          </a:xfrm>
-          <a:prstGeom prst="rightArrow">
-            <a:avLst/>
-          </a:prstGeom>
+          <a:ln>
+            <a:solidFill>
+              <a:schemeClr val="tx1"/>
+            </a:solidFill>
+          </a:ln>
         </p:spPr>
         <p:style>
           <a:lnRef idx="0">
-            <a:schemeClr val="accent2"/>
+            <a:schemeClr val="accent5"/>
           </a:lnRef>
           <a:fillRef idx="3">
-            <a:schemeClr val="accent2"/>
+            <a:schemeClr val="accent5"/>
           </a:fillRef>
           <a:effectRef idx="3">
-            <a:schemeClr val="accent2"/>
+            <a:schemeClr val="accent5"/>
           </a:effectRef>
           <a:fontRef idx="minor">
             <a:schemeClr val="lt1"/>
@@ -10731,14 +10297,14 @@
       </p:sp>
       <p:sp>
         <p:nvSpPr>
-          <p:cNvPr id="29" name="TextBox 28"/>
+          <p:cNvPr id="17" name="TextBox 16"/>
           <p:cNvSpPr txBox="1"/>
           <p:nvPr/>
         </p:nvSpPr>
         <p:spPr>
           <a:xfrm>
-            <a:off x="4644008" y="2344291"/>
-            <a:ext cx="1584176" cy="584775"/>
+            <a:off x="5940152" y="627534"/>
+            <a:ext cx="2088232" cy="707886"/>
           </a:xfrm>
           <a:prstGeom prst="rect">
             <a:avLst/>
@@ -10751,143 +10317,45 @@
           </a:bodyPr>
           <a:lstStyle/>
           <a:p>
-            <a:r>
-              <a:rPr lang="en-NZ" sz="3200" i="1" dirty="0" smtClean="0">
-                <a:latin typeface="Calibri" panose="020F0502020204030204" pitchFamily="34" charset="0"/>
-              </a:rPr>
-              <a:t>map</a:t>
-            </a:r>
-            <a:endParaRPr lang="en-NZ" sz="3200" i="1" dirty="0">
-              <a:latin typeface="Calibri" panose="020F0502020204030204" pitchFamily="34" charset="0"/>
+            <a:pPr algn="ctr"/>
+            <a:r>
+              <a:rPr lang="en-NZ" sz="4000" b="1" dirty="0" smtClean="0">
+                <a:latin typeface="Consolas" panose="020B0609020204030204" pitchFamily="49" charset="0"/>
+                <a:cs typeface="Consolas" panose="020B0609020204030204" pitchFamily="49" charset="0"/>
+              </a:rPr>
+              <a:t>maybe</a:t>
+            </a:r>
+            <a:endParaRPr lang="en-NZ" sz="4000" b="1" dirty="0">
+              <a:latin typeface="Consolas" panose="020B0609020204030204" pitchFamily="49" charset="0"/>
+              <a:cs typeface="Consolas" panose="020B0609020204030204" pitchFamily="49" charset="0"/>
             </a:endParaRPr>
           </a:p>
         </p:txBody>
       </p:sp>
       <p:sp>
         <p:nvSpPr>
-          <p:cNvPr id="30" name="TextBox 29"/>
-          <p:cNvSpPr txBox="1"/>
-          <p:nvPr/>
-        </p:nvSpPr>
-        <p:spPr>
-          <a:xfrm>
-            <a:off x="6660232" y="2213630"/>
-            <a:ext cx="2232248" cy="830997"/>
-          </a:xfrm>
-          <a:prstGeom prst="rect">
-            <a:avLst/>
-          </a:prstGeom>
-          <a:noFill/>
-        </p:spPr>
-        <p:txBody>
-          <a:bodyPr wrap="square" rtlCol="0">
-            <a:spAutoFit/>
-          </a:bodyPr>
-          <a:lstStyle/>
-          <a:p>
-            <a:r>
-              <a:rPr lang="en-NZ" sz="4800" i="1" dirty="0" smtClean="0">
-                <a:solidFill>
-                  <a:schemeClr val="accent2"/>
-                </a:solidFill>
-                <a:latin typeface="Calibri" panose="020F0502020204030204" pitchFamily="34" charset="0"/>
-              </a:rPr>
-              <a:t>tree</a:t>
-            </a:r>
-            <a:endParaRPr lang="en-NZ" sz="4800" i="1" dirty="0">
-              <a:solidFill>
-                <a:schemeClr val="accent2"/>
-              </a:solidFill>
-              <a:latin typeface="Calibri" panose="020F0502020204030204" pitchFamily="34" charset="0"/>
-            </a:endParaRPr>
-          </a:p>
-        </p:txBody>
-      </p:sp>
-      <p:sp>
-        <p:nvSpPr>
-          <p:cNvPr id="31" name="TextBox 30"/>
-          <p:cNvSpPr txBox="1"/>
-          <p:nvPr/>
-        </p:nvSpPr>
-        <p:spPr>
-          <a:xfrm>
-            <a:off x="389228" y="3371604"/>
-            <a:ext cx="4110764" cy="830997"/>
-          </a:xfrm>
-          <a:prstGeom prst="rect">
-            <a:avLst/>
-          </a:prstGeom>
-          <a:noFill/>
-        </p:spPr>
-        <p:txBody>
-          <a:bodyPr wrap="square" rtlCol="0">
-            <a:spAutoFit/>
-          </a:bodyPr>
-          <a:lstStyle/>
-          <a:p>
-            <a:r>
-              <a:rPr lang="en-NZ" sz="4800" i="1" dirty="0" smtClean="0">
-                <a:latin typeface="Calibri" panose="020F0502020204030204" pitchFamily="34" charset="0"/>
-              </a:rPr>
-              <a:t>(</a:t>
-            </a:r>
-            <a:r>
-              <a:rPr lang="en-NZ" sz="4800" i="1" dirty="0" smtClean="0">
-                <a:solidFill>
-                  <a:schemeClr val="accent3"/>
-                </a:solidFill>
-                <a:latin typeface="Calibri" panose="020F0502020204030204" pitchFamily="34" charset="0"/>
-              </a:rPr>
-              <a:t>maybe</a:t>
-            </a:r>
-            <a:r>
-              <a:rPr lang="en-NZ" sz="4800" i="1" dirty="0" smtClean="0">
-                <a:latin typeface="Calibri" panose="020F0502020204030204" pitchFamily="34" charset="0"/>
-              </a:rPr>
-              <a:t>, </a:t>
-            </a:r>
-            <a:r>
-              <a:rPr lang="en-NZ" sz="4800" i="1" dirty="0" err="1" smtClean="0">
-                <a:latin typeface="Calibri" panose="020F0502020204030204" pitchFamily="34" charset="0"/>
-              </a:rPr>
-              <a:t>func</a:t>
-            </a:r>
-            <a:r>
-              <a:rPr lang="en-NZ" sz="4800" i="1" dirty="0" smtClean="0">
-                <a:latin typeface="Calibri" panose="020F0502020204030204" pitchFamily="34" charset="0"/>
-              </a:rPr>
-              <a:t>)</a:t>
-            </a:r>
-            <a:endParaRPr lang="en-NZ" sz="4800" i="1" dirty="0">
-              <a:latin typeface="Calibri" panose="020F0502020204030204" pitchFamily="34" charset="0"/>
-            </a:endParaRPr>
-          </a:p>
-        </p:txBody>
-      </p:sp>
-      <p:sp>
-        <p:nvSpPr>
-          <p:cNvPr id="32" name="Right Arrow 31"/>
+          <p:cNvPr id="18" name="Oval 17"/>
           <p:cNvSpPr/>
           <p:nvPr/>
         </p:nvSpPr>
         <p:spPr>
           <a:xfrm>
-            <a:off x="4493685" y="3327834"/>
-            <a:ext cx="2016224" cy="972108"/>
-          </a:xfrm>
-          <a:prstGeom prst="rightArrow">
+            <a:off x="6624228" y="2037978"/>
+            <a:ext cx="720080" cy="486054"/>
+          </a:xfrm>
+          <a:prstGeom prst="ellipse">
             <a:avLst/>
           </a:prstGeom>
         </p:spPr>
         <p:style>
           <a:lnRef idx="0">
-            <a:schemeClr val="accent3"/>
+            <a:schemeClr val="accent6"/>
           </a:lnRef>
           <a:fillRef idx="3">
-            <a:schemeClr val="accent3"/>
+            <a:schemeClr val="accent6"/>
           </a:fillRef>
           <a:effectRef idx="3">
-            <a:schemeClr val="accent3"/>
+            <a:schemeClr val="accent6"/>
           </a:effectRef>
           <a:fontRef idx="minor">
             <a:schemeClr val="lt1"/>
@@ -10904,14 +10372,134 @@
       </p:sp>
       <p:sp>
         <p:nvSpPr>
-          <p:cNvPr id="33" name="TextBox 32"/>
+          <p:cNvPr id="20" name="Oval 19"/>
+          <p:cNvSpPr/>
+          <p:nvPr/>
+        </p:nvSpPr>
+        <p:spPr>
+          <a:xfrm>
+            <a:off x="6624228" y="3238686"/>
+            <a:ext cx="720080" cy="486054"/>
+          </a:xfrm>
+          <a:prstGeom prst="ellipse">
+            <a:avLst/>
+          </a:prstGeom>
+          <a:noFill/>
+          <a:ln>
+            <a:solidFill>
+              <a:schemeClr val="tx1"/>
+            </a:solidFill>
+          </a:ln>
+        </p:spPr>
+        <p:style>
+          <a:lnRef idx="0">
+            <a:schemeClr val="accent6"/>
+          </a:lnRef>
+          <a:fillRef idx="3">
+            <a:schemeClr val="accent6"/>
+          </a:fillRef>
+          <a:effectRef idx="3">
+            <a:schemeClr val="accent6"/>
+          </a:effectRef>
+          <a:fontRef idx="minor">
+            <a:schemeClr val="lt1"/>
+          </a:fontRef>
+        </p:style>
+        <p:txBody>
+          <a:bodyPr rtlCol="0" anchor="ctr"/>
+          <a:lstStyle/>
+          <a:p>
+            <a:pPr algn="ctr"/>
+            <a:endParaRPr lang="en-NZ"/>
+          </a:p>
+        </p:txBody>
+      </p:sp>
+      <p:sp>
+        <p:nvSpPr>
+          <p:cNvPr id="22" name="Isosceles Triangle 21"/>
+          <p:cNvSpPr/>
+          <p:nvPr/>
+        </p:nvSpPr>
+        <p:spPr>
+          <a:xfrm>
+            <a:off x="3779912" y="2820059"/>
+            <a:ext cx="432048" cy="305694"/>
+          </a:xfrm>
+          <a:prstGeom prst="triangle">
+            <a:avLst/>
+          </a:prstGeom>
+        </p:spPr>
+        <p:style>
+          <a:lnRef idx="0">
+            <a:schemeClr val="accent5"/>
+          </a:lnRef>
+          <a:fillRef idx="3">
+            <a:schemeClr val="accent5"/>
+          </a:fillRef>
+          <a:effectRef idx="3">
+            <a:schemeClr val="accent5"/>
+          </a:effectRef>
+          <a:fontRef idx="minor">
+            <a:schemeClr val="lt1"/>
+          </a:fontRef>
+        </p:style>
+        <p:txBody>
+          <a:bodyPr rtlCol="0" anchor="ctr"/>
+          <a:lstStyle/>
+          <a:p>
+            <a:pPr algn="ctr"/>
+            <a:endParaRPr lang="en-NZ"/>
+          </a:p>
+        </p:txBody>
+      </p:sp>
+      <p:sp>
+        <p:nvSpPr>
+          <p:cNvPr id="23" name="Oval 22"/>
+          <p:cNvSpPr/>
+          <p:nvPr/>
+        </p:nvSpPr>
+        <p:spPr>
+          <a:xfrm>
+            <a:off x="4932040" y="2820059"/>
+            <a:ext cx="432048" cy="305694"/>
+          </a:xfrm>
+          <a:prstGeom prst="ellipse">
+            <a:avLst/>
+          </a:prstGeom>
+        </p:spPr>
+        <p:style>
+          <a:lnRef idx="0">
+            <a:schemeClr val="accent6"/>
+          </a:lnRef>
+          <a:fillRef idx="3">
+            <a:schemeClr val="accent6"/>
+          </a:fillRef>
+          <a:effectRef idx="3">
+            <a:schemeClr val="accent6"/>
+          </a:effectRef>
+          <a:fontRef idx="minor">
+            <a:schemeClr val="lt1"/>
+          </a:fontRef>
+        </p:style>
+        <p:txBody>
+          <a:bodyPr rtlCol="0" anchor="ctr"/>
+          <a:lstStyle/>
+          <a:p>
+            <a:pPr algn="ctr"/>
+            <a:endParaRPr lang="en-NZ"/>
+          </a:p>
+        </p:txBody>
+      </p:sp>
+      <p:sp>
+        <p:nvSpPr>
+          <p:cNvPr id="4" name="TextBox 3"/>
           <p:cNvSpPr txBox="1"/>
           <p:nvPr/>
         </p:nvSpPr>
         <p:spPr>
           <a:xfrm>
-            <a:off x="4637701" y="3502264"/>
-            <a:ext cx="1584176" cy="584775"/>
+            <a:off x="1547664" y="2744003"/>
+            <a:ext cx="720080" cy="369332"/>
           </a:xfrm>
           <a:prstGeom prst="rect">
             <a:avLst/>
@@ -10924,28 +10512,25 @@
           </a:bodyPr>
           <a:lstStyle/>
           <a:p>
-            <a:r>
-              <a:rPr lang="en-NZ" sz="3200" i="1" dirty="0" smtClean="0">
-                <a:latin typeface="Calibri" panose="020F0502020204030204" pitchFamily="34" charset="0"/>
-              </a:rPr>
-              <a:t>map</a:t>
-            </a:r>
-            <a:endParaRPr lang="en-NZ" sz="3200" i="1" dirty="0">
-              <a:latin typeface="Calibri" panose="020F0502020204030204" pitchFamily="34" charset="0"/>
-            </a:endParaRPr>
-          </a:p>
-        </p:txBody>
-      </p:sp>
-      <p:sp>
-        <p:nvSpPr>
-          <p:cNvPr id="34" name="TextBox 33"/>
+            <a:pPr algn="ctr"/>
+            <a:r>
+              <a:rPr lang="en-NZ" dirty="0" smtClean="0"/>
+              <a:t>or</a:t>
+            </a:r>
+            <a:endParaRPr lang="en-NZ" dirty="0"/>
+          </a:p>
+        </p:txBody>
+      </p:sp>
+      <p:sp>
+        <p:nvSpPr>
+          <p:cNvPr id="24" name="TextBox 23"/>
           <p:cNvSpPr txBox="1"/>
           <p:nvPr/>
         </p:nvSpPr>
         <p:spPr>
           <a:xfrm>
-            <a:off x="6653926" y="3371604"/>
-            <a:ext cx="2454579" cy="830997"/>
+            <a:off x="6588224" y="2744003"/>
+            <a:ext cx="720080" cy="369332"/>
           </a:xfrm>
           <a:prstGeom prst="rect">
             <a:avLst/>
@@ -10958,28 +10543,19 @@
           </a:bodyPr>
           <a:lstStyle/>
           <a:p>
-            <a:r>
-              <a:rPr lang="en-NZ" sz="4800" i="1" dirty="0" smtClean="0">
-                <a:solidFill>
-                  <a:schemeClr val="accent3"/>
-                </a:solidFill>
-                <a:latin typeface="Calibri" panose="020F0502020204030204" pitchFamily="34" charset="0"/>
-              </a:rPr>
-              <a:t>maybe</a:t>
-            </a:r>
-            <a:endParaRPr lang="en-NZ" sz="4800" i="1" dirty="0">
-              <a:solidFill>
-                <a:schemeClr val="accent3"/>
-              </a:solidFill>
-              <a:latin typeface="Calibri" panose="020F0502020204030204" pitchFamily="34" charset="0"/>
-            </a:endParaRPr>
+            <a:pPr algn="ctr"/>
+            <a:r>
+              <a:rPr lang="en-NZ" dirty="0" smtClean="0"/>
+              <a:t>or</a:t>
+            </a:r>
+            <a:endParaRPr lang="en-NZ" dirty="0"/>
           </a:p>
         </p:txBody>
       </p:sp>
     </p:spTree>
     <p:extLst>
       <p:ext uri="{BB962C8B-B14F-4D97-AF65-F5344CB8AC3E}">
-        <p14:creationId xmlns:p14="http://schemas.microsoft.com/office/powerpoint/2010/main" val="2409405495"/>
+        <p14:creationId xmlns:p14="http://schemas.microsoft.com/office/powerpoint/2010/main" val="233040642"/>
       </p:ext>
     </p:extLst>
   </p:cSld>
@@ -11018,14 +10594,14 @@
       </p:grpSpPr>
       <p:sp>
         <p:nvSpPr>
-          <p:cNvPr id="4" name="TextBox 3"/>
+          <p:cNvPr id="6" name="TextBox 5"/>
           <p:cNvSpPr txBox="1"/>
           <p:nvPr/>
         </p:nvSpPr>
         <p:spPr>
           <a:xfrm>
-            <a:off x="683568" y="1130139"/>
-            <a:ext cx="7848872" cy="1384995"/>
+            <a:off x="395536" y="1084407"/>
+            <a:ext cx="3240360" cy="830997"/>
           </a:xfrm>
           <a:prstGeom prst="rect">
             <a:avLst/>
@@ -11033,197 +10609,504 @@
           <a:noFill/>
         </p:spPr>
         <p:txBody>
-          <a:bodyPr wrap="square" rtlCol="0" anchor="t">
+          <a:bodyPr wrap="square" rtlCol="0">
             <a:spAutoFit/>
           </a:bodyPr>
           <a:lstStyle/>
           <a:p>
             <a:r>
-              <a:rPr lang="en-NZ" sz="2800" b="1" dirty="0" err="1" smtClean="0">
+              <a:rPr lang="en-NZ" sz="4800" i="1" dirty="0" smtClean="0">
+                <a:latin typeface="Calibri" panose="020F0502020204030204" pitchFamily="34" charset="0"/>
+              </a:rPr>
+              <a:t>(</a:t>
+            </a:r>
+            <a:r>
+              <a:rPr lang="en-NZ" sz="4800" i="1" dirty="0" err="1" smtClean="0">
                 <a:solidFill>
                   <a:schemeClr val="accent1"/>
                 </a:solidFill>
-                <a:latin typeface="Consolas" panose="020B0609020204030204" pitchFamily="49" charset="0"/>
-                <a:cs typeface="Consolas" panose="020B0609020204030204" pitchFamily="49" charset="0"/>
+                <a:latin typeface="Calibri" panose="020F0502020204030204" pitchFamily="34" charset="0"/>
               </a:rPr>
               <a:t>seq</a:t>
             </a:r>
             <a:r>
-              <a:rPr lang="en-NZ" sz="2800" b="1" dirty="0" smtClean="0">
-                <a:latin typeface="Consolas" panose="020B0609020204030204" pitchFamily="49" charset="0"/>
-                <a:cs typeface="Consolas" panose="020B0609020204030204" pitchFamily="49" charset="0"/>
-              </a:rPr>
-              <a:t>&lt;U&gt; </a:t>
-            </a:r>
-            <a:r>
-              <a:rPr lang="en-NZ" sz="2800" b="1" dirty="0" smtClean="0">
-                <a:latin typeface="Consolas" panose="020B0609020204030204" pitchFamily="49" charset="0"/>
-                <a:cs typeface="Consolas" panose="020B0609020204030204" pitchFamily="49" charset="0"/>
-              </a:rPr>
-              <a:t>  map(</a:t>
-            </a:r>
-            <a:r>
-              <a:rPr lang="en-NZ" sz="2800" b="1" dirty="0" err="1" smtClean="0">
+              <a:rPr lang="en-NZ" sz="4800" i="1" dirty="0" smtClean="0">
+                <a:latin typeface="Calibri" panose="020F0502020204030204" pitchFamily="34" charset="0"/>
+              </a:rPr>
+              <a:t>, </a:t>
+            </a:r>
+            <a:r>
+              <a:rPr lang="en-NZ" sz="4800" i="1" dirty="0" err="1" smtClean="0">
+                <a:latin typeface="Calibri" panose="020F0502020204030204" pitchFamily="34" charset="0"/>
+              </a:rPr>
+              <a:t>func</a:t>
+            </a:r>
+            <a:r>
+              <a:rPr lang="en-NZ" sz="4800" i="1" dirty="0" smtClean="0">
+                <a:latin typeface="Calibri" panose="020F0502020204030204" pitchFamily="34" charset="0"/>
+              </a:rPr>
+              <a:t>)</a:t>
+            </a:r>
+            <a:endParaRPr lang="en-NZ" sz="4800" i="1" dirty="0">
+              <a:latin typeface="Calibri" panose="020F0502020204030204" pitchFamily="34" charset="0"/>
+            </a:endParaRPr>
+          </a:p>
+        </p:txBody>
+      </p:sp>
+      <p:sp>
+        <p:nvSpPr>
+          <p:cNvPr id="18" name="Right Arrow 17"/>
+          <p:cNvSpPr/>
+          <p:nvPr/>
+        </p:nvSpPr>
+        <p:spPr>
+          <a:xfrm>
+            <a:off x="4499992" y="1040637"/>
+            <a:ext cx="2016224" cy="972108"/>
+          </a:xfrm>
+          <a:prstGeom prst="rightArrow">
+            <a:avLst/>
+          </a:prstGeom>
+        </p:spPr>
+        <p:style>
+          <a:lnRef idx="0">
+            <a:schemeClr val="accent1"/>
+          </a:lnRef>
+          <a:fillRef idx="3">
+            <a:schemeClr val="accent1"/>
+          </a:fillRef>
+          <a:effectRef idx="3">
+            <a:schemeClr val="accent1"/>
+          </a:effectRef>
+          <a:fontRef idx="minor">
+            <a:schemeClr val="lt1"/>
+          </a:fontRef>
+        </p:style>
+        <p:txBody>
+          <a:bodyPr rtlCol="0" anchor="ctr"/>
+          <a:lstStyle/>
+          <a:p>
+            <a:pPr algn="ctr"/>
+            <a:endParaRPr lang="en-NZ"/>
+          </a:p>
+        </p:txBody>
+      </p:sp>
+      <p:sp>
+        <p:nvSpPr>
+          <p:cNvPr id="19" name="TextBox 18"/>
+          <p:cNvSpPr txBox="1"/>
+          <p:nvPr/>
+        </p:nvSpPr>
+        <p:spPr>
+          <a:xfrm>
+            <a:off x="4644008" y="1215067"/>
+            <a:ext cx="1584176" cy="584775"/>
+          </a:xfrm>
+          <a:prstGeom prst="rect">
+            <a:avLst/>
+          </a:prstGeom>
+          <a:noFill/>
+        </p:spPr>
+        <p:txBody>
+          <a:bodyPr wrap="square" rtlCol="0">
+            <a:spAutoFit/>
+          </a:bodyPr>
+          <a:lstStyle/>
+          <a:p>
+            <a:r>
+              <a:rPr lang="en-NZ" sz="3200" i="1" dirty="0" smtClean="0">
+                <a:latin typeface="Calibri" panose="020F0502020204030204" pitchFamily="34" charset="0"/>
+              </a:rPr>
+              <a:t>map</a:t>
+            </a:r>
+            <a:endParaRPr lang="en-NZ" sz="3200" i="1" dirty="0">
+              <a:latin typeface="Calibri" panose="020F0502020204030204" pitchFamily="34" charset="0"/>
+            </a:endParaRPr>
+          </a:p>
+        </p:txBody>
+      </p:sp>
+      <p:sp>
+        <p:nvSpPr>
+          <p:cNvPr id="26" name="TextBox 25"/>
+          <p:cNvSpPr txBox="1"/>
+          <p:nvPr/>
+        </p:nvSpPr>
+        <p:spPr>
+          <a:xfrm>
+            <a:off x="6660232" y="1084407"/>
+            <a:ext cx="2088232" cy="830997"/>
+          </a:xfrm>
+          <a:prstGeom prst="rect">
+            <a:avLst/>
+          </a:prstGeom>
+          <a:noFill/>
+        </p:spPr>
+        <p:txBody>
+          <a:bodyPr wrap="square" rtlCol="0">
+            <a:spAutoFit/>
+          </a:bodyPr>
+          <a:lstStyle/>
+          <a:p>
+            <a:r>
+              <a:rPr lang="en-NZ" sz="4800" i="1" dirty="0" err="1" smtClean="0">
                 <a:solidFill>
                   <a:schemeClr val="accent1"/>
                 </a:solidFill>
-                <a:latin typeface="Consolas" panose="020B0609020204030204" pitchFamily="49" charset="0"/>
-                <a:cs typeface="Consolas" panose="020B0609020204030204" pitchFamily="49" charset="0"/>
+                <a:latin typeface="Calibri" panose="020F0502020204030204" pitchFamily="34" charset="0"/>
               </a:rPr>
               <a:t>seq</a:t>
             </a:r>
-            <a:r>
-              <a:rPr lang="en-NZ" sz="2800" b="1" dirty="0" smtClean="0">
-                <a:latin typeface="Consolas" panose="020B0609020204030204" pitchFamily="49" charset="0"/>
-                <a:cs typeface="Consolas" panose="020B0609020204030204" pitchFamily="49" charset="0"/>
-              </a:rPr>
-              <a:t>&lt;T&gt;,   </a:t>
-            </a:r>
-            <a:r>
-              <a:rPr lang="en-NZ" sz="2800" b="1" dirty="0" err="1" smtClean="0">
-                <a:latin typeface="Consolas" panose="020B0609020204030204" pitchFamily="49" charset="0"/>
-                <a:cs typeface="Consolas" panose="020B0609020204030204" pitchFamily="49" charset="0"/>
+            <a:endParaRPr lang="en-NZ" sz="4800" i="1" dirty="0">
+              <a:solidFill>
+                <a:schemeClr val="accent1"/>
+              </a:solidFill>
+              <a:latin typeface="Calibri" panose="020F0502020204030204" pitchFamily="34" charset="0"/>
+            </a:endParaRPr>
+          </a:p>
+        </p:txBody>
+      </p:sp>
+      <p:sp>
+        <p:nvSpPr>
+          <p:cNvPr id="27" name="TextBox 26"/>
+          <p:cNvSpPr txBox="1"/>
+          <p:nvPr/>
+        </p:nvSpPr>
+        <p:spPr>
+          <a:xfrm>
+            <a:off x="395536" y="2213630"/>
+            <a:ext cx="3240360" cy="830997"/>
+          </a:xfrm>
+          <a:prstGeom prst="rect">
+            <a:avLst/>
+          </a:prstGeom>
+          <a:noFill/>
+        </p:spPr>
+        <p:txBody>
+          <a:bodyPr wrap="square" rtlCol="0">
+            <a:spAutoFit/>
+          </a:bodyPr>
+          <a:lstStyle/>
+          <a:p>
+            <a:r>
+              <a:rPr lang="en-NZ" sz="4800" i="1" dirty="0" smtClean="0">
+                <a:latin typeface="Calibri" panose="020F0502020204030204" pitchFamily="34" charset="0"/>
+              </a:rPr>
+              <a:t>(</a:t>
+            </a:r>
+            <a:r>
+              <a:rPr lang="en-NZ" sz="4800" i="1" dirty="0" smtClean="0">
+                <a:solidFill>
+                  <a:schemeClr val="accent2"/>
+                </a:solidFill>
+                <a:latin typeface="Calibri" panose="020F0502020204030204" pitchFamily="34" charset="0"/>
+              </a:rPr>
+              <a:t>tree</a:t>
+            </a:r>
+            <a:r>
+              <a:rPr lang="en-NZ" sz="4800" i="1" dirty="0" smtClean="0">
+                <a:latin typeface="Calibri" panose="020F0502020204030204" pitchFamily="34" charset="0"/>
+              </a:rPr>
+              <a:t>, </a:t>
+            </a:r>
+            <a:r>
+              <a:rPr lang="en-NZ" sz="4800" i="1" dirty="0" err="1" smtClean="0">
+                <a:latin typeface="Calibri" panose="020F0502020204030204" pitchFamily="34" charset="0"/>
               </a:rPr>
               <a:t>func</a:t>
             </a:r>
             <a:r>
-              <a:rPr lang="en-NZ" sz="2800" b="1" dirty="0" smtClean="0">
-                <a:latin typeface="Consolas" panose="020B0609020204030204" pitchFamily="49" charset="0"/>
-                <a:cs typeface="Consolas" panose="020B0609020204030204" pitchFamily="49" charset="0"/>
-              </a:rPr>
-              <a:t>&lt;T,U&gt;)</a:t>
-            </a:r>
-          </a:p>
-          <a:p>
-            <a:r>
-              <a:rPr lang="en-NZ" sz="2800" b="1" dirty="0" smtClean="0">
+              <a:rPr lang="en-NZ" sz="4800" i="1" dirty="0" smtClean="0">
+                <a:latin typeface="Calibri" panose="020F0502020204030204" pitchFamily="34" charset="0"/>
+              </a:rPr>
+              <a:t>)</a:t>
+            </a:r>
+            <a:endParaRPr lang="en-NZ" sz="4800" i="1" dirty="0">
+              <a:latin typeface="Calibri" panose="020F0502020204030204" pitchFamily="34" charset="0"/>
+            </a:endParaRPr>
+          </a:p>
+        </p:txBody>
+      </p:sp>
+      <p:sp>
+        <p:nvSpPr>
+          <p:cNvPr id="28" name="Right Arrow 27"/>
+          <p:cNvSpPr/>
+          <p:nvPr/>
+        </p:nvSpPr>
+        <p:spPr>
+          <a:xfrm>
+            <a:off x="4499992" y="2169860"/>
+            <a:ext cx="2016224" cy="972108"/>
+          </a:xfrm>
+          <a:prstGeom prst="rightArrow">
+            <a:avLst/>
+          </a:prstGeom>
+        </p:spPr>
+        <p:style>
+          <a:lnRef idx="0">
+            <a:schemeClr val="accent2"/>
+          </a:lnRef>
+          <a:fillRef idx="3">
+            <a:schemeClr val="accent2"/>
+          </a:fillRef>
+          <a:effectRef idx="3">
+            <a:schemeClr val="accent2"/>
+          </a:effectRef>
+          <a:fontRef idx="minor">
+            <a:schemeClr val="lt1"/>
+          </a:fontRef>
+        </p:style>
+        <p:txBody>
+          <a:bodyPr rtlCol="0" anchor="ctr"/>
+          <a:lstStyle/>
+          <a:p>
+            <a:pPr algn="ctr"/>
+            <a:endParaRPr lang="en-NZ"/>
+          </a:p>
+        </p:txBody>
+      </p:sp>
+      <p:sp>
+        <p:nvSpPr>
+          <p:cNvPr id="29" name="TextBox 28"/>
+          <p:cNvSpPr txBox="1"/>
+          <p:nvPr/>
+        </p:nvSpPr>
+        <p:spPr>
+          <a:xfrm>
+            <a:off x="4644008" y="2344291"/>
+            <a:ext cx="1584176" cy="584775"/>
+          </a:xfrm>
+          <a:prstGeom prst="rect">
+            <a:avLst/>
+          </a:prstGeom>
+          <a:noFill/>
+        </p:spPr>
+        <p:txBody>
+          <a:bodyPr wrap="square" rtlCol="0">
+            <a:spAutoFit/>
+          </a:bodyPr>
+          <a:lstStyle/>
+          <a:p>
+            <a:r>
+              <a:rPr lang="en-NZ" sz="3200" i="1" dirty="0" smtClean="0">
+                <a:latin typeface="Calibri" panose="020F0502020204030204" pitchFamily="34" charset="0"/>
+              </a:rPr>
+              <a:t>map</a:t>
+            </a:r>
+            <a:endParaRPr lang="en-NZ" sz="3200" i="1" dirty="0">
+              <a:latin typeface="Calibri" panose="020F0502020204030204" pitchFamily="34" charset="0"/>
+            </a:endParaRPr>
+          </a:p>
+        </p:txBody>
+      </p:sp>
+      <p:sp>
+        <p:nvSpPr>
+          <p:cNvPr id="30" name="TextBox 29"/>
+          <p:cNvSpPr txBox="1"/>
+          <p:nvPr/>
+        </p:nvSpPr>
+        <p:spPr>
+          <a:xfrm>
+            <a:off x="6660232" y="2213630"/>
+            <a:ext cx="2232248" cy="830997"/>
+          </a:xfrm>
+          <a:prstGeom prst="rect">
+            <a:avLst/>
+          </a:prstGeom>
+          <a:noFill/>
+        </p:spPr>
+        <p:txBody>
+          <a:bodyPr wrap="square" rtlCol="0">
+            <a:spAutoFit/>
+          </a:bodyPr>
+          <a:lstStyle/>
+          <a:p>
+            <a:r>
+              <a:rPr lang="en-NZ" sz="4800" i="1" dirty="0" smtClean="0">
                 <a:solidFill>
                   <a:schemeClr val="accent2"/>
                 </a:solidFill>
-                <a:latin typeface="Consolas" panose="020B0609020204030204" pitchFamily="49" charset="0"/>
-                <a:cs typeface="Consolas" panose="020B0609020204030204" pitchFamily="49" charset="0"/>
+                <a:latin typeface="Calibri" panose="020F0502020204030204" pitchFamily="34" charset="0"/>
               </a:rPr>
               <a:t>tree</a:t>
             </a:r>
-            <a:r>
-              <a:rPr lang="en-NZ" sz="2800" b="1" dirty="0" smtClean="0">
-                <a:latin typeface="Consolas" panose="020B0609020204030204" pitchFamily="49" charset="0"/>
-                <a:cs typeface="Consolas" panose="020B0609020204030204" pitchFamily="49" charset="0"/>
-              </a:rPr>
-              <a:t>&lt;U</a:t>
-            </a:r>
-            <a:r>
-              <a:rPr lang="en-NZ" sz="2800" b="1" dirty="0" smtClean="0">
-                <a:latin typeface="Consolas" panose="020B0609020204030204" pitchFamily="49" charset="0"/>
-                <a:cs typeface="Consolas" panose="020B0609020204030204" pitchFamily="49" charset="0"/>
-              </a:rPr>
-              <a:t>&gt;  </a:t>
-            </a:r>
-            <a:r>
-              <a:rPr lang="en-NZ" sz="2800" b="1" dirty="0" smtClean="0">
-                <a:latin typeface="Consolas" panose="020B0609020204030204" pitchFamily="49" charset="0"/>
-                <a:cs typeface="Consolas" panose="020B0609020204030204" pitchFamily="49" charset="0"/>
-              </a:rPr>
-              <a:t>map(</a:t>
-            </a:r>
-            <a:r>
-              <a:rPr lang="en-NZ" sz="2800" b="1" dirty="0" smtClean="0">
-                <a:solidFill>
-                  <a:schemeClr val="accent2"/>
-                </a:solidFill>
-                <a:latin typeface="Consolas" panose="020B0609020204030204" pitchFamily="49" charset="0"/>
-                <a:cs typeface="Consolas" panose="020B0609020204030204" pitchFamily="49" charset="0"/>
-              </a:rPr>
-              <a:t>tree</a:t>
-            </a:r>
-            <a:r>
-              <a:rPr lang="en-NZ" sz="2800" b="1" dirty="0" smtClean="0">
-                <a:latin typeface="Consolas" panose="020B0609020204030204" pitchFamily="49" charset="0"/>
-                <a:cs typeface="Consolas" panose="020B0609020204030204" pitchFamily="49" charset="0"/>
-              </a:rPr>
-              <a:t>&lt;T&gt;, </a:t>
-            </a:r>
-            <a:r>
-              <a:rPr lang="en-NZ" sz="2800" b="1" dirty="0" smtClean="0">
-                <a:latin typeface="Consolas" panose="020B0609020204030204" pitchFamily="49" charset="0"/>
-                <a:cs typeface="Consolas" panose="020B0609020204030204" pitchFamily="49" charset="0"/>
-              </a:rPr>
-              <a:t> </a:t>
-            </a:r>
-            <a:r>
-              <a:rPr lang="en-NZ" sz="2800" b="1" dirty="0" err="1" smtClean="0">
-                <a:latin typeface="Consolas" panose="020B0609020204030204" pitchFamily="49" charset="0"/>
-                <a:cs typeface="Consolas" panose="020B0609020204030204" pitchFamily="49" charset="0"/>
+            <a:endParaRPr lang="en-NZ" sz="4800" i="1" dirty="0">
+              <a:solidFill>
+                <a:schemeClr val="accent2"/>
+              </a:solidFill>
+              <a:latin typeface="Calibri" panose="020F0502020204030204" pitchFamily="34" charset="0"/>
+            </a:endParaRPr>
+          </a:p>
+        </p:txBody>
+      </p:sp>
+      <p:sp>
+        <p:nvSpPr>
+          <p:cNvPr id="31" name="TextBox 30"/>
+          <p:cNvSpPr txBox="1"/>
+          <p:nvPr/>
+        </p:nvSpPr>
+        <p:spPr>
+          <a:xfrm>
+            <a:off x="389228" y="3371604"/>
+            <a:ext cx="4110764" cy="830997"/>
+          </a:xfrm>
+          <a:prstGeom prst="rect">
+            <a:avLst/>
+          </a:prstGeom>
+          <a:noFill/>
+        </p:spPr>
+        <p:txBody>
+          <a:bodyPr wrap="square" rtlCol="0">
+            <a:spAutoFit/>
+          </a:bodyPr>
+          <a:lstStyle/>
+          <a:p>
+            <a:r>
+              <a:rPr lang="en-NZ" sz="4800" i="1" dirty="0" smtClean="0">
+                <a:latin typeface="Calibri" panose="020F0502020204030204" pitchFamily="34" charset="0"/>
+              </a:rPr>
+              <a:t>(</a:t>
+            </a:r>
+            <a:r>
+              <a:rPr lang="en-NZ" sz="4800" i="1" dirty="0" smtClean="0">
+                <a:solidFill>
+                  <a:schemeClr val="accent3"/>
+                </a:solidFill>
+                <a:latin typeface="Calibri" panose="020F0502020204030204" pitchFamily="34" charset="0"/>
+              </a:rPr>
+              <a:t>maybe</a:t>
+            </a:r>
+            <a:r>
+              <a:rPr lang="en-NZ" sz="4800" i="1" dirty="0" smtClean="0">
+                <a:latin typeface="Calibri" panose="020F0502020204030204" pitchFamily="34" charset="0"/>
+              </a:rPr>
+              <a:t>, </a:t>
+            </a:r>
+            <a:r>
+              <a:rPr lang="en-NZ" sz="4800" i="1" dirty="0" err="1" smtClean="0">
+                <a:latin typeface="Calibri" panose="020F0502020204030204" pitchFamily="34" charset="0"/>
               </a:rPr>
               <a:t>func</a:t>
             </a:r>
             <a:r>
-              <a:rPr lang="en-NZ" sz="2800" b="1" dirty="0" smtClean="0">
-                <a:latin typeface="Consolas" panose="020B0609020204030204" pitchFamily="49" charset="0"/>
-                <a:cs typeface="Consolas" panose="020B0609020204030204" pitchFamily="49" charset="0"/>
-              </a:rPr>
-              <a:t>&lt;T,U</a:t>
-            </a:r>
-            <a:r>
-              <a:rPr lang="en-NZ" sz="2800" b="1" dirty="0" smtClean="0">
-                <a:latin typeface="Consolas" panose="020B0609020204030204" pitchFamily="49" charset="0"/>
-                <a:cs typeface="Consolas" panose="020B0609020204030204" pitchFamily="49" charset="0"/>
-              </a:rPr>
-              <a:t>&gt;)</a:t>
-            </a:r>
-          </a:p>
-          <a:p>
-            <a:r>
-              <a:rPr lang="en-NZ" sz="2800" b="1" dirty="0" smtClean="0">
+              <a:rPr lang="en-NZ" sz="4800" i="1" dirty="0" smtClean="0">
+                <a:latin typeface="Calibri" panose="020F0502020204030204" pitchFamily="34" charset="0"/>
+              </a:rPr>
+              <a:t>)</a:t>
+            </a:r>
+            <a:endParaRPr lang="en-NZ" sz="4800" i="1" dirty="0">
+              <a:latin typeface="Calibri" panose="020F0502020204030204" pitchFamily="34" charset="0"/>
+            </a:endParaRPr>
+          </a:p>
+        </p:txBody>
+      </p:sp>
+      <p:sp>
+        <p:nvSpPr>
+          <p:cNvPr id="32" name="Right Arrow 31"/>
+          <p:cNvSpPr/>
+          <p:nvPr/>
+        </p:nvSpPr>
+        <p:spPr>
+          <a:xfrm>
+            <a:off x="4493685" y="3327834"/>
+            <a:ext cx="2016224" cy="972108"/>
+          </a:xfrm>
+          <a:prstGeom prst="rightArrow">
+            <a:avLst/>
+          </a:prstGeom>
+        </p:spPr>
+        <p:style>
+          <a:lnRef idx="0">
+            <a:schemeClr val="accent3"/>
+          </a:lnRef>
+          <a:fillRef idx="3">
+            <a:schemeClr val="accent3"/>
+          </a:fillRef>
+          <a:effectRef idx="3">
+            <a:schemeClr val="accent3"/>
+          </a:effectRef>
+          <a:fontRef idx="minor">
+            <a:schemeClr val="lt1"/>
+          </a:fontRef>
+        </p:style>
+        <p:txBody>
+          <a:bodyPr rtlCol="0" anchor="ctr"/>
+          <a:lstStyle/>
+          <a:p>
+            <a:pPr algn="ctr"/>
+            <a:endParaRPr lang="en-NZ"/>
+          </a:p>
+        </p:txBody>
+      </p:sp>
+      <p:sp>
+        <p:nvSpPr>
+          <p:cNvPr id="33" name="TextBox 32"/>
+          <p:cNvSpPr txBox="1"/>
+          <p:nvPr/>
+        </p:nvSpPr>
+        <p:spPr>
+          <a:xfrm>
+            <a:off x="4637701" y="3502264"/>
+            <a:ext cx="1584176" cy="584775"/>
+          </a:xfrm>
+          <a:prstGeom prst="rect">
+            <a:avLst/>
+          </a:prstGeom>
+          <a:noFill/>
+        </p:spPr>
+        <p:txBody>
+          <a:bodyPr wrap="square" rtlCol="0">
+            <a:spAutoFit/>
+          </a:bodyPr>
+          <a:lstStyle/>
+          <a:p>
+            <a:r>
+              <a:rPr lang="en-NZ" sz="3200" i="1" dirty="0" smtClean="0">
+                <a:latin typeface="Calibri" panose="020F0502020204030204" pitchFamily="34" charset="0"/>
+              </a:rPr>
+              <a:t>map</a:t>
+            </a:r>
+            <a:endParaRPr lang="en-NZ" sz="3200" i="1" dirty="0">
+              <a:latin typeface="Calibri" panose="020F0502020204030204" pitchFamily="34" charset="0"/>
+            </a:endParaRPr>
+          </a:p>
+        </p:txBody>
+      </p:sp>
+      <p:sp>
+        <p:nvSpPr>
+          <p:cNvPr id="34" name="TextBox 33"/>
+          <p:cNvSpPr txBox="1"/>
+          <p:nvPr/>
+        </p:nvSpPr>
+        <p:spPr>
+          <a:xfrm>
+            <a:off x="6653926" y="3371604"/>
+            <a:ext cx="2454579" cy="830997"/>
+          </a:xfrm>
+          <a:prstGeom prst="rect">
+            <a:avLst/>
+          </a:prstGeom>
+          <a:noFill/>
+        </p:spPr>
+        <p:txBody>
+          <a:bodyPr wrap="square" rtlCol="0">
+            <a:spAutoFit/>
+          </a:bodyPr>
+          <a:lstStyle/>
+          <a:p>
+            <a:r>
+              <a:rPr lang="en-NZ" sz="4800" i="1" dirty="0" smtClean="0">
                 <a:solidFill>
                   <a:schemeClr val="accent3"/>
                 </a:solidFill>
-                <a:latin typeface="Consolas" panose="020B0609020204030204" pitchFamily="49" charset="0"/>
-                <a:cs typeface="Consolas" panose="020B0609020204030204" pitchFamily="49" charset="0"/>
+                <a:latin typeface="Calibri" panose="020F0502020204030204" pitchFamily="34" charset="0"/>
               </a:rPr>
               <a:t>maybe</a:t>
             </a:r>
-            <a:r>
-              <a:rPr lang="en-NZ" sz="2800" b="1" dirty="0" smtClean="0">
-                <a:latin typeface="Consolas" panose="020B0609020204030204" pitchFamily="49" charset="0"/>
-                <a:cs typeface="Consolas" panose="020B0609020204030204" pitchFamily="49" charset="0"/>
-              </a:rPr>
-              <a:t>&lt;U&gt; map(</a:t>
-            </a:r>
-            <a:r>
-              <a:rPr lang="en-NZ" sz="2800" b="1" dirty="0" smtClean="0">
-                <a:solidFill>
-                  <a:schemeClr val="accent3"/>
-                </a:solidFill>
-                <a:latin typeface="Consolas" panose="020B0609020204030204" pitchFamily="49" charset="0"/>
-                <a:cs typeface="Consolas" panose="020B0609020204030204" pitchFamily="49" charset="0"/>
-              </a:rPr>
-              <a:t>maybe</a:t>
-            </a:r>
-            <a:r>
-              <a:rPr lang="en-NZ" sz="2800" b="1" dirty="0" smtClean="0">
-                <a:latin typeface="Consolas" panose="020B0609020204030204" pitchFamily="49" charset="0"/>
-                <a:cs typeface="Consolas" panose="020B0609020204030204" pitchFamily="49" charset="0"/>
-              </a:rPr>
-              <a:t>&lt;T&gt;, </a:t>
-            </a:r>
-            <a:r>
-              <a:rPr lang="en-NZ" sz="2800" b="1" dirty="0" err="1" smtClean="0">
-                <a:latin typeface="Consolas" panose="020B0609020204030204" pitchFamily="49" charset="0"/>
-                <a:cs typeface="Consolas" panose="020B0609020204030204" pitchFamily="49" charset="0"/>
-              </a:rPr>
-              <a:t>func</a:t>
-            </a:r>
-            <a:r>
-              <a:rPr lang="en-NZ" sz="2800" b="1" dirty="0" smtClean="0">
-                <a:latin typeface="Consolas" panose="020B0609020204030204" pitchFamily="49" charset="0"/>
-                <a:cs typeface="Consolas" panose="020B0609020204030204" pitchFamily="49" charset="0"/>
-              </a:rPr>
-              <a:t>&lt;T,U&gt;)</a:t>
-            </a:r>
-            <a:endParaRPr lang="en-NZ" sz="2800" b="1" dirty="0">
-              <a:latin typeface="Consolas" panose="020B0609020204030204" pitchFamily="49" charset="0"/>
-              <a:cs typeface="Consolas" panose="020B0609020204030204" pitchFamily="49" charset="0"/>
+            <a:endParaRPr lang="en-NZ" sz="4800" i="1" dirty="0">
+              <a:solidFill>
+                <a:schemeClr val="accent3"/>
+              </a:solidFill>
+              <a:latin typeface="Calibri" panose="020F0502020204030204" pitchFamily="34" charset="0"/>
             </a:endParaRPr>
           </a:p>
         </p:txBody>
@@ -11231,7 +11114,7 @@
     </p:spTree>
     <p:extLst>
       <p:ext uri="{BB962C8B-B14F-4D97-AF65-F5344CB8AC3E}">
-        <p14:creationId xmlns:p14="http://schemas.microsoft.com/office/powerpoint/2010/main" val="1902251111"/>
+        <p14:creationId xmlns:p14="http://schemas.microsoft.com/office/powerpoint/2010/main" val="2409405495"/>
       </p:ext>
     </p:extLst>
   </p:cSld>
@@ -11270,14 +11153,14 @@
       </p:grpSpPr>
       <p:sp>
         <p:nvSpPr>
-          <p:cNvPr id="6" name="TextBox 5"/>
+          <p:cNvPr id="4" name="TextBox 3"/>
           <p:cNvSpPr txBox="1"/>
           <p:nvPr/>
         </p:nvSpPr>
         <p:spPr>
           <a:xfrm>
-            <a:off x="683568" y="1478270"/>
-            <a:ext cx="7848872" cy="2677656"/>
+            <a:off x="683568" y="1130139"/>
+            <a:ext cx="7848872" cy="1384995"/>
           </a:xfrm>
           <a:prstGeom prst="rect">
             <a:avLst/>
@@ -11285,7 +11168,7 @@
           <a:noFill/>
         </p:spPr>
         <p:txBody>
-          <a:bodyPr wrap="square" rtlCol="0" anchor="t" anchorCtr="0">
+          <a:bodyPr wrap="square" rtlCol="0" anchor="t">
             <a:spAutoFit/>
           </a:bodyPr>
           <a:lstStyle/>
@@ -11293,235 +11176,162 @@
             <a:r>
               <a:rPr lang="en-NZ" sz="2800" b="1" dirty="0" err="1" smtClean="0">
                 <a:solidFill>
-                  <a:schemeClr val="accent6"/>
-                </a:solidFill>
-                <a:latin typeface="Consolas" panose="020B0609020204030204" pitchFamily="49" charset="0"/>
-                <a:cs typeface="Consolas" panose="020B0609020204030204" pitchFamily="49" charset="0"/>
-              </a:rPr>
-              <a:t>string_to</a:t>
+                  <a:schemeClr val="accent1"/>
+                </a:solidFill>
+                <a:latin typeface="Consolas" panose="020B0609020204030204" pitchFamily="49" charset="0"/>
+                <a:cs typeface="Consolas" panose="020B0609020204030204" pitchFamily="49" charset="0"/>
+              </a:rPr>
+              <a:t>seq</a:t>
             </a:r>
             <a:r>
               <a:rPr lang="en-NZ" sz="2800" b="1" dirty="0" smtClean="0">
                 <a:latin typeface="Consolas" panose="020B0609020204030204" pitchFamily="49" charset="0"/>
                 <a:cs typeface="Consolas" panose="020B0609020204030204" pitchFamily="49" charset="0"/>
               </a:rPr>
-              <a:t>&lt;T&gt; : string -&gt; T</a:t>
-            </a:r>
-          </a:p>
-          <a:p>
-            <a:endParaRPr lang="en-NZ" sz="2800" b="1" dirty="0" smtClean="0">
-              <a:latin typeface="Consolas" panose="020B0609020204030204" pitchFamily="49" charset="0"/>
-              <a:cs typeface="Consolas" panose="020B0609020204030204" pitchFamily="49" charset="0"/>
-            </a:endParaRPr>
-          </a:p>
-          <a:p>
+              <a:t>&lt;U&gt;   map(</a:t>
+            </a:r>
+            <a:r>
+              <a:rPr lang="en-NZ" sz="2800" b="1" dirty="0" err="1" smtClean="0">
+                <a:solidFill>
+                  <a:schemeClr val="accent1"/>
+                </a:solidFill>
+                <a:latin typeface="Consolas" panose="020B0609020204030204" pitchFamily="49" charset="0"/>
+                <a:cs typeface="Consolas" panose="020B0609020204030204" pitchFamily="49" charset="0"/>
+              </a:rPr>
+              <a:t>seq</a:t>
+            </a:r>
             <a:r>
               <a:rPr lang="en-NZ" sz="2800" b="1" dirty="0" smtClean="0">
                 <a:latin typeface="Consolas" panose="020B0609020204030204" pitchFamily="49" charset="0"/>
                 <a:cs typeface="Consolas" panose="020B0609020204030204" pitchFamily="49" charset="0"/>
               </a:rPr>
-              <a:t>length </a:t>
-            </a:r>
-            <a:r>
-              <a:rPr lang="en-NZ" sz="2800" b="1" dirty="0">
-                <a:latin typeface="Consolas" panose="020B0609020204030204" pitchFamily="49" charset="0"/>
-                <a:cs typeface="Consolas" panose="020B0609020204030204" pitchFamily="49" charset="0"/>
-              </a:rPr>
-              <a:t>: </a:t>
+              <a:t>&lt;T&gt;,   </a:t>
             </a:r>
             <a:r>
               <a:rPr lang="en-NZ" sz="2800" b="1" dirty="0" err="1" smtClean="0">
-                <a:solidFill>
-                  <a:schemeClr val="accent6"/>
-                </a:solidFill>
-                <a:latin typeface="Consolas" panose="020B0609020204030204" pitchFamily="49" charset="0"/>
-                <a:cs typeface="Consolas" panose="020B0609020204030204" pitchFamily="49" charset="0"/>
-              </a:rPr>
-              <a:t>string_to</a:t>
+                <a:latin typeface="Consolas" panose="020B0609020204030204" pitchFamily="49" charset="0"/>
+                <a:cs typeface="Consolas" panose="020B0609020204030204" pitchFamily="49" charset="0"/>
+              </a:rPr>
+              <a:t>func</a:t>
             </a:r>
             <a:r>
               <a:rPr lang="en-NZ" sz="2800" b="1" dirty="0" smtClean="0">
                 <a:latin typeface="Consolas" panose="020B0609020204030204" pitchFamily="49" charset="0"/>
                 <a:cs typeface="Consolas" panose="020B0609020204030204" pitchFamily="49" charset="0"/>
               </a:rPr>
-              <a:t>&lt;</a:t>
+              <a:t>&lt;T,U&gt;)</a:t>
+            </a:r>
+          </a:p>
+          <a:p>
+            <a:r>
+              <a:rPr lang="en-NZ" sz="2800" b="1" dirty="0" smtClean="0">
+                <a:solidFill>
+                  <a:schemeClr val="accent2"/>
+                </a:solidFill>
+                <a:latin typeface="Consolas" panose="020B0609020204030204" pitchFamily="49" charset="0"/>
+                <a:cs typeface="Consolas" panose="020B0609020204030204" pitchFamily="49" charset="0"/>
+              </a:rPr>
+              <a:t>tree</a:t>
+            </a:r>
+            <a:r>
+              <a:rPr lang="en-NZ" sz="2800" b="1" dirty="0" smtClean="0">
+                <a:latin typeface="Consolas" panose="020B0609020204030204" pitchFamily="49" charset="0"/>
+                <a:cs typeface="Consolas" panose="020B0609020204030204" pitchFamily="49" charset="0"/>
+              </a:rPr>
+              <a:t>&lt;U&gt;  map(</a:t>
+            </a:r>
+            <a:r>
+              <a:rPr lang="en-NZ" sz="2800" b="1" dirty="0" smtClean="0">
+                <a:solidFill>
+                  <a:schemeClr val="accent2"/>
+                </a:solidFill>
+                <a:latin typeface="Consolas" panose="020B0609020204030204" pitchFamily="49" charset="0"/>
+                <a:cs typeface="Consolas" panose="020B0609020204030204" pitchFamily="49" charset="0"/>
+              </a:rPr>
+              <a:t>tree</a:t>
+            </a:r>
+            <a:r>
+              <a:rPr lang="en-NZ" sz="2800" b="1" dirty="0" smtClean="0">
+                <a:latin typeface="Consolas" panose="020B0609020204030204" pitchFamily="49" charset="0"/>
+                <a:cs typeface="Consolas" panose="020B0609020204030204" pitchFamily="49" charset="0"/>
+              </a:rPr>
+              <a:t>&lt;T&gt;,  </a:t>
             </a:r>
             <a:r>
               <a:rPr lang="en-NZ" sz="2800" b="1" dirty="0" err="1" smtClean="0">
                 <a:latin typeface="Consolas" panose="020B0609020204030204" pitchFamily="49" charset="0"/>
                 <a:cs typeface="Consolas" panose="020B0609020204030204" pitchFamily="49" charset="0"/>
               </a:rPr>
-              <a:t>int</a:t>
+              <a:t>func</a:t>
             </a:r>
             <a:r>
               <a:rPr lang="en-NZ" sz="2800" b="1" dirty="0" smtClean="0">
                 <a:latin typeface="Consolas" panose="020B0609020204030204" pitchFamily="49" charset="0"/>
                 <a:cs typeface="Consolas" panose="020B0609020204030204" pitchFamily="49" charset="0"/>
               </a:rPr>
-              <a:t>&gt;</a:t>
+              <a:t>&lt;T,U&gt;)</a:t>
+            </a:r>
+          </a:p>
+          <a:p>
+            <a:r>
+              <a:rPr lang="en-NZ" sz="2800" b="1" dirty="0" smtClean="0">
+                <a:solidFill>
+                  <a:schemeClr val="accent3"/>
+                </a:solidFill>
+                <a:latin typeface="Consolas" panose="020B0609020204030204" pitchFamily="49" charset="0"/>
+                <a:cs typeface="Consolas" panose="020B0609020204030204" pitchFamily="49" charset="0"/>
+              </a:rPr>
+              <a:t>maybe</a:t>
+            </a:r>
+            <a:r>
+              <a:rPr lang="en-NZ" sz="2800" b="1" dirty="0" smtClean="0">
+                <a:latin typeface="Consolas" panose="020B0609020204030204" pitchFamily="49" charset="0"/>
+                <a:cs typeface="Consolas" panose="020B0609020204030204" pitchFamily="49" charset="0"/>
+              </a:rPr>
+              <a:t>&lt;U&gt; map(</a:t>
+            </a:r>
+            <a:r>
+              <a:rPr lang="en-NZ" sz="2800" b="1" dirty="0" smtClean="0">
+                <a:solidFill>
+                  <a:schemeClr val="accent3"/>
+                </a:solidFill>
+                <a:latin typeface="Consolas" panose="020B0609020204030204" pitchFamily="49" charset="0"/>
+                <a:cs typeface="Consolas" panose="020B0609020204030204" pitchFamily="49" charset="0"/>
+              </a:rPr>
+              <a:t>maybe</a:t>
+            </a:r>
+            <a:r>
+              <a:rPr lang="en-NZ" sz="2800" b="1" dirty="0" smtClean="0">
+                <a:latin typeface="Consolas" panose="020B0609020204030204" pitchFamily="49" charset="0"/>
+                <a:cs typeface="Consolas" panose="020B0609020204030204" pitchFamily="49" charset="0"/>
+              </a:rPr>
+              <a:t>&lt;T&gt;, </a:t>
+            </a:r>
+            <a:r>
+              <a:rPr lang="en-NZ" sz="2800" b="1" dirty="0" err="1" smtClean="0">
+                <a:latin typeface="Consolas" panose="020B0609020204030204" pitchFamily="49" charset="0"/>
+                <a:cs typeface="Consolas" panose="020B0609020204030204" pitchFamily="49" charset="0"/>
+              </a:rPr>
+              <a:t>func</a:t>
+            </a:r>
+            <a:r>
+              <a:rPr lang="en-NZ" sz="2800" b="1" dirty="0" smtClean="0">
+                <a:latin typeface="Consolas" panose="020B0609020204030204" pitchFamily="49" charset="0"/>
+                <a:cs typeface="Consolas" panose="020B0609020204030204" pitchFamily="49" charset="0"/>
+              </a:rPr>
+              <a:t>&lt;T,U&gt;)</a:t>
             </a:r>
             <a:endParaRPr lang="en-NZ" sz="2800" b="1" dirty="0">
               <a:latin typeface="Consolas" panose="020B0609020204030204" pitchFamily="49" charset="0"/>
               <a:cs typeface="Consolas" panose="020B0609020204030204" pitchFamily="49" charset="0"/>
             </a:endParaRPr>
           </a:p>
-          <a:p>
-            <a:r>
-              <a:rPr lang="en-NZ" sz="2800" b="1" dirty="0" err="1" smtClean="0">
-                <a:latin typeface="Consolas" panose="020B0609020204030204" pitchFamily="49" charset="0"/>
-                <a:cs typeface="Consolas" panose="020B0609020204030204" pitchFamily="49" charset="0"/>
-              </a:rPr>
-              <a:t>vowel_count</a:t>
-            </a:r>
-            <a:r>
-              <a:rPr lang="en-NZ" sz="2800" b="1" dirty="0" smtClean="0">
-                <a:latin typeface="Consolas" panose="020B0609020204030204" pitchFamily="49" charset="0"/>
-                <a:cs typeface="Consolas" panose="020B0609020204030204" pitchFamily="49" charset="0"/>
-              </a:rPr>
-              <a:t> : </a:t>
-            </a:r>
-            <a:r>
-              <a:rPr lang="en-NZ" sz="2800" b="1" dirty="0" err="1" smtClean="0">
-                <a:solidFill>
-                  <a:schemeClr val="accent6"/>
-                </a:solidFill>
-                <a:latin typeface="Consolas" panose="020B0609020204030204" pitchFamily="49" charset="0"/>
-                <a:cs typeface="Consolas" panose="020B0609020204030204" pitchFamily="49" charset="0"/>
-              </a:rPr>
-              <a:t>string_to</a:t>
-            </a:r>
-            <a:r>
-              <a:rPr lang="en-NZ" sz="2800" b="1" dirty="0" smtClean="0">
-                <a:latin typeface="Consolas" panose="020B0609020204030204" pitchFamily="49" charset="0"/>
-                <a:cs typeface="Consolas" panose="020B0609020204030204" pitchFamily="49" charset="0"/>
-              </a:rPr>
-              <a:t>&lt;</a:t>
-            </a:r>
-            <a:r>
-              <a:rPr lang="en-NZ" sz="2800" b="1" dirty="0" err="1" smtClean="0">
-                <a:latin typeface="Consolas" panose="020B0609020204030204" pitchFamily="49" charset="0"/>
-                <a:cs typeface="Consolas" panose="020B0609020204030204" pitchFamily="49" charset="0"/>
-              </a:rPr>
-              <a:t>int</a:t>
-            </a:r>
-            <a:r>
-              <a:rPr lang="en-NZ" sz="2800" b="1" dirty="0" smtClean="0">
-                <a:latin typeface="Consolas" panose="020B0609020204030204" pitchFamily="49" charset="0"/>
-                <a:cs typeface="Consolas" panose="020B0609020204030204" pitchFamily="49" charset="0"/>
-              </a:rPr>
-              <a:t>&gt;</a:t>
-            </a:r>
-          </a:p>
-          <a:p>
-            <a:r>
-              <a:rPr lang="en-NZ" sz="2800" b="1" dirty="0" err="1" smtClean="0">
-                <a:latin typeface="Consolas" panose="020B0609020204030204" pitchFamily="49" charset="0"/>
-                <a:cs typeface="Consolas" panose="020B0609020204030204" pitchFamily="49" charset="0"/>
-              </a:rPr>
-              <a:t>most_frequent</a:t>
-            </a:r>
-            <a:r>
-              <a:rPr lang="en-NZ" sz="2800" b="1" dirty="0" smtClean="0">
-                <a:latin typeface="Consolas" panose="020B0609020204030204" pitchFamily="49" charset="0"/>
-                <a:cs typeface="Consolas" panose="020B0609020204030204" pitchFamily="49" charset="0"/>
-              </a:rPr>
-              <a:t> : </a:t>
-            </a:r>
-            <a:r>
-              <a:rPr lang="en-NZ" sz="2800" b="1" dirty="0" err="1" smtClean="0">
-                <a:solidFill>
-                  <a:schemeClr val="accent6"/>
-                </a:solidFill>
-                <a:latin typeface="Consolas" panose="020B0609020204030204" pitchFamily="49" charset="0"/>
-                <a:cs typeface="Consolas" panose="020B0609020204030204" pitchFamily="49" charset="0"/>
-              </a:rPr>
-              <a:t>string_to</a:t>
-            </a:r>
-            <a:r>
-              <a:rPr lang="en-NZ" sz="2800" b="1" dirty="0" smtClean="0">
-                <a:latin typeface="Consolas" panose="020B0609020204030204" pitchFamily="49" charset="0"/>
-                <a:cs typeface="Consolas" panose="020B0609020204030204" pitchFamily="49" charset="0"/>
-              </a:rPr>
-              <a:t>&lt;char&gt;</a:t>
-            </a:r>
-          </a:p>
-          <a:p>
-            <a:r>
-              <a:rPr lang="en-NZ" sz="2800" b="1" dirty="0" err="1" smtClean="0">
-                <a:latin typeface="Consolas" panose="020B0609020204030204" pitchFamily="49" charset="0"/>
-                <a:cs typeface="Consolas" panose="020B0609020204030204" pitchFamily="49" charset="0"/>
-              </a:rPr>
-              <a:t>first_letter</a:t>
-            </a:r>
-            <a:r>
-              <a:rPr lang="en-NZ" sz="2800" b="1" dirty="0" smtClean="0">
-                <a:latin typeface="Consolas" panose="020B0609020204030204" pitchFamily="49" charset="0"/>
-                <a:cs typeface="Consolas" panose="020B0609020204030204" pitchFamily="49" charset="0"/>
-              </a:rPr>
-              <a:t> : </a:t>
-            </a:r>
-            <a:r>
-              <a:rPr lang="en-NZ" sz="2800" b="1" dirty="0" err="1" smtClean="0">
-                <a:solidFill>
-                  <a:schemeClr val="accent6"/>
-                </a:solidFill>
-                <a:latin typeface="Consolas" panose="020B0609020204030204" pitchFamily="49" charset="0"/>
-                <a:cs typeface="Consolas" panose="020B0609020204030204" pitchFamily="49" charset="0"/>
-              </a:rPr>
-              <a:t>string_to</a:t>
-            </a:r>
-            <a:r>
-              <a:rPr lang="en-NZ" sz="2800" b="1" dirty="0" smtClean="0">
-                <a:latin typeface="Consolas" panose="020B0609020204030204" pitchFamily="49" charset="0"/>
-                <a:cs typeface="Consolas" panose="020B0609020204030204" pitchFamily="49" charset="0"/>
-              </a:rPr>
-              <a:t>&lt;char&gt;</a:t>
-            </a:r>
-            <a:endParaRPr lang="en-NZ" sz="2800" b="1" dirty="0">
-              <a:latin typeface="Consolas" panose="020B0609020204030204" pitchFamily="49" charset="0"/>
-              <a:cs typeface="Consolas" panose="020B0609020204030204" pitchFamily="49" charset="0"/>
-            </a:endParaRPr>
-          </a:p>
-        </p:txBody>
-      </p:sp>
-      <p:sp>
-        <p:nvSpPr>
-          <p:cNvPr id="4" name="TextBox 3"/>
-          <p:cNvSpPr txBox="1"/>
-          <p:nvPr/>
-        </p:nvSpPr>
-        <p:spPr>
-          <a:xfrm>
-            <a:off x="683568" y="555526"/>
-            <a:ext cx="7848872" cy="646331"/>
-          </a:xfrm>
-          <a:prstGeom prst="rect">
-            <a:avLst/>
-          </a:prstGeom>
-          <a:noFill/>
-        </p:spPr>
-        <p:txBody>
-          <a:bodyPr wrap="square" rtlCol="0">
-            <a:spAutoFit/>
-          </a:bodyPr>
-          <a:lstStyle/>
-          <a:p>
-            <a:r>
-              <a:rPr lang="en-NZ" sz="3600" b="1" dirty="0" smtClean="0"/>
-              <a:t>Exploring </a:t>
-            </a:r>
-            <a:r>
-              <a:rPr lang="en-NZ" sz="3600" b="1" dirty="0" err="1" smtClean="0"/>
-              <a:t>Functor</a:t>
-            </a:r>
-            <a:endParaRPr lang="en-NZ" sz="3600" b="1" dirty="0"/>
-          </a:p>
         </p:txBody>
       </p:sp>
     </p:spTree>
     <p:extLst>
       <p:ext uri="{BB962C8B-B14F-4D97-AF65-F5344CB8AC3E}">
-        <p14:creationId xmlns:p14="http://schemas.microsoft.com/office/powerpoint/2010/main" val="3433744998"/>
+        <p14:creationId xmlns:p14="http://schemas.microsoft.com/office/powerpoint/2010/main" val="1902251111"/>
       </p:ext>
     </p:extLst>
   </p:cSld>
@@ -11560,14 +11370,230 @@
       </p:grpSpPr>
       <p:sp>
         <p:nvSpPr>
-          <p:cNvPr id="27" name="TextBox 26"/>
+          <p:cNvPr id="6" name="TextBox 5"/>
           <p:cNvSpPr txBox="1"/>
           <p:nvPr/>
         </p:nvSpPr>
         <p:spPr>
           <a:xfrm>
-            <a:off x="395536" y="2213630"/>
-            <a:ext cx="4104456" cy="769441"/>
+            <a:off x="683568" y="1478270"/>
+            <a:ext cx="7848872" cy="2677656"/>
+          </a:xfrm>
+          <a:prstGeom prst="rect">
+            <a:avLst/>
+          </a:prstGeom>
+          <a:noFill/>
+        </p:spPr>
+        <p:txBody>
+          <a:bodyPr wrap="square" rtlCol="0" anchor="t" anchorCtr="0">
+            <a:spAutoFit/>
+          </a:bodyPr>
+          <a:lstStyle/>
+          <a:p>
+            <a:r>
+              <a:rPr lang="en-NZ" sz="2800" b="1" dirty="0" err="1" smtClean="0">
+                <a:solidFill>
+                  <a:schemeClr val="accent6"/>
+                </a:solidFill>
+                <a:latin typeface="Consolas" panose="020B0609020204030204" pitchFamily="49" charset="0"/>
+                <a:cs typeface="Consolas" panose="020B0609020204030204" pitchFamily="49" charset="0"/>
+              </a:rPr>
+              <a:t>string_to</a:t>
+            </a:r>
+            <a:r>
+              <a:rPr lang="en-NZ" sz="2800" b="1" dirty="0" smtClean="0">
+                <a:latin typeface="Consolas" panose="020B0609020204030204" pitchFamily="49" charset="0"/>
+                <a:cs typeface="Consolas" panose="020B0609020204030204" pitchFamily="49" charset="0"/>
+              </a:rPr>
+              <a:t>&lt;T&gt; : string -&gt; T</a:t>
+            </a:r>
+          </a:p>
+          <a:p>
+            <a:endParaRPr lang="en-NZ" sz="2800" b="1" dirty="0" smtClean="0">
+              <a:latin typeface="Consolas" panose="020B0609020204030204" pitchFamily="49" charset="0"/>
+              <a:cs typeface="Consolas" panose="020B0609020204030204" pitchFamily="49" charset="0"/>
+            </a:endParaRPr>
+          </a:p>
+          <a:p>
+            <a:r>
+              <a:rPr lang="en-NZ" sz="2800" b="1" dirty="0" smtClean="0">
+                <a:latin typeface="Consolas" panose="020B0609020204030204" pitchFamily="49" charset="0"/>
+                <a:cs typeface="Consolas" panose="020B0609020204030204" pitchFamily="49" charset="0"/>
+              </a:rPr>
+              <a:t>length </a:t>
+            </a:r>
+            <a:r>
+              <a:rPr lang="en-NZ" sz="2800" b="1" dirty="0">
+                <a:latin typeface="Consolas" panose="020B0609020204030204" pitchFamily="49" charset="0"/>
+                <a:cs typeface="Consolas" panose="020B0609020204030204" pitchFamily="49" charset="0"/>
+              </a:rPr>
+              <a:t>: </a:t>
+            </a:r>
+            <a:r>
+              <a:rPr lang="en-NZ" sz="2800" b="1" dirty="0" err="1" smtClean="0">
+                <a:solidFill>
+                  <a:schemeClr val="accent6"/>
+                </a:solidFill>
+                <a:latin typeface="Consolas" panose="020B0609020204030204" pitchFamily="49" charset="0"/>
+                <a:cs typeface="Consolas" panose="020B0609020204030204" pitchFamily="49" charset="0"/>
+              </a:rPr>
+              <a:t>string_to</a:t>
+            </a:r>
+            <a:r>
+              <a:rPr lang="en-NZ" sz="2800" b="1" dirty="0" smtClean="0">
+                <a:latin typeface="Consolas" panose="020B0609020204030204" pitchFamily="49" charset="0"/>
+                <a:cs typeface="Consolas" panose="020B0609020204030204" pitchFamily="49" charset="0"/>
+              </a:rPr>
+              <a:t>&lt;</a:t>
+            </a:r>
+            <a:r>
+              <a:rPr lang="en-NZ" sz="2800" b="1" dirty="0" err="1" smtClean="0">
+                <a:latin typeface="Consolas" panose="020B0609020204030204" pitchFamily="49" charset="0"/>
+                <a:cs typeface="Consolas" panose="020B0609020204030204" pitchFamily="49" charset="0"/>
+              </a:rPr>
+              <a:t>int</a:t>
+            </a:r>
+            <a:r>
+              <a:rPr lang="en-NZ" sz="2800" b="1" dirty="0" smtClean="0">
+                <a:latin typeface="Consolas" panose="020B0609020204030204" pitchFamily="49" charset="0"/>
+                <a:cs typeface="Consolas" panose="020B0609020204030204" pitchFamily="49" charset="0"/>
+              </a:rPr>
+              <a:t>&gt;</a:t>
+            </a:r>
+            <a:endParaRPr lang="en-NZ" sz="2800" b="1" dirty="0">
+              <a:latin typeface="Consolas" panose="020B0609020204030204" pitchFamily="49" charset="0"/>
+              <a:cs typeface="Consolas" panose="020B0609020204030204" pitchFamily="49" charset="0"/>
+            </a:endParaRPr>
+          </a:p>
+          <a:p>
+            <a:r>
+              <a:rPr lang="en-NZ" sz="2800" b="1" dirty="0" err="1" smtClean="0">
+                <a:latin typeface="Consolas" panose="020B0609020204030204" pitchFamily="49" charset="0"/>
+                <a:cs typeface="Consolas" panose="020B0609020204030204" pitchFamily="49" charset="0"/>
+              </a:rPr>
+              <a:t>vowel_count</a:t>
+            </a:r>
+            <a:r>
+              <a:rPr lang="en-NZ" sz="2800" b="1" dirty="0" smtClean="0">
+                <a:latin typeface="Consolas" panose="020B0609020204030204" pitchFamily="49" charset="0"/>
+                <a:cs typeface="Consolas" panose="020B0609020204030204" pitchFamily="49" charset="0"/>
+              </a:rPr>
+              <a:t> : </a:t>
+            </a:r>
+            <a:r>
+              <a:rPr lang="en-NZ" sz="2800" b="1" dirty="0" err="1" smtClean="0">
+                <a:solidFill>
+                  <a:schemeClr val="accent6"/>
+                </a:solidFill>
+                <a:latin typeface="Consolas" panose="020B0609020204030204" pitchFamily="49" charset="0"/>
+                <a:cs typeface="Consolas" panose="020B0609020204030204" pitchFamily="49" charset="0"/>
+              </a:rPr>
+              <a:t>string_to</a:t>
+            </a:r>
+            <a:r>
+              <a:rPr lang="en-NZ" sz="2800" b="1" dirty="0" smtClean="0">
+                <a:latin typeface="Consolas" panose="020B0609020204030204" pitchFamily="49" charset="0"/>
+                <a:cs typeface="Consolas" panose="020B0609020204030204" pitchFamily="49" charset="0"/>
+              </a:rPr>
+              <a:t>&lt;</a:t>
+            </a:r>
+            <a:r>
+              <a:rPr lang="en-NZ" sz="2800" b="1" dirty="0" err="1" smtClean="0">
+                <a:latin typeface="Consolas" panose="020B0609020204030204" pitchFamily="49" charset="0"/>
+                <a:cs typeface="Consolas" panose="020B0609020204030204" pitchFamily="49" charset="0"/>
+              </a:rPr>
+              <a:t>int</a:t>
+            </a:r>
+            <a:r>
+              <a:rPr lang="en-NZ" sz="2800" b="1" dirty="0" smtClean="0">
+                <a:latin typeface="Consolas" panose="020B0609020204030204" pitchFamily="49" charset="0"/>
+                <a:cs typeface="Consolas" panose="020B0609020204030204" pitchFamily="49" charset="0"/>
+              </a:rPr>
+              <a:t>&gt;</a:t>
+            </a:r>
+          </a:p>
+          <a:p>
+            <a:r>
+              <a:rPr lang="en-NZ" sz="2800" b="1" dirty="0" err="1" smtClean="0">
+                <a:latin typeface="Consolas" panose="020B0609020204030204" pitchFamily="49" charset="0"/>
+                <a:cs typeface="Consolas" panose="020B0609020204030204" pitchFamily="49" charset="0"/>
+              </a:rPr>
+              <a:t>most_frequent</a:t>
+            </a:r>
+            <a:r>
+              <a:rPr lang="en-NZ" sz="2800" b="1" dirty="0" smtClean="0">
+                <a:latin typeface="Consolas" panose="020B0609020204030204" pitchFamily="49" charset="0"/>
+                <a:cs typeface="Consolas" panose="020B0609020204030204" pitchFamily="49" charset="0"/>
+              </a:rPr>
+              <a:t> : </a:t>
+            </a:r>
+            <a:r>
+              <a:rPr lang="en-NZ" sz="2800" b="1" dirty="0" err="1" smtClean="0">
+                <a:solidFill>
+                  <a:schemeClr val="accent6"/>
+                </a:solidFill>
+                <a:latin typeface="Consolas" panose="020B0609020204030204" pitchFamily="49" charset="0"/>
+                <a:cs typeface="Consolas" panose="020B0609020204030204" pitchFamily="49" charset="0"/>
+              </a:rPr>
+              <a:t>string_to</a:t>
+            </a:r>
+            <a:r>
+              <a:rPr lang="en-NZ" sz="2800" b="1" dirty="0" smtClean="0">
+                <a:latin typeface="Consolas" panose="020B0609020204030204" pitchFamily="49" charset="0"/>
+                <a:cs typeface="Consolas" panose="020B0609020204030204" pitchFamily="49" charset="0"/>
+              </a:rPr>
+              <a:t>&lt;char&gt;</a:t>
+            </a:r>
+          </a:p>
+          <a:p>
+            <a:r>
+              <a:rPr lang="en-NZ" sz="2800" b="1" dirty="0" err="1" smtClean="0">
+                <a:latin typeface="Consolas" panose="020B0609020204030204" pitchFamily="49" charset="0"/>
+                <a:cs typeface="Consolas" panose="020B0609020204030204" pitchFamily="49" charset="0"/>
+              </a:rPr>
+              <a:t>first_letter</a:t>
+            </a:r>
+            <a:r>
+              <a:rPr lang="en-NZ" sz="2800" b="1" dirty="0" smtClean="0">
+                <a:latin typeface="Consolas" panose="020B0609020204030204" pitchFamily="49" charset="0"/>
+                <a:cs typeface="Consolas" panose="020B0609020204030204" pitchFamily="49" charset="0"/>
+              </a:rPr>
+              <a:t> : </a:t>
+            </a:r>
+            <a:r>
+              <a:rPr lang="en-NZ" sz="2800" b="1" dirty="0" err="1" smtClean="0">
+                <a:solidFill>
+                  <a:schemeClr val="accent6"/>
+                </a:solidFill>
+                <a:latin typeface="Consolas" panose="020B0609020204030204" pitchFamily="49" charset="0"/>
+                <a:cs typeface="Consolas" panose="020B0609020204030204" pitchFamily="49" charset="0"/>
+              </a:rPr>
+              <a:t>string_to</a:t>
+            </a:r>
+            <a:r>
+              <a:rPr lang="en-NZ" sz="2800" b="1" dirty="0" smtClean="0">
+                <a:latin typeface="Consolas" panose="020B0609020204030204" pitchFamily="49" charset="0"/>
+                <a:cs typeface="Consolas" panose="020B0609020204030204" pitchFamily="49" charset="0"/>
+              </a:rPr>
+              <a:t>&lt;char&gt;</a:t>
+            </a:r>
+            <a:endParaRPr lang="en-NZ" sz="2800" b="1" dirty="0">
+              <a:latin typeface="Consolas" panose="020B0609020204030204" pitchFamily="49" charset="0"/>
+              <a:cs typeface="Consolas" panose="020B0609020204030204" pitchFamily="49" charset="0"/>
+            </a:endParaRPr>
+          </a:p>
+        </p:txBody>
+      </p:sp>
+      <p:sp>
+        <p:nvSpPr>
+          <p:cNvPr id="4" name="TextBox 3"/>
+          <p:cNvSpPr txBox="1"/>
+          <p:nvPr/>
+        </p:nvSpPr>
+        <p:spPr>
+          <a:xfrm>
+            <a:off x="683568" y="555526"/>
+            <a:ext cx="7848872" cy="646331"/>
           </a:xfrm>
           <a:prstGeom prst="rect">
             <a:avLst/>
@@ -11581,179 +11607,6 @@
           <a:lstStyle/>
           <a:p>
             <a:r>
-              <a:rPr lang="en-NZ" sz="4400" i="1" dirty="0" smtClean="0">
-                <a:latin typeface="Calibri" panose="020F0502020204030204" pitchFamily="34" charset="0"/>
-              </a:rPr>
-              <a:t>(</a:t>
-            </a:r>
-            <a:r>
-              <a:rPr lang="en-NZ" sz="4400" i="1" dirty="0" err="1" smtClean="0">
-                <a:solidFill>
-                  <a:schemeClr val="accent6"/>
-                </a:solidFill>
-                <a:latin typeface="Calibri" panose="020F0502020204030204" pitchFamily="34" charset="0"/>
-              </a:rPr>
-              <a:t>string_to</a:t>
-            </a:r>
-            <a:r>
-              <a:rPr lang="en-NZ" sz="4400" i="1" dirty="0" smtClean="0">
-                <a:latin typeface="Calibri" panose="020F0502020204030204" pitchFamily="34" charset="0"/>
-              </a:rPr>
-              <a:t>, </a:t>
-            </a:r>
-            <a:r>
-              <a:rPr lang="en-NZ" sz="4400" i="1" dirty="0" err="1" smtClean="0">
-                <a:latin typeface="Calibri" panose="020F0502020204030204" pitchFamily="34" charset="0"/>
-              </a:rPr>
-              <a:t>func</a:t>
-            </a:r>
-            <a:r>
-              <a:rPr lang="en-NZ" sz="4400" i="1" dirty="0" smtClean="0">
-                <a:latin typeface="Calibri" panose="020F0502020204030204" pitchFamily="34" charset="0"/>
-              </a:rPr>
-              <a:t>)</a:t>
-            </a:r>
-            <a:endParaRPr lang="en-NZ" sz="4400" i="1" dirty="0">
-              <a:latin typeface="Calibri" panose="020F0502020204030204" pitchFamily="34" charset="0"/>
-            </a:endParaRPr>
-          </a:p>
-        </p:txBody>
-      </p:sp>
-      <p:sp>
-        <p:nvSpPr>
-          <p:cNvPr id="28" name="Right Arrow 27"/>
-          <p:cNvSpPr/>
-          <p:nvPr/>
-        </p:nvSpPr>
-        <p:spPr>
-          <a:xfrm>
-            <a:off x="4499992" y="2169860"/>
-            <a:ext cx="2016224" cy="972108"/>
-          </a:xfrm>
-          <a:prstGeom prst="rightArrow">
-            <a:avLst/>
-          </a:prstGeom>
-        </p:spPr>
-        <p:style>
-          <a:lnRef idx="0">
-            <a:schemeClr val="accent6"/>
-          </a:lnRef>
-          <a:fillRef idx="3">
-            <a:schemeClr val="accent6"/>
-          </a:fillRef>
-          <a:effectRef idx="3">
-            <a:schemeClr val="accent6"/>
-          </a:effectRef>
-          <a:fontRef idx="minor">
-            <a:schemeClr val="lt1"/>
-          </a:fontRef>
-        </p:style>
-        <p:txBody>
-          <a:bodyPr rtlCol="0" anchor="ctr"/>
-          <a:lstStyle/>
-          <a:p>
-            <a:pPr algn="ctr"/>
-            <a:endParaRPr lang="en-NZ"/>
-          </a:p>
-        </p:txBody>
-      </p:sp>
-      <p:sp>
-        <p:nvSpPr>
-          <p:cNvPr id="29" name="TextBox 28"/>
-          <p:cNvSpPr txBox="1"/>
-          <p:nvPr/>
-        </p:nvSpPr>
-        <p:spPr>
-          <a:xfrm>
-            <a:off x="4644008" y="2344291"/>
-            <a:ext cx="1584176" cy="584775"/>
-          </a:xfrm>
-          <a:prstGeom prst="rect">
-            <a:avLst/>
-          </a:prstGeom>
-          <a:noFill/>
-        </p:spPr>
-        <p:txBody>
-          <a:bodyPr wrap="square" rtlCol="0">
-            <a:spAutoFit/>
-          </a:bodyPr>
-          <a:lstStyle/>
-          <a:p>
-            <a:r>
-              <a:rPr lang="en-NZ" sz="3200" i="1" dirty="0" smtClean="0">
-                <a:latin typeface="Calibri" panose="020F0502020204030204" pitchFamily="34" charset="0"/>
-              </a:rPr>
-              <a:t>map</a:t>
-            </a:r>
-            <a:endParaRPr lang="en-NZ" sz="3200" i="1" dirty="0">
-              <a:latin typeface="Calibri" panose="020F0502020204030204" pitchFamily="34" charset="0"/>
-            </a:endParaRPr>
-          </a:p>
-        </p:txBody>
-      </p:sp>
-      <p:sp>
-        <p:nvSpPr>
-          <p:cNvPr id="30" name="TextBox 29"/>
-          <p:cNvSpPr txBox="1"/>
-          <p:nvPr/>
-        </p:nvSpPr>
-        <p:spPr>
-          <a:xfrm>
-            <a:off x="6660232" y="2213630"/>
-            <a:ext cx="2232248" cy="769441"/>
-          </a:xfrm>
-          <a:prstGeom prst="rect">
-            <a:avLst/>
-          </a:prstGeom>
-          <a:noFill/>
-        </p:spPr>
-        <p:txBody>
-          <a:bodyPr wrap="square" rtlCol="0">
-            <a:spAutoFit/>
-          </a:bodyPr>
-          <a:lstStyle/>
-          <a:p>
-            <a:r>
-              <a:rPr lang="en-NZ" sz="4400" i="1" dirty="0" err="1" smtClean="0">
-                <a:solidFill>
-                  <a:schemeClr val="accent6"/>
-                </a:solidFill>
-                <a:latin typeface="Calibri" panose="020F0502020204030204" pitchFamily="34" charset="0"/>
-              </a:rPr>
-              <a:t>string_to</a:t>
-            </a:r>
-            <a:endParaRPr lang="en-NZ" sz="4400" i="1" dirty="0">
-              <a:solidFill>
-                <a:schemeClr val="accent6"/>
-              </a:solidFill>
-              <a:latin typeface="Calibri" panose="020F0502020204030204" pitchFamily="34" charset="0"/>
-            </a:endParaRPr>
-          </a:p>
-        </p:txBody>
-      </p:sp>
-      <p:sp>
-        <p:nvSpPr>
-          <p:cNvPr id="14" name="TextBox 13"/>
-          <p:cNvSpPr txBox="1"/>
-          <p:nvPr/>
-        </p:nvSpPr>
-        <p:spPr>
-          <a:xfrm>
-            <a:off x="683568" y="555526"/>
-            <a:ext cx="7848872" cy="646331"/>
-          </a:xfrm>
-          <a:prstGeom prst="rect">
-            <a:avLst/>
-          </a:prstGeom>
-          <a:noFill/>
-        </p:spPr>
-        <p:txBody>
-          <a:bodyPr wrap="square" rtlCol="0">
-            <a:spAutoFit/>
-          </a:bodyPr>
-          <a:lstStyle/>
-          <a:p>
-            <a:r>
               <a:rPr lang="en-NZ" sz="3600" b="1" dirty="0" smtClean="0"/>
               <a:t>Exploring </a:t>
             </a:r>
@@ -11768,7 +11621,7 @@
     </p:spTree>
     <p:extLst>
       <p:ext uri="{BB962C8B-B14F-4D97-AF65-F5344CB8AC3E}">
-        <p14:creationId xmlns:p14="http://schemas.microsoft.com/office/powerpoint/2010/main" val="2476641510"/>
+        <p14:creationId xmlns:p14="http://schemas.microsoft.com/office/powerpoint/2010/main" val="3433744998"/>
       </p:ext>
     </p:extLst>
   </p:cSld>
@@ -12012,187 +11865,10 @@
           </a:p>
         </p:txBody>
       </p:sp>
-      <p:sp>
-        <p:nvSpPr>
-          <p:cNvPr id="2" name="Rectangle 1"/>
-          <p:cNvSpPr/>
-          <p:nvPr/>
-        </p:nvSpPr>
-        <p:spPr>
-          <a:xfrm>
-            <a:off x="539552" y="3291830"/>
-            <a:ext cx="1957587" cy="646331"/>
-          </a:xfrm>
-          <a:prstGeom prst="rect">
-            <a:avLst/>
-          </a:prstGeom>
-        </p:spPr>
-        <p:txBody>
-          <a:bodyPr wrap="none">
-            <a:spAutoFit/>
-          </a:bodyPr>
-          <a:lstStyle/>
-          <a:p>
-            <a:pPr algn="ctr"/>
-            <a:r>
-              <a:rPr lang="en-NZ" b="1" dirty="0" err="1">
-                <a:solidFill>
-                  <a:schemeClr val="accent6"/>
-                </a:solidFill>
-                <a:latin typeface="Consolas" panose="020B0609020204030204" pitchFamily="49" charset="0"/>
-                <a:cs typeface="Consolas" panose="020B0609020204030204" pitchFamily="49" charset="0"/>
-              </a:rPr>
-              <a:t>string_to</a:t>
-            </a:r>
-            <a:r>
-              <a:rPr lang="en-NZ" b="1" dirty="0">
-                <a:latin typeface="Consolas" panose="020B0609020204030204" pitchFamily="49" charset="0"/>
-                <a:cs typeface="Consolas" panose="020B0609020204030204" pitchFamily="49" charset="0"/>
-              </a:rPr>
-              <a:t>&lt;</a:t>
-            </a:r>
-            <a:r>
-              <a:rPr lang="en-NZ" b="1" dirty="0" err="1">
-                <a:latin typeface="Consolas" panose="020B0609020204030204" pitchFamily="49" charset="0"/>
-                <a:cs typeface="Consolas" panose="020B0609020204030204" pitchFamily="49" charset="0"/>
-              </a:rPr>
-              <a:t>int</a:t>
-            </a:r>
-            <a:r>
-              <a:rPr lang="en-NZ" b="1" dirty="0" smtClean="0">
-                <a:latin typeface="Consolas" panose="020B0609020204030204" pitchFamily="49" charset="0"/>
-                <a:cs typeface="Consolas" panose="020B0609020204030204" pitchFamily="49" charset="0"/>
-              </a:rPr>
-              <a:t>&gt;</a:t>
-            </a:r>
-          </a:p>
-          <a:p>
-            <a:pPr algn="ctr"/>
-            <a:r>
-              <a:rPr lang="en-NZ" b="1" i="1" dirty="0" smtClean="0">
-                <a:latin typeface="Consolas" panose="020B0609020204030204" pitchFamily="49" charset="0"/>
-                <a:cs typeface="Consolas" panose="020B0609020204030204" pitchFamily="49" charset="0"/>
-              </a:rPr>
-              <a:t>length</a:t>
-            </a:r>
-            <a:endParaRPr lang="en-NZ" i="1" dirty="0"/>
-          </a:p>
-        </p:txBody>
-      </p:sp>
-      <p:sp>
-        <p:nvSpPr>
-          <p:cNvPr id="9" name="Rectangle 8"/>
-          <p:cNvSpPr/>
-          <p:nvPr/>
-        </p:nvSpPr>
-        <p:spPr>
-          <a:xfrm>
-            <a:off x="2669042" y="3291829"/>
-            <a:ext cx="1830950" cy="646331"/>
-          </a:xfrm>
-          <a:prstGeom prst="rect">
-            <a:avLst/>
-          </a:prstGeom>
-        </p:spPr>
-        <p:txBody>
-          <a:bodyPr wrap="none">
-            <a:spAutoFit/>
-          </a:bodyPr>
-          <a:lstStyle/>
-          <a:p>
-            <a:pPr algn="ctr"/>
-            <a:r>
-              <a:rPr lang="en-NZ" b="1" dirty="0" err="1" smtClean="0">
-                <a:latin typeface="Consolas" panose="020B0609020204030204" pitchFamily="49" charset="0"/>
-                <a:cs typeface="Consolas" panose="020B0609020204030204" pitchFamily="49" charset="0"/>
-              </a:rPr>
-              <a:t>int</a:t>
-            </a:r>
-            <a:r>
-              <a:rPr lang="en-NZ" b="1" dirty="0" smtClean="0">
-                <a:latin typeface="Consolas" panose="020B0609020204030204" pitchFamily="49" charset="0"/>
-                <a:cs typeface="Consolas" panose="020B0609020204030204" pitchFamily="49" charset="0"/>
-              </a:rPr>
-              <a:t> -&gt; double</a:t>
-            </a:r>
-          </a:p>
-          <a:p>
-            <a:pPr algn="ctr"/>
-            <a:r>
-              <a:rPr lang="en-NZ" b="1" i="1" dirty="0" err="1" smtClean="0">
-                <a:latin typeface="Consolas" panose="020B0609020204030204" pitchFamily="49" charset="0"/>
-                <a:cs typeface="Consolas" panose="020B0609020204030204" pitchFamily="49" charset="0"/>
-              </a:rPr>
-              <a:t>sqrt</a:t>
-            </a:r>
-            <a:endParaRPr lang="en-NZ" i="1" dirty="0"/>
-          </a:p>
-        </p:txBody>
-      </p:sp>
-      <p:sp>
-        <p:nvSpPr>
-          <p:cNvPr id="10" name="Rectangle 9"/>
-          <p:cNvSpPr/>
-          <p:nvPr/>
-        </p:nvSpPr>
-        <p:spPr>
-          <a:xfrm>
-            <a:off x="6607607" y="3291828"/>
-            <a:ext cx="2337499" cy="646331"/>
-          </a:xfrm>
-          <a:prstGeom prst="rect">
-            <a:avLst/>
-          </a:prstGeom>
-        </p:spPr>
-        <p:txBody>
-          <a:bodyPr wrap="none">
-            <a:spAutoFit/>
-          </a:bodyPr>
-          <a:lstStyle/>
-          <a:p>
-            <a:pPr algn="ctr"/>
-            <a:r>
-              <a:rPr lang="en-NZ" b="1" dirty="0" err="1" smtClean="0">
-                <a:solidFill>
-                  <a:schemeClr val="accent6"/>
-                </a:solidFill>
-                <a:latin typeface="Consolas" panose="020B0609020204030204" pitchFamily="49" charset="0"/>
-                <a:cs typeface="Consolas" panose="020B0609020204030204" pitchFamily="49" charset="0"/>
-              </a:rPr>
-              <a:t>string_to</a:t>
-            </a:r>
-            <a:r>
-              <a:rPr lang="en-NZ" b="1" dirty="0" smtClean="0">
-                <a:latin typeface="Consolas" panose="020B0609020204030204" pitchFamily="49" charset="0"/>
-                <a:cs typeface="Consolas" panose="020B0609020204030204" pitchFamily="49" charset="0"/>
-              </a:rPr>
-              <a:t>&lt;double&gt;</a:t>
-            </a:r>
-          </a:p>
-          <a:p>
-            <a:pPr algn="ctr"/>
-            <a:r>
-              <a:rPr lang="en-NZ" b="1" i="1" dirty="0" smtClean="0">
-                <a:latin typeface="Consolas" panose="020B0609020204030204" pitchFamily="49" charset="0"/>
-                <a:cs typeface="Consolas" panose="020B0609020204030204" pitchFamily="49" charset="0"/>
-              </a:rPr>
-              <a:t>length &gt;&gt; </a:t>
-            </a:r>
-            <a:r>
-              <a:rPr lang="en-NZ" b="1" i="1" dirty="0" err="1" smtClean="0">
-                <a:latin typeface="Consolas" panose="020B0609020204030204" pitchFamily="49" charset="0"/>
-                <a:cs typeface="Consolas" panose="020B0609020204030204" pitchFamily="49" charset="0"/>
-              </a:rPr>
-              <a:t>sqrt</a:t>
-            </a:r>
-            <a:endParaRPr lang="en-NZ" i="1" dirty="0"/>
-          </a:p>
-        </p:txBody>
-      </p:sp>
     </p:spTree>
     <p:extLst>
       <p:ext uri="{BB962C8B-B14F-4D97-AF65-F5344CB8AC3E}">
-        <p14:creationId xmlns:p14="http://schemas.microsoft.com/office/powerpoint/2010/main" val="267722362"/>
+        <p14:creationId xmlns:p14="http://schemas.microsoft.com/office/powerpoint/2010/main" val="2476641510"/>
       </p:ext>
     </p:extLst>
   </p:cSld>
@@ -12444,8 +12120,8 @@
         </p:nvSpPr>
         <p:spPr>
           <a:xfrm>
-            <a:off x="476233" y="3291830"/>
-            <a:ext cx="2084225" cy="646331"/>
+            <a:off x="539552" y="3291830"/>
+            <a:ext cx="1957587" cy="646331"/>
           </a:xfrm>
           <a:prstGeom prst="rect">
             <a:avLst/>
@@ -12459,7 +12135,7 @@
           <a:p>
             <a:pPr algn="ctr"/>
             <a:r>
-              <a:rPr lang="en-NZ" b="1" dirty="0" err="1" smtClean="0">
+              <a:rPr lang="en-NZ" b="1" dirty="0" err="1">
                 <a:solidFill>
                   <a:schemeClr val="accent6"/>
                 </a:solidFill>
@@ -12469,21 +12145,35 @@
               <a:t>string_to</a:t>
             </a:r>
             <a:r>
+              <a:rPr lang="en-NZ" b="1" dirty="0">
+                <a:latin typeface="Consolas" panose="020B0609020204030204" pitchFamily="49" charset="0"/>
+                <a:cs typeface="Consolas" panose="020B0609020204030204" pitchFamily="49" charset="0"/>
+              </a:rPr>
+              <a:t>&lt;</a:t>
+            </a:r>
+            <a:r>
+              <a:rPr lang="en-NZ" b="1" dirty="0" err="1">
+                <a:latin typeface="Consolas" panose="020B0609020204030204" pitchFamily="49" charset="0"/>
+                <a:cs typeface="Consolas" panose="020B0609020204030204" pitchFamily="49" charset="0"/>
+              </a:rPr>
+              <a:t>int</a:t>
+            </a:r>
+            <a:r>
               <a:rPr lang="en-NZ" b="1" dirty="0" smtClean="0">
                 <a:latin typeface="Consolas" panose="020B0609020204030204" pitchFamily="49" charset="0"/>
                 <a:cs typeface="Consolas" panose="020B0609020204030204" pitchFamily="49" charset="0"/>
               </a:rPr>
-              <a:t>&lt;char&gt;</a:t>
+              <a:t>&gt;</a:t>
             </a:r>
           </a:p>
           <a:p>
             <a:pPr algn="ctr"/>
             <a:r>
-              <a:rPr lang="en-NZ" b="1" i="1" dirty="0" err="1" smtClean="0">
-                <a:latin typeface="Consolas" panose="020B0609020204030204" pitchFamily="49" charset="0"/>
-                <a:cs typeface="Consolas" panose="020B0609020204030204" pitchFamily="49" charset="0"/>
-              </a:rPr>
-              <a:t>most_frequent</a:t>
+              <a:rPr lang="en-NZ" b="1" i="1" dirty="0" smtClean="0">
+                <a:latin typeface="Consolas" panose="020B0609020204030204" pitchFamily="49" charset="0"/>
+                <a:cs typeface="Consolas" panose="020B0609020204030204" pitchFamily="49" charset="0"/>
+              </a:rPr>
+              <a:t>length</a:t>
             </a:r>
             <a:endParaRPr lang="en-NZ" i="1" dirty="0"/>
           </a:p>
@@ -12497,8 +12187,8 @@
         </p:nvSpPr>
         <p:spPr>
           <a:xfrm>
-            <a:off x="2795680" y="3291829"/>
-            <a:ext cx="1577676" cy="646331"/>
+            <a:off x="2669042" y="3291829"/>
+            <a:ext cx="1830950" cy="646331"/>
           </a:xfrm>
           <a:prstGeom prst="rect">
             <a:avLst/>
@@ -12512,23 +12202,19 @@
           <a:p>
             <a:pPr algn="ctr"/>
             <a:r>
+              <a:rPr lang="en-NZ" b="1" dirty="0" err="1" smtClean="0">
+                <a:latin typeface="Consolas" panose="020B0609020204030204" pitchFamily="49" charset="0"/>
+                <a:cs typeface="Consolas" panose="020B0609020204030204" pitchFamily="49" charset="0"/>
+              </a:rPr>
+              <a:t>int</a:t>
+            </a:r>
+            <a:r>
               <a:rPr lang="en-NZ" b="1" dirty="0" smtClean="0">
                 <a:latin typeface="Consolas" panose="020B0609020204030204" pitchFamily="49" charset="0"/>
                 <a:cs typeface="Consolas" panose="020B0609020204030204" pitchFamily="49" charset="0"/>
               </a:rPr>
-              <a:t>char -&gt; </a:t>
-            </a:r>
-            <a:r>
-              <a:rPr lang="en-NZ" b="1" dirty="0" err="1" smtClean="0">
-                <a:latin typeface="Consolas" panose="020B0609020204030204" pitchFamily="49" charset="0"/>
-                <a:cs typeface="Consolas" panose="020B0609020204030204" pitchFamily="49" charset="0"/>
-              </a:rPr>
-              <a:t>int</a:t>
-            </a:r>
-            <a:endParaRPr lang="en-NZ" b="1" dirty="0" smtClean="0">
-              <a:latin typeface="Consolas" panose="020B0609020204030204" pitchFamily="49" charset="0"/>
-              <a:cs typeface="Consolas" panose="020B0609020204030204" pitchFamily="49" charset="0"/>
-            </a:endParaRPr>
+              <a:t> -&gt; double</a:t>
+            </a:r>
           </a:p>
           <a:p>
             <a:pPr algn="ctr"/>
@@ -12537,7 +12223,7 @@
                 <a:latin typeface="Consolas" panose="020B0609020204030204" pitchFamily="49" charset="0"/>
                 <a:cs typeface="Consolas" panose="020B0609020204030204" pitchFamily="49" charset="0"/>
               </a:rPr>
-              <a:t>ascii</a:t>
+              <a:t>sqrt</a:t>
             </a:r>
             <a:endParaRPr lang="en-NZ" i="1" dirty="0"/>
           </a:p>
@@ -12551,8 +12237,8 @@
         </p:nvSpPr>
         <p:spPr>
           <a:xfrm>
-            <a:off x="6291016" y="3291828"/>
-            <a:ext cx="2970686" cy="646331"/>
+            <a:off x="6607607" y="3291828"/>
+            <a:ext cx="2337499" cy="646331"/>
           </a:xfrm>
           <a:prstGeom prst="rect">
             <a:avLst/>
@@ -12580,45 +12266,24 @@
                 <a:latin typeface="Consolas" panose="020B0609020204030204" pitchFamily="49" charset="0"/>
                 <a:cs typeface="Consolas" panose="020B0609020204030204" pitchFamily="49" charset="0"/>
               </a:rPr>
-              <a:t>&lt;</a:t>
-            </a:r>
-            <a:r>
-              <a:rPr lang="en-NZ" b="1" dirty="0" err="1" smtClean="0">
-                <a:latin typeface="Consolas" panose="020B0609020204030204" pitchFamily="49" charset="0"/>
-                <a:cs typeface="Consolas" panose="020B0609020204030204" pitchFamily="49" charset="0"/>
-              </a:rPr>
-              <a:t>int</a:t>
-            </a:r>
-            <a:r>
-              <a:rPr lang="en-NZ" b="1" dirty="0" smtClean="0">
-                <a:latin typeface="Consolas" panose="020B0609020204030204" pitchFamily="49" charset="0"/>
-                <a:cs typeface="Consolas" panose="020B0609020204030204" pitchFamily="49" charset="0"/>
-              </a:rPr>
-              <a:t>&gt;</a:t>
+              <a:t>&lt;double&gt;</a:t>
             </a:r>
           </a:p>
           <a:p>
             <a:pPr algn="ctr"/>
             <a:r>
+              <a:rPr lang="en-NZ" b="1" i="1" dirty="0" smtClean="0">
+                <a:latin typeface="Consolas" panose="020B0609020204030204" pitchFamily="49" charset="0"/>
+                <a:cs typeface="Consolas" panose="020B0609020204030204" pitchFamily="49" charset="0"/>
+              </a:rPr>
+              <a:t>length &gt;&gt; </a:t>
+            </a:r>
+            <a:r>
               <a:rPr lang="en-NZ" b="1" i="1" dirty="0" err="1" smtClean="0">
                 <a:latin typeface="Consolas" panose="020B0609020204030204" pitchFamily="49" charset="0"/>
                 <a:cs typeface="Consolas" panose="020B0609020204030204" pitchFamily="49" charset="0"/>
               </a:rPr>
-              <a:t>most_frequent</a:t>
-            </a:r>
-            <a:r>
-              <a:rPr lang="en-NZ" b="1" i="1" dirty="0" smtClean="0">
-                <a:latin typeface="Consolas" panose="020B0609020204030204" pitchFamily="49" charset="0"/>
-                <a:cs typeface="Consolas" panose="020B0609020204030204" pitchFamily="49" charset="0"/>
-              </a:rPr>
-              <a:t> &gt;&gt; </a:t>
-            </a:r>
-            <a:r>
-              <a:rPr lang="en-NZ" b="1" i="1" dirty="0" err="1" smtClean="0">
-                <a:latin typeface="Consolas" panose="020B0609020204030204" pitchFamily="49" charset="0"/>
-                <a:cs typeface="Consolas" panose="020B0609020204030204" pitchFamily="49" charset="0"/>
-              </a:rPr>
-              <a:t>ascii</a:t>
+              <a:t>sqrt</a:t>
             </a:r>
             <a:endParaRPr lang="en-NZ" i="1" dirty="0"/>
           </a:p>
@@ -12627,7 +12292,7 @@
     </p:spTree>
     <p:extLst>
       <p:ext uri="{BB962C8B-B14F-4D97-AF65-F5344CB8AC3E}">
-        <p14:creationId xmlns:p14="http://schemas.microsoft.com/office/powerpoint/2010/main" val="313035079"/>
+        <p14:creationId xmlns:p14="http://schemas.microsoft.com/office/powerpoint/2010/main" val="267722362"/>
       </p:ext>
     </p:extLst>
   </p:cSld>
@@ -13139,7 +12804,7 @@
                 </a:solidFill>
                 <a:latin typeface="Calibri" panose="020F0502020204030204" pitchFamily="34" charset="0"/>
               </a:rPr>
-              <a:t>TSrc_to</a:t>
+              <a:t>string_to</a:t>
             </a:r>
             <a:r>
               <a:rPr lang="en-NZ" sz="4400" i="1" dirty="0" smtClean="0">
@@ -13266,7 +12931,7 @@
                 </a:solidFill>
                 <a:latin typeface="Calibri" panose="020F0502020204030204" pitchFamily="34" charset="0"/>
               </a:rPr>
-              <a:t>TSrc_to</a:t>
+              <a:t>string_to</a:t>
             </a:r>
             <a:endParaRPr lang="en-NZ" sz="4400" i="1" dirty="0">
               <a:solidFill>
@@ -13319,8 +12984,8 @@
         </p:nvSpPr>
         <p:spPr>
           <a:xfrm>
-            <a:off x="96324" y="3291830"/>
-            <a:ext cx="2844048" cy="646331"/>
+            <a:off x="476233" y="3291830"/>
+            <a:ext cx="2084225" cy="646331"/>
           </a:xfrm>
           <a:prstGeom prst="rect">
             <a:avLst/>
@@ -13341,14 +13006,14 @@
                 <a:latin typeface="Consolas" panose="020B0609020204030204" pitchFamily="49" charset="0"/>
                 <a:cs typeface="Consolas" panose="020B0609020204030204" pitchFamily="49" charset="0"/>
               </a:rPr>
-              <a:t>TSrc_to</a:t>
+              <a:t>string_to</a:t>
             </a:r>
             <a:r>
               <a:rPr lang="en-NZ" b="1" dirty="0" smtClean="0">
                 <a:latin typeface="Consolas" panose="020B0609020204030204" pitchFamily="49" charset="0"/>
                 <a:cs typeface="Consolas" panose="020B0609020204030204" pitchFamily="49" charset="0"/>
               </a:rPr>
-              <a:t>&lt;string, char&gt;</a:t>
+              <a:t>&lt;char&gt;</a:t>
             </a:r>
           </a:p>
           <a:p>
@@ -13448,14 +13113,14 @@
                 <a:latin typeface="Consolas" panose="020B0609020204030204" pitchFamily="49" charset="0"/>
                 <a:cs typeface="Consolas" panose="020B0609020204030204" pitchFamily="49" charset="0"/>
               </a:rPr>
-              <a:t>TSrc_to</a:t>
+              <a:t>string_to</a:t>
             </a:r>
             <a:r>
               <a:rPr lang="en-NZ" b="1" dirty="0" smtClean="0">
                 <a:latin typeface="Consolas" panose="020B0609020204030204" pitchFamily="49" charset="0"/>
                 <a:cs typeface="Consolas" panose="020B0609020204030204" pitchFamily="49" charset="0"/>
               </a:rPr>
-              <a:t>&lt;string, </a:t>
+              <a:t>&lt;</a:t>
             </a:r>
             <a:r>
               <a:rPr lang="en-NZ" b="1" dirty="0" err="1" smtClean="0">
@@ -13502,7 +13167,7 @@
     </p:spTree>
     <p:extLst>
       <p:ext uri="{BB962C8B-B14F-4D97-AF65-F5344CB8AC3E}">
-        <p14:creationId xmlns:p14="http://schemas.microsoft.com/office/powerpoint/2010/main" val="2946078215"/>
+        <p14:creationId xmlns:p14="http://schemas.microsoft.com/office/powerpoint/2010/main" val="313035079"/>
       </p:ext>
     </p:extLst>
   </p:cSld>
@@ -13541,14 +13206,14 @@
       </p:grpSpPr>
       <p:sp>
         <p:nvSpPr>
-          <p:cNvPr id="4" name="TextBox 3"/>
+          <p:cNvPr id="27" name="TextBox 26"/>
           <p:cNvSpPr txBox="1"/>
           <p:nvPr/>
         </p:nvSpPr>
         <p:spPr>
           <a:xfrm>
-            <a:off x="683568" y="1130139"/>
-            <a:ext cx="7848872" cy="1815882"/>
+            <a:off x="395536" y="2213630"/>
+            <a:ext cx="4104456" cy="769441"/>
           </a:xfrm>
           <a:prstGeom prst="rect">
             <a:avLst/>
@@ -13556,286 +13221,388 @@
           <a:noFill/>
         </p:spPr>
         <p:txBody>
-          <a:bodyPr wrap="square" rtlCol="0" anchor="t">
+          <a:bodyPr wrap="square" rtlCol="0">
             <a:spAutoFit/>
           </a:bodyPr>
           <a:lstStyle/>
           <a:p>
             <a:r>
-              <a:rPr lang="en-NZ" sz="2800" b="1" dirty="0" err="1" smtClean="0">
-                <a:solidFill>
-                  <a:schemeClr val="accent1"/>
-                </a:solidFill>
-                <a:latin typeface="Consolas" panose="020B0609020204030204" pitchFamily="49" charset="0"/>
-                <a:cs typeface="Consolas" panose="020B0609020204030204" pitchFamily="49" charset="0"/>
-              </a:rPr>
-              <a:t>seq</a:t>
-            </a:r>
-            <a:r>
-              <a:rPr lang="en-NZ" sz="2800" b="1" dirty="0" smtClean="0">
-                <a:latin typeface="Consolas" panose="020B0609020204030204" pitchFamily="49" charset="0"/>
-                <a:cs typeface="Consolas" panose="020B0609020204030204" pitchFamily="49" charset="0"/>
-              </a:rPr>
-              <a:t>&lt;U&gt; </a:t>
-            </a:r>
-            <a:r>
-              <a:rPr lang="en-NZ" sz="2800" b="1" dirty="0" smtClean="0">
-                <a:latin typeface="Consolas" panose="020B0609020204030204" pitchFamily="49" charset="0"/>
-                <a:cs typeface="Consolas" panose="020B0609020204030204" pitchFamily="49" charset="0"/>
-              </a:rPr>
-              <a:t>   map(</a:t>
-            </a:r>
-            <a:r>
-              <a:rPr lang="en-NZ" sz="2800" b="1" dirty="0" err="1" smtClean="0">
-                <a:solidFill>
-                  <a:schemeClr val="accent1"/>
-                </a:solidFill>
-                <a:latin typeface="Consolas" panose="020B0609020204030204" pitchFamily="49" charset="0"/>
-                <a:cs typeface="Consolas" panose="020B0609020204030204" pitchFamily="49" charset="0"/>
-              </a:rPr>
-              <a:t>seq</a:t>
-            </a:r>
-            <a:r>
-              <a:rPr lang="en-NZ" sz="2800" b="1" dirty="0" smtClean="0">
-                <a:latin typeface="Consolas" panose="020B0609020204030204" pitchFamily="49" charset="0"/>
-                <a:cs typeface="Consolas" panose="020B0609020204030204" pitchFamily="49" charset="0"/>
-              </a:rPr>
-              <a:t>&lt;T&gt;,    </a:t>
-            </a:r>
-            <a:r>
-              <a:rPr lang="en-NZ" sz="2800" b="1" dirty="0" err="1" smtClean="0">
-                <a:latin typeface="Consolas" panose="020B0609020204030204" pitchFamily="49" charset="0"/>
-                <a:cs typeface="Consolas" panose="020B0609020204030204" pitchFamily="49" charset="0"/>
+              <a:rPr lang="en-NZ" sz="4400" i="1" dirty="0" smtClean="0">
+                <a:latin typeface="Calibri" panose="020F0502020204030204" pitchFamily="34" charset="0"/>
+              </a:rPr>
+              <a:t>(</a:t>
+            </a:r>
+            <a:r>
+              <a:rPr lang="en-NZ" sz="4400" i="1" dirty="0" err="1" smtClean="0">
+                <a:solidFill>
+                  <a:schemeClr val="accent6"/>
+                </a:solidFill>
+                <a:latin typeface="Calibri" panose="020F0502020204030204" pitchFamily="34" charset="0"/>
+              </a:rPr>
+              <a:t>TSrc_to</a:t>
+            </a:r>
+            <a:r>
+              <a:rPr lang="en-NZ" sz="4400" i="1" dirty="0" smtClean="0">
+                <a:latin typeface="Calibri" panose="020F0502020204030204" pitchFamily="34" charset="0"/>
+              </a:rPr>
+              <a:t>, </a:t>
+            </a:r>
+            <a:r>
+              <a:rPr lang="en-NZ" sz="4400" i="1" dirty="0" err="1" smtClean="0">
+                <a:latin typeface="Calibri" panose="020F0502020204030204" pitchFamily="34" charset="0"/>
               </a:rPr>
               <a:t>func</a:t>
             </a:r>
             <a:r>
-              <a:rPr lang="en-NZ" sz="2800" b="1" dirty="0" smtClean="0">
-                <a:latin typeface="Consolas" panose="020B0609020204030204" pitchFamily="49" charset="0"/>
-                <a:cs typeface="Consolas" panose="020B0609020204030204" pitchFamily="49" charset="0"/>
-              </a:rPr>
-              <a:t>&lt;T,U&gt;)</a:t>
-            </a:r>
-          </a:p>
-          <a:p>
-            <a:r>
-              <a:rPr lang="en-NZ" sz="2800" b="1" dirty="0" smtClean="0">
-                <a:solidFill>
-                  <a:schemeClr val="accent2"/>
-                </a:solidFill>
-                <a:latin typeface="Consolas" panose="020B0609020204030204" pitchFamily="49" charset="0"/>
-                <a:cs typeface="Consolas" panose="020B0609020204030204" pitchFamily="49" charset="0"/>
-              </a:rPr>
-              <a:t>tree</a:t>
-            </a:r>
-            <a:r>
-              <a:rPr lang="en-NZ" sz="2800" b="1" dirty="0" smtClean="0">
-                <a:latin typeface="Consolas" panose="020B0609020204030204" pitchFamily="49" charset="0"/>
-                <a:cs typeface="Consolas" panose="020B0609020204030204" pitchFamily="49" charset="0"/>
-              </a:rPr>
-              <a:t>&lt;U</a:t>
-            </a:r>
-            <a:r>
-              <a:rPr lang="en-NZ" sz="2800" b="1" dirty="0" smtClean="0">
-                <a:latin typeface="Consolas" panose="020B0609020204030204" pitchFamily="49" charset="0"/>
-                <a:cs typeface="Consolas" panose="020B0609020204030204" pitchFamily="49" charset="0"/>
-              </a:rPr>
-              <a:t>&gt;   map(</a:t>
-            </a:r>
-            <a:r>
-              <a:rPr lang="en-NZ" sz="2800" b="1" dirty="0" smtClean="0">
-                <a:solidFill>
-                  <a:schemeClr val="accent2"/>
-                </a:solidFill>
-                <a:latin typeface="Consolas" panose="020B0609020204030204" pitchFamily="49" charset="0"/>
-                <a:cs typeface="Consolas" panose="020B0609020204030204" pitchFamily="49" charset="0"/>
-              </a:rPr>
-              <a:t>tree</a:t>
-            </a:r>
-            <a:r>
-              <a:rPr lang="en-NZ" sz="2800" b="1" dirty="0" smtClean="0">
-                <a:latin typeface="Consolas" panose="020B0609020204030204" pitchFamily="49" charset="0"/>
-                <a:cs typeface="Consolas" panose="020B0609020204030204" pitchFamily="49" charset="0"/>
-              </a:rPr>
-              <a:t>&lt;T</a:t>
-            </a:r>
-            <a:r>
-              <a:rPr lang="en-NZ" sz="2800" b="1" dirty="0" smtClean="0">
-                <a:latin typeface="Consolas" panose="020B0609020204030204" pitchFamily="49" charset="0"/>
-                <a:cs typeface="Consolas" panose="020B0609020204030204" pitchFamily="49" charset="0"/>
-              </a:rPr>
-              <a:t>&gt;, </a:t>
-            </a:r>
-            <a:r>
-              <a:rPr lang="en-NZ" sz="2800" b="1" dirty="0" smtClean="0">
-                <a:latin typeface="Consolas" panose="020B0609020204030204" pitchFamily="49" charset="0"/>
-                <a:cs typeface="Consolas" panose="020B0609020204030204" pitchFamily="49" charset="0"/>
-              </a:rPr>
-              <a:t>  </a:t>
-            </a:r>
-            <a:r>
-              <a:rPr lang="en-NZ" sz="2800" b="1" dirty="0" err="1" smtClean="0">
-                <a:latin typeface="Consolas" panose="020B0609020204030204" pitchFamily="49" charset="0"/>
-                <a:cs typeface="Consolas" panose="020B0609020204030204" pitchFamily="49" charset="0"/>
-              </a:rPr>
-              <a:t>func</a:t>
-            </a:r>
-            <a:r>
-              <a:rPr lang="en-NZ" sz="2800" b="1" dirty="0" smtClean="0">
-                <a:latin typeface="Consolas" panose="020B0609020204030204" pitchFamily="49" charset="0"/>
-                <a:cs typeface="Consolas" panose="020B0609020204030204" pitchFamily="49" charset="0"/>
-              </a:rPr>
-              <a:t>&lt;T,U</a:t>
-            </a:r>
-            <a:r>
-              <a:rPr lang="en-NZ" sz="2800" b="1" dirty="0" smtClean="0">
-                <a:latin typeface="Consolas" panose="020B0609020204030204" pitchFamily="49" charset="0"/>
-                <a:cs typeface="Consolas" panose="020B0609020204030204" pitchFamily="49" charset="0"/>
-              </a:rPr>
-              <a:t>&gt;)</a:t>
-            </a:r>
-          </a:p>
-          <a:p>
-            <a:r>
-              <a:rPr lang="en-NZ" sz="2800" b="1" dirty="0" smtClean="0">
-                <a:solidFill>
-                  <a:schemeClr val="accent3"/>
-                </a:solidFill>
-                <a:latin typeface="Consolas" panose="020B0609020204030204" pitchFamily="49" charset="0"/>
-                <a:cs typeface="Consolas" panose="020B0609020204030204" pitchFamily="49" charset="0"/>
-              </a:rPr>
-              <a:t>maybe</a:t>
-            </a:r>
-            <a:r>
-              <a:rPr lang="en-NZ" sz="2800" b="1" dirty="0" smtClean="0">
-                <a:latin typeface="Consolas" panose="020B0609020204030204" pitchFamily="49" charset="0"/>
-                <a:cs typeface="Consolas" panose="020B0609020204030204" pitchFamily="49" charset="0"/>
-              </a:rPr>
-              <a:t>&lt;U&gt; </a:t>
-            </a:r>
-            <a:r>
-              <a:rPr lang="en-NZ" sz="2800" b="1" dirty="0" smtClean="0">
-                <a:latin typeface="Consolas" panose="020B0609020204030204" pitchFamily="49" charset="0"/>
-                <a:cs typeface="Consolas" panose="020B0609020204030204" pitchFamily="49" charset="0"/>
-              </a:rPr>
-              <a:t> map(</a:t>
-            </a:r>
-            <a:r>
-              <a:rPr lang="en-NZ" sz="2800" b="1" dirty="0" smtClean="0">
-                <a:solidFill>
-                  <a:schemeClr val="accent3"/>
-                </a:solidFill>
-                <a:latin typeface="Consolas" panose="020B0609020204030204" pitchFamily="49" charset="0"/>
-                <a:cs typeface="Consolas" panose="020B0609020204030204" pitchFamily="49" charset="0"/>
-              </a:rPr>
-              <a:t>maybe</a:t>
-            </a:r>
-            <a:r>
-              <a:rPr lang="en-NZ" sz="2800" b="1" dirty="0" smtClean="0">
-                <a:latin typeface="Consolas" panose="020B0609020204030204" pitchFamily="49" charset="0"/>
-                <a:cs typeface="Consolas" panose="020B0609020204030204" pitchFamily="49" charset="0"/>
-              </a:rPr>
-              <a:t>&lt;T</a:t>
-            </a:r>
-            <a:r>
-              <a:rPr lang="en-NZ" sz="2800" b="1" dirty="0" smtClean="0">
-                <a:latin typeface="Consolas" panose="020B0609020204030204" pitchFamily="49" charset="0"/>
-                <a:cs typeface="Consolas" panose="020B0609020204030204" pitchFamily="49" charset="0"/>
-              </a:rPr>
-              <a:t>&gt;, </a:t>
-            </a:r>
-            <a:r>
-              <a:rPr lang="en-NZ" sz="2800" b="1" dirty="0" smtClean="0">
-                <a:latin typeface="Consolas" panose="020B0609020204030204" pitchFamily="49" charset="0"/>
-                <a:cs typeface="Consolas" panose="020B0609020204030204" pitchFamily="49" charset="0"/>
-              </a:rPr>
-              <a:t> </a:t>
-            </a:r>
-            <a:r>
-              <a:rPr lang="en-NZ" sz="2800" b="1" dirty="0" err="1" smtClean="0">
-                <a:latin typeface="Consolas" panose="020B0609020204030204" pitchFamily="49" charset="0"/>
-                <a:cs typeface="Consolas" panose="020B0609020204030204" pitchFamily="49" charset="0"/>
-              </a:rPr>
-              <a:t>func</a:t>
-            </a:r>
-            <a:r>
-              <a:rPr lang="en-NZ" sz="2800" b="1" dirty="0" smtClean="0">
-                <a:latin typeface="Consolas" panose="020B0609020204030204" pitchFamily="49" charset="0"/>
-                <a:cs typeface="Consolas" panose="020B0609020204030204" pitchFamily="49" charset="0"/>
-              </a:rPr>
-              <a:t>&lt;T,U&gt;)</a:t>
-            </a:r>
-          </a:p>
-          <a:p>
-            <a:r>
-              <a:rPr lang="en-NZ" sz="2800" b="1" dirty="0" err="1" smtClean="0">
+              <a:rPr lang="en-NZ" sz="4400" i="1" dirty="0" smtClean="0">
+                <a:latin typeface="Calibri" panose="020F0502020204030204" pitchFamily="34" charset="0"/>
+              </a:rPr>
+              <a:t>)</a:t>
+            </a:r>
+            <a:endParaRPr lang="en-NZ" sz="4400" i="1" dirty="0">
+              <a:latin typeface="Calibri" panose="020F0502020204030204" pitchFamily="34" charset="0"/>
+            </a:endParaRPr>
+          </a:p>
+        </p:txBody>
+      </p:sp>
+      <p:sp>
+        <p:nvSpPr>
+          <p:cNvPr id="28" name="Right Arrow 27"/>
+          <p:cNvSpPr/>
+          <p:nvPr/>
+        </p:nvSpPr>
+        <p:spPr>
+          <a:xfrm>
+            <a:off x="4499992" y="2169860"/>
+            <a:ext cx="2016224" cy="972108"/>
+          </a:xfrm>
+          <a:prstGeom prst="rightArrow">
+            <a:avLst/>
+          </a:prstGeom>
+        </p:spPr>
+        <p:style>
+          <a:lnRef idx="0">
+            <a:schemeClr val="accent6"/>
+          </a:lnRef>
+          <a:fillRef idx="3">
+            <a:schemeClr val="accent6"/>
+          </a:fillRef>
+          <a:effectRef idx="3">
+            <a:schemeClr val="accent6"/>
+          </a:effectRef>
+          <a:fontRef idx="minor">
+            <a:schemeClr val="lt1"/>
+          </a:fontRef>
+        </p:style>
+        <p:txBody>
+          <a:bodyPr rtlCol="0" anchor="ctr"/>
+          <a:lstStyle/>
+          <a:p>
+            <a:pPr algn="ctr"/>
+            <a:endParaRPr lang="en-NZ"/>
+          </a:p>
+        </p:txBody>
+      </p:sp>
+      <p:sp>
+        <p:nvSpPr>
+          <p:cNvPr id="29" name="TextBox 28"/>
+          <p:cNvSpPr txBox="1"/>
+          <p:nvPr/>
+        </p:nvSpPr>
+        <p:spPr>
+          <a:xfrm>
+            <a:off x="4644008" y="2344291"/>
+            <a:ext cx="1584176" cy="584775"/>
+          </a:xfrm>
+          <a:prstGeom prst="rect">
+            <a:avLst/>
+          </a:prstGeom>
+          <a:noFill/>
+        </p:spPr>
+        <p:txBody>
+          <a:bodyPr wrap="square" rtlCol="0">
+            <a:spAutoFit/>
+          </a:bodyPr>
+          <a:lstStyle/>
+          <a:p>
+            <a:r>
+              <a:rPr lang="en-NZ" sz="3200" i="1" dirty="0" smtClean="0">
+                <a:latin typeface="Calibri" panose="020F0502020204030204" pitchFamily="34" charset="0"/>
+              </a:rPr>
+              <a:t>map</a:t>
+            </a:r>
+            <a:endParaRPr lang="en-NZ" sz="3200" i="1" dirty="0">
+              <a:latin typeface="Calibri" panose="020F0502020204030204" pitchFamily="34" charset="0"/>
+            </a:endParaRPr>
+          </a:p>
+        </p:txBody>
+      </p:sp>
+      <p:sp>
+        <p:nvSpPr>
+          <p:cNvPr id="30" name="TextBox 29"/>
+          <p:cNvSpPr txBox="1"/>
+          <p:nvPr/>
+        </p:nvSpPr>
+        <p:spPr>
+          <a:xfrm>
+            <a:off x="6660232" y="2213630"/>
+            <a:ext cx="2232248" cy="769441"/>
+          </a:xfrm>
+          <a:prstGeom prst="rect">
+            <a:avLst/>
+          </a:prstGeom>
+          <a:noFill/>
+        </p:spPr>
+        <p:txBody>
+          <a:bodyPr wrap="square" rtlCol="0">
+            <a:spAutoFit/>
+          </a:bodyPr>
+          <a:lstStyle/>
+          <a:p>
+            <a:r>
+              <a:rPr lang="en-NZ" sz="4400" i="1" dirty="0" err="1" smtClean="0">
                 <a:solidFill>
                   <a:schemeClr val="accent6"/>
                 </a:solidFill>
-                <a:latin typeface="Consolas" panose="020B0609020204030204" pitchFamily="49" charset="0"/>
-                <a:cs typeface="Consolas" panose="020B0609020204030204" pitchFamily="49" charset="0"/>
-              </a:rPr>
-              <a:t>func</a:t>
-            </a:r>
-            <a:r>
-              <a:rPr lang="en-NZ" sz="2800" b="1" dirty="0" smtClean="0">
-                <a:latin typeface="Consolas" panose="020B0609020204030204" pitchFamily="49" charset="0"/>
-                <a:cs typeface="Consolas" panose="020B0609020204030204" pitchFamily="49" charset="0"/>
-              </a:rPr>
-              <a:t>&lt;X,U&gt; map(</a:t>
-            </a:r>
-            <a:r>
-              <a:rPr lang="en-NZ" sz="2800" b="1" dirty="0" err="1" smtClean="0">
+                <a:latin typeface="Calibri" panose="020F0502020204030204" pitchFamily="34" charset="0"/>
+              </a:rPr>
+              <a:t>TSrc_to</a:t>
+            </a:r>
+            <a:endParaRPr lang="en-NZ" sz="4400" i="1" dirty="0">
+              <a:solidFill>
+                <a:schemeClr val="accent6"/>
+              </a:solidFill>
+              <a:latin typeface="Calibri" panose="020F0502020204030204" pitchFamily="34" charset="0"/>
+            </a:endParaRPr>
+          </a:p>
+        </p:txBody>
+      </p:sp>
+      <p:sp>
+        <p:nvSpPr>
+          <p:cNvPr id="14" name="TextBox 13"/>
+          <p:cNvSpPr txBox="1"/>
+          <p:nvPr/>
+        </p:nvSpPr>
+        <p:spPr>
+          <a:xfrm>
+            <a:off x="683568" y="555526"/>
+            <a:ext cx="7848872" cy="646331"/>
+          </a:xfrm>
+          <a:prstGeom prst="rect">
+            <a:avLst/>
+          </a:prstGeom>
+          <a:noFill/>
+        </p:spPr>
+        <p:txBody>
+          <a:bodyPr wrap="square" rtlCol="0">
+            <a:spAutoFit/>
+          </a:bodyPr>
+          <a:lstStyle/>
+          <a:p>
+            <a:r>
+              <a:rPr lang="en-NZ" sz="3600" b="1" dirty="0" smtClean="0"/>
+              <a:t>Exploring </a:t>
+            </a:r>
+            <a:r>
+              <a:rPr lang="en-NZ" sz="3600" b="1" dirty="0" err="1" smtClean="0"/>
+              <a:t>Functor</a:t>
+            </a:r>
+            <a:endParaRPr lang="en-NZ" sz="3600" b="1" dirty="0"/>
+          </a:p>
+        </p:txBody>
+      </p:sp>
+      <p:sp>
+        <p:nvSpPr>
+          <p:cNvPr id="2" name="Rectangle 1"/>
+          <p:cNvSpPr/>
+          <p:nvPr/>
+        </p:nvSpPr>
+        <p:spPr>
+          <a:xfrm>
+            <a:off x="96324" y="3291830"/>
+            <a:ext cx="2844048" cy="646331"/>
+          </a:xfrm>
+          <a:prstGeom prst="rect">
+            <a:avLst/>
+          </a:prstGeom>
+        </p:spPr>
+        <p:txBody>
+          <a:bodyPr wrap="none">
+            <a:spAutoFit/>
+          </a:bodyPr>
+          <a:lstStyle/>
+          <a:p>
+            <a:pPr algn="ctr"/>
+            <a:r>
+              <a:rPr lang="en-NZ" b="1" dirty="0" err="1" smtClean="0">
                 <a:solidFill>
                   <a:schemeClr val="accent6"/>
                 </a:solidFill>
                 <a:latin typeface="Consolas" panose="020B0609020204030204" pitchFamily="49" charset="0"/>
                 <a:cs typeface="Consolas" panose="020B0609020204030204" pitchFamily="49" charset="0"/>
               </a:rPr>
-              <a:t>func</a:t>
-            </a:r>
-            <a:r>
-              <a:rPr lang="en-NZ" sz="2800" b="1" dirty="0" smtClean="0">
-                <a:latin typeface="Consolas" panose="020B0609020204030204" pitchFamily="49" charset="0"/>
-                <a:cs typeface="Consolas" panose="020B0609020204030204" pitchFamily="49" charset="0"/>
-              </a:rPr>
-              <a:t>&lt;X,T</a:t>
-            </a:r>
-            <a:r>
-              <a:rPr lang="en-NZ" sz="2800" b="1" dirty="0">
-                <a:latin typeface="Consolas" panose="020B0609020204030204" pitchFamily="49" charset="0"/>
-                <a:cs typeface="Consolas" panose="020B0609020204030204" pitchFamily="49" charset="0"/>
-              </a:rPr>
-              <a:t>&gt;, </a:t>
-            </a:r>
-            <a:r>
-              <a:rPr lang="en-NZ" sz="2800" b="1" dirty="0" err="1">
-                <a:latin typeface="Consolas" panose="020B0609020204030204" pitchFamily="49" charset="0"/>
-                <a:cs typeface="Consolas" panose="020B0609020204030204" pitchFamily="49" charset="0"/>
-              </a:rPr>
-              <a:t>func</a:t>
-            </a:r>
-            <a:r>
-              <a:rPr lang="en-NZ" sz="2800" b="1" dirty="0">
-                <a:latin typeface="Consolas" panose="020B0609020204030204" pitchFamily="49" charset="0"/>
-                <a:cs typeface="Consolas" panose="020B0609020204030204" pitchFamily="49" charset="0"/>
-              </a:rPr>
-              <a:t>&lt;T,U</a:t>
-            </a:r>
-            <a:r>
-              <a:rPr lang="en-NZ" sz="2800" b="1" dirty="0" smtClean="0">
-                <a:latin typeface="Consolas" panose="020B0609020204030204" pitchFamily="49" charset="0"/>
-                <a:cs typeface="Consolas" panose="020B0609020204030204" pitchFamily="49" charset="0"/>
-              </a:rPr>
-              <a:t>&gt;)</a:t>
-            </a:r>
+              <a:t>TSrc_to</a:t>
+            </a:r>
+            <a:r>
+              <a:rPr lang="en-NZ" b="1" dirty="0" smtClean="0">
+                <a:latin typeface="Consolas" panose="020B0609020204030204" pitchFamily="49" charset="0"/>
+                <a:cs typeface="Consolas" panose="020B0609020204030204" pitchFamily="49" charset="0"/>
+              </a:rPr>
+              <a:t>&lt;string, char&gt;</a:t>
+            </a:r>
+          </a:p>
+          <a:p>
+            <a:pPr algn="ctr"/>
+            <a:r>
+              <a:rPr lang="en-NZ" b="1" i="1" dirty="0" err="1" smtClean="0">
+                <a:latin typeface="Consolas" panose="020B0609020204030204" pitchFamily="49" charset="0"/>
+                <a:cs typeface="Consolas" panose="020B0609020204030204" pitchFamily="49" charset="0"/>
+              </a:rPr>
+              <a:t>most_frequent</a:t>
+            </a:r>
+            <a:endParaRPr lang="en-NZ" i="1" dirty="0"/>
+          </a:p>
+        </p:txBody>
+      </p:sp>
+      <p:sp>
+        <p:nvSpPr>
+          <p:cNvPr id="9" name="Rectangle 8"/>
+          <p:cNvSpPr/>
+          <p:nvPr/>
+        </p:nvSpPr>
+        <p:spPr>
+          <a:xfrm>
+            <a:off x="2795680" y="3291829"/>
+            <a:ext cx="1577676" cy="646331"/>
+          </a:xfrm>
+          <a:prstGeom prst="rect">
+            <a:avLst/>
+          </a:prstGeom>
+        </p:spPr>
+        <p:txBody>
+          <a:bodyPr wrap="none">
+            <a:spAutoFit/>
+          </a:bodyPr>
+          <a:lstStyle/>
+          <a:p>
+            <a:pPr algn="ctr"/>
+            <a:r>
+              <a:rPr lang="en-NZ" b="1" dirty="0" smtClean="0">
+                <a:latin typeface="Consolas" panose="020B0609020204030204" pitchFamily="49" charset="0"/>
+                <a:cs typeface="Consolas" panose="020B0609020204030204" pitchFamily="49" charset="0"/>
+              </a:rPr>
+              <a:t>char -&gt; </a:t>
+            </a:r>
+            <a:r>
+              <a:rPr lang="en-NZ" b="1" dirty="0" err="1" smtClean="0">
+                <a:latin typeface="Consolas" panose="020B0609020204030204" pitchFamily="49" charset="0"/>
+                <a:cs typeface="Consolas" panose="020B0609020204030204" pitchFamily="49" charset="0"/>
+              </a:rPr>
+              <a:t>int</a:t>
+            </a:r>
+            <a:endParaRPr lang="en-NZ" b="1" dirty="0" smtClean="0">
+              <a:latin typeface="Consolas" panose="020B0609020204030204" pitchFamily="49" charset="0"/>
+              <a:cs typeface="Consolas" panose="020B0609020204030204" pitchFamily="49" charset="0"/>
+            </a:endParaRPr>
+          </a:p>
+          <a:p>
+            <a:pPr algn="ctr"/>
+            <a:r>
+              <a:rPr lang="en-NZ" b="1" i="1" dirty="0" err="1" smtClean="0">
+                <a:latin typeface="Consolas" panose="020B0609020204030204" pitchFamily="49" charset="0"/>
+                <a:cs typeface="Consolas" panose="020B0609020204030204" pitchFamily="49" charset="0"/>
+              </a:rPr>
+              <a:t>ascii</a:t>
+            </a:r>
+            <a:endParaRPr lang="en-NZ" i="1" dirty="0"/>
+          </a:p>
+        </p:txBody>
+      </p:sp>
+      <p:sp>
+        <p:nvSpPr>
+          <p:cNvPr id="10" name="Rectangle 9"/>
+          <p:cNvSpPr/>
+          <p:nvPr/>
+        </p:nvSpPr>
+        <p:spPr>
+          <a:xfrm>
+            <a:off x="6291016" y="3291828"/>
+            <a:ext cx="2970686" cy="646331"/>
+          </a:xfrm>
+          <a:prstGeom prst="rect">
+            <a:avLst/>
+          </a:prstGeom>
+        </p:spPr>
+        <p:txBody>
+          <a:bodyPr wrap="none">
+            <a:spAutoFit/>
+          </a:bodyPr>
+          <a:lstStyle/>
+          <a:p>
+            <a:pPr algn="ctr"/>
+            <a:r>
+              <a:rPr lang="en-NZ" b="1" dirty="0" err="1" smtClean="0">
+                <a:solidFill>
+                  <a:schemeClr val="accent6"/>
+                </a:solidFill>
+                <a:latin typeface="Consolas" panose="020B0609020204030204" pitchFamily="49" charset="0"/>
+                <a:cs typeface="Consolas" panose="020B0609020204030204" pitchFamily="49" charset="0"/>
+              </a:rPr>
+              <a:t>TSrc_to</a:t>
+            </a:r>
+            <a:r>
+              <a:rPr lang="en-NZ" b="1" dirty="0" smtClean="0">
+                <a:latin typeface="Consolas" panose="020B0609020204030204" pitchFamily="49" charset="0"/>
+                <a:cs typeface="Consolas" panose="020B0609020204030204" pitchFamily="49" charset="0"/>
+              </a:rPr>
+              <a:t>&lt;string, </a:t>
+            </a:r>
+            <a:r>
+              <a:rPr lang="en-NZ" b="1" dirty="0" err="1" smtClean="0">
+                <a:latin typeface="Consolas" panose="020B0609020204030204" pitchFamily="49" charset="0"/>
+                <a:cs typeface="Consolas" panose="020B0609020204030204" pitchFamily="49" charset="0"/>
+              </a:rPr>
+              <a:t>int</a:t>
+            </a:r>
+            <a:r>
+              <a:rPr lang="en-NZ" b="1" dirty="0" smtClean="0">
+                <a:latin typeface="Consolas" panose="020B0609020204030204" pitchFamily="49" charset="0"/>
+                <a:cs typeface="Consolas" panose="020B0609020204030204" pitchFamily="49" charset="0"/>
+              </a:rPr>
+              <a:t>&gt;</a:t>
+            </a:r>
+          </a:p>
+          <a:p>
+            <a:pPr algn="ctr"/>
+            <a:r>
+              <a:rPr lang="en-NZ" b="1" i="1" dirty="0" err="1" smtClean="0">
+                <a:latin typeface="Consolas" panose="020B0609020204030204" pitchFamily="49" charset="0"/>
+                <a:cs typeface="Consolas" panose="020B0609020204030204" pitchFamily="49" charset="0"/>
+              </a:rPr>
+              <a:t>most_frequent</a:t>
+            </a:r>
+            <a:r>
+              <a:rPr lang="en-NZ" b="1" i="1" dirty="0" smtClean="0">
+                <a:latin typeface="Consolas" panose="020B0609020204030204" pitchFamily="49" charset="0"/>
+                <a:cs typeface="Consolas" panose="020B0609020204030204" pitchFamily="49" charset="0"/>
+              </a:rPr>
+              <a:t> &gt;&gt; </a:t>
+            </a:r>
+            <a:r>
+              <a:rPr lang="en-NZ" b="1" i="1" dirty="0" err="1" smtClean="0">
+                <a:latin typeface="Consolas" panose="020B0609020204030204" pitchFamily="49" charset="0"/>
+                <a:cs typeface="Consolas" panose="020B0609020204030204" pitchFamily="49" charset="0"/>
+              </a:rPr>
+              <a:t>ascii</a:t>
+            </a:r>
+            <a:endParaRPr lang="en-NZ" i="1" dirty="0"/>
           </a:p>
         </p:txBody>
       </p:sp>
     </p:spTree>
     <p:extLst>
       <p:ext uri="{BB962C8B-B14F-4D97-AF65-F5344CB8AC3E}">
-        <p14:creationId xmlns:p14="http://schemas.microsoft.com/office/powerpoint/2010/main" val="1141876875"/>
+        <p14:creationId xmlns:p14="http://schemas.microsoft.com/office/powerpoint/2010/main" val="2946078215"/>
       </p:ext>
     </p:extLst>
   </p:cSld>
@@ -13880,8 +13647,8 @@
         </p:nvSpPr>
         <p:spPr>
           <a:xfrm>
-            <a:off x="539552" y="1545637"/>
-            <a:ext cx="7920880" cy="1323439"/>
+            <a:off x="683568" y="1130139"/>
+            <a:ext cx="7848872" cy="1815882"/>
           </a:xfrm>
           <a:prstGeom prst="rect">
             <a:avLst/>
@@ -13889,131 +13656,230 @@
           <a:noFill/>
         </p:spPr>
         <p:txBody>
-          <a:bodyPr wrap="square" rtlCol="0">
+          <a:bodyPr wrap="square" rtlCol="0" anchor="t">
             <a:spAutoFit/>
           </a:bodyPr>
           <a:lstStyle/>
           <a:p>
             <a:r>
-              <a:rPr lang="en-NZ" sz="2000" b="1" dirty="0" smtClean="0"/>
-              <a:t>functional programmer</a:t>
-            </a:r>
-            <a:r>
-              <a:rPr lang="en-NZ" sz="2000" dirty="0" smtClean="0"/>
-              <a:t> </a:t>
-            </a:r>
-            <a:r>
-              <a:rPr lang="en-NZ" sz="2000" dirty="0"/>
-              <a:t>(</a:t>
-            </a:r>
-            <a:r>
-              <a:rPr lang="en-NZ" sz="2000" dirty="0" smtClean="0"/>
-              <a:t>noun)</a:t>
-            </a:r>
-          </a:p>
-          <a:p>
-            <a:pPr lvl="1"/>
-            <a:r>
-              <a:rPr lang="en-NZ" sz="2000" dirty="0" smtClean="0"/>
-              <a:t>One </a:t>
-            </a:r>
-            <a:r>
-              <a:rPr lang="en-NZ" sz="2000" dirty="0"/>
-              <a:t>who names variables </a:t>
-            </a:r>
-            <a:r>
-              <a:rPr lang="en-NZ" sz="2000" i="1" dirty="0" smtClean="0"/>
-              <a:t>x</a:t>
-            </a:r>
-            <a:r>
-              <a:rPr lang="en-NZ" sz="2000" dirty="0" smtClean="0"/>
-              <a:t>,</a:t>
-            </a:r>
-          </a:p>
-          <a:p>
-            <a:pPr lvl="1"/>
-            <a:r>
-              <a:rPr lang="en-NZ" sz="2000" dirty="0" smtClean="0"/>
-              <a:t>names </a:t>
-            </a:r>
-            <a:r>
-              <a:rPr lang="en-NZ" sz="2000" dirty="0"/>
-              <a:t>functions </a:t>
-            </a:r>
-            <a:r>
-              <a:rPr lang="en-NZ" sz="2000" i="1" dirty="0" smtClean="0"/>
-              <a:t>f</a:t>
-            </a:r>
-            <a:r>
-              <a:rPr lang="en-NZ" sz="2000" dirty="0" smtClean="0"/>
-              <a:t>,</a:t>
-            </a:r>
-          </a:p>
-          <a:p>
-            <a:pPr lvl="1"/>
-            <a:r>
-              <a:rPr lang="en-NZ" sz="2000" dirty="0" smtClean="0"/>
-              <a:t>and names </a:t>
-            </a:r>
-            <a:r>
-              <a:rPr lang="en-NZ" sz="2000" dirty="0"/>
-              <a:t>code patterns </a:t>
-            </a:r>
-            <a:r>
-              <a:rPr lang="en-NZ" sz="2000" i="1" dirty="0" err="1" smtClean="0"/>
-              <a:t>zygohistomorphic</a:t>
-            </a:r>
-            <a:r>
-              <a:rPr lang="en-NZ" sz="2000" i="1" dirty="0" smtClean="0"/>
-              <a:t> </a:t>
-            </a:r>
-            <a:r>
-              <a:rPr lang="en-NZ" sz="2000" i="1" dirty="0" err="1" smtClean="0"/>
-              <a:t>prepromorphism</a:t>
-            </a:r>
-            <a:endParaRPr lang="en-NZ" sz="2000" dirty="0"/>
-          </a:p>
-        </p:txBody>
-      </p:sp>
-      <p:sp>
-        <p:nvSpPr>
-          <p:cNvPr id="5" name="TextBox 4"/>
-          <p:cNvSpPr txBox="1"/>
-          <p:nvPr/>
-        </p:nvSpPr>
-        <p:spPr>
-          <a:xfrm>
-            <a:off x="395536" y="4515966"/>
-            <a:ext cx="8208912" cy="369332"/>
-          </a:xfrm>
-          <a:prstGeom prst="rect">
-            <a:avLst/>
-          </a:prstGeom>
-          <a:noFill/>
-        </p:spPr>
-        <p:txBody>
-          <a:bodyPr wrap="square" rtlCol="0">
-            <a:spAutoFit/>
-          </a:bodyPr>
-          <a:lstStyle/>
-          <a:p>
-            <a:pPr algn="r"/>
-            <a:r>
-              <a:rPr lang="en-NZ" dirty="0" smtClean="0"/>
-              <a:t>@</a:t>
-            </a:r>
-            <a:r>
-              <a:rPr lang="en-NZ" dirty="0" err="1" smtClean="0"/>
-              <a:t>jamesiry</a:t>
-            </a:r>
-            <a:endParaRPr lang="en-NZ" dirty="0"/>
+              <a:rPr lang="en-NZ" sz="2800" b="1" dirty="0" err="1" smtClean="0">
+                <a:solidFill>
+                  <a:schemeClr val="accent1"/>
+                </a:solidFill>
+                <a:latin typeface="Consolas" panose="020B0609020204030204" pitchFamily="49" charset="0"/>
+                <a:cs typeface="Consolas" panose="020B0609020204030204" pitchFamily="49" charset="0"/>
+              </a:rPr>
+              <a:t>seq</a:t>
+            </a:r>
+            <a:r>
+              <a:rPr lang="en-NZ" sz="2800" b="1" dirty="0" smtClean="0">
+                <a:latin typeface="Consolas" panose="020B0609020204030204" pitchFamily="49" charset="0"/>
+                <a:cs typeface="Consolas" panose="020B0609020204030204" pitchFamily="49" charset="0"/>
+              </a:rPr>
+              <a:t>&lt;U&gt;    map(</a:t>
+            </a:r>
+            <a:r>
+              <a:rPr lang="en-NZ" sz="2800" b="1" dirty="0" err="1" smtClean="0">
+                <a:solidFill>
+                  <a:schemeClr val="accent1"/>
+                </a:solidFill>
+                <a:latin typeface="Consolas" panose="020B0609020204030204" pitchFamily="49" charset="0"/>
+                <a:cs typeface="Consolas" panose="020B0609020204030204" pitchFamily="49" charset="0"/>
+              </a:rPr>
+              <a:t>seq</a:t>
+            </a:r>
+            <a:r>
+              <a:rPr lang="en-NZ" sz="2800" b="1" dirty="0" smtClean="0">
+                <a:latin typeface="Consolas" panose="020B0609020204030204" pitchFamily="49" charset="0"/>
+                <a:cs typeface="Consolas" panose="020B0609020204030204" pitchFamily="49" charset="0"/>
+              </a:rPr>
+              <a:t>&lt;T&gt;,    </a:t>
+            </a:r>
+            <a:r>
+              <a:rPr lang="en-NZ" sz="2800" b="1" dirty="0" err="1" smtClean="0">
+                <a:latin typeface="Consolas" panose="020B0609020204030204" pitchFamily="49" charset="0"/>
+                <a:cs typeface="Consolas" panose="020B0609020204030204" pitchFamily="49" charset="0"/>
+              </a:rPr>
+              <a:t>func</a:t>
+            </a:r>
+            <a:r>
+              <a:rPr lang="en-NZ" sz="2800" b="1" dirty="0" smtClean="0">
+                <a:latin typeface="Consolas" panose="020B0609020204030204" pitchFamily="49" charset="0"/>
+                <a:cs typeface="Consolas" panose="020B0609020204030204" pitchFamily="49" charset="0"/>
+              </a:rPr>
+              <a:t>&lt;T,U&gt;)</a:t>
+            </a:r>
+          </a:p>
+          <a:p>
+            <a:r>
+              <a:rPr lang="en-NZ" sz="2800" b="1" dirty="0" smtClean="0">
+                <a:solidFill>
+                  <a:schemeClr val="accent2"/>
+                </a:solidFill>
+                <a:latin typeface="Consolas" panose="020B0609020204030204" pitchFamily="49" charset="0"/>
+                <a:cs typeface="Consolas" panose="020B0609020204030204" pitchFamily="49" charset="0"/>
+              </a:rPr>
+              <a:t>tree</a:t>
+            </a:r>
+            <a:r>
+              <a:rPr lang="en-NZ" sz="2800" b="1" dirty="0" smtClean="0">
+                <a:latin typeface="Consolas" panose="020B0609020204030204" pitchFamily="49" charset="0"/>
+                <a:cs typeface="Consolas" panose="020B0609020204030204" pitchFamily="49" charset="0"/>
+              </a:rPr>
+              <a:t>&lt;U&gt;   map(</a:t>
+            </a:r>
+            <a:r>
+              <a:rPr lang="en-NZ" sz="2800" b="1" dirty="0" smtClean="0">
+                <a:solidFill>
+                  <a:schemeClr val="accent2"/>
+                </a:solidFill>
+                <a:latin typeface="Consolas" panose="020B0609020204030204" pitchFamily="49" charset="0"/>
+                <a:cs typeface="Consolas" panose="020B0609020204030204" pitchFamily="49" charset="0"/>
+              </a:rPr>
+              <a:t>tree</a:t>
+            </a:r>
+            <a:r>
+              <a:rPr lang="en-NZ" sz="2800" b="1" dirty="0" smtClean="0">
+                <a:latin typeface="Consolas" panose="020B0609020204030204" pitchFamily="49" charset="0"/>
+                <a:cs typeface="Consolas" panose="020B0609020204030204" pitchFamily="49" charset="0"/>
+              </a:rPr>
+              <a:t>&lt;T&gt;,   </a:t>
+            </a:r>
+            <a:r>
+              <a:rPr lang="en-NZ" sz="2800" b="1" dirty="0" err="1" smtClean="0">
+                <a:latin typeface="Consolas" panose="020B0609020204030204" pitchFamily="49" charset="0"/>
+                <a:cs typeface="Consolas" panose="020B0609020204030204" pitchFamily="49" charset="0"/>
+              </a:rPr>
+              <a:t>func</a:t>
+            </a:r>
+            <a:r>
+              <a:rPr lang="en-NZ" sz="2800" b="1" dirty="0" smtClean="0">
+                <a:latin typeface="Consolas" panose="020B0609020204030204" pitchFamily="49" charset="0"/>
+                <a:cs typeface="Consolas" panose="020B0609020204030204" pitchFamily="49" charset="0"/>
+              </a:rPr>
+              <a:t>&lt;T,U&gt;)</a:t>
+            </a:r>
+          </a:p>
+          <a:p>
+            <a:r>
+              <a:rPr lang="en-NZ" sz="2800" b="1" dirty="0" smtClean="0">
+                <a:solidFill>
+                  <a:schemeClr val="accent3"/>
+                </a:solidFill>
+                <a:latin typeface="Consolas" panose="020B0609020204030204" pitchFamily="49" charset="0"/>
+                <a:cs typeface="Consolas" panose="020B0609020204030204" pitchFamily="49" charset="0"/>
+              </a:rPr>
+              <a:t>maybe</a:t>
+            </a:r>
+            <a:r>
+              <a:rPr lang="en-NZ" sz="2800" b="1" dirty="0" smtClean="0">
+                <a:latin typeface="Consolas" panose="020B0609020204030204" pitchFamily="49" charset="0"/>
+                <a:cs typeface="Consolas" panose="020B0609020204030204" pitchFamily="49" charset="0"/>
+              </a:rPr>
+              <a:t>&lt;U&gt;  map(</a:t>
+            </a:r>
+            <a:r>
+              <a:rPr lang="en-NZ" sz="2800" b="1" dirty="0" smtClean="0">
+                <a:solidFill>
+                  <a:schemeClr val="accent3"/>
+                </a:solidFill>
+                <a:latin typeface="Consolas" panose="020B0609020204030204" pitchFamily="49" charset="0"/>
+                <a:cs typeface="Consolas" panose="020B0609020204030204" pitchFamily="49" charset="0"/>
+              </a:rPr>
+              <a:t>maybe</a:t>
+            </a:r>
+            <a:r>
+              <a:rPr lang="en-NZ" sz="2800" b="1" dirty="0" smtClean="0">
+                <a:latin typeface="Consolas" panose="020B0609020204030204" pitchFamily="49" charset="0"/>
+                <a:cs typeface="Consolas" panose="020B0609020204030204" pitchFamily="49" charset="0"/>
+              </a:rPr>
+              <a:t>&lt;T&gt;,  </a:t>
+            </a:r>
+            <a:r>
+              <a:rPr lang="en-NZ" sz="2800" b="1" dirty="0" err="1" smtClean="0">
+                <a:latin typeface="Consolas" panose="020B0609020204030204" pitchFamily="49" charset="0"/>
+                <a:cs typeface="Consolas" panose="020B0609020204030204" pitchFamily="49" charset="0"/>
+              </a:rPr>
+              <a:t>func</a:t>
+            </a:r>
+            <a:r>
+              <a:rPr lang="en-NZ" sz="2800" b="1" dirty="0" smtClean="0">
+                <a:latin typeface="Consolas" panose="020B0609020204030204" pitchFamily="49" charset="0"/>
+                <a:cs typeface="Consolas" panose="020B0609020204030204" pitchFamily="49" charset="0"/>
+              </a:rPr>
+              <a:t>&lt;T,U&gt;)</a:t>
+            </a:r>
+          </a:p>
+          <a:p>
+            <a:r>
+              <a:rPr lang="en-NZ" sz="2800" b="1" dirty="0" err="1" smtClean="0">
+                <a:solidFill>
+                  <a:schemeClr val="accent6"/>
+                </a:solidFill>
+                <a:latin typeface="Consolas" panose="020B0609020204030204" pitchFamily="49" charset="0"/>
+                <a:cs typeface="Consolas" panose="020B0609020204030204" pitchFamily="49" charset="0"/>
+              </a:rPr>
+              <a:t>func</a:t>
+            </a:r>
+            <a:r>
+              <a:rPr lang="en-NZ" sz="2800" b="1" dirty="0" smtClean="0">
+                <a:latin typeface="Consolas" panose="020B0609020204030204" pitchFamily="49" charset="0"/>
+                <a:cs typeface="Consolas" panose="020B0609020204030204" pitchFamily="49" charset="0"/>
+              </a:rPr>
+              <a:t>&lt;X,U&gt; map(</a:t>
+            </a:r>
+            <a:r>
+              <a:rPr lang="en-NZ" sz="2800" b="1" dirty="0" err="1" smtClean="0">
+                <a:solidFill>
+                  <a:schemeClr val="accent6"/>
+                </a:solidFill>
+                <a:latin typeface="Consolas" panose="020B0609020204030204" pitchFamily="49" charset="0"/>
+                <a:cs typeface="Consolas" panose="020B0609020204030204" pitchFamily="49" charset="0"/>
+              </a:rPr>
+              <a:t>func</a:t>
+            </a:r>
+            <a:r>
+              <a:rPr lang="en-NZ" sz="2800" b="1" dirty="0" smtClean="0">
+                <a:latin typeface="Consolas" panose="020B0609020204030204" pitchFamily="49" charset="0"/>
+                <a:cs typeface="Consolas" panose="020B0609020204030204" pitchFamily="49" charset="0"/>
+              </a:rPr>
+              <a:t>&lt;X,T</a:t>
+            </a:r>
+            <a:r>
+              <a:rPr lang="en-NZ" sz="2800" b="1" dirty="0">
+                <a:latin typeface="Consolas" panose="020B0609020204030204" pitchFamily="49" charset="0"/>
+                <a:cs typeface="Consolas" panose="020B0609020204030204" pitchFamily="49" charset="0"/>
+              </a:rPr>
+              <a:t>&gt;, </a:t>
+            </a:r>
+            <a:r>
+              <a:rPr lang="en-NZ" sz="2800" b="1" dirty="0" err="1">
+                <a:latin typeface="Consolas" panose="020B0609020204030204" pitchFamily="49" charset="0"/>
+                <a:cs typeface="Consolas" panose="020B0609020204030204" pitchFamily="49" charset="0"/>
+              </a:rPr>
+              <a:t>func</a:t>
+            </a:r>
+            <a:r>
+              <a:rPr lang="en-NZ" sz="2800" b="1" dirty="0">
+                <a:latin typeface="Consolas" panose="020B0609020204030204" pitchFamily="49" charset="0"/>
+                <a:cs typeface="Consolas" panose="020B0609020204030204" pitchFamily="49" charset="0"/>
+              </a:rPr>
+              <a:t>&lt;T,U</a:t>
+            </a:r>
+            <a:r>
+              <a:rPr lang="en-NZ" sz="2800" b="1" dirty="0" smtClean="0">
+                <a:latin typeface="Consolas" panose="020B0609020204030204" pitchFamily="49" charset="0"/>
+                <a:cs typeface="Consolas" panose="020B0609020204030204" pitchFamily="49" charset="0"/>
+              </a:rPr>
+              <a:t>&gt;)</a:t>
+            </a:r>
           </a:p>
         </p:txBody>
       </p:sp>
     </p:spTree>
     <p:extLst>
       <p:ext uri="{BB962C8B-B14F-4D97-AF65-F5344CB8AC3E}">
-        <p14:creationId xmlns:p14="http://schemas.microsoft.com/office/powerpoint/2010/main" val="2244636226"/>
+        <p14:creationId xmlns:p14="http://schemas.microsoft.com/office/powerpoint/2010/main" val="1141876875"/>
       </p:ext>
     </p:extLst>
   </p:cSld>
@@ -15589,57 +15455,16 @@
           <a:chExt cx="0" cy="0"/>
         </a:xfrm>
       </p:grpSpPr>
-      <p:pic>
-        <p:nvPicPr>
-          <p:cNvPr id="4098" name="Picture 2" descr="C:\Users\ivan\Desktop\043.png"/>
-          <p:cNvPicPr>
-            <a:picLocks noChangeAspect="1" noChangeArrowheads="1"/>
-          </p:cNvPicPr>
-          <p:nvPr/>
-        </p:nvPicPr>
-        <p:blipFill>
-          <a:blip r:embed="rId2">
-            <a:extLst>
-              <a:ext uri="{28A0092B-C50C-407E-A947-70E740481C1C}">
-                <a14:useLocalDpi xmlns:a14="http://schemas.microsoft.com/office/drawing/2010/main" val="0"/>
-              </a:ext>
-            </a:extLst>
-          </a:blip>
-          <a:srcRect/>
-          <a:stretch>
-            <a:fillRect/>
-          </a:stretch>
-        </p:blipFill>
-        <p:spPr bwMode="auto">
-          <a:xfrm>
-            <a:off x="-2849265" y="-907353"/>
-            <a:ext cx="12173793" cy="6847759"/>
-          </a:xfrm>
-          <a:prstGeom prst="rect">
-            <a:avLst/>
-          </a:prstGeom>
-          <a:noFill/>
-          <a:extLst>
-            <a:ext uri="{909E8E84-426E-40DD-AFC4-6F175D3DCCD1}">
-              <a14:hiddenFill xmlns:a14="http://schemas.microsoft.com/office/drawing/2010/main">
-                <a:solidFill>
-                  <a:srgbClr val="FFFFFF"/>
-                </a:solidFill>
-              </a14:hiddenFill>
-            </a:ext>
-          </a:extLst>
-        </p:spPr>
-      </p:pic>
-      <p:sp>
-        <p:nvSpPr>
-          <p:cNvPr id="3" name="TextBox 2"/>
+      <p:sp>
+        <p:nvSpPr>
+          <p:cNvPr id="4" name="TextBox 3"/>
           <p:cNvSpPr txBox="1"/>
           <p:nvPr/>
         </p:nvSpPr>
         <p:spPr>
           <a:xfrm>
-            <a:off x="683568" y="555526"/>
-            <a:ext cx="7848872" cy="646331"/>
+            <a:off x="539552" y="1545637"/>
+            <a:ext cx="7920880" cy="1323439"/>
           </a:xfrm>
           <a:prstGeom prst="rect">
             <a:avLst/>
@@ -15653,23 +15478,96 @@
           <a:lstStyle/>
           <a:p>
             <a:r>
-              <a:rPr lang="en-NZ" sz="3600" b="1" dirty="0" smtClean="0"/>
-              <a:t>The dawn of history</a:t>
-            </a:r>
-            <a:endParaRPr lang="en-NZ" sz="3600" b="1" dirty="0"/>
-          </a:p>
-        </p:txBody>
-      </p:sp>
-      <p:sp>
-        <p:nvSpPr>
-          <p:cNvPr id="4" name="TextBox 3"/>
+              <a:rPr lang="en-NZ" sz="2000" b="1" dirty="0" smtClean="0"/>
+              <a:t>functional programmer</a:t>
+            </a:r>
+            <a:r>
+              <a:rPr lang="en-NZ" sz="2000" dirty="0" smtClean="0"/>
+              <a:t> </a:t>
+            </a:r>
+            <a:r>
+              <a:rPr lang="en-NZ" sz="2000" dirty="0"/>
+              <a:t>(</a:t>
+            </a:r>
+            <a:r>
+              <a:rPr lang="en-NZ" sz="2000" dirty="0" smtClean="0"/>
+              <a:t>noun)</a:t>
+            </a:r>
+          </a:p>
+          <a:p>
+            <a:pPr lvl="1"/>
+            <a:r>
+              <a:rPr lang="en-NZ" sz="2000" dirty="0" smtClean="0"/>
+              <a:t>One </a:t>
+            </a:r>
+            <a:r>
+              <a:rPr lang="en-NZ" sz="2000" dirty="0"/>
+              <a:t>who names variables </a:t>
+            </a:r>
+            <a:r>
+              <a:rPr lang="en-NZ" sz="2000" i="1" dirty="0" smtClean="0"/>
+              <a:t>x</a:t>
+            </a:r>
+            <a:r>
+              <a:rPr lang="en-NZ" sz="2000" dirty="0" smtClean="0"/>
+              <a:t>,</a:t>
+            </a:r>
+          </a:p>
+          <a:p>
+            <a:pPr lvl="1"/>
+            <a:r>
+              <a:rPr lang="en-NZ" sz="2000" dirty="0" smtClean="0"/>
+              <a:t>names </a:t>
+            </a:r>
+            <a:r>
+              <a:rPr lang="en-NZ" sz="2000" dirty="0"/>
+              <a:t>functions </a:t>
+            </a:r>
+            <a:r>
+              <a:rPr lang="en-NZ" sz="2000" i="1" dirty="0" smtClean="0"/>
+              <a:t>f</a:t>
+            </a:r>
+            <a:r>
+              <a:rPr lang="en-NZ" sz="2000" dirty="0" smtClean="0"/>
+              <a:t>,</a:t>
+            </a:r>
+          </a:p>
+          <a:p>
+            <a:pPr lvl="1"/>
+            <a:r>
+              <a:rPr lang="en-NZ" sz="2000" dirty="0" smtClean="0"/>
+              <a:t>and names </a:t>
+            </a:r>
+            <a:r>
+              <a:rPr lang="en-NZ" sz="2000" dirty="0"/>
+              <a:t>code patterns </a:t>
+            </a:r>
+            <a:r>
+              <a:rPr lang="en-NZ" sz="2000" i="1" dirty="0" err="1" smtClean="0"/>
+              <a:t>zygohistomorphic</a:t>
+            </a:r>
+            <a:r>
+              <a:rPr lang="en-NZ" sz="2000" i="1" dirty="0" smtClean="0"/>
+              <a:t> </a:t>
+            </a:r>
+            <a:r>
+              <a:rPr lang="en-NZ" sz="2000" i="1" dirty="0" err="1" smtClean="0"/>
+              <a:t>prepromorphism</a:t>
+            </a:r>
+            <a:endParaRPr lang="en-NZ" sz="2000" dirty="0"/>
+          </a:p>
+        </p:txBody>
+      </p:sp>
+      <p:sp>
+        <p:nvSpPr>
+          <p:cNvPr id="5" name="TextBox 4"/>
           <p:cNvSpPr txBox="1"/>
           <p:nvPr/>
         </p:nvSpPr>
         <p:spPr>
           <a:xfrm>
-            <a:off x="3563888" y="4804578"/>
-            <a:ext cx="5400600" cy="215444"/>
+            <a:off x="395536" y="4515966"/>
+            <a:ext cx="8208912" cy="369332"/>
           </a:xfrm>
           <a:prstGeom prst="rect">
             <a:avLst/>
@@ -15684,25 +15582,21 @@
           <a:p>
             <a:pPr algn="r"/>
             <a:r>
-              <a:rPr lang="en-NZ" sz="800" dirty="0" smtClean="0">
-                <a:solidFill>
-                  <a:schemeClr val="bg1"/>
-                </a:solidFill>
-              </a:rPr>
-              <a:t>https://stillsfrmfilms.wordpress.com/2012/07/19/2001-a-space-odyssey/</a:t>
-            </a:r>
-            <a:endParaRPr lang="en-NZ" sz="800" dirty="0">
-              <a:solidFill>
-                <a:schemeClr val="bg1"/>
-              </a:solidFill>
-            </a:endParaRPr>
+              <a:rPr lang="en-NZ" dirty="0" smtClean="0"/>
+              <a:t>@</a:t>
+            </a:r>
+            <a:r>
+              <a:rPr lang="en-NZ" dirty="0" err="1" smtClean="0"/>
+              <a:t>jamesiry</a:t>
+            </a:r>
+            <a:endParaRPr lang="en-NZ" dirty="0"/>
           </a:p>
         </p:txBody>
       </p:sp>
     </p:spTree>
     <p:extLst>
       <p:ext uri="{BB962C8B-B14F-4D97-AF65-F5344CB8AC3E}">
-        <p14:creationId xmlns:p14="http://schemas.microsoft.com/office/powerpoint/2010/main" val="2894076723"/>
+        <p14:creationId xmlns:p14="http://schemas.microsoft.com/office/powerpoint/2010/main" val="2244636226"/>
       </p:ext>
     </p:extLst>
   </p:cSld>
@@ -15739,108 +15633,47 @@
           <a:chExt cx="0" cy="0"/>
         </a:xfrm>
       </p:grpSpPr>
-      <p:sp>
-        <p:nvSpPr>
-          <p:cNvPr id="6" name="TextBox 5"/>
-          <p:cNvSpPr txBox="1"/>
-          <p:nvPr/>
-        </p:nvSpPr>
-        <p:spPr>
-          <a:xfrm>
-            <a:off x="683568" y="1478270"/>
-            <a:ext cx="7848872" cy="2677656"/>
+      <p:pic>
+        <p:nvPicPr>
+          <p:cNvPr id="4098" name="Picture 2" descr="C:\Users\ivan\Desktop\043.png"/>
+          <p:cNvPicPr>
+            <a:picLocks noChangeAspect="1" noChangeArrowheads="1"/>
+          </p:cNvPicPr>
+          <p:nvPr/>
+        </p:nvPicPr>
+        <p:blipFill>
+          <a:blip r:embed="rId2">
+            <a:extLst>
+              <a:ext uri="{28A0092B-C50C-407E-A947-70E740481C1C}">
+                <a14:useLocalDpi xmlns:a14="http://schemas.microsoft.com/office/drawing/2010/main" val="0"/>
+              </a:ext>
+            </a:extLst>
+          </a:blip>
+          <a:srcRect/>
+          <a:stretch>
+            <a:fillRect/>
+          </a:stretch>
+        </p:blipFill>
+        <p:spPr bwMode="auto">
+          <a:xfrm>
+            <a:off x="-2849265" y="-907353"/>
+            <a:ext cx="12173793" cy="6847759"/>
           </a:xfrm>
           <a:prstGeom prst="rect">
             <a:avLst/>
           </a:prstGeom>
           <a:noFill/>
-        </p:spPr>
-        <p:txBody>
-          <a:bodyPr wrap="square" rtlCol="0" anchor="t" anchorCtr="0">
-            <a:spAutoFit/>
-          </a:bodyPr>
-          <a:lstStyle/>
-          <a:p>
-            <a:r>
-              <a:rPr lang="en-NZ" sz="2800" b="1" dirty="0" smtClean="0">
-                <a:latin typeface="Consolas" panose="020B0609020204030204" pitchFamily="49" charset="0"/>
-                <a:cs typeface="Consolas" panose="020B0609020204030204" pitchFamily="49" charset="0"/>
-              </a:rPr>
-              <a:t>10 DIM NEWPRICES(LEN(PRICES))</a:t>
-            </a:r>
-          </a:p>
-          <a:p>
-            <a:r>
-              <a:rPr lang="en-NZ" sz="2800" b="1" dirty="0" smtClean="0">
-                <a:latin typeface="Consolas" panose="020B0609020204030204" pitchFamily="49" charset="0"/>
-                <a:cs typeface="Consolas" panose="020B0609020204030204" pitchFamily="49" charset="0"/>
-              </a:rPr>
-              <a:t>20 I = 1</a:t>
-            </a:r>
-          </a:p>
-          <a:p>
-            <a:r>
-              <a:rPr lang="en-NZ" sz="2800" b="1" dirty="0" smtClean="0">
-                <a:latin typeface="Consolas" panose="020B0609020204030204" pitchFamily="49" charset="0"/>
-                <a:cs typeface="Consolas" panose="020B0609020204030204" pitchFamily="49" charset="0"/>
-              </a:rPr>
-              <a:t>30 NEWPRICES(I) = 2 * PRICES(I)</a:t>
-            </a:r>
-          </a:p>
-          <a:p>
-            <a:r>
-              <a:rPr lang="en-NZ" sz="2800" b="1" dirty="0">
-                <a:latin typeface="Consolas" panose="020B0609020204030204" pitchFamily="49" charset="0"/>
-                <a:cs typeface="Consolas" panose="020B0609020204030204" pitchFamily="49" charset="0"/>
-              </a:rPr>
-              <a:t>4</a:t>
-            </a:r>
-            <a:r>
-              <a:rPr lang="en-NZ" sz="2800" b="1" dirty="0" smtClean="0">
-                <a:latin typeface="Consolas" panose="020B0609020204030204" pitchFamily="49" charset="0"/>
-                <a:cs typeface="Consolas" panose="020B0609020204030204" pitchFamily="49" charset="0"/>
-              </a:rPr>
-              <a:t>0 I = I + 1</a:t>
-            </a:r>
-          </a:p>
-          <a:p>
-            <a:r>
-              <a:rPr lang="en-NZ" sz="2800" b="1" dirty="0">
-                <a:latin typeface="Consolas" panose="020B0609020204030204" pitchFamily="49" charset="0"/>
-                <a:cs typeface="Consolas" panose="020B0609020204030204" pitchFamily="49" charset="0"/>
-              </a:rPr>
-              <a:t>5</a:t>
-            </a:r>
-            <a:r>
-              <a:rPr lang="en-NZ" sz="2800" b="1" dirty="0" smtClean="0">
-                <a:latin typeface="Consolas" panose="020B0609020204030204" pitchFamily="49" charset="0"/>
-                <a:cs typeface="Consolas" panose="020B0609020204030204" pitchFamily="49" charset="0"/>
-              </a:rPr>
-              <a:t>0 IF I &lt;= LEN(PRICES) GOTO 30</a:t>
-            </a:r>
-          </a:p>
-          <a:p>
-            <a:r>
-              <a:rPr lang="en-NZ" sz="2800" b="1" dirty="0">
-                <a:latin typeface="Consolas" panose="020B0609020204030204" pitchFamily="49" charset="0"/>
-                <a:cs typeface="Consolas" panose="020B0609020204030204" pitchFamily="49" charset="0"/>
-              </a:rPr>
-              <a:t>6</a:t>
-            </a:r>
-            <a:r>
-              <a:rPr lang="en-NZ" sz="2800" b="1" dirty="0" smtClean="0">
-                <a:latin typeface="Consolas" panose="020B0609020204030204" pitchFamily="49" charset="0"/>
-                <a:cs typeface="Consolas" panose="020B0609020204030204" pitchFamily="49" charset="0"/>
-              </a:rPr>
-              <a:t>0 PRINT "PROFIT!!!"</a:t>
-            </a:r>
-            <a:endParaRPr lang="en-NZ" sz="2800" b="1" dirty="0">
-              <a:latin typeface="Consolas" panose="020B0609020204030204" pitchFamily="49" charset="0"/>
-              <a:cs typeface="Consolas" panose="020B0609020204030204" pitchFamily="49" charset="0"/>
-            </a:endParaRPr>
-          </a:p>
-        </p:txBody>
-      </p:sp>
+          <a:extLst>
+            <a:ext uri="{909E8E84-426E-40DD-AFC4-6F175D3DCCD1}">
+              <a14:hiddenFill xmlns:a14="http://schemas.microsoft.com/office/drawing/2010/main">
+                <a:solidFill>
+                  <a:srgbClr val="FFFFFF"/>
+                </a:solidFill>
+              </a14:hiddenFill>
+            </a:ext>
+          </a:extLst>
+        </p:spPr>
+      </p:pic>
       <p:sp>
         <p:nvSpPr>
           <p:cNvPr id="3" name="TextBox 2"/>
@@ -15865,7 +15698,7 @@
           <a:p>
             <a:r>
               <a:rPr lang="en-NZ" sz="3600" b="1" dirty="0" smtClean="0"/>
-              <a:t>The dawn of history… 1964</a:t>
+              <a:t>The dawn of history</a:t>
             </a:r>
             <a:endParaRPr lang="en-NZ" sz="3600" b="1" dirty="0"/>
           </a:p>
@@ -15895,17 +15728,25 @@
           <a:p>
             <a:pPr algn="r"/>
             <a:r>
-              <a:rPr lang="en-NZ" sz="800" dirty="0" smtClean="0"/>
-              <a:t>Disclaimer: Actual history may not have started with BASIC</a:t>
-            </a:r>
-            <a:endParaRPr lang="en-NZ" sz="800" dirty="0"/>
+              <a:rPr lang="en-NZ" sz="800" dirty="0" smtClean="0">
+                <a:solidFill>
+                  <a:schemeClr val="bg1"/>
+                </a:solidFill>
+              </a:rPr>
+              <a:t>https://stillsfrmfilms.wordpress.com/2012/07/19/2001-a-space-odyssey/</a:t>
+            </a:r>
+            <a:endParaRPr lang="en-NZ" sz="800" dirty="0">
+              <a:solidFill>
+                <a:schemeClr val="bg1"/>
+              </a:solidFill>
+            </a:endParaRPr>
           </a:p>
         </p:txBody>
       </p:sp>
     </p:spTree>
     <p:extLst>
       <p:ext uri="{BB962C8B-B14F-4D97-AF65-F5344CB8AC3E}">
-        <p14:creationId xmlns:p14="http://schemas.microsoft.com/office/powerpoint/2010/main" val="2051440551"/>
+        <p14:creationId xmlns:p14="http://schemas.microsoft.com/office/powerpoint/2010/main" val="2894076723"/>
       </p:ext>
     </p:extLst>
   </p:cSld>

--- a/How I learned to stop worrying and love the zygohistomorphic prepromorphism.pptx
+++ b/How I learned to stop worrying and love the zygohistomorphic prepromorphism.pptx
@@ -29,11 +29,11 @@
     <p:sldId id="280" r:id="rId23"/>
     <p:sldId id="290" r:id="rId24"/>
     <p:sldId id="279" r:id="rId25"/>
-    <p:sldId id="281" r:id="rId26"/>
-    <p:sldId id="282" r:id="rId27"/>
-    <p:sldId id="291" r:id="rId28"/>
-    <p:sldId id="283" r:id="rId29"/>
-    <p:sldId id="305" r:id="rId30"/>
+    <p:sldId id="305" r:id="rId26"/>
+    <p:sldId id="281" r:id="rId27"/>
+    <p:sldId id="282" r:id="rId28"/>
+    <p:sldId id="291" r:id="rId29"/>
+    <p:sldId id="283" r:id="rId30"/>
     <p:sldId id="306" r:id="rId31"/>
     <p:sldId id="286" r:id="rId32"/>
     <p:sldId id="289" r:id="rId33"/>
@@ -6790,14 +6790,43 @@
       </p:grpSpPr>
       <p:sp>
         <p:nvSpPr>
-          <p:cNvPr id="6" name="TextBox 5"/>
+          <p:cNvPr id="3" name="TextBox 2"/>
           <p:cNvSpPr txBox="1"/>
           <p:nvPr/>
         </p:nvSpPr>
         <p:spPr>
           <a:xfrm>
+            <a:off x="683568" y="555526"/>
+            <a:ext cx="7848872" cy="646331"/>
+          </a:xfrm>
+          <a:prstGeom prst="rect">
+            <a:avLst/>
+          </a:prstGeom>
+          <a:noFill/>
+        </p:spPr>
+        <p:txBody>
+          <a:bodyPr wrap="square" rtlCol="0">
+            <a:spAutoFit/>
+          </a:bodyPr>
+          <a:lstStyle/>
+          <a:p>
+            <a:r>
+              <a:rPr lang="en-NZ" sz="3600" b="1" dirty="0"/>
+              <a:t>Abstractions… of abstractions</a:t>
+            </a:r>
+          </a:p>
+        </p:txBody>
+      </p:sp>
+      <p:sp>
+        <p:nvSpPr>
+          <p:cNvPr id="5" name="TextBox 4"/>
+          <p:cNvSpPr txBox="1"/>
+          <p:nvPr/>
+        </p:nvSpPr>
+        <p:spPr>
+          <a:xfrm>
             <a:off x="683568" y="1478270"/>
-            <a:ext cx="7848872" cy="2677656"/>
+            <a:ext cx="7848872" cy="3108543"/>
           </a:xfrm>
           <a:prstGeom prst="rect">
             <a:avLst/>
@@ -6815,28 +6844,51 @@
                 <a:latin typeface="Consolas" panose="020B0609020204030204" pitchFamily="49" charset="0"/>
                 <a:cs typeface="Consolas" panose="020B0609020204030204" pitchFamily="49" charset="0"/>
               </a:rPr>
-              <a:t>pendingOrders.Sum</a:t>
-            </a:r>
-            <a:r>
-              <a:rPr lang="en-NZ" sz="2800" b="1" dirty="0">
-                <a:latin typeface="Consolas" panose="020B0609020204030204" pitchFamily="49" charset="0"/>
-                <a:cs typeface="Consolas" panose="020B0609020204030204" pitchFamily="49" charset="0"/>
-              </a:rPr>
-              <a:t>(o =&gt; </a:t>
+              <a:t>foreach</a:t>
+            </a:r>
+            <a:r>
+              <a:rPr lang="en-NZ" sz="2800" b="1" dirty="0">
+                <a:latin typeface="Consolas" panose="020B0609020204030204" pitchFamily="49" charset="0"/>
+                <a:cs typeface="Consolas" panose="020B0609020204030204" pitchFamily="49" charset="0"/>
+              </a:rPr>
+              <a:t> (</a:t>
             </a:r>
             <a:r>
               <a:rPr lang="en-NZ" sz="2800" b="1" dirty="0" err="1">
                 <a:latin typeface="Consolas" panose="020B0609020204030204" pitchFamily="49" charset="0"/>
                 <a:cs typeface="Consolas" panose="020B0609020204030204" pitchFamily="49" charset="0"/>
               </a:rPr>
-              <a:t>o.TotalValue</a:t>
-            </a:r>
-            <a:r>
-              <a:rPr lang="en-NZ" sz="2800" b="1" dirty="0">
-                <a:latin typeface="Consolas" panose="020B0609020204030204" pitchFamily="49" charset="0"/>
-                <a:cs typeface="Consolas" panose="020B0609020204030204" pitchFamily="49" charset="0"/>
-              </a:rPr>
-              <a:t>);</a:t>
+              <a:t>var</a:t>
+            </a:r>
+            <a:r>
+              <a:rPr lang="en-NZ" sz="2800" b="1" dirty="0">
+                <a:latin typeface="Consolas" panose="020B0609020204030204" pitchFamily="49" charset="0"/>
+                <a:cs typeface="Consolas" panose="020B0609020204030204" pitchFamily="49" charset="0"/>
+              </a:rPr>
+              <a:t> x in </a:t>
+            </a:r>
+            <a:r>
+              <a:rPr lang="en-NZ" sz="2800" b="1" dirty="0" err="1">
+                <a:latin typeface="Consolas" panose="020B0609020204030204" pitchFamily="49" charset="0"/>
+                <a:cs typeface="Consolas" panose="020B0609020204030204" pitchFamily="49" charset="0"/>
+              </a:rPr>
+              <a:t>xs</a:t>
+            </a:r>
+            <a:r>
+              <a:rPr lang="en-NZ" sz="2800" b="1" dirty="0">
+                <a:latin typeface="Consolas" panose="020B0609020204030204" pitchFamily="49" charset="0"/>
+                <a:cs typeface="Consolas" panose="020B0609020204030204" pitchFamily="49" charset="0"/>
+              </a:rPr>
+              <a:t>)</a:t>
+            </a:r>
+          </a:p>
+          <a:p>
+            <a:r>
+              <a:rPr lang="en-NZ" sz="2800" b="1" dirty="0">
+                <a:latin typeface="Consolas" panose="020B0609020204030204" pitchFamily="49" charset="0"/>
+                <a:cs typeface="Consolas" panose="020B0609020204030204" pitchFamily="49" charset="0"/>
+              </a:rPr>
+              <a:t>  result = f(result, x);</a:t>
             </a:r>
           </a:p>
           <a:p>
@@ -6863,7 +6915,7 @@
                 <a:latin typeface="Consolas" panose="020B0609020204030204" pitchFamily="49" charset="0"/>
                 <a:cs typeface="Consolas" panose="020B0609020204030204" pitchFamily="49" charset="0"/>
               </a:rPr>
-              <a:t>pendingOrders.Aggregate</a:t>
+              <a:t>xs.Aggregate</a:t>
             </a:r>
             <a:r>
               <a:rPr lang="en-NZ" sz="2800" b="1" dirty="0">
@@ -6884,16 +6936,16 @@
                 <a:latin typeface="Consolas" panose="020B0609020204030204" pitchFamily="49" charset="0"/>
                 <a:cs typeface="Consolas" panose="020B0609020204030204" pitchFamily="49" charset="0"/>
               </a:rPr>
-              <a:t>, o) =&gt;</a:t>
-            </a:r>
-          </a:p>
-          <a:p>
-            <a:r>
-              <a:rPr lang="en-NZ" sz="2800" b="1" dirty="0">
-                <a:latin typeface="Consolas" panose="020B0609020204030204" pitchFamily="49" charset="0"/>
-                <a:cs typeface="Consolas" panose="020B0609020204030204" pitchFamily="49" charset="0"/>
-              </a:rPr>
-              <a:t>  </a:t>
+              <a:t>, w) =&gt;</a:t>
+            </a:r>
+          </a:p>
+          <a:p>
+            <a:r>
+              <a:rPr lang="en-NZ" sz="2800" b="1" dirty="0">
+                <a:latin typeface="Consolas" panose="020B0609020204030204" pitchFamily="49" charset="0"/>
+                <a:cs typeface="Consolas" panose="020B0609020204030204" pitchFamily="49" charset="0"/>
+              </a:rPr>
+              <a:t>  f(</a:t>
             </a:r>
             <a:r>
               <a:rPr lang="en-NZ" sz="2800" b="1" dirty="0" err="1">
@@ -6907,63 +6959,20 @@
                 <a:latin typeface="Consolas" panose="020B0609020204030204" pitchFamily="49" charset="0"/>
                 <a:cs typeface="Consolas" panose="020B0609020204030204" pitchFamily="49" charset="0"/>
               </a:rPr>
-              <a:t> + </a:t>
-            </a:r>
-            <a:r>
-              <a:rPr lang="en-NZ" sz="2800" b="1" dirty="0" err="1">
-                <a:latin typeface="Consolas" panose="020B0609020204030204" pitchFamily="49" charset="0"/>
-                <a:cs typeface="Consolas" panose="020B0609020204030204" pitchFamily="49" charset="0"/>
-              </a:rPr>
-              <a:t>o.TotalValue</a:t>
-            </a:r>
-            <a:r>
-              <a:rPr lang="en-NZ" sz="2800" b="1" dirty="0">
-                <a:latin typeface="Consolas" panose="020B0609020204030204" pitchFamily="49" charset="0"/>
-                <a:cs typeface="Consolas" panose="020B0609020204030204" pitchFamily="49" charset="0"/>
-              </a:rPr>
-              <a:t>);</a:t>
-            </a:r>
-          </a:p>
-        </p:txBody>
-      </p:sp>
-      <p:sp>
-        <p:nvSpPr>
-          <p:cNvPr id="3" name="TextBox 2"/>
-          <p:cNvSpPr txBox="1"/>
-          <p:nvPr/>
-        </p:nvSpPr>
-        <p:spPr>
-          <a:xfrm>
-            <a:off x="683568" y="555526"/>
-            <a:ext cx="7848872" cy="646331"/>
-          </a:xfrm>
-          <a:prstGeom prst="rect">
-            <a:avLst/>
-          </a:prstGeom>
-          <a:noFill/>
-        </p:spPr>
-        <p:txBody>
-          <a:bodyPr wrap="square" rtlCol="0">
-            <a:spAutoFit/>
-          </a:bodyPr>
-          <a:lstStyle/>
-          <a:p>
-            <a:r>
-              <a:rPr lang="en-NZ" sz="3600" b="1" dirty="0"/>
-              <a:t>Abstractions… of abstractions</a:t>
-            </a:r>
-          </a:p>
-        </p:txBody>
-      </p:sp>
-      <p:sp>
-        <p:nvSpPr>
-          <p:cNvPr id="2" name="Down Arrow 1"/>
+              <a:t>, w));</a:t>
+            </a:r>
+          </a:p>
+        </p:txBody>
+      </p:sp>
+      <p:sp>
+        <p:nvSpPr>
+          <p:cNvPr id="7" name="Down Arrow 6"/>
           <p:cNvSpPr/>
           <p:nvPr/>
         </p:nvSpPr>
         <p:spPr>
           <a:xfrm>
-            <a:off x="4283968" y="2283718"/>
+            <a:off x="4283968" y="2715766"/>
             <a:ext cx="576064" cy="648072"/>
           </a:xfrm>
           <a:prstGeom prst="downArrow">
@@ -6996,7 +7005,7 @@
     </p:spTree>
     <p:extLst>
       <p:ext uri="{BB962C8B-B14F-4D97-AF65-F5344CB8AC3E}">
-        <p14:creationId xmlns:p14="http://schemas.microsoft.com/office/powerpoint/2010/main" val="3964876540"/>
+        <p14:creationId xmlns:p14="http://schemas.microsoft.com/office/powerpoint/2010/main" val="2055917948"/>
       </p:ext>
     </p:extLst>
   </p:cSld>
@@ -7053,21 +7062,21 @@
                 <a:latin typeface="Consolas" panose="020B0609020204030204" pitchFamily="49" charset="0"/>
                 <a:cs typeface="Consolas" panose="020B0609020204030204" pitchFamily="49" charset="0"/>
               </a:rPr>
-              <a:t>years.Product</a:t>
-            </a:r>
-            <a:r>
-              <a:rPr lang="en-NZ" sz="2800" b="1" dirty="0">
-                <a:latin typeface="Consolas" panose="020B0609020204030204" pitchFamily="49" charset="0"/>
-                <a:cs typeface="Consolas" panose="020B0609020204030204" pitchFamily="49" charset="0"/>
-              </a:rPr>
-              <a:t>(y =&gt; </a:t>
+              <a:t>pendingOrders.Sum</a:t>
+            </a:r>
+            <a:r>
+              <a:rPr lang="en-NZ" sz="2800" b="1" dirty="0">
+                <a:latin typeface="Consolas" panose="020B0609020204030204" pitchFamily="49" charset="0"/>
+                <a:cs typeface="Consolas" panose="020B0609020204030204" pitchFamily="49" charset="0"/>
+              </a:rPr>
+              <a:t>(o =&gt; </a:t>
             </a:r>
             <a:r>
               <a:rPr lang="en-NZ" sz="2800" b="1" dirty="0" err="1">
                 <a:latin typeface="Consolas" panose="020B0609020204030204" pitchFamily="49" charset="0"/>
                 <a:cs typeface="Consolas" panose="020B0609020204030204" pitchFamily="49" charset="0"/>
               </a:rPr>
-              <a:t>y.AnnualInflation</a:t>
+              <a:t>o.TotalValue</a:t>
             </a:r>
             <a:r>
               <a:rPr lang="en-NZ" sz="2800" b="1" dirty="0">
@@ -7101,7 +7110,7 @@
                 <a:latin typeface="Consolas" panose="020B0609020204030204" pitchFamily="49" charset="0"/>
                 <a:cs typeface="Consolas" panose="020B0609020204030204" pitchFamily="49" charset="0"/>
               </a:rPr>
-              <a:t>years.Aggregate</a:t>
+              <a:t>pendingOrders.Aggregate</a:t>
             </a:r>
             <a:r>
               <a:rPr lang="en-NZ" sz="2800" b="1" dirty="0">
@@ -7122,7 +7131,7 @@
                 <a:latin typeface="Consolas" panose="020B0609020204030204" pitchFamily="49" charset="0"/>
                 <a:cs typeface="Consolas" panose="020B0609020204030204" pitchFamily="49" charset="0"/>
               </a:rPr>
-              <a:t>, y) =&gt;</a:t>
+              <a:t>, o) =&gt;</a:t>
             </a:r>
           </a:p>
           <a:p>
@@ -7145,14 +7154,14 @@
                 <a:latin typeface="Consolas" panose="020B0609020204030204" pitchFamily="49" charset="0"/>
                 <a:cs typeface="Consolas" panose="020B0609020204030204" pitchFamily="49" charset="0"/>
               </a:rPr>
-              <a:t> * </a:t>
+              <a:t> + </a:t>
             </a:r>
             <a:r>
               <a:rPr lang="en-NZ" sz="2800" b="1" dirty="0" err="1">
                 <a:latin typeface="Consolas" panose="020B0609020204030204" pitchFamily="49" charset="0"/>
                 <a:cs typeface="Consolas" panose="020B0609020204030204" pitchFamily="49" charset="0"/>
               </a:rPr>
-              <a:t>y.AnnualInflation</a:t>
+              <a:t>o.TotalValue</a:t>
             </a:r>
             <a:r>
               <a:rPr lang="en-NZ" sz="2800" b="1" dirty="0">
@@ -7234,7 +7243,7 @@
     </p:spTree>
     <p:extLst>
       <p:ext uri="{BB962C8B-B14F-4D97-AF65-F5344CB8AC3E}">
-        <p14:creationId xmlns:p14="http://schemas.microsoft.com/office/powerpoint/2010/main" val="431260941"/>
+        <p14:creationId xmlns:p14="http://schemas.microsoft.com/office/powerpoint/2010/main" val="3964876540"/>
       </p:ext>
     </p:extLst>
   </p:cSld>
@@ -7291,14 +7300,28 @@
                 <a:latin typeface="Consolas" panose="020B0609020204030204" pitchFamily="49" charset="0"/>
                 <a:cs typeface="Consolas" panose="020B0609020204030204" pitchFamily="49" charset="0"/>
               </a:rPr>
-              <a:t>scores.Max</a:t>
-            </a:r>
-            <a:r>
-              <a:rPr lang="en-NZ" sz="2800" b="1" dirty="0">
-                <a:latin typeface="Consolas" panose="020B0609020204030204" pitchFamily="49" charset="0"/>
-                <a:cs typeface="Consolas" panose="020B0609020204030204" pitchFamily="49" charset="0"/>
-              </a:rPr>
-              <a:t>();</a:t>
+              <a:t>years.Product</a:t>
+            </a:r>
+            <a:r>
+              <a:rPr lang="en-NZ" sz="2800" b="1" dirty="0">
+                <a:latin typeface="Consolas" panose="020B0609020204030204" pitchFamily="49" charset="0"/>
+                <a:cs typeface="Consolas" panose="020B0609020204030204" pitchFamily="49" charset="0"/>
+              </a:rPr>
+              <a:t>(y =&gt; </a:t>
+            </a:r>
+            <a:r>
+              <a:rPr lang="en-NZ" sz="2800" b="1" dirty="0" err="1">
+                <a:latin typeface="Consolas" panose="020B0609020204030204" pitchFamily="49" charset="0"/>
+                <a:cs typeface="Consolas" panose="020B0609020204030204" pitchFamily="49" charset="0"/>
+              </a:rPr>
+              <a:t>y.AnnualInflation</a:t>
+            </a:r>
+            <a:r>
+              <a:rPr lang="en-NZ" sz="2800" b="1" dirty="0">
+                <a:latin typeface="Consolas" panose="020B0609020204030204" pitchFamily="49" charset="0"/>
+                <a:cs typeface="Consolas" panose="020B0609020204030204" pitchFamily="49" charset="0"/>
+              </a:rPr>
+              <a:t>);</a:t>
             </a:r>
           </a:p>
           <a:p>
@@ -7325,7 +7348,7 @@
                 <a:latin typeface="Consolas" panose="020B0609020204030204" pitchFamily="49" charset="0"/>
                 <a:cs typeface="Consolas" panose="020B0609020204030204" pitchFamily="49" charset="0"/>
               </a:rPr>
-              <a:t>scores.Aggregate</a:t>
+              <a:t>years.Aggregate</a:t>
             </a:r>
             <a:r>
               <a:rPr lang="en-NZ" sz="2800" b="1" dirty="0">
@@ -7346,16 +7369,16 @@
                 <a:latin typeface="Consolas" panose="020B0609020204030204" pitchFamily="49" charset="0"/>
                 <a:cs typeface="Consolas" panose="020B0609020204030204" pitchFamily="49" charset="0"/>
               </a:rPr>
-              <a:t>, s) =&gt;</a:t>
-            </a:r>
-          </a:p>
-          <a:p>
-            <a:r>
-              <a:rPr lang="en-NZ" sz="2800" b="1" dirty="0">
-                <a:latin typeface="Consolas" panose="020B0609020204030204" pitchFamily="49" charset="0"/>
-                <a:cs typeface="Consolas" panose="020B0609020204030204" pitchFamily="49" charset="0"/>
-              </a:rPr>
-              <a:t>  Max(</a:t>
+              <a:t>, y) =&gt;</a:t>
+            </a:r>
+          </a:p>
+          <a:p>
+            <a:r>
+              <a:rPr lang="en-NZ" sz="2800" b="1" dirty="0">
+                <a:latin typeface="Consolas" panose="020B0609020204030204" pitchFamily="49" charset="0"/>
+                <a:cs typeface="Consolas" panose="020B0609020204030204" pitchFamily="49" charset="0"/>
+              </a:rPr>
+              <a:t>  </a:t>
             </a:r>
             <a:r>
               <a:rPr lang="en-NZ" sz="2800" b="1" dirty="0" err="1">
@@ -7369,7 +7392,21 @@
                 <a:latin typeface="Consolas" panose="020B0609020204030204" pitchFamily="49" charset="0"/>
                 <a:cs typeface="Consolas" panose="020B0609020204030204" pitchFamily="49" charset="0"/>
               </a:rPr>
-              <a:t>, s));</a:t>
+              <a:t> * </a:t>
+            </a:r>
+            <a:r>
+              <a:rPr lang="en-NZ" sz="2800" b="1" dirty="0" err="1">
+                <a:latin typeface="Consolas" panose="020B0609020204030204" pitchFamily="49" charset="0"/>
+                <a:cs typeface="Consolas" panose="020B0609020204030204" pitchFamily="49" charset="0"/>
+              </a:rPr>
+              <a:t>y.AnnualInflation</a:t>
+            </a:r>
+            <a:r>
+              <a:rPr lang="en-NZ" sz="2800" b="1" dirty="0">
+                <a:latin typeface="Consolas" panose="020B0609020204030204" pitchFamily="49" charset="0"/>
+                <a:cs typeface="Consolas" panose="020B0609020204030204" pitchFamily="49" charset="0"/>
+              </a:rPr>
+              <a:t>);</a:t>
             </a:r>
           </a:p>
         </p:txBody>
@@ -7444,7 +7481,7 @@
     </p:spTree>
     <p:extLst>
       <p:ext uri="{BB962C8B-B14F-4D97-AF65-F5344CB8AC3E}">
-        <p14:creationId xmlns:p14="http://schemas.microsoft.com/office/powerpoint/2010/main" val="3379158450"/>
+        <p14:creationId xmlns:p14="http://schemas.microsoft.com/office/powerpoint/2010/main" val="431260941"/>
       </p:ext>
     </p:extLst>
   </p:cSld>
@@ -7476,43 +7513,14 @@
       </p:grpSpPr>
       <p:sp>
         <p:nvSpPr>
-          <p:cNvPr id="3" name="TextBox 2"/>
+          <p:cNvPr id="6" name="TextBox 5"/>
           <p:cNvSpPr txBox="1"/>
           <p:nvPr/>
         </p:nvSpPr>
         <p:spPr>
           <a:xfrm>
-            <a:off x="683568" y="555526"/>
-            <a:ext cx="7848872" cy="646331"/>
-          </a:xfrm>
-          <a:prstGeom prst="rect">
-            <a:avLst/>
-          </a:prstGeom>
-          <a:noFill/>
-        </p:spPr>
-        <p:txBody>
-          <a:bodyPr wrap="square" rtlCol="0">
-            <a:spAutoFit/>
-          </a:bodyPr>
-          <a:lstStyle/>
-          <a:p>
-            <a:r>
-              <a:rPr lang="en-NZ" sz="3600" b="1" dirty="0"/>
-              <a:t>Abstractions… of abstractions</a:t>
-            </a:r>
-          </a:p>
-        </p:txBody>
-      </p:sp>
-      <p:sp>
-        <p:nvSpPr>
-          <p:cNvPr id="5" name="TextBox 4"/>
-          <p:cNvSpPr txBox="1"/>
-          <p:nvPr/>
-        </p:nvSpPr>
-        <p:spPr>
-          <a:xfrm>
             <a:off x="683568" y="1478270"/>
-            <a:ext cx="7848872" cy="3108543"/>
+            <a:ext cx="7848872" cy="2677656"/>
           </a:xfrm>
           <a:prstGeom prst="rect">
             <a:avLst/>
@@ -7530,51 +7538,14 @@
                 <a:latin typeface="Consolas" panose="020B0609020204030204" pitchFamily="49" charset="0"/>
                 <a:cs typeface="Consolas" panose="020B0609020204030204" pitchFamily="49" charset="0"/>
               </a:rPr>
-              <a:t>foreach</a:t>
-            </a:r>
-            <a:r>
-              <a:rPr lang="en-NZ" sz="2800" b="1" dirty="0">
-                <a:latin typeface="Consolas" panose="020B0609020204030204" pitchFamily="49" charset="0"/>
-                <a:cs typeface="Consolas" panose="020B0609020204030204" pitchFamily="49" charset="0"/>
-              </a:rPr>
-              <a:t> (</a:t>
-            </a:r>
-            <a:r>
-              <a:rPr lang="en-NZ" sz="2800" b="1" dirty="0" err="1">
-                <a:latin typeface="Consolas" panose="020B0609020204030204" pitchFamily="49" charset="0"/>
-                <a:cs typeface="Consolas" panose="020B0609020204030204" pitchFamily="49" charset="0"/>
-              </a:rPr>
-              <a:t>var</a:t>
-            </a:r>
-            <a:r>
-              <a:rPr lang="en-NZ" sz="2800" b="1" dirty="0">
-                <a:latin typeface="Consolas" panose="020B0609020204030204" pitchFamily="49" charset="0"/>
-                <a:cs typeface="Consolas" panose="020B0609020204030204" pitchFamily="49" charset="0"/>
-              </a:rPr>
-              <a:t> w in words)</a:t>
-            </a:r>
-          </a:p>
-          <a:p>
-            <a:r>
-              <a:rPr lang="en-NZ" sz="2800" b="1" dirty="0">
-                <a:latin typeface="Consolas" panose="020B0609020204030204" pitchFamily="49" charset="0"/>
-                <a:cs typeface="Consolas" panose="020B0609020204030204" pitchFamily="49" charset="0"/>
-              </a:rPr>
-              <a:t>  </a:t>
-            </a:r>
-            <a:r>
-              <a:rPr lang="en-NZ" sz="2800" b="1" dirty="0" err="1">
-                <a:latin typeface="Consolas" panose="020B0609020204030204" pitchFamily="49" charset="0"/>
-                <a:cs typeface="Consolas" panose="020B0609020204030204" pitchFamily="49" charset="0"/>
-              </a:rPr>
-              <a:t>endlessBabble</a:t>
-            </a:r>
-            <a:r>
-              <a:rPr lang="en-NZ" sz="2800" b="1" dirty="0">
-                <a:latin typeface="Consolas" panose="020B0609020204030204" pitchFamily="49" charset="0"/>
-                <a:cs typeface="Consolas" panose="020B0609020204030204" pitchFamily="49" charset="0"/>
-              </a:rPr>
-              <a:t> += w + " ";</a:t>
+              <a:t>scores.Max</a:t>
+            </a:r>
+            <a:r>
+              <a:rPr lang="en-NZ" sz="2800" b="1" dirty="0">
+                <a:latin typeface="Consolas" panose="020B0609020204030204" pitchFamily="49" charset="0"/>
+                <a:cs typeface="Consolas" panose="020B0609020204030204" pitchFamily="49" charset="0"/>
+              </a:rPr>
+              <a:t>();</a:t>
             </a:r>
           </a:p>
           <a:p>
@@ -7601,7 +7572,7 @@
                 <a:latin typeface="Consolas" panose="020B0609020204030204" pitchFamily="49" charset="0"/>
                 <a:cs typeface="Consolas" panose="020B0609020204030204" pitchFamily="49" charset="0"/>
               </a:rPr>
-              <a:t>words.Aggregate</a:t>
+              <a:t>scores.Aggregate</a:t>
             </a:r>
             <a:r>
               <a:rPr lang="en-NZ" sz="2800" b="1" dirty="0">
@@ -7622,16 +7593,16 @@
                 <a:latin typeface="Consolas" panose="020B0609020204030204" pitchFamily="49" charset="0"/>
                 <a:cs typeface="Consolas" panose="020B0609020204030204" pitchFamily="49" charset="0"/>
               </a:rPr>
-              <a:t>, w) =&gt;</a:t>
-            </a:r>
-          </a:p>
-          <a:p>
-            <a:r>
-              <a:rPr lang="en-NZ" sz="2800" b="1" dirty="0">
-                <a:latin typeface="Consolas" panose="020B0609020204030204" pitchFamily="49" charset="0"/>
-                <a:cs typeface="Consolas" panose="020B0609020204030204" pitchFamily="49" charset="0"/>
-              </a:rPr>
-              <a:t>  </a:t>
+              <a:t>, s) =&gt;</a:t>
+            </a:r>
+          </a:p>
+          <a:p>
+            <a:r>
+              <a:rPr lang="en-NZ" sz="2800" b="1" dirty="0">
+                <a:latin typeface="Consolas" panose="020B0609020204030204" pitchFamily="49" charset="0"/>
+                <a:cs typeface="Consolas" panose="020B0609020204030204" pitchFamily="49" charset="0"/>
+              </a:rPr>
+              <a:t>  Max(</a:t>
             </a:r>
             <a:r>
               <a:rPr lang="en-NZ" sz="2800" b="1" dirty="0" err="1">
@@ -7645,20 +7616,49 @@
                 <a:latin typeface="Consolas" panose="020B0609020204030204" pitchFamily="49" charset="0"/>
                 <a:cs typeface="Consolas" panose="020B0609020204030204" pitchFamily="49" charset="0"/>
               </a:rPr>
-              <a:t> + w + " ");</a:t>
-            </a:r>
-          </a:p>
-        </p:txBody>
-      </p:sp>
-      <p:sp>
-        <p:nvSpPr>
-          <p:cNvPr id="7" name="Down Arrow 6"/>
+              <a:t>, s));</a:t>
+            </a:r>
+          </a:p>
+        </p:txBody>
+      </p:sp>
+      <p:sp>
+        <p:nvSpPr>
+          <p:cNvPr id="3" name="TextBox 2"/>
+          <p:cNvSpPr txBox="1"/>
+          <p:nvPr/>
+        </p:nvSpPr>
+        <p:spPr>
+          <a:xfrm>
+            <a:off x="683568" y="555526"/>
+            <a:ext cx="7848872" cy="646331"/>
+          </a:xfrm>
+          <a:prstGeom prst="rect">
+            <a:avLst/>
+          </a:prstGeom>
+          <a:noFill/>
+        </p:spPr>
+        <p:txBody>
+          <a:bodyPr wrap="square" rtlCol="0">
+            <a:spAutoFit/>
+          </a:bodyPr>
+          <a:lstStyle/>
+          <a:p>
+            <a:r>
+              <a:rPr lang="en-NZ" sz="3600" b="1" dirty="0"/>
+              <a:t>Abstractions… of abstractions</a:t>
+            </a:r>
+          </a:p>
+        </p:txBody>
+      </p:sp>
+      <p:sp>
+        <p:nvSpPr>
+          <p:cNvPr id="2" name="Down Arrow 1"/>
           <p:cNvSpPr/>
           <p:nvPr/>
         </p:nvSpPr>
         <p:spPr>
           <a:xfrm>
-            <a:off x="4283968" y="2715766"/>
+            <a:off x="4283968" y="2283718"/>
             <a:ext cx="576064" cy="648072"/>
           </a:xfrm>
           <a:prstGeom prst="downArrow">
@@ -7691,7 +7691,7 @@
     </p:spTree>
     <p:extLst>
       <p:ext uri="{BB962C8B-B14F-4D97-AF65-F5344CB8AC3E}">
-        <p14:creationId xmlns:p14="http://schemas.microsoft.com/office/powerpoint/2010/main" val="2914714035"/>
+        <p14:creationId xmlns:p14="http://schemas.microsoft.com/office/powerpoint/2010/main" val="3379158450"/>
       </p:ext>
     </p:extLst>
   </p:cSld>
@@ -7798,30 +7798,30 @@
                 <a:latin typeface="Consolas" panose="020B0609020204030204" pitchFamily="49" charset="0"/>
                 <a:cs typeface="Consolas" panose="020B0609020204030204" pitchFamily="49" charset="0"/>
               </a:rPr>
-              <a:t> x in </a:t>
+              <a:t> w in words)</a:t>
+            </a:r>
+          </a:p>
+          <a:p>
+            <a:r>
+              <a:rPr lang="en-NZ" sz="2800" b="1" dirty="0">
+                <a:latin typeface="Consolas" panose="020B0609020204030204" pitchFamily="49" charset="0"/>
+                <a:cs typeface="Consolas" panose="020B0609020204030204" pitchFamily="49" charset="0"/>
+              </a:rPr>
+              <a:t>  </a:t>
             </a:r>
             <a:r>
               <a:rPr lang="en-NZ" sz="2800" b="1" dirty="0" err="1">
                 <a:latin typeface="Consolas" panose="020B0609020204030204" pitchFamily="49" charset="0"/>
                 <a:cs typeface="Consolas" panose="020B0609020204030204" pitchFamily="49" charset="0"/>
               </a:rPr>
-              <a:t>xs</a:t>
-            </a:r>
-            <a:r>
-              <a:rPr lang="en-NZ" sz="2800" b="1" dirty="0">
-                <a:latin typeface="Consolas" panose="020B0609020204030204" pitchFamily="49" charset="0"/>
-                <a:cs typeface="Consolas" panose="020B0609020204030204" pitchFamily="49" charset="0"/>
-              </a:rPr>
-              <a:t>)</a:t>
-            </a:r>
-          </a:p>
-          <a:p>
-            <a:r>
-              <a:rPr lang="en-NZ" sz="2800" b="1" dirty="0">
-                <a:latin typeface="Consolas" panose="020B0609020204030204" pitchFamily="49" charset="0"/>
-                <a:cs typeface="Consolas" panose="020B0609020204030204" pitchFamily="49" charset="0"/>
-              </a:rPr>
-              <a:t>  result = f(result, x);</a:t>
+              <a:t>endlessBabble</a:t>
+            </a:r>
+            <a:r>
+              <a:rPr lang="en-NZ" sz="2800" b="1" dirty="0">
+                <a:latin typeface="Consolas" panose="020B0609020204030204" pitchFamily="49" charset="0"/>
+                <a:cs typeface="Consolas" panose="020B0609020204030204" pitchFamily="49" charset="0"/>
+              </a:rPr>
+              <a:t> += w + " ";</a:t>
             </a:r>
           </a:p>
           <a:p>
@@ -7848,7 +7848,7 @@
                 <a:latin typeface="Consolas" panose="020B0609020204030204" pitchFamily="49" charset="0"/>
                 <a:cs typeface="Consolas" panose="020B0609020204030204" pitchFamily="49" charset="0"/>
               </a:rPr>
-              <a:t>xs.Aggregate</a:t>
+              <a:t>words.Aggregate</a:t>
             </a:r>
             <a:r>
               <a:rPr lang="en-NZ" sz="2800" b="1" dirty="0">
@@ -7878,7 +7878,7 @@
                 <a:latin typeface="Consolas" panose="020B0609020204030204" pitchFamily="49" charset="0"/>
                 <a:cs typeface="Consolas" panose="020B0609020204030204" pitchFamily="49" charset="0"/>
               </a:rPr>
-              <a:t>  f(</a:t>
+              <a:t>  </a:t>
             </a:r>
             <a:r>
               <a:rPr lang="en-NZ" sz="2800" b="1" dirty="0" err="1">
@@ -7892,7 +7892,7 @@
                 <a:latin typeface="Consolas" panose="020B0609020204030204" pitchFamily="49" charset="0"/>
                 <a:cs typeface="Consolas" panose="020B0609020204030204" pitchFamily="49" charset="0"/>
               </a:rPr>
-              <a:t>, w));</a:t>
+              <a:t> + w + " ");</a:t>
             </a:r>
           </a:p>
         </p:txBody>
@@ -7938,7 +7938,7 @@
     </p:spTree>
     <p:extLst>
       <p:ext uri="{BB962C8B-B14F-4D97-AF65-F5344CB8AC3E}">
-        <p14:creationId xmlns:p14="http://schemas.microsoft.com/office/powerpoint/2010/main" val="2055917948"/>
+        <p14:creationId xmlns:p14="http://schemas.microsoft.com/office/powerpoint/2010/main" val="2914714035"/>
       </p:ext>
     </p:extLst>
   </p:cSld>
@@ -12721,7 +12721,7 @@
                 <a:latin typeface="Consolas" panose="020B0609020204030204" pitchFamily="49" charset="0"/>
                 <a:cs typeface="Consolas" panose="020B0609020204030204" pitchFamily="49" charset="0"/>
               </a:rPr>
-              <a:t>f</a:t>
+              <a:t>F</a:t>
             </a:r>
             <a:r>
               <a:rPr lang="en-NZ" sz="2800" b="1" dirty="0">
@@ -12805,7 +12805,7 @@
             <a:pPr algn="ctr"/>
             <a:r>
               <a:rPr lang="en-NZ" sz="4000" b="1" dirty="0" err="1"/>
-              <a:t>MappableInAWayThatPreservesStructure</a:t>
+              <a:t>IHasStructurePreservingMap</a:t>
             </a:r>
             <a:endParaRPr lang="en-NZ" sz="4000" b="1" dirty="0"/>
           </a:p>
@@ -14141,41 +14141,79 @@
               <a:t>&lt;</a:t>
             </a:r>
             <a:r>
+              <a:rPr lang="en-NZ" sz="2800" b="1" dirty="0">
+                <a:solidFill>
+                  <a:schemeClr val="accent1"/>
+                </a:solidFill>
+                <a:latin typeface="Consolas" panose="020B0609020204030204" pitchFamily="49" charset="0"/>
+                <a:cs typeface="Consolas" panose="020B0609020204030204" pitchFamily="49" charset="0"/>
+              </a:rPr>
+              <a:t>seq</a:t>
+            </a:r>
+            <a:r>
+              <a:rPr lang="en-NZ" sz="2800" b="1" dirty="0">
+                <a:latin typeface="Consolas" panose="020B0609020204030204" pitchFamily="49" charset="0"/>
+                <a:cs typeface="Consolas" panose="020B0609020204030204" pitchFamily="49" charset="0"/>
+              </a:rPr>
+              <a:t>&lt;T&gt;,   </a:t>
+            </a:r>
+            <a:r>
+              <a:rPr lang="en-NZ" sz="2800" b="1" dirty="0">
+                <a:solidFill>
+                  <a:schemeClr val="accent1"/>
+                </a:solidFill>
+                <a:latin typeface="Consolas" panose="020B0609020204030204" pitchFamily="49" charset="0"/>
+                <a:cs typeface="Consolas" panose="020B0609020204030204" pitchFamily="49" charset="0"/>
+              </a:rPr>
+              <a:t>seq</a:t>
+            </a:r>
+            <a:r>
+              <a:rPr lang="en-NZ" sz="2800" b="1" dirty="0">
+                <a:latin typeface="Consolas" panose="020B0609020204030204" pitchFamily="49" charset="0"/>
+                <a:cs typeface="Consolas" panose="020B0609020204030204" pitchFamily="49" charset="0"/>
+              </a:rPr>
+              <a:t>&lt;U&gt;&gt;</a:t>
+            </a:r>
+          </a:p>
+          <a:p>
+            <a:r>
+              <a:rPr lang="en-NZ" sz="2800" b="1" dirty="0">
+                <a:solidFill>
+                  <a:schemeClr val="accent2"/>
+                </a:solidFill>
+                <a:latin typeface="Consolas" panose="020B0609020204030204" pitchFamily="49" charset="0"/>
+                <a:cs typeface="Consolas" panose="020B0609020204030204" pitchFamily="49" charset="0"/>
+              </a:rPr>
+              <a:t>map: </a:t>
+            </a:r>
+            <a:r>
               <a:rPr lang="en-NZ" sz="2800" b="1" dirty="0" err="1">
-                <a:solidFill>
-                  <a:schemeClr val="accent1"/>
-                </a:solidFill>
-                <a:latin typeface="Consolas" panose="020B0609020204030204" pitchFamily="49" charset="0"/>
-                <a:cs typeface="Consolas" panose="020B0609020204030204" pitchFamily="49" charset="0"/>
-              </a:rPr>
-              <a:t>seq</a:t>
-            </a:r>
-            <a:r>
-              <a:rPr lang="en-NZ" sz="2800" b="1" dirty="0">
-                <a:latin typeface="Consolas" panose="020B0609020204030204" pitchFamily="49" charset="0"/>
-                <a:cs typeface="Consolas" panose="020B0609020204030204" pitchFamily="49" charset="0"/>
-              </a:rPr>
-              <a:t>&lt;T&gt;, </a:t>
+                <a:latin typeface="Consolas" panose="020B0609020204030204" pitchFamily="49" charset="0"/>
+                <a:cs typeface="Consolas" panose="020B0609020204030204" pitchFamily="49" charset="0"/>
+              </a:rPr>
+              <a:t>func</a:t>
+            </a:r>
+            <a:r>
+              <a:rPr lang="en-NZ" sz="2800" b="1" dirty="0">
+                <a:latin typeface="Consolas" panose="020B0609020204030204" pitchFamily="49" charset="0"/>
+                <a:cs typeface="Consolas" panose="020B0609020204030204" pitchFamily="49" charset="0"/>
+              </a:rPr>
+              <a:t>&lt;T,U&gt; -&gt; </a:t>
             </a:r>
             <a:r>
               <a:rPr lang="en-NZ" sz="2800" b="1" dirty="0" err="1">
-                <a:solidFill>
-                  <a:schemeClr val="accent1"/>
-                </a:solidFill>
-                <a:latin typeface="Consolas" panose="020B0609020204030204" pitchFamily="49" charset="0"/>
-                <a:cs typeface="Consolas" panose="020B0609020204030204" pitchFamily="49" charset="0"/>
-              </a:rPr>
-              <a:t>seq</a:t>
-            </a:r>
-            <a:r>
-              <a:rPr lang="en-NZ" sz="2800" b="1" dirty="0">
-                <a:latin typeface="Consolas" panose="020B0609020204030204" pitchFamily="49" charset="0"/>
-                <a:cs typeface="Consolas" panose="020B0609020204030204" pitchFamily="49" charset="0"/>
-              </a:rPr>
-              <a:t>&lt;U&gt;&gt;</a:t>
-            </a:r>
-          </a:p>
-          <a:p>
+                <a:latin typeface="Consolas" panose="020B0609020204030204" pitchFamily="49" charset="0"/>
+                <a:cs typeface="Consolas" panose="020B0609020204030204" pitchFamily="49" charset="0"/>
+              </a:rPr>
+              <a:t>func</a:t>
+            </a:r>
+            <a:r>
+              <a:rPr lang="en-NZ" sz="2800" b="1" dirty="0">
+                <a:latin typeface="Consolas" panose="020B0609020204030204" pitchFamily="49" charset="0"/>
+                <a:cs typeface="Consolas" panose="020B0609020204030204" pitchFamily="49" charset="0"/>
+              </a:rPr>
+              <a:t>&lt;</a:t>
+            </a:r>
             <a:r>
               <a:rPr lang="en-NZ" sz="2800" b="1" dirty="0">
                 <a:solidFill>
@@ -14184,44 +14222,6 @@
                 <a:latin typeface="Consolas" panose="020B0609020204030204" pitchFamily="49" charset="0"/>
                 <a:cs typeface="Consolas" panose="020B0609020204030204" pitchFamily="49" charset="0"/>
               </a:rPr>
-              <a:t>map: </a:t>
-            </a:r>
-            <a:r>
-              <a:rPr lang="en-NZ" sz="2800" b="1" dirty="0" err="1">
-                <a:latin typeface="Consolas" panose="020B0609020204030204" pitchFamily="49" charset="0"/>
-                <a:cs typeface="Consolas" panose="020B0609020204030204" pitchFamily="49" charset="0"/>
-              </a:rPr>
-              <a:t>func</a:t>
-            </a:r>
-            <a:r>
-              <a:rPr lang="en-NZ" sz="2800" b="1" dirty="0">
-                <a:latin typeface="Consolas" panose="020B0609020204030204" pitchFamily="49" charset="0"/>
-                <a:cs typeface="Consolas" panose="020B0609020204030204" pitchFamily="49" charset="0"/>
-              </a:rPr>
-              <a:t>&lt;T,U&gt; -&gt; </a:t>
-            </a:r>
-            <a:r>
-              <a:rPr lang="en-NZ" sz="2800" b="1" dirty="0" err="1">
-                <a:latin typeface="Consolas" panose="020B0609020204030204" pitchFamily="49" charset="0"/>
-                <a:cs typeface="Consolas" panose="020B0609020204030204" pitchFamily="49" charset="0"/>
-              </a:rPr>
-              <a:t>func</a:t>
-            </a:r>
-            <a:r>
-              <a:rPr lang="en-NZ" sz="2800" b="1" dirty="0">
-                <a:latin typeface="Consolas" panose="020B0609020204030204" pitchFamily="49" charset="0"/>
-                <a:cs typeface="Consolas" panose="020B0609020204030204" pitchFamily="49" charset="0"/>
-              </a:rPr>
-              <a:t>&lt;</a:t>
-            </a:r>
-            <a:r>
-              <a:rPr lang="en-NZ" sz="2800" b="1" dirty="0">
-                <a:solidFill>
-                  <a:schemeClr val="accent2"/>
-                </a:solidFill>
-                <a:latin typeface="Consolas" panose="020B0609020204030204" pitchFamily="49" charset="0"/>
-                <a:cs typeface="Consolas" panose="020B0609020204030204" pitchFamily="49" charset="0"/>
-              </a:rPr>
               <a:t>tree</a:t>
             </a:r>
             <a:r>
@@ -14229,7 +14229,7 @@
                 <a:latin typeface="Consolas" panose="020B0609020204030204" pitchFamily="49" charset="0"/>
                 <a:cs typeface="Consolas" panose="020B0609020204030204" pitchFamily="49" charset="0"/>
               </a:rPr>
-              <a:t>&lt;T&gt;, </a:t>
+              <a:t>&lt;T&gt;,  </a:t>
             </a:r>
             <a:r>
               <a:rPr lang="en-NZ" sz="2800" b="1" dirty="0">
